--- a/Präsentation/RecipeManager_Präsentation.pptx
+++ b/Präsentation/RecipeManager_Präsentation.pptx
@@ -5,14 +5,23 @@
     <p:sldMasterId id="2147483960" r:id="rId4"/>
   </p:sldMasterIdLst>
   <p:notesMasterIdLst>
-    <p:notesMasterId r:id="rId10"/>
+    <p:notesMasterId r:id="rId19"/>
   </p:notesMasterIdLst>
   <p:sldIdLst>
     <p:sldId id="256" r:id="rId5"/>
     <p:sldId id="263" r:id="rId6"/>
     <p:sldId id="257" r:id="rId7"/>
-    <p:sldId id="282" r:id="rId8"/>
-    <p:sldId id="283" r:id="rId9"/>
+    <p:sldId id="285" r:id="rId8"/>
+    <p:sldId id="286" r:id="rId9"/>
+    <p:sldId id="287" r:id="rId10"/>
+    <p:sldId id="288" r:id="rId11"/>
+    <p:sldId id="289" r:id="rId12"/>
+    <p:sldId id="290" r:id="rId13"/>
+    <p:sldId id="291" r:id="rId14"/>
+    <p:sldId id="284" r:id="rId15"/>
+    <p:sldId id="292" r:id="rId16"/>
+    <p:sldId id="282" r:id="rId17"/>
+    <p:sldId id="283" r:id="rId18"/>
   </p:sldIdLst>
   <p:sldSz cx="12192000" cy="6858000"/>
   <p:notesSz cx="6858000" cy="9144000"/>
@@ -201,7 +210,7 @@
           <a:p>
             <a:fld id="{8D1B6167-BAD2-491F-A10B-7E1687CDD113}" type="datetimeFigureOut">
               <a:rPr lang="de-CH" smtClean="0"/>
-              <a:t>29.09.2022</a:t>
+              <a:t>30.09.2022</a:t>
             </a:fld>
             <a:endParaRPr lang="de-CH"/>
           </a:p>
@@ -632,6 +641,1175 @@
 </p:notes>
 </file>
 
+<file path=ppt/notesSlides/notesSlide10.xml><?xml version="1.0" encoding="utf-8"?>
+<p:notes xmlns:a="http://schemas.openxmlformats.org/drawingml/2006/main" xmlns:r="http://schemas.openxmlformats.org/officeDocument/2006/relationships" xmlns:p="http://schemas.openxmlformats.org/presentationml/2006/main">
+  <p:cSld>
+    <p:spTree>
+      <p:nvGrpSpPr>
+        <p:cNvPr id="1" name=""/>
+        <p:cNvGrpSpPr/>
+        <p:nvPr/>
+      </p:nvGrpSpPr>
+      <p:grpSpPr>
+        <a:xfrm>
+          <a:off x="0" y="0"/>
+          <a:ext cx="0" cy="0"/>
+          <a:chOff x="0" y="0"/>
+          <a:chExt cx="0" cy="0"/>
+        </a:xfrm>
+      </p:grpSpPr>
+      <p:sp>
+        <p:nvSpPr>
+          <p:cNvPr id="2" name="Folienbildplatzhalter 1"/>
+          <p:cNvSpPr>
+            <a:spLocks noGrp="1" noRot="1" noChangeAspect="1"/>
+          </p:cNvSpPr>
+          <p:nvPr>
+            <p:ph type="sldImg"/>
+          </p:nvPr>
+        </p:nvSpPr>
+        <p:spPr/>
+      </p:sp>
+      <p:sp>
+        <p:nvSpPr>
+          <p:cNvPr id="3" name="Notizenplatzhalter 2"/>
+          <p:cNvSpPr>
+            <a:spLocks noGrp="1"/>
+          </p:cNvSpPr>
+          <p:nvPr>
+            <p:ph type="body" idx="1"/>
+          </p:nvPr>
+        </p:nvSpPr>
+        <p:spPr/>
+        <p:txBody>
+          <a:bodyPr/>
+          <a:lstStyle/>
+          <a:p>
+            <a:r>
+              <a:rPr lang="de-CH" dirty="0"/>
+              <a:t>Für de Walking Skeleton </a:t>
+            </a:r>
+            <a:r>
+              <a:rPr lang="de-CH" dirty="0" err="1"/>
+              <a:t>isch</a:t>
+            </a:r>
+            <a:r>
+              <a:rPr lang="de-CH" dirty="0"/>
+              <a:t> de Fokus klar </a:t>
+            </a:r>
+            <a:r>
+              <a:rPr lang="de-CH" dirty="0" err="1"/>
+              <a:t>uf</a:t>
+            </a:r>
+            <a:r>
+              <a:rPr lang="de-CH" dirty="0"/>
+              <a:t> de Funktionalität und de Verifikation vom Design </a:t>
+            </a:r>
+            <a:r>
+              <a:rPr lang="de-CH" dirty="0" err="1"/>
+              <a:t>glege</a:t>
+            </a:r>
+            <a:r>
+              <a:rPr lang="de-CH" dirty="0"/>
+              <a:t>. Drum </a:t>
+            </a:r>
+            <a:r>
+              <a:rPr lang="de-CH" dirty="0" err="1"/>
+              <a:t>söll</a:t>
+            </a:r>
+            <a:r>
+              <a:rPr lang="de-CH" dirty="0"/>
+              <a:t> jetzt </a:t>
+            </a:r>
+            <a:r>
+              <a:rPr lang="de-CH" dirty="0" err="1"/>
+              <a:t>zeitnöch</a:t>
+            </a:r>
+            <a:r>
+              <a:rPr lang="de-CH" dirty="0"/>
+              <a:t> d Dokumentation ergänzt werde.</a:t>
+            </a:r>
+          </a:p>
+          <a:p>
+            <a:r>
+              <a:rPr lang="de-CH" dirty="0"/>
+              <a:t>Im gliche Zug </a:t>
+            </a:r>
+            <a:r>
+              <a:rPr lang="de-CH" dirty="0" err="1"/>
+              <a:t>söll</a:t>
+            </a:r>
+            <a:r>
+              <a:rPr lang="de-CH" dirty="0"/>
+              <a:t> au d Implementation </a:t>
+            </a:r>
+            <a:r>
+              <a:rPr lang="de-CH" dirty="0" err="1"/>
+              <a:t>nomol</a:t>
+            </a:r>
+            <a:r>
+              <a:rPr lang="de-CH" dirty="0"/>
+              <a:t> </a:t>
+            </a:r>
+            <a:r>
+              <a:rPr lang="de-CH" dirty="0" err="1"/>
+              <a:t>greviewt</a:t>
+            </a:r>
+            <a:r>
+              <a:rPr lang="de-CH" dirty="0"/>
+              <a:t> werde.</a:t>
+            </a:r>
+          </a:p>
+          <a:p>
+            <a:endParaRPr lang="de-CH" dirty="0"/>
+          </a:p>
+          <a:p>
+            <a:r>
+              <a:rPr lang="de-CH" dirty="0"/>
+              <a:t>Weiter </a:t>
+            </a:r>
+            <a:r>
+              <a:rPr lang="de-CH" dirty="0" err="1"/>
+              <a:t>söll</a:t>
+            </a:r>
+            <a:r>
+              <a:rPr lang="de-CH" dirty="0"/>
+              <a:t> de </a:t>
+            </a:r>
+            <a:r>
+              <a:rPr lang="de-CH" dirty="0" err="1"/>
+              <a:t>Zuegriff</a:t>
+            </a:r>
+            <a:r>
+              <a:rPr lang="de-CH" dirty="0"/>
+              <a:t> </a:t>
+            </a:r>
+            <a:r>
+              <a:rPr lang="de-CH" dirty="0" err="1"/>
+              <a:t>uf</a:t>
+            </a:r>
+            <a:r>
+              <a:rPr lang="de-CH" dirty="0"/>
+              <a:t> d Applikation </a:t>
+            </a:r>
+            <a:r>
+              <a:rPr lang="de-CH" dirty="0" err="1"/>
+              <a:t>uf</a:t>
+            </a:r>
+            <a:r>
+              <a:rPr lang="de-CH" dirty="0"/>
+              <a:t> https </a:t>
+            </a:r>
+            <a:r>
+              <a:rPr lang="de-CH" dirty="0" err="1"/>
+              <a:t>umgstellt</a:t>
+            </a:r>
+            <a:r>
+              <a:rPr lang="de-CH" dirty="0"/>
+              <a:t> und mittels User-Login </a:t>
+            </a:r>
+            <a:r>
+              <a:rPr lang="de-CH" dirty="0" err="1"/>
+              <a:t>gschützt</a:t>
+            </a:r>
+            <a:r>
+              <a:rPr lang="de-CH" dirty="0"/>
+              <a:t> werde.</a:t>
+            </a:r>
+          </a:p>
+          <a:p>
+            <a:endParaRPr lang="de-CH" dirty="0"/>
+          </a:p>
+          <a:p>
+            <a:r>
+              <a:rPr lang="de-CH" dirty="0"/>
+              <a:t>D </a:t>
+            </a:r>
+            <a:r>
+              <a:rPr lang="de-CH" dirty="0" err="1"/>
+              <a:t>Automatisierigs</a:t>
+            </a:r>
+            <a:r>
+              <a:rPr lang="de-CH" dirty="0"/>
+              <a:t>-Pipeline </a:t>
+            </a:r>
+            <a:r>
+              <a:rPr lang="de-CH" dirty="0" err="1"/>
+              <a:t>söll</a:t>
+            </a:r>
+            <a:r>
+              <a:rPr lang="de-CH" dirty="0"/>
+              <a:t> au </a:t>
+            </a:r>
+            <a:r>
+              <a:rPr lang="de-CH" dirty="0" err="1"/>
+              <a:t>ufs</a:t>
+            </a:r>
+            <a:r>
+              <a:rPr lang="de-CH" dirty="0"/>
+              <a:t> Backend </a:t>
+            </a:r>
+            <a:r>
+              <a:rPr lang="de-CH" dirty="0" err="1"/>
+              <a:t>usgwitet</a:t>
+            </a:r>
+            <a:r>
+              <a:rPr lang="de-CH" dirty="0"/>
+              <a:t>  und um s automatisierte </a:t>
+            </a:r>
+            <a:r>
+              <a:rPr lang="de-CH" dirty="0" err="1"/>
+              <a:t>Deployment</a:t>
+            </a:r>
+            <a:r>
+              <a:rPr lang="de-CH" dirty="0"/>
+              <a:t> </a:t>
+            </a:r>
+            <a:r>
+              <a:rPr lang="de-CH" dirty="0" err="1"/>
+              <a:t>erwiteret</a:t>
+            </a:r>
+            <a:r>
+              <a:rPr lang="de-CH" dirty="0"/>
+              <a:t> werde.</a:t>
+            </a:r>
+          </a:p>
+          <a:p>
+            <a:endParaRPr lang="de-CH" dirty="0"/>
+          </a:p>
+          <a:p>
+            <a:endParaRPr lang="de-CH" dirty="0"/>
+          </a:p>
+          <a:p>
+            <a:endParaRPr lang="de-CH" dirty="0"/>
+          </a:p>
+          <a:p>
+            <a:r>
+              <a:rPr lang="de-CH" dirty="0"/>
+              <a:t>Notizen:</a:t>
+            </a:r>
+          </a:p>
+          <a:p>
+            <a:endParaRPr lang="de-CH" dirty="0"/>
+          </a:p>
+          <a:p>
+            <a:r>
+              <a:rPr lang="de-CH" dirty="0"/>
+              <a:t>Code-Doku: Walking Skeleton war Fokus auf Funktionalität und Verifikation, deshalb soll zeitnah die Dokumentation ergänzt werden. Im gleichen Zug soll die Implementation nochmals reviewt werden.</a:t>
+            </a:r>
+          </a:p>
+          <a:p>
+            <a:endParaRPr lang="de-CH" dirty="0"/>
+          </a:p>
+          <a:p>
+            <a:r>
+              <a:rPr lang="de-CH" dirty="0"/>
+              <a:t>Zugriff auf die Applikation soll auf https umgestellt und mittels User-Login geschützt werden.</a:t>
+            </a:r>
+          </a:p>
+          <a:p>
+            <a:endParaRPr lang="de-CH" dirty="0"/>
+          </a:p>
+          <a:p>
+            <a:r>
+              <a:rPr lang="de-CH" dirty="0"/>
+              <a:t>Die Automatisierungs-Pipeline soll auf das Backend ausgeweitet und um das </a:t>
+            </a:r>
+            <a:r>
+              <a:rPr lang="de-CH" dirty="0" err="1"/>
+              <a:t>Deployment</a:t>
+            </a:r>
+            <a:r>
+              <a:rPr lang="de-CH" dirty="0"/>
+              <a:t> erweitert werden.</a:t>
+            </a:r>
+          </a:p>
+        </p:txBody>
+      </p:sp>
+      <p:sp>
+        <p:nvSpPr>
+          <p:cNvPr id="4" name="Foliennummernplatzhalter 3"/>
+          <p:cNvSpPr>
+            <a:spLocks noGrp="1"/>
+          </p:cNvSpPr>
+          <p:nvPr>
+            <p:ph type="sldNum" sz="quarter" idx="5"/>
+          </p:nvPr>
+        </p:nvSpPr>
+        <p:spPr/>
+        <p:txBody>
+          <a:bodyPr/>
+          <a:lstStyle/>
+          <a:p>
+            <a:fld id="{35DABC87-BC72-469E-95B0-B653EAAE8441}" type="slidenum">
+              <a:rPr lang="de-CH" smtClean="0"/>
+              <a:t>10</a:t>
+            </a:fld>
+            <a:endParaRPr lang="de-CH"/>
+          </a:p>
+        </p:txBody>
+      </p:sp>
+    </p:spTree>
+    <p:extLst>
+      <p:ext uri="{BB962C8B-B14F-4D97-AF65-F5344CB8AC3E}">
+        <p14:creationId xmlns:p14="http://schemas.microsoft.com/office/powerpoint/2010/main" val="2267080631"/>
+      </p:ext>
+    </p:extLst>
+  </p:cSld>
+  <p:clrMapOvr>
+    <a:masterClrMapping/>
+  </p:clrMapOvr>
+</p:notes>
+</file>
+
+<file path=ppt/notesSlides/notesSlide11.xml><?xml version="1.0" encoding="utf-8"?>
+<p:notes xmlns:a="http://schemas.openxmlformats.org/drawingml/2006/main" xmlns:r="http://schemas.openxmlformats.org/officeDocument/2006/relationships" xmlns:p="http://schemas.openxmlformats.org/presentationml/2006/main">
+  <p:cSld>
+    <p:spTree>
+      <p:nvGrpSpPr>
+        <p:cNvPr id="1" name=""/>
+        <p:cNvGrpSpPr/>
+        <p:nvPr/>
+      </p:nvGrpSpPr>
+      <p:grpSpPr>
+        <a:xfrm>
+          <a:off x="0" y="0"/>
+          <a:ext cx="0" cy="0"/>
+          <a:chOff x="0" y="0"/>
+          <a:chExt cx="0" cy="0"/>
+        </a:xfrm>
+      </p:grpSpPr>
+      <p:sp>
+        <p:nvSpPr>
+          <p:cNvPr id="2" name="Folienbildplatzhalter 1"/>
+          <p:cNvSpPr>
+            <a:spLocks noGrp="1" noRot="1" noChangeAspect="1"/>
+          </p:cNvSpPr>
+          <p:nvPr>
+            <p:ph type="sldImg"/>
+          </p:nvPr>
+        </p:nvSpPr>
+        <p:spPr/>
+      </p:sp>
+      <p:sp>
+        <p:nvSpPr>
+          <p:cNvPr id="3" name="Notizenplatzhalter 2"/>
+          <p:cNvSpPr>
+            <a:spLocks noGrp="1"/>
+          </p:cNvSpPr>
+          <p:nvPr>
+            <p:ph type="body" idx="1"/>
+          </p:nvPr>
+        </p:nvSpPr>
+        <p:spPr/>
+        <p:txBody>
+          <a:bodyPr/>
+          <a:lstStyle/>
+          <a:p>
+            <a:r>
+              <a:rPr lang="de-CH" dirty="0"/>
+              <a:t>Für de Walking Skeleton </a:t>
+            </a:r>
+            <a:r>
+              <a:rPr lang="de-CH" dirty="0" err="1"/>
+              <a:t>isch</a:t>
+            </a:r>
+            <a:r>
+              <a:rPr lang="de-CH" dirty="0"/>
+              <a:t> de Fokus klar </a:t>
+            </a:r>
+            <a:r>
+              <a:rPr lang="de-CH" dirty="0" err="1"/>
+              <a:t>uf</a:t>
+            </a:r>
+            <a:r>
+              <a:rPr lang="de-CH" dirty="0"/>
+              <a:t> de Funktionalität und de Verifikation vom Design </a:t>
+            </a:r>
+            <a:r>
+              <a:rPr lang="de-CH" dirty="0" err="1"/>
+              <a:t>glege</a:t>
+            </a:r>
+            <a:r>
+              <a:rPr lang="de-CH" dirty="0"/>
+              <a:t>. Drum </a:t>
+            </a:r>
+            <a:r>
+              <a:rPr lang="de-CH" dirty="0" err="1"/>
+              <a:t>söll</a:t>
+            </a:r>
+            <a:r>
+              <a:rPr lang="de-CH" dirty="0"/>
+              <a:t> jetzt </a:t>
+            </a:r>
+            <a:r>
+              <a:rPr lang="de-CH" dirty="0" err="1"/>
+              <a:t>zeitnöch</a:t>
+            </a:r>
+            <a:r>
+              <a:rPr lang="de-CH" dirty="0"/>
+              <a:t> d Dokumentation ergänzt werde.</a:t>
+            </a:r>
+          </a:p>
+          <a:p>
+            <a:r>
+              <a:rPr lang="de-CH" dirty="0"/>
+              <a:t>Im gliche Zug </a:t>
+            </a:r>
+            <a:r>
+              <a:rPr lang="de-CH" dirty="0" err="1"/>
+              <a:t>söll</a:t>
+            </a:r>
+            <a:r>
+              <a:rPr lang="de-CH" dirty="0"/>
+              <a:t> au d Implementation </a:t>
+            </a:r>
+            <a:r>
+              <a:rPr lang="de-CH" dirty="0" err="1"/>
+              <a:t>nomol</a:t>
+            </a:r>
+            <a:r>
+              <a:rPr lang="de-CH" dirty="0"/>
+              <a:t> </a:t>
+            </a:r>
+            <a:r>
+              <a:rPr lang="de-CH" dirty="0" err="1"/>
+              <a:t>greviewt</a:t>
+            </a:r>
+            <a:r>
+              <a:rPr lang="de-CH" dirty="0"/>
+              <a:t> werde.</a:t>
+            </a:r>
+          </a:p>
+          <a:p>
+            <a:endParaRPr lang="de-CH" dirty="0"/>
+          </a:p>
+          <a:p>
+            <a:r>
+              <a:rPr lang="de-CH" dirty="0"/>
+              <a:t>Weiter </a:t>
+            </a:r>
+            <a:r>
+              <a:rPr lang="de-CH" dirty="0" err="1"/>
+              <a:t>söll</a:t>
+            </a:r>
+            <a:r>
+              <a:rPr lang="de-CH" dirty="0"/>
+              <a:t> de </a:t>
+            </a:r>
+            <a:r>
+              <a:rPr lang="de-CH" dirty="0" err="1"/>
+              <a:t>Zuegriff</a:t>
+            </a:r>
+            <a:r>
+              <a:rPr lang="de-CH" dirty="0"/>
+              <a:t> </a:t>
+            </a:r>
+            <a:r>
+              <a:rPr lang="de-CH" dirty="0" err="1"/>
+              <a:t>uf</a:t>
+            </a:r>
+            <a:r>
+              <a:rPr lang="de-CH" dirty="0"/>
+              <a:t> d Applikation </a:t>
+            </a:r>
+            <a:r>
+              <a:rPr lang="de-CH" dirty="0" err="1"/>
+              <a:t>uf</a:t>
+            </a:r>
+            <a:r>
+              <a:rPr lang="de-CH" dirty="0"/>
+              <a:t> https </a:t>
+            </a:r>
+            <a:r>
+              <a:rPr lang="de-CH" dirty="0" err="1"/>
+              <a:t>umgstellt</a:t>
+            </a:r>
+            <a:r>
+              <a:rPr lang="de-CH" dirty="0"/>
+              <a:t> und mittels User-Login </a:t>
+            </a:r>
+            <a:r>
+              <a:rPr lang="de-CH" dirty="0" err="1"/>
+              <a:t>gschützt</a:t>
+            </a:r>
+            <a:r>
+              <a:rPr lang="de-CH" dirty="0"/>
+              <a:t> werde.</a:t>
+            </a:r>
+          </a:p>
+          <a:p>
+            <a:endParaRPr lang="de-CH" dirty="0"/>
+          </a:p>
+          <a:p>
+            <a:r>
+              <a:rPr lang="de-CH" dirty="0"/>
+              <a:t>D </a:t>
+            </a:r>
+            <a:r>
+              <a:rPr lang="de-CH" dirty="0" err="1"/>
+              <a:t>Automatisierigs</a:t>
+            </a:r>
+            <a:r>
+              <a:rPr lang="de-CH" dirty="0"/>
+              <a:t>-Pipeline </a:t>
+            </a:r>
+            <a:r>
+              <a:rPr lang="de-CH" dirty="0" err="1"/>
+              <a:t>söll</a:t>
+            </a:r>
+            <a:r>
+              <a:rPr lang="de-CH" dirty="0"/>
+              <a:t> au </a:t>
+            </a:r>
+            <a:r>
+              <a:rPr lang="de-CH" dirty="0" err="1"/>
+              <a:t>ufs</a:t>
+            </a:r>
+            <a:r>
+              <a:rPr lang="de-CH" dirty="0"/>
+              <a:t> Backend </a:t>
+            </a:r>
+            <a:r>
+              <a:rPr lang="de-CH" dirty="0" err="1"/>
+              <a:t>usgwitet</a:t>
+            </a:r>
+            <a:r>
+              <a:rPr lang="de-CH" dirty="0"/>
+              <a:t>  und um s automatisierte </a:t>
+            </a:r>
+            <a:r>
+              <a:rPr lang="de-CH" dirty="0" err="1"/>
+              <a:t>Deployment</a:t>
+            </a:r>
+            <a:r>
+              <a:rPr lang="de-CH" dirty="0"/>
+              <a:t> </a:t>
+            </a:r>
+            <a:r>
+              <a:rPr lang="de-CH" dirty="0" err="1"/>
+              <a:t>erwiteret</a:t>
+            </a:r>
+            <a:r>
+              <a:rPr lang="de-CH" dirty="0"/>
+              <a:t> werde.</a:t>
+            </a:r>
+          </a:p>
+          <a:p>
+            <a:endParaRPr lang="de-CH" dirty="0"/>
+          </a:p>
+          <a:p>
+            <a:endParaRPr lang="de-CH" dirty="0"/>
+          </a:p>
+          <a:p>
+            <a:endParaRPr lang="de-CH" dirty="0"/>
+          </a:p>
+          <a:p>
+            <a:r>
+              <a:rPr lang="de-CH" dirty="0"/>
+              <a:t>Notizen:</a:t>
+            </a:r>
+          </a:p>
+          <a:p>
+            <a:endParaRPr lang="de-CH" dirty="0"/>
+          </a:p>
+          <a:p>
+            <a:r>
+              <a:rPr lang="de-CH" dirty="0"/>
+              <a:t>Code-Doku: Walking Skeleton war Fokus auf Funktionalität und Verifikation, deshalb soll zeitnah die Dokumentation ergänzt werden. Im gleichen Zug soll die Implementation nochmals reviewt werden.</a:t>
+            </a:r>
+          </a:p>
+          <a:p>
+            <a:endParaRPr lang="de-CH" dirty="0"/>
+          </a:p>
+          <a:p>
+            <a:r>
+              <a:rPr lang="de-CH" dirty="0"/>
+              <a:t>Zugriff auf die Applikation soll auf https umgestellt und mittels User-Login geschützt werden.</a:t>
+            </a:r>
+          </a:p>
+          <a:p>
+            <a:endParaRPr lang="de-CH" dirty="0"/>
+          </a:p>
+          <a:p>
+            <a:r>
+              <a:rPr lang="de-CH" dirty="0"/>
+              <a:t>Die Automatisierungs-Pipeline soll auf das Backend ausgeweitet und um das </a:t>
+            </a:r>
+            <a:r>
+              <a:rPr lang="de-CH" dirty="0" err="1"/>
+              <a:t>Deployment</a:t>
+            </a:r>
+            <a:r>
+              <a:rPr lang="de-CH" dirty="0"/>
+              <a:t> erweitert werden.</a:t>
+            </a:r>
+          </a:p>
+        </p:txBody>
+      </p:sp>
+      <p:sp>
+        <p:nvSpPr>
+          <p:cNvPr id="4" name="Foliennummernplatzhalter 3"/>
+          <p:cNvSpPr>
+            <a:spLocks noGrp="1"/>
+          </p:cNvSpPr>
+          <p:nvPr>
+            <p:ph type="sldNum" sz="quarter" idx="5"/>
+          </p:nvPr>
+        </p:nvSpPr>
+        <p:spPr/>
+        <p:txBody>
+          <a:bodyPr/>
+          <a:lstStyle/>
+          <a:p>
+            <a:fld id="{35DABC87-BC72-469E-95B0-B653EAAE8441}" type="slidenum">
+              <a:rPr lang="de-CH" smtClean="0"/>
+              <a:t>11</a:t>
+            </a:fld>
+            <a:endParaRPr lang="de-CH"/>
+          </a:p>
+        </p:txBody>
+      </p:sp>
+    </p:spTree>
+    <p:extLst>
+      <p:ext uri="{BB962C8B-B14F-4D97-AF65-F5344CB8AC3E}">
+        <p14:creationId xmlns:p14="http://schemas.microsoft.com/office/powerpoint/2010/main" val="3486985728"/>
+      </p:ext>
+    </p:extLst>
+  </p:cSld>
+  <p:clrMapOvr>
+    <a:masterClrMapping/>
+  </p:clrMapOvr>
+</p:notes>
+</file>
+
+<file path=ppt/notesSlides/notesSlide12.xml><?xml version="1.0" encoding="utf-8"?>
+<p:notes xmlns:a="http://schemas.openxmlformats.org/drawingml/2006/main" xmlns:r="http://schemas.openxmlformats.org/officeDocument/2006/relationships" xmlns:p="http://schemas.openxmlformats.org/presentationml/2006/main">
+  <p:cSld>
+    <p:spTree>
+      <p:nvGrpSpPr>
+        <p:cNvPr id="1" name=""/>
+        <p:cNvGrpSpPr/>
+        <p:nvPr/>
+      </p:nvGrpSpPr>
+      <p:grpSpPr>
+        <a:xfrm>
+          <a:off x="0" y="0"/>
+          <a:ext cx="0" cy="0"/>
+          <a:chOff x="0" y="0"/>
+          <a:chExt cx="0" cy="0"/>
+        </a:xfrm>
+      </p:grpSpPr>
+      <p:sp>
+        <p:nvSpPr>
+          <p:cNvPr id="2" name="Folienbildplatzhalter 1"/>
+          <p:cNvSpPr>
+            <a:spLocks noGrp="1" noRot="1" noChangeAspect="1"/>
+          </p:cNvSpPr>
+          <p:nvPr>
+            <p:ph type="sldImg"/>
+          </p:nvPr>
+        </p:nvSpPr>
+        <p:spPr/>
+      </p:sp>
+      <p:sp>
+        <p:nvSpPr>
+          <p:cNvPr id="3" name="Notizenplatzhalter 2"/>
+          <p:cNvSpPr>
+            <a:spLocks noGrp="1"/>
+          </p:cNvSpPr>
+          <p:nvPr>
+            <p:ph type="body" idx="1"/>
+          </p:nvPr>
+        </p:nvSpPr>
+        <p:spPr/>
+        <p:txBody>
+          <a:bodyPr/>
+          <a:lstStyle/>
+          <a:p>
+            <a:r>
+              <a:rPr lang="de-CH" dirty="0"/>
+              <a:t>Für de Walking Skeleton </a:t>
+            </a:r>
+            <a:r>
+              <a:rPr lang="de-CH" dirty="0" err="1"/>
+              <a:t>isch</a:t>
+            </a:r>
+            <a:r>
+              <a:rPr lang="de-CH" dirty="0"/>
+              <a:t> de Fokus klar </a:t>
+            </a:r>
+            <a:r>
+              <a:rPr lang="de-CH" dirty="0" err="1"/>
+              <a:t>uf</a:t>
+            </a:r>
+            <a:r>
+              <a:rPr lang="de-CH" dirty="0"/>
+              <a:t> de Funktionalität und de Verifikation vom Design </a:t>
+            </a:r>
+            <a:r>
+              <a:rPr lang="de-CH" dirty="0" err="1"/>
+              <a:t>glege</a:t>
+            </a:r>
+            <a:r>
+              <a:rPr lang="de-CH" dirty="0"/>
+              <a:t>. Drum </a:t>
+            </a:r>
+            <a:r>
+              <a:rPr lang="de-CH" dirty="0" err="1"/>
+              <a:t>söll</a:t>
+            </a:r>
+            <a:r>
+              <a:rPr lang="de-CH" dirty="0"/>
+              <a:t> jetzt </a:t>
+            </a:r>
+            <a:r>
+              <a:rPr lang="de-CH" dirty="0" err="1"/>
+              <a:t>zeitnöch</a:t>
+            </a:r>
+            <a:r>
+              <a:rPr lang="de-CH" dirty="0"/>
+              <a:t> d Dokumentation ergänzt werde.</a:t>
+            </a:r>
+          </a:p>
+          <a:p>
+            <a:r>
+              <a:rPr lang="de-CH" dirty="0"/>
+              <a:t>Im gliche Zug </a:t>
+            </a:r>
+            <a:r>
+              <a:rPr lang="de-CH" dirty="0" err="1"/>
+              <a:t>söll</a:t>
+            </a:r>
+            <a:r>
+              <a:rPr lang="de-CH" dirty="0"/>
+              <a:t> au d Implementation </a:t>
+            </a:r>
+            <a:r>
+              <a:rPr lang="de-CH" dirty="0" err="1"/>
+              <a:t>nomol</a:t>
+            </a:r>
+            <a:r>
+              <a:rPr lang="de-CH" dirty="0"/>
+              <a:t> </a:t>
+            </a:r>
+            <a:r>
+              <a:rPr lang="de-CH" dirty="0" err="1"/>
+              <a:t>greviewt</a:t>
+            </a:r>
+            <a:r>
+              <a:rPr lang="de-CH" dirty="0"/>
+              <a:t> werde.</a:t>
+            </a:r>
+          </a:p>
+          <a:p>
+            <a:endParaRPr lang="de-CH" dirty="0"/>
+          </a:p>
+          <a:p>
+            <a:r>
+              <a:rPr lang="de-CH" dirty="0"/>
+              <a:t>Weiter </a:t>
+            </a:r>
+            <a:r>
+              <a:rPr lang="de-CH" dirty="0" err="1"/>
+              <a:t>söll</a:t>
+            </a:r>
+            <a:r>
+              <a:rPr lang="de-CH" dirty="0"/>
+              <a:t> de </a:t>
+            </a:r>
+            <a:r>
+              <a:rPr lang="de-CH" dirty="0" err="1"/>
+              <a:t>Zuegriff</a:t>
+            </a:r>
+            <a:r>
+              <a:rPr lang="de-CH" dirty="0"/>
+              <a:t> </a:t>
+            </a:r>
+            <a:r>
+              <a:rPr lang="de-CH" dirty="0" err="1"/>
+              <a:t>uf</a:t>
+            </a:r>
+            <a:r>
+              <a:rPr lang="de-CH" dirty="0"/>
+              <a:t> d Applikation </a:t>
+            </a:r>
+            <a:r>
+              <a:rPr lang="de-CH" dirty="0" err="1"/>
+              <a:t>uf</a:t>
+            </a:r>
+            <a:r>
+              <a:rPr lang="de-CH" dirty="0"/>
+              <a:t> https </a:t>
+            </a:r>
+            <a:r>
+              <a:rPr lang="de-CH" dirty="0" err="1"/>
+              <a:t>umgstellt</a:t>
+            </a:r>
+            <a:r>
+              <a:rPr lang="de-CH" dirty="0"/>
+              <a:t> und mittels User-Login </a:t>
+            </a:r>
+            <a:r>
+              <a:rPr lang="de-CH" dirty="0" err="1"/>
+              <a:t>gschützt</a:t>
+            </a:r>
+            <a:r>
+              <a:rPr lang="de-CH" dirty="0"/>
+              <a:t> werde.</a:t>
+            </a:r>
+          </a:p>
+          <a:p>
+            <a:endParaRPr lang="de-CH" dirty="0"/>
+          </a:p>
+          <a:p>
+            <a:r>
+              <a:rPr lang="de-CH" dirty="0"/>
+              <a:t>D </a:t>
+            </a:r>
+            <a:r>
+              <a:rPr lang="de-CH" dirty="0" err="1"/>
+              <a:t>Automatisierigs</a:t>
+            </a:r>
+            <a:r>
+              <a:rPr lang="de-CH" dirty="0"/>
+              <a:t>-Pipeline </a:t>
+            </a:r>
+            <a:r>
+              <a:rPr lang="de-CH" dirty="0" err="1"/>
+              <a:t>söll</a:t>
+            </a:r>
+            <a:r>
+              <a:rPr lang="de-CH" dirty="0"/>
+              <a:t> au </a:t>
+            </a:r>
+            <a:r>
+              <a:rPr lang="de-CH" dirty="0" err="1"/>
+              <a:t>ufs</a:t>
+            </a:r>
+            <a:r>
+              <a:rPr lang="de-CH" dirty="0"/>
+              <a:t> Backend </a:t>
+            </a:r>
+            <a:r>
+              <a:rPr lang="de-CH" dirty="0" err="1"/>
+              <a:t>usgwitet</a:t>
+            </a:r>
+            <a:r>
+              <a:rPr lang="de-CH" dirty="0"/>
+              <a:t>  und um s automatisierte </a:t>
+            </a:r>
+            <a:r>
+              <a:rPr lang="de-CH" dirty="0" err="1"/>
+              <a:t>Deployment</a:t>
+            </a:r>
+            <a:r>
+              <a:rPr lang="de-CH" dirty="0"/>
+              <a:t> </a:t>
+            </a:r>
+            <a:r>
+              <a:rPr lang="de-CH" dirty="0" err="1"/>
+              <a:t>erwiteret</a:t>
+            </a:r>
+            <a:r>
+              <a:rPr lang="de-CH" dirty="0"/>
+              <a:t> werde.</a:t>
+            </a:r>
+          </a:p>
+          <a:p>
+            <a:endParaRPr lang="de-CH" dirty="0"/>
+          </a:p>
+          <a:p>
+            <a:endParaRPr lang="de-CH" dirty="0"/>
+          </a:p>
+          <a:p>
+            <a:endParaRPr lang="de-CH" dirty="0"/>
+          </a:p>
+          <a:p>
+            <a:r>
+              <a:rPr lang="de-CH" dirty="0"/>
+              <a:t>Notizen:</a:t>
+            </a:r>
+          </a:p>
+          <a:p>
+            <a:endParaRPr lang="de-CH" dirty="0"/>
+          </a:p>
+          <a:p>
+            <a:r>
+              <a:rPr lang="de-CH" dirty="0"/>
+              <a:t>Code-Doku: Walking Skeleton war Fokus auf Funktionalität und Verifikation, deshalb soll zeitnah die Dokumentation ergänzt werden. Im gleichen Zug soll die Implementation nochmals reviewt werden.</a:t>
+            </a:r>
+          </a:p>
+          <a:p>
+            <a:endParaRPr lang="de-CH" dirty="0"/>
+          </a:p>
+          <a:p>
+            <a:r>
+              <a:rPr lang="de-CH" dirty="0"/>
+              <a:t>Zugriff auf die Applikation soll auf https umgestellt und mittels User-Login geschützt werden.</a:t>
+            </a:r>
+          </a:p>
+          <a:p>
+            <a:endParaRPr lang="de-CH" dirty="0"/>
+          </a:p>
+          <a:p>
+            <a:r>
+              <a:rPr lang="de-CH" dirty="0"/>
+              <a:t>Die Automatisierungs-Pipeline soll auf das Backend ausgeweitet und um das </a:t>
+            </a:r>
+            <a:r>
+              <a:rPr lang="de-CH" dirty="0" err="1"/>
+              <a:t>Deployment</a:t>
+            </a:r>
+            <a:r>
+              <a:rPr lang="de-CH" dirty="0"/>
+              <a:t> erweitert werden.</a:t>
+            </a:r>
+          </a:p>
+        </p:txBody>
+      </p:sp>
+      <p:sp>
+        <p:nvSpPr>
+          <p:cNvPr id="4" name="Foliennummernplatzhalter 3"/>
+          <p:cNvSpPr>
+            <a:spLocks noGrp="1"/>
+          </p:cNvSpPr>
+          <p:nvPr>
+            <p:ph type="sldNum" sz="quarter" idx="5"/>
+          </p:nvPr>
+        </p:nvSpPr>
+        <p:spPr/>
+        <p:txBody>
+          <a:bodyPr/>
+          <a:lstStyle/>
+          <a:p>
+            <a:fld id="{35DABC87-BC72-469E-95B0-B653EAAE8441}" type="slidenum">
+              <a:rPr lang="de-CH" smtClean="0"/>
+              <a:t>12</a:t>
+            </a:fld>
+            <a:endParaRPr lang="de-CH"/>
+          </a:p>
+        </p:txBody>
+      </p:sp>
+    </p:spTree>
+    <p:extLst>
+      <p:ext uri="{BB962C8B-B14F-4D97-AF65-F5344CB8AC3E}">
+        <p14:creationId xmlns:p14="http://schemas.microsoft.com/office/powerpoint/2010/main" val="3457144575"/>
+      </p:ext>
+    </p:extLst>
+  </p:cSld>
+  <p:clrMapOvr>
+    <a:masterClrMapping/>
+  </p:clrMapOvr>
+</p:notes>
+</file>
+
+<file path=ppt/notesSlides/notesSlide13.xml><?xml version="1.0" encoding="utf-8"?>
+<p:notes xmlns:a="http://schemas.openxmlformats.org/drawingml/2006/main" xmlns:r="http://schemas.openxmlformats.org/officeDocument/2006/relationships" xmlns:p="http://schemas.openxmlformats.org/presentationml/2006/main">
+  <p:cSld>
+    <p:spTree>
+      <p:nvGrpSpPr>
+        <p:cNvPr id="1" name=""/>
+        <p:cNvGrpSpPr/>
+        <p:nvPr/>
+      </p:nvGrpSpPr>
+      <p:grpSpPr>
+        <a:xfrm>
+          <a:off x="0" y="0"/>
+          <a:ext cx="0" cy="0"/>
+          <a:chOff x="0" y="0"/>
+          <a:chExt cx="0" cy="0"/>
+        </a:xfrm>
+      </p:grpSpPr>
+      <p:sp>
+        <p:nvSpPr>
+          <p:cNvPr id="2" name="Folienbildplatzhalter 1"/>
+          <p:cNvSpPr>
+            <a:spLocks noGrp="1" noRot="1" noChangeAspect="1"/>
+          </p:cNvSpPr>
+          <p:nvPr>
+            <p:ph type="sldImg"/>
+          </p:nvPr>
+        </p:nvSpPr>
+        <p:spPr/>
+      </p:sp>
+      <p:sp>
+        <p:nvSpPr>
+          <p:cNvPr id="3" name="Notizenplatzhalter 2"/>
+          <p:cNvSpPr>
+            <a:spLocks noGrp="1"/>
+          </p:cNvSpPr>
+          <p:nvPr>
+            <p:ph type="body" idx="1"/>
+          </p:nvPr>
+        </p:nvSpPr>
+        <p:spPr/>
+        <p:txBody>
+          <a:bodyPr/>
+          <a:lstStyle/>
+          <a:p>
+            <a:r>
+              <a:rPr lang="de-CH" dirty="0"/>
+              <a:t>Danke </a:t>
+            </a:r>
+            <a:r>
+              <a:rPr lang="de-CH" dirty="0" err="1"/>
+              <a:t>vilmol</a:t>
+            </a:r>
+            <a:r>
+              <a:rPr lang="de-CH" dirty="0"/>
+              <a:t> für </a:t>
+            </a:r>
+            <a:r>
+              <a:rPr lang="de-CH" dirty="0" err="1"/>
+              <a:t>eui</a:t>
+            </a:r>
+            <a:r>
+              <a:rPr lang="de-CH" dirty="0"/>
+              <a:t> Aufmerksamkeit und viel Spass beim Stöbere!</a:t>
+            </a:r>
+          </a:p>
+        </p:txBody>
+      </p:sp>
+      <p:sp>
+        <p:nvSpPr>
+          <p:cNvPr id="4" name="Foliennummernplatzhalter 3"/>
+          <p:cNvSpPr>
+            <a:spLocks noGrp="1"/>
+          </p:cNvSpPr>
+          <p:nvPr>
+            <p:ph type="sldNum" sz="quarter" idx="5"/>
+          </p:nvPr>
+        </p:nvSpPr>
+        <p:spPr/>
+        <p:txBody>
+          <a:bodyPr/>
+          <a:lstStyle/>
+          <a:p>
+            <a:fld id="{35DABC87-BC72-469E-95B0-B653EAAE8441}" type="slidenum">
+              <a:rPr lang="de-CH" smtClean="0"/>
+              <a:t>13</a:t>
+            </a:fld>
+            <a:endParaRPr lang="de-CH"/>
+          </a:p>
+        </p:txBody>
+      </p:sp>
+    </p:spTree>
+    <p:extLst>
+      <p:ext uri="{BB962C8B-B14F-4D97-AF65-F5344CB8AC3E}">
+        <p14:creationId xmlns:p14="http://schemas.microsoft.com/office/powerpoint/2010/main" val="3989377929"/>
+      </p:ext>
+    </p:extLst>
+  </p:cSld>
+  <p:clrMapOvr>
+    <a:masterClrMapping/>
+  </p:clrMapOvr>
+</p:notes>
+</file>
+
+<file path=ppt/notesSlides/notesSlide14.xml><?xml version="1.0" encoding="utf-8"?>
+<p:notes xmlns:a="http://schemas.openxmlformats.org/drawingml/2006/main" xmlns:r="http://schemas.openxmlformats.org/officeDocument/2006/relationships" xmlns:p="http://schemas.openxmlformats.org/presentationml/2006/main">
+  <p:cSld>
+    <p:spTree>
+      <p:nvGrpSpPr>
+        <p:cNvPr id="1" name=""/>
+        <p:cNvGrpSpPr/>
+        <p:nvPr/>
+      </p:nvGrpSpPr>
+      <p:grpSpPr>
+        <a:xfrm>
+          <a:off x="0" y="0"/>
+          <a:ext cx="0" cy="0"/>
+          <a:chOff x="0" y="0"/>
+          <a:chExt cx="0" cy="0"/>
+        </a:xfrm>
+      </p:grpSpPr>
+      <p:sp>
+        <p:nvSpPr>
+          <p:cNvPr id="2" name="Folienbildplatzhalter 1"/>
+          <p:cNvSpPr>
+            <a:spLocks noGrp="1" noRot="1" noChangeAspect="1"/>
+          </p:cNvSpPr>
+          <p:nvPr>
+            <p:ph type="sldImg"/>
+          </p:nvPr>
+        </p:nvSpPr>
+        <p:spPr/>
+      </p:sp>
+      <p:sp>
+        <p:nvSpPr>
+          <p:cNvPr id="3" name="Notizenplatzhalter 2"/>
+          <p:cNvSpPr>
+            <a:spLocks noGrp="1"/>
+          </p:cNvSpPr>
+          <p:nvPr>
+            <p:ph type="body" idx="1"/>
+          </p:nvPr>
+        </p:nvSpPr>
+        <p:spPr/>
+        <p:txBody>
+          <a:bodyPr/>
+          <a:lstStyle/>
+          <a:p>
+            <a:r>
+              <a:rPr lang="de-CH" dirty="0"/>
+              <a:t>Danke </a:t>
+            </a:r>
+            <a:r>
+              <a:rPr lang="de-CH" dirty="0" err="1"/>
+              <a:t>vilmol</a:t>
+            </a:r>
+            <a:r>
+              <a:rPr lang="de-CH" dirty="0"/>
+              <a:t> für </a:t>
+            </a:r>
+            <a:r>
+              <a:rPr lang="de-CH" dirty="0" err="1"/>
+              <a:t>eui</a:t>
+            </a:r>
+            <a:r>
+              <a:rPr lang="de-CH" dirty="0"/>
+              <a:t> Aufmerksamkeit und viel Spass beim Stöbere!</a:t>
+            </a:r>
+          </a:p>
+        </p:txBody>
+      </p:sp>
+      <p:sp>
+        <p:nvSpPr>
+          <p:cNvPr id="4" name="Foliennummernplatzhalter 3"/>
+          <p:cNvSpPr>
+            <a:spLocks noGrp="1"/>
+          </p:cNvSpPr>
+          <p:nvPr>
+            <p:ph type="sldNum" sz="quarter" idx="5"/>
+          </p:nvPr>
+        </p:nvSpPr>
+        <p:spPr/>
+        <p:txBody>
+          <a:bodyPr/>
+          <a:lstStyle/>
+          <a:p>
+            <a:fld id="{35DABC87-BC72-469E-95B0-B653EAAE8441}" type="slidenum">
+              <a:rPr lang="de-CH" smtClean="0"/>
+              <a:t>14</a:t>
+            </a:fld>
+            <a:endParaRPr lang="de-CH"/>
+          </a:p>
+        </p:txBody>
+      </p:sp>
+    </p:spTree>
+    <p:extLst>
+      <p:ext uri="{BB962C8B-B14F-4D97-AF65-F5344CB8AC3E}">
+        <p14:creationId xmlns:p14="http://schemas.microsoft.com/office/powerpoint/2010/main" val="3497989597"/>
+      </p:ext>
+    </p:extLst>
+  </p:cSld>
+  <p:clrMapOvr>
+    <a:masterClrMapping/>
+  </p:clrMapOvr>
+</p:notes>
+</file>
+
 <file path=ppt/notesSlides/notesSlide2.xml><?xml version="1.0" encoding="utf-8"?>
 <p:notes xmlns:a="http://schemas.openxmlformats.org/drawingml/2006/main" xmlns:r="http://schemas.openxmlformats.org/officeDocument/2006/relationships" xmlns:p="http://schemas.openxmlformats.org/presentationml/2006/main">
   <p:cSld>
@@ -1281,23 +2459,241 @@
           <a:p>
             <a:r>
               <a:rPr lang="de-CH" dirty="0"/>
-              <a:t>Danke </a:t>
-            </a:r>
-            <a:r>
-              <a:rPr lang="de-CH" dirty="0" err="1"/>
-              <a:t>vilmol</a:t>
-            </a:r>
-            <a:r>
-              <a:rPr lang="de-CH" dirty="0"/>
-              <a:t> für </a:t>
-            </a:r>
-            <a:r>
-              <a:rPr lang="de-CH" dirty="0" err="1"/>
-              <a:t>eui</a:t>
-            </a:r>
-            <a:r>
-              <a:rPr lang="de-CH" dirty="0"/>
-              <a:t> Aufmerksamkeit und viel Spass beim Stöbere!</a:t>
+              <a:t>Für de Walking Skeleton </a:t>
+            </a:r>
+            <a:r>
+              <a:rPr lang="de-CH" dirty="0" err="1"/>
+              <a:t>isch</a:t>
+            </a:r>
+            <a:r>
+              <a:rPr lang="de-CH" dirty="0"/>
+              <a:t> de Fokus klar </a:t>
+            </a:r>
+            <a:r>
+              <a:rPr lang="de-CH" dirty="0" err="1"/>
+              <a:t>uf</a:t>
+            </a:r>
+            <a:r>
+              <a:rPr lang="de-CH" dirty="0"/>
+              <a:t> de Funktionalität und de Verifikation vom Design </a:t>
+            </a:r>
+            <a:r>
+              <a:rPr lang="de-CH" dirty="0" err="1"/>
+              <a:t>glege</a:t>
+            </a:r>
+            <a:r>
+              <a:rPr lang="de-CH" dirty="0"/>
+              <a:t>. Drum </a:t>
+            </a:r>
+            <a:r>
+              <a:rPr lang="de-CH" dirty="0" err="1"/>
+              <a:t>söll</a:t>
+            </a:r>
+            <a:r>
+              <a:rPr lang="de-CH" dirty="0"/>
+              <a:t> jetzt </a:t>
+            </a:r>
+            <a:r>
+              <a:rPr lang="de-CH" dirty="0" err="1"/>
+              <a:t>zeitnöch</a:t>
+            </a:r>
+            <a:r>
+              <a:rPr lang="de-CH" dirty="0"/>
+              <a:t> d Dokumentation ergänzt werde.</a:t>
+            </a:r>
+          </a:p>
+          <a:p>
+            <a:r>
+              <a:rPr lang="de-CH" dirty="0"/>
+              <a:t>Im gliche Zug </a:t>
+            </a:r>
+            <a:r>
+              <a:rPr lang="de-CH" dirty="0" err="1"/>
+              <a:t>söll</a:t>
+            </a:r>
+            <a:r>
+              <a:rPr lang="de-CH" dirty="0"/>
+              <a:t> au d Implementation </a:t>
+            </a:r>
+            <a:r>
+              <a:rPr lang="de-CH" dirty="0" err="1"/>
+              <a:t>nomol</a:t>
+            </a:r>
+            <a:r>
+              <a:rPr lang="de-CH" dirty="0"/>
+              <a:t> </a:t>
+            </a:r>
+            <a:r>
+              <a:rPr lang="de-CH" dirty="0" err="1"/>
+              <a:t>greviewt</a:t>
+            </a:r>
+            <a:r>
+              <a:rPr lang="de-CH" dirty="0"/>
+              <a:t> werde.</a:t>
+            </a:r>
+          </a:p>
+          <a:p>
+            <a:endParaRPr lang="de-CH" dirty="0"/>
+          </a:p>
+          <a:p>
+            <a:r>
+              <a:rPr lang="de-CH" dirty="0"/>
+              <a:t>Weiter </a:t>
+            </a:r>
+            <a:r>
+              <a:rPr lang="de-CH" dirty="0" err="1"/>
+              <a:t>söll</a:t>
+            </a:r>
+            <a:r>
+              <a:rPr lang="de-CH" dirty="0"/>
+              <a:t> de </a:t>
+            </a:r>
+            <a:r>
+              <a:rPr lang="de-CH" dirty="0" err="1"/>
+              <a:t>Zuegriff</a:t>
+            </a:r>
+            <a:r>
+              <a:rPr lang="de-CH" dirty="0"/>
+              <a:t> </a:t>
+            </a:r>
+            <a:r>
+              <a:rPr lang="de-CH" dirty="0" err="1"/>
+              <a:t>uf</a:t>
+            </a:r>
+            <a:r>
+              <a:rPr lang="de-CH" dirty="0"/>
+              <a:t> d Applikation </a:t>
+            </a:r>
+            <a:r>
+              <a:rPr lang="de-CH" dirty="0" err="1"/>
+              <a:t>uf</a:t>
+            </a:r>
+            <a:r>
+              <a:rPr lang="de-CH" dirty="0"/>
+              <a:t> https </a:t>
+            </a:r>
+            <a:r>
+              <a:rPr lang="de-CH" dirty="0" err="1"/>
+              <a:t>umgstellt</a:t>
+            </a:r>
+            <a:r>
+              <a:rPr lang="de-CH" dirty="0"/>
+              <a:t> und mittels User-Login </a:t>
+            </a:r>
+            <a:r>
+              <a:rPr lang="de-CH" dirty="0" err="1"/>
+              <a:t>gschützt</a:t>
+            </a:r>
+            <a:r>
+              <a:rPr lang="de-CH" dirty="0"/>
+              <a:t> werde.</a:t>
+            </a:r>
+          </a:p>
+          <a:p>
+            <a:endParaRPr lang="de-CH" dirty="0"/>
+          </a:p>
+          <a:p>
+            <a:r>
+              <a:rPr lang="de-CH" dirty="0"/>
+              <a:t>D </a:t>
+            </a:r>
+            <a:r>
+              <a:rPr lang="de-CH" dirty="0" err="1"/>
+              <a:t>Automatisierigs</a:t>
+            </a:r>
+            <a:r>
+              <a:rPr lang="de-CH" dirty="0"/>
+              <a:t>-Pipeline </a:t>
+            </a:r>
+            <a:r>
+              <a:rPr lang="de-CH" dirty="0" err="1"/>
+              <a:t>söll</a:t>
+            </a:r>
+            <a:r>
+              <a:rPr lang="de-CH" dirty="0"/>
+              <a:t> au </a:t>
+            </a:r>
+            <a:r>
+              <a:rPr lang="de-CH" dirty="0" err="1"/>
+              <a:t>ufs</a:t>
+            </a:r>
+            <a:r>
+              <a:rPr lang="de-CH" dirty="0"/>
+              <a:t> Backend </a:t>
+            </a:r>
+            <a:r>
+              <a:rPr lang="de-CH" dirty="0" err="1"/>
+              <a:t>usgwitet</a:t>
+            </a:r>
+            <a:r>
+              <a:rPr lang="de-CH" dirty="0"/>
+              <a:t>  und um s automatisierte </a:t>
+            </a:r>
+            <a:r>
+              <a:rPr lang="de-CH" dirty="0" err="1"/>
+              <a:t>Deployment</a:t>
+            </a:r>
+            <a:r>
+              <a:rPr lang="de-CH" dirty="0"/>
+              <a:t> </a:t>
+            </a:r>
+            <a:r>
+              <a:rPr lang="de-CH" dirty="0" err="1"/>
+              <a:t>erwiteret</a:t>
+            </a:r>
+            <a:r>
+              <a:rPr lang="de-CH" dirty="0"/>
+              <a:t> werde.</a:t>
+            </a:r>
+          </a:p>
+          <a:p>
+            <a:endParaRPr lang="de-CH" dirty="0"/>
+          </a:p>
+          <a:p>
+            <a:endParaRPr lang="de-CH" dirty="0"/>
+          </a:p>
+          <a:p>
+            <a:endParaRPr lang="de-CH" dirty="0"/>
+          </a:p>
+          <a:p>
+            <a:r>
+              <a:rPr lang="de-CH" dirty="0"/>
+              <a:t>Notizen:</a:t>
+            </a:r>
+          </a:p>
+          <a:p>
+            <a:endParaRPr lang="de-CH" dirty="0"/>
+          </a:p>
+          <a:p>
+            <a:r>
+              <a:rPr lang="de-CH" dirty="0"/>
+              <a:t>Code-Doku: Walking Skeleton war Fokus auf Funktionalität und Verifikation, deshalb soll zeitnah die Dokumentation ergänzt werden. Im gleichen Zug soll die Implementation nochmals reviewt werden.</a:t>
+            </a:r>
+          </a:p>
+          <a:p>
+            <a:endParaRPr lang="de-CH" dirty="0"/>
+          </a:p>
+          <a:p>
+            <a:r>
+              <a:rPr lang="de-CH" dirty="0"/>
+              <a:t>Zugriff auf die Applikation soll auf https umgestellt und mittels User-Login geschützt werden.</a:t>
+            </a:r>
+          </a:p>
+          <a:p>
+            <a:endParaRPr lang="de-CH" dirty="0"/>
+          </a:p>
+          <a:p>
+            <a:r>
+              <a:rPr lang="de-CH" dirty="0"/>
+              <a:t>Die Automatisierungs-Pipeline soll auf das Backend ausgeweitet und um das </a:t>
+            </a:r>
+            <a:r>
+              <a:rPr lang="de-CH" dirty="0" err="1"/>
+              <a:t>Deployment</a:t>
+            </a:r>
+            <a:r>
+              <a:rPr lang="de-CH" dirty="0"/>
+              <a:t> erweitert werden.</a:t>
             </a:r>
           </a:p>
         </p:txBody>
@@ -1328,7 +2724,7 @@
     </p:spTree>
     <p:extLst>
       <p:ext uri="{BB962C8B-B14F-4D97-AF65-F5344CB8AC3E}">
-        <p14:creationId xmlns:p14="http://schemas.microsoft.com/office/powerpoint/2010/main" val="3989377929"/>
+        <p14:creationId xmlns:p14="http://schemas.microsoft.com/office/powerpoint/2010/main" val="4157689322"/>
       </p:ext>
     </p:extLst>
   </p:cSld>
@@ -1384,23 +2780,241 @@
           <a:p>
             <a:r>
               <a:rPr lang="de-CH" dirty="0"/>
-              <a:t>Danke </a:t>
-            </a:r>
-            <a:r>
-              <a:rPr lang="de-CH" dirty="0" err="1"/>
-              <a:t>vilmol</a:t>
-            </a:r>
-            <a:r>
-              <a:rPr lang="de-CH" dirty="0"/>
-              <a:t> für </a:t>
-            </a:r>
-            <a:r>
-              <a:rPr lang="de-CH" dirty="0" err="1"/>
-              <a:t>eui</a:t>
-            </a:r>
-            <a:r>
-              <a:rPr lang="de-CH" dirty="0"/>
-              <a:t> Aufmerksamkeit und viel Spass beim Stöbere!</a:t>
+              <a:t>Für de Walking Skeleton </a:t>
+            </a:r>
+            <a:r>
+              <a:rPr lang="de-CH" dirty="0" err="1"/>
+              <a:t>isch</a:t>
+            </a:r>
+            <a:r>
+              <a:rPr lang="de-CH" dirty="0"/>
+              <a:t> de Fokus klar </a:t>
+            </a:r>
+            <a:r>
+              <a:rPr lang="de-CH" dirty="0" err="1"/>
+              <a:t>uf</a:t>
+            </a:r>
+            <a:r>
+              <a:rPr lang="de-CH" dirty="0"/>
+              <a:t> de Funktionalität und de Verifikation vom Design </a:t>
+            </a:r>
+            <a:r>
+              <a:rPr lang="de-CH" dirty="0" err="1"/>
+              <a:t>glege</a:t>
+            </a:r>
+            <a:r>
+              <a:rPr lang="de-CH" dirty="0"/>
+              <a:t>. Drum </a:t>
+            </a:r>
+            <a:r>
+              <a:rPr lang="de-CH" dirty="0" err="1"/>
+              <a:t>söll</a:t>
+            </a:r>
+            <a:r>
+              <a:rPr lang="de-CH" dirty="0"/>
+              <a:t> jetzt </a:t>
+            </a:r>
+            <a:r>
+              <a:rPr lang="de-CH" dirty="0" err="1"/>
+              <a:t>zeitnöch</a:t>
+            </a:r>
+            <a:r>
+              <a:rPr lang="de-CH" dirty="0"/>
+              <a:t> d Dokumentation ergänzt werde.</a:t>
+            </a:r>
+          </a:p>
+          <a:p>
+            <a:r>
+              <a:rPr lang="de-CH" dirty="0"/>
+              <a:t>Im gliche Zug </a:t>
+            </a:r>
+            <a:r>
+              <a:rPr lang="de-CH" dirty="0" err="1"/>
+              <a:t>söll</a:t>
+            </a:r>
+            <a:r>
+              <a:rPr lang="de-CH" dirty="0"/>
+              <a:t> au d Implementation </a:t>
+            </a:r>
+            <a:r>
+              <a:rPr lang="de-CH" dirty="0" err="1"/>
+              <a:t>nomol</a:t>
+            </a:r>
+            <a:r>
+              <a:rPr lang="de-CH" dirty="0"/>
+              <a:t> </a:t>
+            </a:r>
+            <a:r>
+              <a:rPr lang="de-CH" dirty="0" err="1"/>
+              <a:t>greviewt</a:t>
+            </a:r>
+            <a:r>
+              <a:rPr lang="de-CH" dirty="0"/>
+              <a:t> werde.</a:t>
+            </a:r>
+          </a:p>
+          <a:p>
+            <a:endParaRPr lang="de-CH" dirty="0"/>
+          </a:p>
+          <a:p>
+            <a:r>
+              <a:rPr lang="de-CH" dirty="0"/>
+              <a:t>Weiter </a:t>
+            </a:r>
+            <a:r>
+              <a:rPr lang="de-CH" dirty="0" err="1"/>
+              <a:t>söll</a:t>
+            </a:r>
+            <a:r>
+              <a:rPr lang="de-CH" dirty="0"/>
+              <a:t> de </a:t>
+            </a:r>
+            <a:r>
+              <a:rPr lang="de-CH" dirty="0" err="1"/>
+              <a:t>Zuegriff</a:t>
+            </a:r>
+            <a:r>
+              <a:rPr lang="de-CH" dirty="0"/>
+              <a:t> </a:t>
+            </a:r>
+            <a:r>
+              <a:rPr lang="de-CH" dirty="0" err="1"/>
+              <a:t>uf</a:t>
+            </a:r>
+            <a:r>
+              <a:rPr lang="de-CH" dirty="0"/>
+              <a:t> d Applikation </a:t>
+            </a:r>
+            <a:r>
+              <a:rPr lang="de-CH" dirty="0" err="1"/>
+              <a:t>uf</a:t>
+            </a:r>
+            <a:r>
+              <a:rPr lang="de-CH" dirty="0"/>
+              <a:t> https </a:t>
+            </a:r>
+            <a:r>
+              <a:rPr lang="de-CH" dirty="0" err="1"/>
+              <a:t>umgstellt</a:t>
+            </a:r>
+            <a:r>
+              <a:rPr lang="de-CH" dirty="0"/>
+              <a:t> und mittels User-Login </a:t>
+            </a:r>
+            <a:r>
+              <a:rPr lang="de-CH" dirty="0" err="1"/>
+              <a:t>gschützt</a:t>
+            </a:r>
+            <a:r>
+              <a:rPr lang="de-CH" dirty="0"/>
+              <a:t> werde.</a:t>
+            </a:r>
+          </a:p>
+          <a:p>
+            <a:endParaRPr lang="de-CH" dirty="0"/>
+          </a:p>
+          <a:p>
+            <a:r>
+              <a:rPr lang="de-CH" dirty="0"/>
+              <a:t>D </a:t>
+            </a:r>
+            <a:r>
+              <a:rPr lang="de-CH" dirty="0" err="1"/>
+              <a:t>Automatisierigs</a:t>
+            </a:r>
+            <a:r>
+              <a:rPr lang="de-CH" dirty="0"/>
+              <a:t>-Pipeline </a:t>
+            </a:r>
+            <a:r>
+              <a:rPr lang="de-CH" dirty="0" err="1"/>
+              <a:t>söll</a:t>
+            </a:r>
+            <a:r>
+              <a:rPr lang="de-CH" dirty="0"/>
+              <a:t> au </a:t>
+            </a:r>
+            <a:r>
+              <a:rPr lang="de-CH" dirty="0" err="1"/>
+              <a:t>ufs</a:t>
+            </a:r>
+            <a:r>
+              <a:rPr lang="de-CH" dirty="0"/>
+              <a:t> Backend </a:t>
+            </a:r>
+            <a:r>
+              <a:rPr lang="de-CH" dirty="0" err="1"/>
+              <a:t>usgwitet</a:t>
+            </a:r>
+            <a:r>
+              <a:rPr lang="de-CH" dirty="0"/>
+              <a:t>  und um s automatisierte </a:t>
+            </a:r>
+            <a:r>
+              <a:rPr lang="de-CH" dirty="0" err="1"/>
+              <a:t>Deployment</a:t>
+            </a:r>
+            <a:r>
+              <a:rPr lang="de-CH" dirty="0"/>
+              <a:t> </a:t>
+            </a:r>
+            <a:r>
+              <a:rPr lang="de-CH" dirty="0" err="1"/>
+              <a:t>erwiteret</a:t>
+            </a:r>
+            <a:r>
+              <a:rPr lang="de-CH" dirty="0"/>
+              <a:t> werde.</a:t>
+            </a:r>
+          </a:p>
+          <a:p>
+            <a:endParaRPr lang="de-CH" dirty="0"/>
+          </a:p>
+          <a:p>
+            <a:endParaRPr lang="de-CH" dirty="0"/>
+          </a:p>
+          <a:p>
+            <a:endParaRPr lang="de-CH" dirty="0"/>
+          </a:p>
+          <a:p>
+            <a:r>
+              <a:rPr lang="de-CH" dirty="0"/>
+              <a:t>Notizen:</a:t>
+            </a:r>
+          </a:p>
+          <a:p>
+            <a:endParaRPr lang="de-CH" dirty="0"/>
+          </a:p>
+          <a:p>
+            <a:r>
+              <a:rPr lang="de-CH" dirty="0"/>
+              <a:t>Code-Doku: Walking Skeleton war Fokus auf Funktionalität und Verifikation, deshalb soll zeitnah die Dokumentation ergänzt werden. Im gleichen Zug soll die Implementation nochmals reviewt werden.</a:t>
+            </a:r>
+          </a:p>
+          <a:p>
+            <a:endParaRPr lang="de-CH" dirty="0"/>
+          </a:p>
+          <a:p>
+            <a:r>
+              <a:rPr lang="de-CH" dirty="0"/>
+              <a:t>Zugriff auf die Applikation soll auf https umgestellt und mittels User-Login geschützt werden.</a:t>
+            </a:r>
+          </a:p>
+          <a:p>
+            <a:endParaRPr lang="de-CH" dirty="0"/>
+          </a:p>
+          <a:p>
+            <a:r>
+              <a:rPr lang="de-CH" dirty="0"/>
+              <a:t>Die Automatisierungs-Pipeline soll auf das Backend ausgeweitet und um das </a:t>
+            </a:r>
+            <a:r>
+              <a:rPr lang="de-CH" dirty="0" err="1"/>
+              <a:t>Deployment</a:t>
+            </a:r>
+            <a:r>
+              <a:rPr lang="de-CH" dirty="0"/>
+              <a:t> erweitert werden.</a:t>
             </a:r>
           </a:p>
         </p:txBody>
@@ -1431,7 +3045,1291 @@
     </p:spTree>
     <p:extLst>
       <p:ext uri="{BB962C8B-B14F-4D97-AF65-F5344CB8AC3E}">
-        <p14:creationId xmlns:p14="http://schemas.microsoft.com/office/powerpoint/2010/main" val="3497989597"/>
+        <p14:creationId xmlns:p14="http://schemas.microsoft.com/office/powerpoint/2010/main" val="3696609746"/>
+      </p:ext>
+    </p:extLst>
+  </p:cSld>
+  <p:clrMapOvr>
+    <a:masterClrMapping/>
+  </p:clrMapOvr>
+</p:notes>
+</file>
+
+<file path=ppt/notesSlides/notesSlide6.xml><?xml version="1.0" encoding="utf-8"?>
+<p:notes xmlns:a="http://schemas.openxmlformats.org/drawingml/2006/main" xmlns:r="http://schemas.openxmlformats.org/officeDocument/2006/relationships" xmlns:p="http://schemas.openxmlformats.org/presentationml/2006/main">
+  <p:cSld>
+    <p:spTree>
+      <p:nvGrpSpPr>
+        <p:cNvPr id="1" name=""/>
+        <p:cNvGrpSpPr/>
+        <p:nvPr/>
+      </p:nvGrpSpPr>
+      <p:grpSpPr>
+        <a:xfrm>
+          <a:off x="0" y="0"/>
+          <a:ext cx="0" cy="0"/>
+          <a:chOff x="0" y="0"/>
+          <a:chExt cx="0" cy="0"/>
+        </a:xfrm>
+      </p:grpSpPr>
+      <p:sp>
+        <p:nvSpPr>
+          <p:cNvPr id="2" name="Folienbildplatzhalter 1"/>
+          <p:cNvSpPr>
+            <a:spLocks noGrp="1" noRot="1" noChangeAspect="1"/>
+          </p:cNvSpPr>
+          <p:nvPr>
+            <p:ph type="sldImg"/>
+          </p:nvPr>
+        </p:nvSpPr>
+        <p:spPr/>
+      </p:sp>
+      <p:sp>
+        <p:nvSpPr>
+          <p:cNvPr id="3" name="Notizenplatzhalter 2"/>
+          <p:cNvSpPr>
+            <a:spLocks noGrp="1"/>
+          </p:cNvSpPr>
+          <p:nvPr>
+            <p:ph type="body" idx="1"/>
+          </p:nvPr>
+        </p:nvSpPr>
+        <p:spPr/>
+        <p:txBody>
+          <a:bodyPr/>
+          <a:lstStyle/>
+          <a:p>
+            <a:r>
+              <a:rPr lang="de-CH" dirty="0"/>
+              <a:t>Für de Walking Skeleton </a:t>
+            </a:r>
+            <a:r>
+              <a:rPr lang="de-CH" dirty="0" err="1"/>
+              <a:t>isch</a:t>
+            </a:r>
+            <a:r>
+              <a:rPr lang="de-CH" dirty="0"/>
+              <a:t> de Fokus klar </a:t>
+            </a:r>
+            <a:r>
+              <a:rPr lang="de-CH" dirty="0" err="1"/>
+              <a:t>uf</a:t>
+            </a:r>
+            <a:r>
+              <a:rPr lang="de-CH" dirty="0"/>
+              <a:t> de Funktionalität und de Verifikation vom Design </a:t>
+            </a:r>
+            <a:r>
+              <a:rPr lang="de-CH" dirty="0" err="1"/>
+              <a:t>glege</a:t>
+            </a:r>
+            <a:r>
+              <a:rPr lang="de-CH" dirty="0"/>
+              <a:t>. Drum </a:t>
+            </a:r>
+            <a:r>
+              <a:rPr lang="de-CH" dirty="0" err="1"/>
+              <a:t>söll</a:t>
+            </a:r>
+            <a:r>
+              <a:rPr lang="de-CH" dirty="0"/>
+              <a:t> jetzt </a:t>
+            </a:r>
+            <a:r>
+              <a:rPr lang="de-CH" dirty="0" err="1"/>
+              <a:t>zeitnöch</a:t>
+            </a:r>
+            <a:r>
+              <a:rPr lang="de-CH" dirty="0"/>
+              <a:t> d Dokumentation ergänzt werde.</a:t>
+            </a:r>
+          </a:p>
+          <a:p>
+            <a:r>
+              <a:rPr lang="de-CH" dirty="0"/>
+              <a:t>Im gliche Zug </a:t>
+            </a:r>
+            <a:r>
+              <a:rPr lang="de-CH" dirty="0" err="1"/>
+              <a:t>söll</a:t>
+            </a:r>
+            <a:r>
+              <a:rPr lang="de-CH" dirty="0"/>
+              <a:t> au d Implementation </a:t>
+            </a:r>
+            <a:r>
+              <a:rPr lang="de-CH" dirty="0" err="1"/>
+              <a:t>nomol</a:t>
+            </a:r>
+            <a:r>
+              <a:rPr lang="de-CH" dirty="0"/>
+              <a:t> </a:t>
+            </a:r>
+            <a:r>
+              <a:rPr lang="de-CH" dirty="0" err="1"/>
+              <a:t>greviewt</a:t>
+            </a:r>
+            <a:r>
+              <a:rPr lang="de-CH" dirty="0"/>
+              <a:t> werde.</a:t>
+            </a:r>
+          </a:p>
+          <a:p>
+            <a:endParaRPr lang="de-CH" dirty="0"/>
+          </a:p>
+          <a:p>
+            <a:r>
+              <a:rPr lang="de-CH" dirty="0"/>
+              <a:t>Weiter </a:t>
+            </a:r>
+            <a:r>
+              <a:rPr lang="de-CH" dirty="0" err="1"/>
+              <a:t>söll</a:t>
+            </a:r>
+            <a:r>
+              <a:rPr lang="de-CH" dirty="0"/>
+              <a:t> de </a:t>
+            </a:r>
+            <a:r>
+              <a:rPr lang="de-CH" dirty="0" err="1"/>
+              <a:t>Zuegriff</a:t>
+            </a:r>
+            <a:r>
+              <a:rPr lang="de-CH" dirty="0"/>
+              <a:t> </a:t>
+            </a:r>
+            <a:r>
+              <a:rPr lang="de-CH" dirty="0" err="1"/>
+              <a:t>uf</a:t>
+            </a:r>
+            <a:r>
+              <a:rPr lang="de-CH" dirty="0"/>
+              <a:t> d Applikation </a:t>
+            </a:r>
+            <a:r>
+              <a:rPr lang="de-CH" dirty="0" err="1"/>
+              <a:t>uf</a:t>
+            </a:r>
+            <a:r>
+              <a:rPr lang="de-CH" dirty="0"/>
+              <a:t> https </a:t>
+            </a:r>
+            <a:r>
+              <a:rPr lang="de-CH" dirty="0" err="1"/>
+              <a:t>umgstellt</a:t>
+            </a:r>
+            <a:r>
+              <a:rPr lang="de-CH" dirty="0"/>
+              <a:t> und mittels User-Login </a:t>
+            </a:r>
+            <a:r>
+              <a:rPr lang="de-CH" dirty="0" err="1"/>
+              <a:t>gschützt</a:t>
+            </a:r>
+            <a:r>
+              <a:rPr lang="de-CH" dirty="0"/>
+              <a:t> werde.</a:t>
+            </a:r>
+          </a:p>
+          <a:p>
+            <a:endParaRPr lang="de-CH" dirty="0"/>
+          </a:p>
+          <a:p>
+            <a:r>
+              <a:rPr lang="de-CH" dirty="0"/>
+              <a:t>D </a:t>
+            </a:r>
+            <a:r>
+              <a:rPr lang="de-CH" dirty="0" err="1"/>
+              <a:t>Automatisierigs</a:t>
+            </a:r>
+            <a:r>
+              <a:rPr lang="de-CH" dirty="0"/>
+              <a:t>-Pipeline </a:t>
+            </a:r>
+            <a:r>
+              <a:rPr lang="de-CH" dirty="0" err="1"/>
+              <a:t>söll</a:t>
+            </a:r>
+            <a:r>
+              <a:rPr lang="de-CH" dirty="0"/>
+              <a:t> au </a:t>
+            </a:r>
+            <a:r>
+              <a:rPr lang="de-CH" dirty="0" err="1"/>
+              <a:t>ufs</a:t>
+            </a:r>
+            <a:r>
+              <a:rPr lang="de-CH" dirty="0"/>
+              <a:t> Backend </a:t>
+            </a:r>
+            <a:r>
+              <a:rPr lang="de-CH" dirty="0" err="1"/>
+              <a:t>usgwitet</a:t>
+            </a:r>
+            <a:r>
+              <a:rPr lang="de-CH" dirty="0"/>
+              <a:t>  und um s automatisierte </a:t>
+            </a:r>
+            <a:r>
+              <a:rPr lang="de-CH" dirty="0" err="1"/>
+              <a:t>Deployment</a:t>
+            </a:r>
+            <a:r>
+              <a:rPr lang="de-CH" dirty="0"/>
+              <a:t> </a:t>
+            </a:r>
+            <a:r>
+              <a:rPr lang="de-CH" dirty="0" err="1"/>
+              <a:t>erwiteret</a:t>
+            </a:r>
+            <a:r>
+              <a:rPr lang="de-CH" dirty="0"/>
+              <a:t> werde.</a:t>
+            </a:r>
+          </a:p>
+          <a:p>
+            <a:endParaRPr lang="de-CH" dirty="0"/>
+          </a:p>
+          <a:p>
+            <a:endParaRPr lang="de-CH" dirty="0"/>
+          </a:p>
+          <a:p>
+            <a:endParaRPr lang="de-CH" dirty="0"/>
+          </a:p>
+          <a:p>
+            <a:r>
+              <a:rPr lang="de-CH" dirty="0"/>
+              <a:t>Notizen:</a:t>
+            </a:r>
+          </a:p>
+          <a:p>
+            <a:endParaRPr lang="de-CH" dirty="0"/>
+          </a:p>
+          <a:p>
+            <a:r>
+              <a:rPr lang="de-CH" dirty="0"/>
+              <a:t>Code-Doku: Walking Skeleton war Fokus auf Funktionalität und Verifikation, deshalb soll zeitnah die Dokumentation ergänzt werden. Im gleichen Zug soll die Implementation nochmals reviewt werden.</a:t>
+            </a:r>
+          </a:p>
+          <a:p>
+            <a:endParaRPr lang="de-CH" dirty="0"/>
+          </a:p>
+          <a:p>
+            <a:r>
+              <a:rPr lang="de-CH" dirty="0"/>
+              <a:t>Zugriff auf die Applikation soll auf https umgestellt und mittels User-Login geschützt werden.</a:t>
+            </a:r>
+          </a:p>
+          <a:p>
+            <a:endParaRPr lang="de-CH" dirty="0"/>
+          </a:p>
+          <a:p>
+            <a:r>
+              <a:rPr lang="de-CH" dirty="0"/>
+              <a:t>Die Automatisierungs-Pipeline soll auf das Backend ausgeweitet und um das </a:t>
+            </a:r>
+            <a:r>
+              <a:rPr lang="de-CH" dirty="0" err="1"/>
+              <a:t>Deployment</a:t>
+            </a:r>
+            <a:r>
+              <a:rPr lang="de-CH" dirty="0"/>
+              <a:t> erweitert werden.</a:t>
+            </a:r>
+          </a:p>
+        </p:txBody>
+      </p:sp>
+      <p:sp>
+        <p:nvSpPr>
+          <p:cNvPr id="4" name="Foliennummernplatzhalter 3"/>
+          <p:cNvSpPr>
+            <a:spLocks noGrp="1"/>
+          </p:cNvSpPr>
+          <p:nvPr>
+            <p:ph type="sldNum" sz="quarter" idx="5"/>
+          </p:nvPr>
+        </p:nvSpPr>
+        <p:spPr/>
+        <p:txBody>
+          <a:bodyPr/>
+          <a:lstStyle/>
+          <a:p>
+            <a:fld id="{35DABC87-BC72-469E-95B0-B653EAAE8441}" type="slidenum">
+              <a:rPr lang="de-CH" smtClean="0"/>
+              <a:t>6</a:t>
+            </a:fld>
+            <a:endParaRPr lang="de-CH"/>
+          </a:p>
+        </p:txBody>
+      </p:sp>
+    </p:spTree>
+    <p:extLst>
+      <p:ext uri="{BB962C8B-B14F-4D97-AF65-F5344CB8AC3E}">
+        <p14:creationId xmlns:p14="http://schemas.microsoft.com/office/powerpoint/2010/main" val="695299889"/>
+      </p:ext>
+    </p:extLst>
+  </p:cSld>
+  <p:clrMapOvr>
+    <a:masterClrMapping/>
+  </p:clrMapOvr>
+</p:notes>
+</file>
+
+<file path=ppt/notesSlides/notesSlide7.xml><?xml version="1.0" encoding="utf-8"?>
+<p:notes xmlns:a="http://schemas.openxmlformats.org/drawingml/2006/main" xmlns:r="http://schemas.openxmlformats.org/officeDocument/2006/relationships" xmlns:p="http://schemas.openxmlformats.org/presentationml/2006/main">
+  <p:cSld>
+    <p:spTree>
+      <p:nvGrpSpPr>
+        <p:cNvPr id="1" name=""/>
+        <p:cNvGrpSpPr/>
+        <p:nvPr/>
+      </p:nvGrpSpPr>
+      <p:grpSpPr>
+        <a:xfrm>
+          <a:off x="0" y="0"/>
+          <a:ext cx="0" cy="0"/>
+          <a:chOff x="0" y="0"/>
+          <a:chExt cx="0" cy="0"/>
+        </a:xfrm>
+      </p:grpSpPr>
+      <p:sp>
+        <p:nvSpPr>
+          <p:cNvPr id="2" name="Folienbildplatzhalter 1"/>
+          <p:cNvSpPr>
+            <a:spLocks noGrp="1" noRot="1" noChangeAspect="1"/>
+          </p:cNvSpPr>
+          <p:nvPr>
+            <p:ph type="sldImg"/>
+          </p:nvPr>
+        </p:nvSpPr>
+        <p:spPr/>
+      </p:sp>
+      <p:sp>
+        <p:nvSpPr>
+          <p:cNvPr id="3" name="Notizenplatzhalter 2"/>
+          <p:cNvSpPr>
+            <a:spLocks noGrp="1"/>
+          </p:cNvSpPr>
+          <p:nvPr>
+            <p:ph type="body" idx="1"/>
+          </p:nvPr>
+        </p:nvSpPr>
+        <p:spPr/>
+        <p:txBody>
+          <a:bodyPr/>
+          <a:lstStyle/>
+          <a:p>
+            <a:r>
+              <a:rPr lang="de-CH" dirty="0"/>
+              <a:t>Für de Walking Skeleton </a:t>
+            </a:r>
+            <a:r>
+              <a:rPr lang="de-CH" dirty="0" err="1"/>
+              <a:t>isch</a:t>
+            </a:r>
+            <a:r>
+              <a:rPr lang="de-CH" dirty="0"/>
+              <a:t> de Fokus klar </a:t>
+            </a:r>
+            <a:r>
+              <a:rPr lang="de-CH" dirty="0" err="1"/>
+              <a:t>uf</a:t>
+            </a:r>
+            <a:r>
+              <a:rPr lang="de-CH" dirty="0"/>
+              <a:t> de Funktionalität und de Verifikation vom Design </a:t>
+            </a:r>
+            <a:r>
+              <a:rPr lang="de-CH" dirty="0" err="1"/>
+              <a:t>glege</a:t>
+            </a:r>
+            <a:r>
+              <a:rPr lang="de-CH" dirty="0"/>
+              <a:t>. Drum </a:t>
+            </a:r>
+            <a:r>
+              <a:rPr lang="de-CH" dirty="0" err="1"/>
+              <a:t>söll</a:t>
+            </a:r>
+            <a:r>
+              <a:rPr lang="de-CH" dirty="0"/>
+              <a:t> jetzt </a:t>
+            </a:r>
+            <a:r>
+              <a:rPr lang="de-CH" dirty="0" err="1"/>
+              <a:t>zeitnöch</a:t>
+            </a:r>
+            <a:r>
+              <a:rPr lang="de-CH" dirty="0"/>
+              <a:t> d Dokumentation ergänzt werde.</a:t>
+            </a:r>
+          </a:p>
+          <a:p>
+            <a:r>
+              <a:rPr lang="de-CH" dirty="0"/>
+              <a:t>Im gliche Zug </a:t>
+            </a:r>
+            <a:r>
+              <a:rPr lang="de-CH" dirty="0" err="1"/>
+              <a:t>söll</a:t>
+            </a:r>
+            <a:r>
+              <a:rPr lang="de-CH" dirty="0"/>
+              <a:t> au d Implementation </a:t>
+            </a:r>
+            <a:r>
+              <a:rPr lang="de-CH" dirty="0" err="1"/>
+              <a:t>nomol</a:t>
+            </a:r>
+            <a:r>
+              <a:rPr lang="de-CH" dirty="0"/>
+              <a:t> </a:t>
+            </a:r>
+            <a:r>
+              <a:rPr lang="de-CH" dirty="0" err="1"/>
+              <a:t>greviewt</a:t>
+            </a:r>
+            <a:r>
+              <a:rPr lang="de-CH" dirty="0"/>
+              <a:t> werde.</a:t>
+            </a:r>
+          </a:p>
+          <a:p>
+            <a:endParaRPr lang="de-CH" dirty="0"/>
+          </a:p>
+          <a:p>
+            <a:r>
+              <a:rPr lang="de-CH" dirty="0"/>
+              <a:t>Weiter </a:t>
+            </a:r>
+            <a:r>
+              <a:rPr lang="de-CH" dirty="0" err="1"/>
+              <a:t>söll</a:t>
+            </a:r>
+            <a:r>
+              <a:rPr lang="de-CH" dirty="0"/>
+              <a:t> de </a:t>
+            </a:r>
+            <a:r>
+              <a:rPr lang="de-CH" dirty="0" err="1"/>
+              <a:t>Zuegriff</a:t>
+            </a:r>
+            <a:r>
+              <a:rPr lang="de-CH" dirty="0"/>
+              <a:t> </a:t>
+            </a:r>
+            <a:r>
+              <a:rPr lang="de-CH" dirty="0" err="1"/>
+              <a:t>uf</a:t>
+            </a:r>
+            <a:r>
+              <a:rPr lang="de-CH" dirty="0"/>
+              <a:t> d Applikation </a:t>
+            </a:r>
+            <a:r>
+              <a:rPr lang="de-CH" dirty="0" err="1"/>
+              <a:t>uf</a:t>
+            </a:r>
+            <a:r>
+              <a:rPr lang="de-CH" dirty="0"/>
+              <a:t> https </a:t>
+            </a:r>
+            <a:r>
+              <a:rPr lang="de-CH" dirty="0" err="1"/>
+              <a:t>umgstellt</a:t>
+            </a:r>
+            <a:r>
+              <a:rPr lang="de-CH" dirty="0"/>
+              <a:t> und mittels User-Login </a:t>
+            </a:r>
+            <a:r>
+              <a:rPr lang="de-CH" dirty="0" err="1"/>
+              <a:t>gschützt</a:t>
+            </a:r>
+            <a:r>
+              <a:rPr lang="de-CH" dirty="0"/>
+              <a:t> werde.</a:t>
+            </a:r>
+          </a:p>
+          <a:p>
+            <a:endParaRPr lang="de-CH" dirty="0"/>
+          </a:p>
+          <a:p>
+            <a:r>
+              <a:rPr lang="de-CH" dirty="0"/>
+              <a:t>D </a:t>
+            </a:r>
+            <a:r>
+              <a:rPr lang="de-CH" dirty="0" err="1"/>
+              <a:t>Automatisierigs</a:t>
+            </a:r>
+            <a:r>
+              <a:rPr lang="de-CH" dirty="0"/>
+              <a:t>-Pipeline </a:t>
+            </a:r>
+            <a:r>
+              <a:rPr lang="de-CH" dirty="0" err="1"/>
+              <a:t>söll</a:t>
+            </a:r>
+            <a:r>
+              <a:rPr lang="de-CH" dirty="0"/>
+              <a:t> au </a:t>
+            </a:r>
+            <a:r>
+              <a:rPr lang="de-CH" dirty="0" err="1"/>
+              <a:t>ufs</a:t>
+            </a:r>
+            <a:r>
+              <a:rPr lang="de-CH" dirty="0"/>
+              <a:t> Backend </a:t>
+            </a:r>
+            <a:r>
+              <a:rPr lang="de-CH" dirty="0" err="1"/>
+              <a:t>usgwitet</a:t>
+            </a:r>
+            <a:r>
+              <a:rPr lang="de-CH" dirty="0"/>
+              <a:t>  und um s automatisierte </a:t>
+            </a:r>
+            <a:r>
+              <a:rPr lang="de-CH" dirty="0" err="1"/>
+              <a:t>Deployment</a:t>
+            </a:r>
+            <a:r>
+              <a:rPr lang="de-CH" dirty="0"/>
+              <a:t> </a:t>
+            </a:r>
+            <a:r>
+              <a:rPr lang="de-CH" dirty="0" err="1"/>
+              <a:t>erwiteret</a:t>
+            </a:r>
+            <a:r>
+              <a:rPr lang="de-CH" dirty="0"/>
+              <a:t> werde.</a:t>
+            </a:r>
+          </a:p>
+          <a:p>
+            <a:endParaRPr lang="de-CH" dirty="0"/>
+          </a:p>
+          <a:p>
+            <a:endParaRPr lang="de-CH" dirty="0"/>
+          </a:p>
+          <a:p>
+            <a:endParaRPr lang="de-CH" dirty="0"/>
+          </a:p>
+          <a:p>
+            <a:r>
+              <a:rPr lang="de-CH" dirty="0"/>
+              <a:t>Notizen:</a:t>
+            </a:r>
+          </a:p>
+          <a:p>
+            <a:endParaRPr lang="de-CH" dirty="0"/>
+          </a:p>
+          <a:p>
+            <a:r>
+              <a:rPr lang="de-CH" dirty="0"/>
+              <a:t>Code-Doku: Walking Skeleton war Fokus auf Funktionalität und Verifikation, deshalb soll zeitnah die Dokumentation ergänzt werden. Im gleichen Zug soll die Implementation nochmals reviewt werden.</a:t>
+            </a:r>
+          </a:p>
+          <a:p>
+            <a:endParaRPr lang="de-CH" dirty="0"/>
+          </a:p>
+          <a:p>
+            <a:r>
+              <a:rPr lang="de-CH" dirty="0"/>
+              <a:t>Zugriff auf die Applikation soll auf https umgestellt und mittels User-Login geschützt werden.</a:t>
+            </a:r>
+          </a:p>
+          <a:p>
+            <a:endParaRPr lang="de-CH" dirty="0"/>
+          </a:p>
+          <a:p>
+            <a:r>
+              <a:rPr lang="de-CH" dirty="0"/>
+              <a:t>Die Automatisierungs-Pipeline soll auf das Backend ausgeweitet und um das </a:t>
+            </a:r>
+            <a:r>
+              <a:rPr lang="de-CH" dirty="0" err="1"/>
+              <a:t>Deployment</a:t>
+            </a:r>
+            <a:r>
+              <a:rPr lang="de-CH" dirty="0"/>
+              <a:t> erweitert werden.</a:t>
+            </a:r>
+          </a:p>
+        </p:txBody>
+      </p:sp>
+      <p:sp>
+        <p:nvSpPr>
+          <p:cNvPr id="4" name="Foliennummernplatzhalter 3"/>
+          <p:cNvSpPr>
+            <a:spLocks noGrp="1"/>
+          </p:cNvSpPr>
+          <p:nvPr>
+            <p:ph type="sldNum" sz="quarter" idx="5"/>
+          </p:nvPr>
+        </p:nvSpPr>
+        <p:spPr/>
+        <p:txBody>
+          <a:bodyPr/>
+          <a:lstStyle/>
+          <a:p>
+            <a:fld id="{35DABC87-BC72-469E-95B0-B653EAAE8441}" type="slidenum">
+              <a:rPr lang="de-CH" smtClean="0"/>
+              <a:t>7</a:t>
+            </a:fld>
+            <a:endParaRPr lang="de-CH"/>
+          </a:p>
+        </p:txBody>
+      </p:sp>
+    </p:spTree>
+    <p:extLst>
+      <p:ext uri="{BB962C8B-B14F-4D97-AF65-F5344CB8AC3E}">
+        <p14:creationId xmlns:p14="http://schemas.microsoft.com/office/powerpoint/2010/main" val="4049864255"/>
+      </p:ext>
+    </p:extLst>
+  </p:cSld>
+  <p:clrMapOvr>
+    <a:masterClrMapping/>
+  </p:clrMapOvr>
+</p:notes>
+</file>
+
+<file path=ppt/notesSlides/notesSlide8.xml><?xml version="1.0" encoding="utf-8"?>
+<p:notes xmlns:a="http://schemas.openxmlformats.org/drawingml/2006/main" xmlns:r="http://schemas.openxmlformats.org/officeDocument/2006/relationships" xmlns:p="http://schemas.openxmlformats.org/presentationml/2006/main">
+  <p:cSld>
+    <p:spTree>
+      <p:nvGrpSpPr>
+        <p:cNvPr id="1" name=""/>
+        <p:cNvGrpSpPr/>
+        <p:nvPr/>
+      </p:nvGrpSpPr>
+      <p:grpSpPr>
+        <a:xfrm>
+          <a:off x="0" y="0"/>
+          <a:ext cx="0" cy="0"/>
+          <a:chOff x="0" y="0"/>
+          <a:chExt cx="0" cy="0"/>
+        </a:xfrm>
+      </p:grpSpPr>
+      <p:sp>
+        <p:nvSpPr>
+          <p:cNvPr id="2" name="Folienbildplatzhalter 1"/>
+          <p:cNvSpPr>
+            <a:spLocks noGrp="1" noRot="1" noChangeAspect="1"/>
+          </p:cNvSpPr>
+          <p:nvPr>
+            <p:ph type="sldImg"/>
+          </p:nvPr>
+        </p:nvSpPr>
+        <p:spPr/>
+      </p:sp>
+      <p:sp>
+        <p:nvSpPr>
+          <p:cNvPr id="3" name="Notizenplatzhalter 2"/>
+          <p:cNvSpPr>
+            <a:spLocks noGrp="1"/>
+          </p:cNvSpPr>
+          <p:nvPr>
+            <p:ph type="body" idx="1"/>
+          </p:nvPr>
+        </p:nvSpPr>
+        <p:spPr/>
+        <p:txBody>
+          <a:bodyPr/>
+          <a:lstStyle/>
+          <a:p>
+            <a:r>
+              <a:rPr lang="de-CH" dirty="0"/>
+              <a:t>Für de Walking Skeleton </a:t>
+            </a:r>
+            <a:r>
+              <a:rPr lang="de-CH" dirty="0" err="1"/>
+              <a:t>isch</a:t>
+            </a:r>
+            <a:r>
+              <a:rPr lang="de-CH" dirty="0"/>
+              <a:t> de Fokus klar </a:t>
+            </a:r>
+            <a:r>
+              <a:rPr lang="de-CH" dirty="0" err="1"/>
+              <a:t>uf</a:t>
+            </a:r>
+            <a:r>
+              <a:rPr lang="de-CH" dirty="0"/>
+              <a:t> de Funktionalität und de Verifikation vom Design </a:t>
+            </a:r>
+            <a:r>
+              <a:rPr lang="de-CH" dirty="0" err="1"/>
+              <a:t>glege</a:t>
+            </a:r>
+            <a:r>
+              <a:rPr lang="de-CH" dirty="0"/>
+              <a:t>. Drum </a:t>
+            </a:r>
+            <a:r>
+              <a:rPr lang="de-CH" dirty="0" err="1"/>
+              <a:t>söll</a:t>
+            </a:r>
+            <a:r>
+              <a:rPr lang="de-CH" dirty="0"/>
+              <a:t> jetzt </a:t>
+            </a:r>
+            <a:r>
+              <a:rPr lang="de-CH" dirty="0" err="1"/>
+              <a:t>zeitnöch</a:t>
+            </a:r>
+            <a:r>
+              <a:rPr lang="de-CH" dirty="0"/>
+              <a:t> d Dokumentation ergänzt werde.</a:t>
+            </a:r>
+          </a:p>
+          <a:p>
+            <a:r>
+              <a:rPr lang="de-CH" dirty="0"/>
+              <a:t>Im gliche Zug </a:t>
+            </a:r>
+            <a:r>
+              <a:rPr lang="de-CH" dirty="0" err="1"/>
+              <a:t>söll</a:t>
+            </a:r>
+            <a:r>
+              <a:rPr lang="de-CH" dirty="0"/>
+              <a:t> au d Implementation </a:t>
+            </a:r>
+            <a:r>
+              <a:rPr lang="de-CH" dirty="0" err="1"/>
+              <a:t>nomol</a:t>
+            </a:r>
+            <a:r>
+              <a:rPr lang="de-CH" dirty="0"/>
+              <a:t> </a:t>
+            </a:r>
+            <a:r>
+              <a:rPr lang="de-CH" dirty="0" err="1"/>
+              <a:t>greviewt</a:t>
+            </a:r>
+            <a:r>
+              <a:rPr lang="de-CH" dirty="0"/>
+              <a:t> werde.</a:t>
+            </a:r>
+          </a:p>
+          <a:p>
+            <a:endParaRPr lang="de-CH" dirty="0"/>
+          </a:p>
+          <a:p>
+            <a:r>
+              <a:rPr lang="de-CH" dirty="0"/>
+              <a:t>Weiter </a:t>
+            </a:r>
+            <a:r>
+              <a:rPr lang="de-CH" dirty="0" err="1"/>
+              <a:t>söll</a:t>
+            </a:r>
+            <a:r>
+              <a:rPr lang="de-CH" dirty="0"/>
+              <a:t> de </a:t>
+            </a:r>
+            <a:r>
+              <a:rPr lang="de-CH" dirty="0" err="1"/>
+              <a:t>Zuegriff</a:t>
+            </a:r>
+            <a:r>
+              <a:rPr lang="de-CH" dirty="0"/>
+              <a:t> </a:t>
+            </a:r>
+            <a:r>
+              <a:rPr lang="de-CH" dirty="0" err="1"/>
+              <a:t>uf</a:t>
+            </a:r>
+            <a:r>
+              <a:rPr lang="de-CH" dirty="0"/>
+              <a:t> d Applikation </a:t>
+            </a:r>
+            <a:r>
+              <a:rPr lang="de-CH" dirty="0" err="1"/>
+              <a:t>uf</a:t>
+            </a:r>
+            <a:r>
+              <a:rPr lang="de-CH" dirty="0"/>
+              <a:t> https </a:t>
+            </a:r>
+            <a:r>
+              <a:rPr lang="de-CH" dirty="0" err="1"/>
+              <a:t>umgstellt</a:t>
+            </a:r>
+            <a:r>
+              <a:rPr lang="de-CH" dirty="0"/>
+              <a:t> und mittels User-Login </a:t>
+            </a:r>
+            <a:r>
+              <a:rPr lang="de-CH" dirty="0" err="1"/>
+              <a:t>gschützt</a:t>
+            </a:r>
+            <a:r>
+              <a:rPr lang="de-CH" dirty="0"/>
+              <a:t> werde.</a:t>
+            </a:r>
+          </a:p>
+          <a:p>
+            <a:endParaRPr lang="de-CH" dirty="0"/>
+          </a:p>
+          <a:p>
+            <a:r>
+              <a:rPr lang="de-CH" dirty="0"/>
+              <a:t>D </a:t>
+            </a:r>
+            <a:r>
+              <a:rPr lang="de-CH" dirty="0" err="1"/>
+              <a:t>Automatisierigs</a:t>
+            </a:r>
+            <a:r>
+              <a:rPr lang="de-CH" dirty="0"/>
+              <a:t>-Pipeline </a:t>
+            </a:r>
+            <a:r>
+              <a:rPr lang="de-CH" dirty="0" err="1"/>
+              <a:t>söll</a:t>
+            </a:r>
+            <a:r>
+              <a:rPr lang="de-CH" dirty="0"/>
+              <a:t> au </a:t>
+            </a:r>
+            <a:r>
+              <a:rPr lang="de-CH" dirty="0" err="1"/>
+              <a:t>ufs</a:t>
+            </a:r>
+            <a:r>
+              <a:rPr lang="de-CH" dirty="0"/>
+              <a:t> Backend </a:t>
+            </a:r>
+            <a:r>
+              <a:rPr lang="de-CH" dirty="0" err="1"/>
+              <a:t>usgwitet</a:t>
+            </a:r>
+            <a:r>
+              <a:rPr lang="de-CH" dirty="0"/>
+              <a:t>  und um s automatisierte </a:t>
+            </a:r>
+            <a:r>
+              <a:rPr lang="de-CH" dirty="0" err="1"/>
+              <a:t>Deployment</a:t>
+            </a:r>
+            <a:r>
+              <a:rPr lang="de-CH" dirty="0"/>
+              <a:t> </a:t>
+            </a:r>
+            <a:r>
+              <a:rPr lang="de-CH" dirty="0" err="1"/>
+              <a:t>erwiteret</a:t>
+            </a:r>
+            <a:r>
+              <a:rPr lang="de-CH" dirty="0"/>
+              <a:t> werde.</a:t>
+            </a:r>
+          </a:p>
+          <a:p>
+            <a:endParaRPr lang="de-CH" dirty="0"/>
+          </a:p>
+          <a:p>
+            <a:endParaRPr lang="de-CH" dirty="0"/>
+          </a:p>
+          <a:p>
+            <a:endParaRPr lang="de-CH" dirty="0"/>
+          </a:p>
+          <a:p>
+            <a:r>
+              <a:rPr lang="de-CH" dirty="0"/>
+              <a:t>Notizen:</a:t>
+            </a:r>
+          </a:p>
+          <a:p>
+            <a:endParaRPr lang="de-CH" dirty="0"/>
+          </a:p>
+          <a:p>
+            <a:r>
+              <a:rPr lang="de-CH" dirty="0"/>
+              <a:t>Code-Doku: Walking Skeleton war Fokus auf Funktionalität und Verifikation, deshalb soll zeitnah die Dokumentation ergänzt werden. Im gleichen Zug soll die Implementation nochmals reviewt werden.</a:t>
+            </a:r>
+          </a:p>
+          <a:p>
+            <a:endParaRPr lang="de-CH" dirty="0"/>
+          </a:p>
+          <a:p>
+            <a:r>
+              <a:rPr lang="de-CH" dirty="0"/>
+              <a:t>Zugriff auf die Applikation soll auf https umgestellt und mittels User-Login geschützt werden.</a:t>
+            </a:r>
+          </a:p>
+          <a:p>
+            <a:endParaRPr lang="de-CH" dirty="0"/>
+          </a:p>
+          <a:p>
+            <a:r>
+              <a:rPr lang="de-CH" dirty="0"/>
+              <a:t>Die Automatisierungs-Pipeline soll auf das Backend ausgeweitet und um das </a:t>
+            </a:r>
+            <a:r>
+              <a:rPr lang="de-CH" dirty="0" err="1"/>
+              <a:t>Deployment</a:t>
+            </a:r>
+            <a:r>
+              <a:rPr lang="de-CH" dirty="0"/>
+              <a:t> erweitert werden.</a:t>
+            </a:r>
+          </a:p>
+        </p:txBody>
+      </p:sp>
+      <p:sp>
+        <p:nvSpPr>
+          <p:cNvPr id="4" name="Foliennummernplatzhalter 3"/>
+          <p:cNvSpPr>
+            <a:spLocks noGrp="1"/>
+          </p:cNvSpPr>
+          <p:nvPr>
+            <p:ph type="sldNum" sz="quarter" idx="5"/>
+          </p:nvPr>
+        </p:nvSpPr>
+        <p:spPr/>
+        <p:txBody>
+          <a:bodyPr/>
+          <a:lstStyle/>
+          <a:p>
+            <a:fld id="{35DABC87-BC72-469E-95B0-B653EAAE8441}" type="slidenum">
+              <a:rPr lang="de-CH" smtClean="0"/>
+              <a:t>8</a:t>
+            </a:fld>
+            <a:endParaRPr lang="de-CH"/>
+          </a:p>
+        </p:txBody>
+      </p:sp>
+    </p:spTree>
+    <p:extLst>
+      <p:ext uri="{BB962C8B-B14F-4D97-AF65-F5344CB8AC3E}">
+        <p14:creationId xmlns:p14="http://schemas.microsoft.com/office/powerpoint/2010/main" val="3942930048"/>
+      </p:ext>
+    </p:extLst>
+  </p:cSld>
+  <p:clrMapOvr>
+    <a:masterClrMapping/>
+  </p:clrMapOvr>
+</p:notes>
+</file>
+
+<file path=ppt/notesSlides/notesSlide9.xml><?xml version="1.0" encoding="utf-8"?>
+<p:notes xmlns:a="http://schemas.openxmlformats.org/drawingml/2006/main" xmlns:r="http://schemas.openxmlformats.org/officeDocument/2006/relationships" xmlns:p="http://schemas.openxmlformats.org/presentationml/2006/main">
+  <p:cSld>
+    <p:spTree>
+      <p:nvGrpSpPr>
+        <p:cNvPr id="1" name=""/>
+        <p:cNvGrpSpPr/>
+        <p:nvPr/>
+      </p:nvGrpSpPr>
+      <p:grpSpPr>
+        <a:xfrm>
+          <a:off x="0" y="0"/>
+          <a:ext cx="0" cy="0"/>
+          <a:chOff x="0" y="0"/>
+          <a:chExt cx="0" cy="0"/>
+        </a:xfrm>
+      </p:grpSpPr>
+      <p:sp>
+        <p:nvSpPr>
+          <p:cNvPr id="2" name="Folienbildplatzhalter 1"/>
+          <p:cNvSpPr>
+            <a:spLocks noGrp="1" noRot="1" noChangeAspect="1"/>
+          </p:cNvSpPr>
+          <p:nvPr>
+            <p:ph type="sldImg"/>
+          </p:nvPr>
+        </p:nvSpPr>
+        <p:spPr/>
+      </p:sp>
+      <p:sp>
+        <p:nvSpPr>
+          <p:cNvPr id="3" name="Notizenplatzhalter 2"/>
+          <p:cNvSpPr>
+            <a:spLocks noGrp="1"/>
+          </p:cNvSpPr>
+          <p:nvPr>
+            <p:ph type="body" idx="1"/>
+          </p:nvPr>
+        </p:nvSpPr>
+        <p:spPr/>
+        <p:txBody>
+          <a:bodyPr/>
+          <a:lstStyle/>
+          <a:p>
+            <a:r>
+              <a:rPr lang="de-CH" dirty="0"/>
+              <a:t>Für de Walking Skeleton </a:t>
+            </a:r>
+            <a:r>
+              <a:rPr lang="de-CH" dirty="0" err="1"/>
+              <a:t>isch</a:t>
+            </a:r>
+            <a:r>
+              <a:rPr lang="de-CH" dirty="0"/>
+              <a:t> de Fokus klar </a:t>
+            </a:r>
+            <a:r>
+              <a:rPr lang="de-CH" dirty="0" err="1"/>
+              <a:t>uf</a:t>
+            </a:r>
+            <a:r>
+              <a:rPr lang="de-CH" dirty="0"/>
+              <a:t> de Funktionalität und de Verifikation vom Design </a:t>
+            </a:r>
+            <a:r>
+              <a:rPr lang="de-CH" dirty="0" err="1"/>
+              <a:t>glege</a:t>
+            </a:r>
+            <a:r>
+              <a:rPr lang="de-CH" dirty="0"/>
+              <a:t>. Drum </a:t>
+            </a:r>
+            <a:r>
+              <a:rPr lang="de-CH" dirty="0" err="1"/>
+              <a:t>söll</a:t>
+            </a:r>
+            <a:r>
+              <a:rPr lang="de-CH" dirty="0"/>
+              <a:t> jetzt </a:t>
+            </a:r>
+            <a:r>
+              <a:rPr lang="de-CH" dirty="0" err="1"/>
+              <a:t>zeitnöch</a:t>
+            </a:r>
+            <a:r>
+              <a:rPr lang="de-CH" dirty="0"/>
+              <a:t> d Dokumentation ergänzt werde.</a:t>
+            </a:r>
+          </a:p>
+          <a:p>
+            <a:r>
+              <a:rPr lang="de-CH" dirty="0"/>
+              <a:t>Im gliche Zug </a:t>
+            </a:r>
+            <a:r>
+              <a:rPr lang="de-CH" dirty="0" err="1"/>
+              <a:t>söll</a:t>
+            </a:r>
+            <a:r>
+              <a:rPr lang="de-CH" dirty="0"/>
+              <a:t> au d Implementation </a:t>
+            </a:r>
+            <a:r>
+              <a:rPr lang="de-CH" dirty="0" err="1"/>
+              <a:t>nomol</a:t>
+            </a:r>
+            <a:r>
+              <a:rPr lang="de-CH" dirty="0"/>
+              <a:t> </a:t>
+            </a:r>
+            <a:r>
+              <a:rPr lang="de-CH" dirty="0" err="1"/>
+              <a:t>greviewt</a:t>
+            </a:r>
+            <a:r>
+              <a:rPr lang="de-CH" dirty="0"/>
+              <a:t> werde.</a:t>
+            </a:r>
+          </a:p>
+          <a:p>
+            <a:endParaRPr lang="de-CH" dirty="0"/>
+          </a:p>
+          <a:p>
+            <a:r>
+              <a:rPr lang="de-CH" dirty="0"/>
+              <a:t>Weiter </a:t>
+            </a:r>
+            <a:r>
+              <a:rPr lang="de-CH" dirty="0" err="1"/>
+              <a:t>söll</a:t>
+            </a:r>
+            <a:r>
+              <a:rPr lang="de-CH" dirty="0"/>
+              <a:t> de </a:t>
+            </a:r>
+            <a:r>
+              <a:rPr lang="de-CH" dirty="0" err="1"/>
+              <a:t>Zuegriff</a:t>
+            </a:r>
+            <a:r>
+              <a:rPr lang="de-CH" dirty="0"/>
+              <a:t> </a:t>
+            </a:r>
+            <a:r>
+              <a:rPr lang="de-CH" dirty="0" err="1"/>
+              <a:t>uf</a:t>
+            </a:r>
+            <a:r>
+              <a:rPr lang="de-CH" dirty="0"/>
+              <a:t> d Applikation </a:t>
+            </a:r>
+            <a:r>
+              <a:rPr lang="de-CH" dirty="0" err="1"/>
+              <a:t>uf</a:t>
+            </a:r>
+            <a:r>
+              <a:rPr lang="de-CH" dirty="0"/>
+              <a:t> https </a:t>
+            </a:r>
+            <a:r>
+              <a:rPr lang="de-CH" dirty="0" err="1"/>
+              <a:t>umgstellt</a:t>
+            </a:r>
+            <a:r>
+              <a:rPr lang="de-CH" dirty="0"/>
+              <a:t> und mittels User-Login </a:t>
+            </a:r>
+            <a:r>
+              <a:rPr lang="de-CH" dirty="0" err="1"/>
+              <a:t>gschützt</a:t>
+            </a:r>
+            <a:r>
+              <a:rPr lang="de-CH" dirty="0"/>
+              <a:t> werde.</a:t>
+            </a:r>
+          </a:p>
+          <a:p>
+            <a:endParaRPr lang="de-CH" dirty="0"/>
+          </a:p>
+          <a:p>
+            <a:r>
+              <a:rPr lang="de-CH" dirty="0"/>
+              <a:t>D </a:t>
+            </a:r>
+            <a:r>
+              <a:rPr lang="de-CH" dirty="0" err="1"/>
+              <a:t>Automatisierigs</a:t>
+            </a:r>
+            <a:r>
+              <a:rPr lang="de-CH" dirty="0"/>
+              <a:t>-Pipeline </a:t>
+            </a:r>
+            <a:r>
+              <a:rPr lang="de-CH" dirty="0" err="1"/>
+              <a:t>söll</a:t>
+            </a:r>
+            <a:r>
+              <a:rPr lang="de-CH" dirty="0"/>
+              <a:t> au </a:t>
+            </a:r>
+            <a:r>
+              <a:rPr lang="de-CH" dirty="0" err="1"/>
+              <a:t>ufs</a:t>
+            </a:r>
+            <a:r>
+              <a:rPr lang="de-CH" dirty="0"/>
+              <a:t> Backend </a:t>
+            </a:r>
+            <a:r>
+              <a:rPr lang="de-CH" dirty="0" err="1"/>
+              <a:t>usgwitet</a:t>
+            </a:r>
+            <a:r>
+              <a:rPr lang="de-CH" dirty="0"/>
+              <a:t>  und um s automatisierte </a:t>
+            </a:r>
+            <a:r>
+              <a:rPr lang="de-CH" dirty="0" err="1"/>
+              <a:t>Deployment</a:t>
+            </a:r>
+            <a:r>
+              <a:rPr lang="de-CH" dirty="0"/>
+              <a:t> </a:t>
+            </a:r>
+            <a:r>
+              <a:rPr lang="de-CH" dirty="0" err="1"/>
+              <a:t>erwiteret</a:t>
+            </a:r>
+            <a:r>
+              <a:rPr lang="de-CH" dirty="0"/>
+              <a:t> werde.</a:t>
+            </a:r>
+          </a:p>
+          <a:p>
+            <a:endParaRPr lang="de-CH" dirty="0"/>
+          </a:p>
+          <a:p>
+            <a:endParaRPr lang="de-CH" dirty="0"/>
+          </a:p>
+          <a:p>
+            <a:endParaRPr lang="de-CH" dirty="0"/>
+          </a:p>
+          <a:p>
+            <a:r>
+              <a:rPr lang="de-CH" dirty="0"/>
+              <a:t>Notizen:</a:t>
+            </a:r>
+          </a:p>
+          <a:p>
+            <a:endParaRPr lang="de-CH" dirty="0"/>
+          </a:p>
+          <a:p>
+            <a:r>
+              <a:rPr lang="de-CH" dirty="0"/>
+              <a:t>Code-Doku: Walking Skeleton war Fokus auf Funktionalität und Verifikation, deshalb soll zeitnah die Dokumentation ergänzt werden. Im gleichen Zug soll die Implementation nochmals reviewt werden.</a:t>
+            </a:r>
+          </a:p>
+          <a:p>
+            <a:endParaRPr lang="de-CH" dirty="0"/>
+          </a:p>
+          <a:p>
+            <a:r>
+              <a:rPr lang="de-CH" dirty="0"/>
+              <a:t>Zugriff auf die Applikation soll auf https umgestellt und mittels User-Login geschützt werden.</a:t>
+            </a:r>
+          </a:p>
+          <a:p>
+            <a:endParaRPr lang="de-CH" dirty="0"/>
+          </a:p>
+          <a:p>
+            <a:r>
+              <a:rPr lang="de-CH" dirty="0"/>
+              <a:t>Die Automatisierungs-Pipeline soll auf das Backend ausgeweitet und um das </a:t>
+            </a:r>
+            <a:r>
+              <a:rPr lang="de-CH" dirty="0" err="1"/>
+              <a:t>Deployment</a:t>
+            </a:r>
+            <a:r>
+              <a:rPr lang="de-CH" dirty="0"/>
+              <a:t> erweitert werden.</a:t>
+            </a:r>
+          </a:p>
+        </p:txBody>
+      </p:sp>
+      <p:sp>
+        <p:nvSpPr>
+          <p:cNvPr id="4" name="Foliennummernplatzhalter 3"/>
+          <p:cNvSpPr>
+            <a:spLocks noGrp="1"/>
+          </p:cNvSpPr>
+          <p:nvPr>
+            <p:ph type="sldNum" sz="quarter" idx="5"/>
+          </p:nvPr>
+        </p:nvSpPr>
+        <p:spPr/>
+        <p:txBody>
+          <a:bodyPr/>
+          <a:lstStyle/>
+          <a:p>
+            <a:fld id="{35DABC87-BC72-469E-95B0-B653EAAE8441}" type="slidenum">
+              <a:rPr lang="de-CH" smtClean="0"/>
+              <a:t>9</a:t>
+            </a:fld>
+            <a:endParaRPr lang="de-CH"/>
+          </a:p>
+        </p:txBody>
+      </p:sp>
+    </p:spTree>
+    <p:extLst>
+      <p:ext uri="{BB962C8B-B14F-4D97-AF65-F5344CB8AC3E}">
+        <p14:creationId xmlns:p14="http://schemas.microsoft.com/office/powerpoint/2010/main" val="2641962400"/>
       </p:ext>
     </p:extLst>
   </p:cSld>
@@ -2163,7 +5061,7 @@
           <a:p>
             <a:fld id="{ED73F198-DB81-4963-9906-E057AC330EDF}" type="datetime1">
               <a:rPr lang="de-CH" smtClean="0"/>
-              <a:t>29.09.2022</a:t>
+              <a:t>30.09.2022</a:t>
             </a:fld>
             <a:endParaRPr lang="de-CH"/>
           </a:p>
@@ -2414,7 +5312,7 @@
           <a:p>
             <a:fld id="{4BE61391-CE41-4878-98B1-713390803216}" type="datetime1">
               <a:rPr lang="de-CH" smtClean="0"/>
-              <a:t>29.09.2022</a:t>
+              <a:t>30.09.2022</a:t>
             </a:fld>
             <a:endParaRPr lang="de-CH"/>
           </a:p>
@@ -2729,7 +5627,7 @@
           <a:p>
             <a:fld id="{4BE61391-CE41-4878-98B1-713390803216}" type="datetime1">
               <a:rPr lang="de-CH" smtClean="0"/>
-              <a:t>29.09.2022</a:t>
+              <a:t>30.09.2022</a:t>
             </a:fld>
             <a:endParaRPr lang="de-CH"/>
           </a:p>
@@ -3071,7 +5969,7 @@
           <a:p>
             <a:fld id="{4BE61391-CE41-4878-98B1-713390803216}" type="datetime1">
               <a:rPr lang="de-CH" smtClean="0"/>
-              <a:t>29.09.2022</a:t>
+              <a:t>30.09.2022</a:t>
             </a:fld>
             <a:endParaRPr lang="de-CH"/>
           </a:p>
@@ -3386,7 +6284,7 @@
           <a:p>
             <a:fld id="{4BE61391-CE41-4878-98B1-713390803216}" type="datetime1">
               <a:rPr lang="de-CH" smtClean="0"/>
-              <a:t>29.09.2022</a:t>
+              <a:t>30.09.2022</a:t>
             </a:fld>
             <a:endParaRPr lang="de-CH"/>
           </a:p>
@@ -3780,7 +6678,7 @@
           <a:p>
             <a:fld id="{4BE61391-CE41-4878-98B1-713390803216}" type="datetime1">
               <a:rPr lang="de-CH" smtClean="0"/>
-              <a:t>29.09.2022</a:t>
+              <a:t>30.09.2022</a:t>
             </a:fld>
             <a:endParaRPr lang="de-CH"/>
           </a:p>
@@ -3951,7 +6849,7 @@
           <a:p>
             <a:fld id="{C8D28C62-1A2D-4B8E-AE68-FD2F29B8A175}" type="datetime1">
               <a:rPr lang="de-CH" smtClean="0"/>
-              <a:t>29.09.2022</a:t>
+              <a:t>30.09.2022</a:t>
             </a:fld>
             <a:endParaRPr lang="de-CH"/>
           </a:p>
@@ -4131,7 +7029,7 @@
           <a:p>
             <a:fld id="{C9BE3DC0-100A-40B0-BF4D-618CBEC70B25}" type="datetime1">
               <a:rPr lang="de-CH" smtClean="0"/>
-              <a:t>29.09.2022</a:t>
+              <a:t>30.09.2022</a:t>
             </a:fld>
             <a:endParaRPr lang="de-CH"/>
           </a:p>
@@ -4307,7 +7205,7 @@
           <a:p>
             <a:fld id="{32C34E9C-E89A-4D80-9230-A1E738492357}" type="datetime1">
               <a:rPr lang="de-CH" smtClean="0"/>
-              <a:t>29.09.2022</a:t>
+              <a:t>30.09.2022</a:t>
             </a:fld>
             <a:endParaRPr lang="de-CH"/>
           </a:p>
@@ -4554,7 +7452,7 @@
           <a:p>
             <a:fld id="{FF282D36-C364-410F-ABA9-4C799A69FAA9}" type="datetime1">
               <a:rPr lang="de-CH" smtClean="0"/>
-              <a:t>29.09.2022</a:t>
+              <a:t>30.09.2022</a:t>
             </a:fld>
             <a:endParaRPr lang="de-CH"/>
           </a:p>
@@ -4786,7 +7684,7 @@
           <a:p>
             <a:fld id="{02007695-A285-41F0-8782-AF15AED445BB}" type="datetime1">
               <a:rPr lang="de-CH" smtClean="0"/>
-              <a:t>29.09.2022</a:t>
+              <a:t>30.09.2022</a:t>
             </a:fld>
             <a:endParaRPr lang="de-CH"/>
           </a:p>
@@ -5160,7 +8058,7 @@
           <a:p>
             <a:fld id="{16ACFCB4-3396-4C91-8DCC-3A511583F294}" type="datetime1">
               <a:rPr lang="de-CH" smtClean="0"/>
-              <a:t>29.09.2022</a:t>
+              <a:t>30.09.2022</a:t>
             </a:fld>
             <a:endParaRPr lang="de-CH"/>
           </a:p>
@@ -5283,7 +8181,7 @@
           <a:p>
             <a:fld id="{8E6106F8-D436-4388-B115-AF5279B8AAE6}" type="datetime1">
               <a:rPr lang="de-CH" smtClean="0"/>
-              <a:t>29.09.2022</a:t>
+              <a:t>30.09.2022</a:t>
             </a:fld>
             <a:endParaRPr lang="de-CH"/>
           </a:p>
@@ -5378,7 +8276,7 @@
           <a:p>
             <a:fld id="{25C7CD7D-3820-47C7-9DA5-4E8160531771}" type="datetime1">
               <a:rPr lang="de-CH" smtClean="0"/>
-              <a:t>29.09.2022</a:t>
+              <a:t>30.09.2022</a:t>
             </a:fld>
             <a:endParaRPr lang="de-CH"/>
           </a:p>
@@ -5633,7 +8531,7 @@
           <a:p>
             <a:fld id="{F1E62ABB-A41A-4935-809A-B010E7714C9D}" type="datetime1">
               <a:rPr lang="de-CH" smtClean="0"/>
-              <a:t>29.09.2022</a:t>
+              <a:t>30.09.2022</a:t>
             </a:fld>
             <a:endParaRPr lang="de-CH"/>
           </a:p>
@@ -5896,7 +8794,7 @@
           <a:p>
             <a:fld id="{4BE61391-CE41-4878-98B1-713390803216}" type="datetime1">
               <a:rPr lang="de-CH" smtClean="0"/>
-              <a:t>29.09.2022</a:t>
+              <a:t>30.09.2022</a:t>
             </a:fld>
             <a:endParaRPr lang="de-CH"/>
           </a:p>
@@ -6640,7 +9538,7 @@
           <a:p>
             <a:fld id="{4BE61391-CE41-4878-98B1-713390803216}" type="datetime1">
               <a:rPr lang="de-CH" smtClean="0"/>
-              <a:t>29.09.2022</a:t>
+              <a:t>30.09.2022</a:t>
             </a:fld>
             <a:endParaRPr lang="de-CH"/>
           </a:p>
@@ -7288,6 +10186,511 @@
 </p:sld>
 </file>
 
+<file path=ppt/slides/slide10.xml><?xml version="1.0" encoding="utf-8"?>
+<p:sld xmlns:a="http://schemas.openxmlformats.org/drawingml/2006/main" xmlns:r="http://schemas.openxmlformats.org/officeDocument/2006/relationships" xmlns:p="http://schemas.openxmlformats.org/presentationml/2006/main">
+  <p:cSld>
+    <p:spTree>
+      <p:nvGrpSpPr>
+        <p:cNvPr id="1" name=""/>
+        <p:cNvGrpSpPr/>
+        <p:nvPr/>
+      </p:nvGrpSpPr>
+      <p:grpSpPr>
+        <a:xfrm>
+          <a:off x="0" y="0"/>
+          <a:ext cx="0" cy="0"/>
+          <a:chOff x="0" y="0"/>
+          <a:chExt cx="0" cy="0"/>
+        </a:xfrm>
+      </p:grpSpPr>
+      <p:sp>
+        <p:nvSpPr>
+          <p:cNvPr id="2" name="Titel 1">
+            <a:extLst>
+              <a:ext uri="{FF2B5EF4-FFF2-40B4-BE49-F238E27FC236}">
+                <a16:creationId xmlns:a16="http://schemas.microsoft.com/office/drawing/2014/main" id="{4886BDED-F105-DAAB-E82A-B1D3D48B7306}"/>
+              </a:ext>
+            </a:extLst>
+          </p:cNvPr>
+          <p:cNvSpPr>
+            <a:spLocks noGrp="1"/>
+          </p:cNvSpPr>
+          <p:nvPr>
+            <p:ph type="title"/>
+          </p:nvPr>
+        </p:nvSpPr>
+        <p:spPr/>
+        <p:txBody>
+          <a:bodyPr/>
+          <a:lstStyle/>
+          <a:p>
+            <a:r>
+              <a:rPr lang="de-CH" dirty="0"/>
+              <a:t>Design</a:t>
+            </a:r>
+            <a:br>
+              <a:rPr lang="de-CH" dirty="0"/>
+            </a:br>
+            <a:r>
+              <a:rPr lang="de-CH" dirty="0"/>
+              <a:t>Authentisierung</a:t>
+            </a:r>
+          </a:p>
+        </p:txBody>
+      </p:sp>
+      <p:sp>
+        <p:nvSpPr>
+          <p:cNvPr id="3" name="Inhaltsplatzhalter 2">
+            <a:extLst>
+              <a:ext uri="{FF2B5EF4-FFF2-40B4-BE49-F238E27FC236}">
+                <a16:creationId xmlns:a16="http://schemas.microsoft.com/office/drawing/2014/main" id="{09E0D5C9-0C59-5FA1-1DB3-BCB8B158C9EF}"/>
+              </a:ext>
+            </a:extLst>
+          </p:cNvPr>
+          <p:cNvSpPr>
+            <a:spLocks noGrp="1"/>
+          </p:cNvSpPr>
+          <p:nvPr>
+            <p:ph idx="1"/>
+          </p:nvPr>
+        </p:nvSpPr>
+        <p:spPr/>
+        <p:txBody>
+          <a:bodyPr>
+            <a:normAutofit/>
+          </a:bodyPr>
+          <a:lstStyle/>
+          <a:p>
+            <a:endParaRPr lang="de-CH" dirty="0"/>
+          </a:p>
+        </p:txBody>
+      </p:sp>
+      <p:sp>
+        <p:nvSpPr>
+          <p:cNvPr id="5" name="Foliennummernplatzhalter 4">
+            <a:extLst>
+              <a:ext uri="{FF2B5EF4-FFF2-40B4-BE49-F238E27FC236}">
+                <a16:creationId xmlns:a16="http://schemas.microsoft.com/office/drawing/2014/main" id="{D78B2001-0582-AF5C-73E0-D0C52A58F0B5}"/>
+              </a:ext>
+            </a:extLst>
+          </p:cNvPr>
+          <p:cNvSpPr>
+            <a:spLocks noGrp="1"/>
+          </p:cNvSpPr>
+          <p:nvPr>
+            <p:ph type="sldNum" sz="quarter" idx="12"/>
+          </p:nvPr>
+        </p:nvSpPr>
+        <p:spPr/>
+        <p:txBody>
+          <a:bodyPr/>
+          <a:lstStyle/>
+          <a:p>
+            <a:fld id="{C5C4FCA5-2BB8-425C-AF71-2DCCD7874011}" type="slidenum">
+              <a:rPr lang="de-CH" smtClean="0"/>
+              <a:t>10</a:t>
+            </a:fld>
+            <a:endParaRPr lang="de-CH"/>
+          </a:p>
+        </p:txBody>
+      </p:sp>
+    </p:spTree>
+    <p:extLst>
+      <p:ext uri="{BB962C8B-B14F-4D97-AF65-F5344CB8AC3E}">
+        <p14:creationId xmlns:p14="http://schemas.microsoft.com/office/powerpoint/2010/main" val="3719948826"/>
+      </p:ext>
+    </p:extLst>
+  </p:cSld>
+  <p:clrMapOvr>
+    <a:masterClrMapping/>
+  </p:clrMapOvr>
+  <mc:AlternateContent xmlns:mc="http://schemas.openxmlformats.org/markup-compatibility/2006">
+    <mc:Choice xmlns:p14="http://schemas.microsoft.com/office/powerpoint/2010/main" Requires="p14">
+      <p:transition spd="slow" p14:dur="2000" advTm="33732"/>
+    </mc:Choice>
+    <mc:Fallback>
+      <p:transition spd="slow" advTm="33732"/>
+    </mc:Fallback>
+  </mc:AlternateContent>
+</p:sld>
+</file>
+
+<file path=ppt/slides/slide11.xml><?xml version="1.0" encoding="utf-8"?>
+<p:sld xmlns:a="http://schemas.openxmlformats.org/drawingml/2006/main" xmlns:r="http://schemas.openxmlformats.org/officeDocument/2006/relationships" xmlns:p="http://schemas.openxmlformats.org/presentationml/2006/main">
+  <p:cSld>
+    <p:spTree>
+      <p:nvGrpSpPr>
+        <p:cNvPr id="1" name=""/>
+        <p:cNvGrpSpPr/>
+        <p:nvPr/>
+      </p:nvGrpSpPr>
+      <p:grpSpPr>
+        <a:xfrm>
+          <a:off x="0" y="0"/>
+          <a:ext cx="0" cy="0"/>
+          <a:chOff x="0" y="0"/>
+          <a:chExt cx="0" cy="0"/>
+        </a:xfrm>
+      </p:grpSpPr>
+      <p:sp>
+        <p:nvSpPr>
+          <p:cNvPr id="2" name="Titel 1">
+            <a:extLst>
+              <a:ext uri="{FF2B5EF4-FFF2-40B4-BE49-F238E27FC236}">
+                <a16:creationId xmlns:a16="http://schemas.microsoft.com/office/drawing/2014/main" id="{4886BDED-F105-DAAB-E82A-B1D3D48B7306}"/>
+              </a:ext>
+            </a:extLst>
+          </p:cNvPr>
+          <p:cNvSpPr>
+            <a:spLocks noGrp="1"/>
+          </p:cNvSpPr>
+          <p:nvPr>
+            <p:ph type="title"/>
+          </p:nvPr>
+        </p:nvSpPr>
+        <p:spPr/>
+        <p:txBody>
+          <a:bodyPr/>
+          <a:lstStyle/>
+          <a:p>
+            <a:r>
+              <a:rPr lang="de-CH" dirty="0"/>
+              <a:t>Reflexion</a:t>
+            </a:r>
+          </a:p>
+        </p:txBody>
+      </p:sp>
+      <p:sp>
+        <p:nvSpPr>
+          <p:cNvPr id="3" name="Inhaltsplatzhalter 2">
+            <a:extLst>
+              <a:ext uri="{FF2B5EF4-FFF2-40B4-BE49-F238E27FC236}">
+                <a16:creationId xmlns:a16="http://schemas.microsoft.com/office/drawing/2014/main" id="{09E0D5C9-0C59-5FA1-1DB3-BCB8B158C9EF}"/>
+              </a:ext>
+            </a:extLst>
+          </p:cNvPr>
+          <p:cNvSpPr>
+            <a:spLocks noGrp="1"/>
+          </p:cNvSpPr>
+          <p:nvPr>
+            <p:ph idx="1"/>
+          </p:nvPr>
+        </p:nvSpPr>
+        <p:spPr/>
+        <p:txBody>
+          <a:bodyPr>
+            <a:normAutofit/>
+          </a:bodyPr>
+          <a:lstStyle/>
+          <a:p>
+            <a:endParaRPr lang="de-CH" dirty="0"/>
+          </a:p>
+        </p:txBody>
+      </p:sp>
+      <p:sp>
+        <p:nvSpPr>
+          <p:cNvPr id="5" name="Foliennummernplatzhalter 4">
+            <a:extLst>
+              <a:ext uri="{FF2B5EF4-FFF2-40B4-BE49-F238E27FC236}">
+                <a16:creationId xmlns:a16="http://schemas.microsoft.com/office/drawing/2014/main" id="{D78B2001-0582-AF5C-73E0-D0C52A58F0B5}"/>
+              </a:ext>
+            </a:extLst>
+          </p:cNvPr>
+          <p:cNvSpPr>
+            <a:spLocks noGrp="1"/>
+          </p:cNvSpPr>
+          <p:nvPr>
+            <p:ph type="sldNum" sz="quarter" idx="12"/>
+          </p:nvPr>
+        </p:nvSpPr>
+        <p:spPr/>
+        <p:txBody>
+          <a:bodyPr/>
+          <a:lstStyle/>
+          <a:p>
+            <a:fld id="{C5C4FCA5-2BB8-425C-AF71-2DCCD7874011}" type="slidenum">
+              <a:rPr lang="de-CH" smtClean="0"/>
+              <a:t>11</a:t>
+            </a:fld>
+            <a:endParaRPr lang="de-CH"/>
+          </a:p>
+        </p:txBody>
+      </p:sp>
+    </p:spTree>
+    <p:extLst>
+      <p:ext uri="{BB962C8B-B14F-4D97-AF65-F5344CB8AC3E}">
+        <p14:creationId xmlns:p14="http://schemas.microsoft.com/office/powerpoint/2010/main" val="1602808593"/>
+      </p:ext>
+    </p:extLst>
+  </p:cSld>
+  <p:clrMapOvr>
+    <a:masterClrMapping/>
+  </p:clrMapOvr>
+  <mc:AlternateContent xmlns:mc="http://schemas.openxmlformats.org/markup-compatibility/2006">
+    <mc:Choice xmlns:p14="http://schemas.microsoft.com/office/powerpoint/2010/main" Requires="p14">
+      <p:transition spd="slow" p14:dur="2000" advTm="33732"/>
+    </mc:Choice>
+    <mc:Fallback>
+      <p:transition spd="slow" advTm="33732"/>
+    </mc:Fallback>
+  </mc:AlternateContent>
+</p:sld>
+</file>
+
+<file path=ppt/slides/slide12.xml><?xml version="1.0" encoding="utf-8"?>
+<p:sld xmlns:a="http://schemas.openxmlformats.org/drawingml/2006/main" xmlns:r="http://schemas.openxmlformats.org/officeDocument/2006/relationships" xmlns:p="http://schemas.openxmlformats.org/presentationml/2006/main">
+  <p:cSld>
+    <p:spTree>
+      <p:nvGrpSpPr>
+        <p:cNvPr id="1" name=""/>
+        <p:cNvGrpSpPr/>
+        <p:nvPr/>
+      </p:nvGrpSpPr>
+      <p:grpSpPr>
+        <a:xfrm>
+          <a:off x="0" y="0"/>
+          <a:ext cx="0" cy="0"/>
+          <a:chOff x="0" y="0"/>
+          <a:chExt cx="0" cy="0"/>
+        </a:xfrm>
+      </p:grpSpPr>
+      <p:sp>
+        <p:nvSpPr>
+          <p:cNvPr id="2" name="Titel 1">
+            <a:extLst>
+              <a:ext uri="{FF2B5EF4-FFF2-40B4-BE49-F238E27FC236}">
+                <a16:creationId xmlns:a16="http://schemas.microsoft.com/office/drawing/2014/main" id="{4886BDED-F105-DAAB-E82A-B1D3D48B7306}"/>
+              </a:ext>
+            </a:extLst>
+          </p:cNvPr>
+          <p:cNvSpPr>
+            <a:spLocks noGrp="1"/>
+          </p:cNvSpPr>
+          <p:nvPr>
+            <p:ph type="title"/>
+          </p:nvPr>
+        </p:nvSpPr>
+        <p:spPr/>
+        <p:txBody>
+          <a:bodyPr/>
+          <a:lstStyle/>
+          <a:p>
+            <a:r>
+              <a:rPr lang="de-CH" dirty="0"/>
+              <a:t>Ausblick</a:t>
+            </a:r>
+          </a:p>
+        </p:txBody>
+      </p:sp>
+      <p:sp>
+        <p:nvSpPr>
+          <p:cNvPr id="3" name="Inhaltsplatzhalter 2">
+            <a:extLst>
+              <a:ext uri="{FF2B5EF4-FFF2-40B4-BE49-F238E27FC236}">
+                <a16:creationId xmlns:a16="http://schemas.microsoft.com/office/drawing/2014/main" id="{09E0D5C9-0C59-5FA1-1DB3-BCB8B158C9EF}"/>
+              </a:ext>
+            </a:extLst>
+          </p:cNvPr>
+          <p:cNvSpPr>
+            <a:spLocks noGrp="1"/>
+          </p:cNvSpPr>
+          <p:nvPr>
+            <p:ph idx="1"/>
+          </p:nvPr>
+        </p:nvSpPr>
+        <p:spPr/>
+        <p:txBody>
+          <a:bodyPr>
+            <a:normAutofit/>
+          </a:bodyPr>
+          <a:lstStyle/>
+          <a:p>
+            <a:endParaRPr lang="de-CH" dirty="0"/>
+          </a:p>
+        </p:txBody>
+      </p:sp>
+      <p:sp>
+        <p:nvSpPr>
+          <p:cNvPr id="5" name="Foliennummernplatzhalter 4">
+            <a:extLst>
+              <a:ext uri="{FF2B5EF4-FFF2-40B4-BE49-F238E27FC236}">
+                <a16:creationId xmlns:a16="http://schemas.microsoft.com/office/drawing/2014/main" id="{D78B2001-0582-AF5C-73E0-D0C52A58F0B5}"/>
+              </a:ext>
+            </a:extLst>
+          </p:cNvPr>
+          <p:cNvSpPr>
+            <a:spLocks noGrp="1"/>
+          </p:cNvSpPr>
+          <p:nvPr>
+            <p:ph type="sldNum" sz="quarter" idx="12"/>
+          </p:nvPr>
+        </p:nvSpPr>
+        <p:spPr/>
+        <p:txBody>
+          <a:bodyPr/>
+          <a:lstStyle/>
+          <a:p>
+            <a:fld id="{C5C4FCA5-2BB8-425C-AF71-2DCCD7874011}" type="slidenum">
+              <a:rPr lang="de-CH" smtClean="0"/>
+              <a:t>12</a:t>
+            </a:fld>
+            <a:endParaRPr lang="de-CH"/>
+          </a:p>
+        </p:txBody>
+      </p:sp>
+    </p:spTree>
+    <p:extLst>
+      <p:ext uri="{BB962C8B-B14F-4D97-AF65-F5344CB8AC3E}">
+        <p14:creationId xmlns:p14="http://schemas.microsoft.com/office/powerpoint/2010/main" val="3981414043"/>
+      </p:ext>
+    </p:extLst>
+  </p:cSld>
+  <p:clrMapOvr>
+    <a:masterClrMapping/>
+  </p:clrMapOvr>
+  <mc:AlternateContent xmlns:mc="http://schemas.openxmlformats.org/markup-compatibility/2006">
+    <mc:Choice xmlns:p14="http://schemas.microsoft.com/office/powerpoint/2010/main" Requires="p14">
+      <p:transition spd="slow" p14:dur="2000" advTm="33732"/>
+    </mc:Choice>
+    <mc:Fallback>
+      <p:transition spd="slow" advTm="33732"/>
+    </mc:Fallback>
+  </mc:AlternateContent>
+</p:sld>
+</file>
+
+<file path=ppt/slides/slide13.xml><?xml version="1.0" encoding="utf-8"?>
+<p:sld xmlns:a="http://schemas.openxmlformats.org/drawingml/2006/main" xmlns:r="http://schemas.openxmlformats.org/officeDocument/2006/relationships" xmlns:p="http://schemas.openxmlformats.org/presentationml/2006/main">
+  <p:cSld>
+    <p:spTree>
+      <p:nvGrpSpPr>
+        <p:cNvPr id="1" name=""/>
+        <p:cNvGrpSpPr/>
+        <p:nvPr/>
+      </p:nvGrpSpPr>
+      <p:grpSpPr>
+        <a:xfrm>
+          <a:off x="0" y="0"/>
+          <a:ext cx="0" cy="0"/>
+          <a:chOff x="0" y="0"/>
+          <a:chExt cx="0" cy="0"/>
+        </a:xfrm>
+      </p:grpSpPr>
+      <p:sp>
+        <p:nvSpPr>
+          <p:cNvPr id="2" name="Titel 1">
+            <a:extLst>
+              <a:ext uri="{FF2B5EF4-FFF2-40B4-BE49-F238E27FC236}">
+                <a16:creationId xmlns:a16="http://schemas.microsoft.com/office/drawing/2014/main" id="{D484557B-1171-F5AA-820A-7AC30E7CB552}"/>
+              </a:ext>
+            </a:extLst>
+          </p:cNvPr>
+          <p:cNvSpPr>
+            <a:spLocks noGrp="1"/>
+          </p:cNvSpPr>
+          <p:nvPr>
+            <p:ph type="title"/>
+          </p:nvPr>
+        </p:nvSpPr>
+        <p:spPr/>
+        <p:txBody>
+          <a:bodyPr/>
+          <a:lstStyle/>
+          <a:p>
+            <a:r>
+              <a:rPr lang="de-CH" dirty="0"/>
+              <a:t>Fragen</a:t>
+            </a:r>
+          </a:p>
+        </p:txBody>
+      </p:sp>
+    </p:spTree>
+    <p:extLst>
+      <p:ext uri="{BB962C8B-B14F-4D97-AF65-F5344CB8AC3E}">
+        <p14:creationId xmlns:p14="http://schemas.microsoft.com/office/powerpoint/2010/main" val="779496161"/>
+      </p:ext>
+    </p:extLst>
+  </p:cSld>
+  <p:clrMapOvr>
+    <a:masterClrMapping/>
+  </p:clrMapOvr>
+  <mc:AlternateContent xmlns:mc="http://schemas.openxmlformats.org/markup-compatibility/2006" xmlns:p14="http://schemas.microsoft.com/office/powerpoint/2010/main">
+    <mc:Choice Requires="p14">
+      <p:transition spd="slow" p14:dur="2000" advTm="7749"/>
+    </mc:Choice>
+    <mc:Fallback xmlns="">
+      <p:transition spd="slow" advTm="7749"/>
+    </mc:Fallback>
+  </mc:AlternateContent>
+</p:sld>
+</file>
+
+<file path=ppt/slides/slide14.xml><?xml version="1.0" encoding="utf-8"?>
+<p:sld xmlns:a="http://schemas.openxmlformats.org/drawingml/2006/main" xmlns:r="http://schemas.openxmlformats.org/officeDocument/2006/relationships" xmlns:p="http://schemas.openxmlformats.org/presentationml/2006/main">
+  <p:cSld>
+    <p:spTree>
+      <p:nvGrpSpPr>
+        <p:cNvPr id="1" name=""/>
+        <p:cNvGrpSpPr/>
+        <p:nvPr/>
+      </p:nvGrpSpPr>
+      <p:grpSpPr>
+        <a:xfrm>
+          <a:off x="0" y="0"/>
+          <a:ext cx="0" cy="0"/>
+          <a:chOff x="0" y="0"/>
+          <a:chExt cx="0" cy="0"/>
+        </a:xfrm>
+      </p:grpSpPr>
+      <p:sp>
+        <p:nvSpPr>
+          <p:cNvPr id="2" name="Titel 1">
+            <a:extLst>
+              <a:ext uri="{FF2B5EF4-FFF2-40B4-BE49-F238E27FC236}">
+                <a16:creationId xmlns:a16="http://schemas.microsoft.com/office/drawing/2014/main" id="{D484557B-1171-F5AA-820A-7AC30E7CB552}"/>
+              </a:ext>
+            </a:extLst>
+          </p:cNvPr>
+          <p:cNvSpPr>
+            <a:spLocks noGrp="1"/>
+          </p:cNvSpPr>
+          <p:nvPr>
+            <p:ph type="title"/>
+          </p:nvPr>
+        </p:nvSpPr>
+        <p:spPr/>
+        <p:txBody>
+          <a:bodyPr/>
+          <a:lstStyle/>
+          <a:p>
+            <a:r>
+              <a:rPr lang="de-CH" dirty="0"/>
+              <a:t>Vielen Dank</a:t>
+            </a:r>
+          </a:p>
+        </p:txBody>
+      </p:sp>
+    </p:spTree>
+    <p:extLst>
+      <p:ext uri="{BB962C8B-B14F-4D97-AF65-F5344CB8AC3E}">
+        <p14:creationId xmlns:p14="http://schemas.microsoft.com/office/powerpoint/2010/main" val="2041144322"/>
+      </p:ext>
+    </p:extLst>
+  </p:cSld>
+  <p:clrMapOvr>
+    <a:masterClrMapping/>
+  </p:clrMapOvr>
+  <mc:AlternateContent xmlns:mc="http://schemas.openxmlformats.org/markup-compatibility/2006" xmlns:p14="http://schemas.microsoft.com/office/powerpoint/2010/main">
+    <mc:Choice Requires="p14">
+      <p:transition spd="slow" p14:dur="2000" advTm="7749"/>
+    </mc:Choice>
+    <mc:Fallback xmlns="">
+      <p:transition spd="slow" advTm="7749"/>
+    </mc:Fallback>
+  </mc:AlternateContent>
+</p:sld>
+</file>
+
 <file path=ppt/slides/slide2.xml><?xml version="1.0" encoding="utf-8"?>
 <p:sld xmlns:a="http://schemas.openxmlformats.org/drawingml/2006/main" xmlns:r="http://schemas.openxmlformats.org/officeDocument/2006/relationships" xmlns:p="http://schemas.openxmlformats.org/presentationml/2006/main">
   <p:cSld>
@@ -7361,7 +10764,7 @@
             </a:pPr>
             <a:r>
               <a:rPr lang="de-CH" b="1" dirty="0"/>
-              <a:t>Über uns</a:t>
+              <a:t>Team</a:t>
             </a:r>
           </a:p>
           <a:p>
@@ -7373,17 +10776,6 @@
             <a:r>
               <a:rPr lang="de-CH" dirty="0"/>
               <a:t>Produkt</a:t>
-            </a:r>
-          </a:p>
-          <a:p>
-            <a:pPr>
-              <a:tabLst>
-                <a:tab pos="4303713" algn="l"/>
-              </a:tabLst>
-            </a:pPr>
-            <a:r>
-              <a:rPr lang="de-CH" dirty="0"/>
-              <a:t>Demo</a:t>
             </a:r>
           </a:p>
           <a:p>
@@ -7522,7 +10914,14 @@
           <a:p>
             <a:r>
               <a:rPr lang="de-CH" dirty="0"/>
-              <a:t>Ausblick</a:t>
+              <a:t>Produkt</a:t>
+            </a:r>
+            <a:br>
+              <a:rPr lang="de-CH" dirty="0"/>
+            </a:br>
+            <a:r>
+              <a:rPr lang="de-CH" dirty="0"/>
+              <a:t>Motivation</a:t>
             </a:r>
           </a:p>
         </p:txBody>
@@ -7626,7 +11025,7 @@
           <p:cNvPr id="2" name="Titel 1">
             <a:extLst>
               <a:ext uri="{FF2B5EF4-FFF2-40B4-BE49-F238E27FC236}">
-                <a16:creationId xmlns:a16="http://schemas.microsoft.com/office/drawing/2014/main" id="{D484557B-1171-F5AA-820A-7AC30E7CB552}"/>
+                <a16:creationId xmlns:a16="http://schemas.microsoft.com/office/drawing/2014/main" id="{4886BDED-F105-DAAB-E82A-B1D3D48B7306}"/>
               </a:ext>
             </a:extLst>
           </p:cNvPr>
@@ -7644,27 +11043,90 @@
           <a:p>
             <a:r>
               <a:rPr lang="de-CH" dirty="0"/>
-              <a:t>Fragen</a:t>
-            </a:r>
+              <a:t>Produkt</a:t>
+            </a:r>
+            <a:br>
+              <a:rPr lang="de-CH" dirty="0"/>
+            </a:br>
+            <a:r>
+              <a:rPr lang="de-CH" dirty="0"/>
+              <a:t>Resultat</a:t>
+            </a:r>
+          </a:p>
+        </p:txBody>
+      </p:sp>
+      <p:sp>
+        <p:nvSpPr>
+          <p:cNvPr id="3" name="Inhaltsplatzhalter 2">
+            <a:extLst>
+              <a:ext uri="{FF2B5EF4-FFF2-40B4-BE49-F238E27FC236}">
+                <a16:creationId xmlns:a16="http://schemas.microsoft.com/office/drawing/2014/main" id="{09E0D5C9-0C59-5FA1-1DB3-BCB8B158C9EF}"/>
+              </a:ext>
+            </a:extLst>
+          </p:cNvPr>
+          <p:cNvSpPr>
+            <a:spLocks noGrp="1"/>
+          </p:cNvSpPr>
+          <p:nvPr>
+            <p:ph idx="1"/>
+          </p:nvPr>
+        </p:nvSpPr>
+        <p:spPr/>
+        <p:txBody>
+          <a:bodyPr>
+            <a:normAutofit/>
+          </a:bodyPr>
+          <a:lstStyle/>
+          <a:p>
+            <a:endParaRPr lang="de-CH" dirty="0"/>
+          </a:p>
+        </p:txBody>
+      </p:sp>
+      <p:sp>
+        <p:nvSpPr>
+          <p:cNvPr id="5" name="Foliennummernplatzhalter 4">
+            <a:extLst>
+              <a:ext uri="{FF2B5EF4-FFF2-40B4-BE49-F238E27FC236}">
+                <a16:creationId xmlns:a16="http://schemas.microsoft.com/office/drawing/2014/main" id="{D78B2001-0582-AF5C-73E0-D0C52A58F0B5}"/>
+              </a:ext>
+            </a:extLst>
+          </p:cNvPr>
+          <p:cNvSpPr>
+            <a:spLocks noGrp="1"/>
+          </p:cNvSpPr>
+          <p:nvPr>
+            <p:ph type="sldNum" sz="quarter" idx="12"/>
+          </p:nvPr>
+        </p:nvSpPr>
+        <p:spPr/>
+        <p:txBody>
+          <a:bodyPr/>
+          <a:lstStyle/>
+          <a:p>
+            <a:fld id="{C5C4FCA5-2BB8-425C-AF71-2DCCD7874011}" type="slidenum">
+              <a:rPr lang="de-CH" smtClean="0"/>
+              <a:t>4</a:t>
+            </a:fld>
+            <a:endParaRPr lang="de-CH"/>
           </a:p>
         </p:txBody>
       </p:sp>
     </p:spTree>
     <p:extLst>
       <p:ext uri="{BB962C8B-B14F-4D97-AF65-F5344CB8AC3E}">
-        <p14:creationId xmlns:p14="http://schemas.microsoft.com/office/powerpoint/2010/main" val="779496161"/>
+        <p14:creationId xmlns:p14="http://schemas.microsoft.com/office/powerpoint/2010/main" val="1057406307"/>
       </p:ext>
     </p:extLst>
   </p:cSld>
   <p:clrMapOvr>
     <a:masterClrMapping/>
   </p:clrMapOvr>
-  <mc:AlternateContent xmlns:mc="http://schemas.openxmlformats.org/markup-compatibility/2006" xmlns:p14="http://schemas.microsoft.com/office/powerpoint/2010/main">
-    <mc:Choice Requires="p14">
-      <p:transition spd="slow" p14:dur="2000" advTm="7749"/>
+  <mc:AlternateContent xmlns:mc="http://schemas.openxmlformats.org/markup-compatibility/2006">
+    <mc:Choice xmlns:p14="http://schemas.microsoft.com/office/powerpoint/2010/main" Requires="p14">
+      <p:transition spd="slow" p14:dur="2000" advTm="33732"/>
     </mc:Choice>
-    <mc:Fallback xmlns="">
-      <p:transition spd="slow" advTm="7749"/>
+    <mc:Fallback>
+      <p:transition spd="slow" advTm="33732"/>
     </mc:Fallback>
   </mc:AlternateContent>
 </p:sld>
@@ -7692,7 +11154,7 @@
           <p:cNvPr id="2" name="Titel 1">
             <a:extLst>
               <a:ext uri="{FF2B5EF4-FFF2-40B4-BE49-F238E27FC236}">
-                <a16:creationId xmlns:a16="http://schemas.microsoft.com/office/drawing/2014/main" id="{D484557B-1171-F5AA-820A-7AC30E7CB552}"/>
+                <a16:creationId xmlns:a16="http://schemas.microsoft.com/office/drawing/2014/main" id="{4886BDED-F105-DAAB-E82A-B1D3D48B7306}"/>
               </a:ext>
             </a:extLst>
           </p:cNvPr>
@@ -7710,15 +11172,78 @@
           <a:p>
             <a:r>
               <a:rPr lang="de-CH" dirty="0"/>
-              <a:t>Vielen Dank</a:t>
-            </a:r>
+              <a:t>Produkt</a:t>
+            </a:r>
+            <a:br>
+              <a:rPr lang="de-CH" dirty="0"/>
+            </a:br>
+            <a:r>
+              <a:rPr lang="de-CH" dirty="0"/>
+              <a:t>Demo</a:t>
+            </a:r>
+          </a:p>
+        </p:txBody>
+      </p:sp>
+      <p:sp>
+        <p:nvSpPr>
+          <p:cNvPr id="3" name="Inhaltsplatzhalter 2">
+            <a:extLst>
+              <a:ext uri="{FF2B5EF4-FFF2-40B4-BE49-F238E27FC236}">
+                <a16:creationId xmlns:a16="http://schemas.microsoft.com/office/drawing/2014/main" id="{09E0D5C9-0C59-5FA1-1DB3-BCB8B158C9EF}"/>
+              </a:ext>
+            </a:extLst>
+          </p:cNvPr>
+          <p:cNvSpPr>
+            <a:spLocks noGrp="1"/>
+          </p:cNvSpPr>
+          <p:nvPr>
+            <p:ph idx="1"/>
+          </p:nvPr>
+        </p:nvSpPr>
+        <p:spPr/>
+        <p:txBody>
+          <a:bodyPr>
+            <a:normAutofit/>
+          </a:bodyPr>
+          <a:lstStyle/>
+          <a:p>
+            <a:endParaRPr lang="de-CH" dirty="0"/>
+          </a:p>
+        </p:txBody>
+      </p:sp>
+      <p:sp>
+        <p:nvSpPr>
+          <p:cNvPr id="5" name="Foliennummernplatzhalter 4">
+            <a:extLst>
+              <a:ext uri="{FF2B5EF4-FFF2-40B4-BE49-F238E27FC236}">
+                <a16:creationId xmlns:a16="http://schemas.microsoft.com/office/drawing/2014/main" id="{D78B2001-0582-AF5C-73E0-D0C52A58F0B5}"/>
+              </a:ext>
+            </a:extLst>
+          </p:cNvPr>
+          <p:cNvSpPr>
+            <a:spLocks noGrp="1"/>
+          </p:cNvSpPr>
+          <p:nvPr>
+            <p:ph type="sldNum" sz="quarter" idx="12"/>
+          </p:nvPr>
+        </p:nvSpPr>
+        <p:spPr/>
+        <p:txBody>
+          <a:bodyPr/>
+          <a:lstStyle/>
+          <a:p>
+            <a:fld id="{C5C4FCA5-2BB8-425C-AF71-2DCCD7874011}" type="slidenum">
+              <a:rPr lang="de-CH" smtClean="0"/>
+              <a:t>5</a:t>
+            </a:fld>
+            <a:endParaRPr lang="de-CH"/>
           </a:p>
         </p:txBody>
       </p:sp>
     </p:spTree>
     <p:extLst>
       <p:ext uri="{BB962C8B-B14F-4D97-AF65-F5344CB8AC3E}">
-        <p14:creationId xmlns:p14="http://schemas.microsoft.com/office/powerpoint/2010/main" val="2041144322"/>
+        <p14:creationId xmlns:p14="http://schemas.microsoft.com/office/powerpoint/2010/main" val="417722137"/>
       </p:ext>
     </p:extLst>
   </p:cSld>
@@ -7727,10 +11252,526 @@
   </p:clrMapOvr>
   <mc:AlternateContent xmlns:mc="http://schemas.openxmlformats.org/markup-compatibility/2006">
     <mc:Choice xmlns:p14="http://schemas.microsoft.com/office/powerpoint/2010/main" Requires="p14">
-      <p:transition spd="slow" p14:dur="2000" advTm="7749"/>
+      <p:transition spd="slow" p14:dur="2000" advTm="33732"/>
     </mc:Choice>
     <mc:Fallback>
-      <p:transition spd="slow" advTm="7749"/>
+      <p:transition spd="slow" advTm="33732"/>
+    </mc:Fallback>
+  </mc:AlternateContent>
+</p:sld>
+</file>
+
+<file path=ppt/slides/slide6.xml><?xml version="1.0" encoding="utf-8"?>
+<p:sld xmlns:a="http://schemas.openxmlformats.org/drawingml/2006/main" xmlns:r="http://schemas.openxmlformats.org/officeDocument/2006/relationships" xmlns:p="http://schemas.openxmlformats.org/presentationml/2006/main">
+  <p:cSld>
+    <p:spTree>
+      <p:nvGrpSpPr>
+        <p:cNvPr id="1" name=""/>
+        <p:cNvGrpSpPr/>
+        <p:nvPr/>
+      </p:nvGrpSpPr>
+      <p:grpSpPr>
+        <a:xfrm>
+          <a:off x="0" y="0"/>
+          <a:ext cx="0" cy="0"/>
+          <a:chOff x="0" y="0"/>
+          <a:chExt cx="0" cy="0"/>
+        </a:xfrm>
+      </p:grpSpPr>
+      <p:sp>
+        <p:nvSpPr>
+          <p:cNvPr id="2" name="Titel 1">
+            <a:extLst>
+              <a:ext uri="{FF2B5EF4-FFF2-40B4-BE49-F238E27FC236}">
+                <a16:creationId xmlns:a16="http://schemas.microsoft.com/office/drawing/2014/main" id="{4886BDED-F105-DAAB-E82A-B1D3D48B7306}"/>
+              </a:ext>
+            </a:extLst>
+          </p:cNvPr>
+          <p:cNvSpPr>
+            <a:spLocks noGrp="1"/>
+          </p:cNvSpPr>
+          <p:nvPr>
+            <p:ph type="title"/>
+          </p:nvPr>
+        </p:nvSpPr>
+        <p:spPr/>
+        <p:txBody>
+          <a:bodyPr/>
+          <a:lstStyle/>
+          <a:p>
+            <a:r>
+              <a:rPr lang="de-CH" dirty="0"/>
+              <a:t>Design</a:t>
+            </a:r>
+            <a:br>
+              <a:rPr lang="de-CH" dirty="0"/>
+            </a:br>
+            <a:r>
+              <a:rPr lang="de-CH" dirty="0"/>
+              <a:t>Analyse</a:t>
+            </a:r>
+          </a:p>
+        </p:txBody>
+      </p:sp>
+      <p:sp>
+        <p:nvSpPr>
+          <p:cNvPr id="3" name="Inhaltsplatzhalter 2">
+            <a:extLst>
+              <a:ext uri="{FF2B5EF4-FFF2-40B4-BE49-F238E27FC236}">
+                <a16:creationId xmlns:a16="http://schemas.microsoft.com/office/drawing/2014/main" id="{09E0D5C9-0C59-5FA1-1DB3-BCB8B158C9EF}"/>
+              </a:ext>
+            </a:extLst>
+          </p:cNvPr>
+          <p:cNvSpPr>
+            <a:spLocks noGrp="1"/>
+          </p:cNvSpPr>
+          <p:nvPr>
+            <p:ph idx="1"/>
+          </p:nvPr>
+        </p:nvSpPr>
+        <p:spPr/>
+        <p:txBody>
+          <a:bodyPr>
+            <a:normAutofit/>
+          </a:bodyPr>
+          <a:lstStyle/>
+          <a:p>
+            <a:endParaRPr lang="de-CH" dirty="0"/>
+          </a:p>
+        </p:txBody>
+      </p:sp>
+      <p:sp>
+        <p:nvSpPr>
+          <p:cNvPr id="5" name="Foliennummernplatzhalter 4">
+            <a:extLst>
+              <a:ext uri="{FF2B5EF4-FFF2-40B4-BE49-F238E27FC236}">
+                <a16:creationId xmlns:a16="http://schemas.microsoft.com/office/drawing/2014/main" id="{D78B2001-0582-AF5C-73E0-D0C52A58F0B5}"/>
+              </a:ext>
+            </a:extLst>
+          </p:cNvPr>
+          <p:cNvSpPr>
+            <a:spLocks noGrp="1"/>
+          </p:cNvSpPr>
+          <p:nvPr>
+            <p:ph type="sldNum" sz="quarter" idx="12"/>
+          </p:nvPr>
+        </p:nvSpPr>
+        <p:spPr/>
+        <p:txBody>
+          <a:bodyPr/>
+          <a:lstStyle/>
+          <a:p>
+            <a:fld id="{C5C4FCA5-2BB8-425C-AF71-2DCCD7874011}" type="slidenum">
+              <a:rPr lang="de-CH" smtClean="0"/>
+              <a:t>6</a:t>
+            </a:fld>
+            <a:endParaRPr lang="de-CH"/>
+          </a:p>
+        </p:txBody>
+      </p:sp>
+    </p:spTree>
+    <p:extLst>
+      <p:ext uri="{BB962C8B-B14F-4D97-AF65-F5344CB8AC3E}">
+        <p14:creationId xmlns:p14="http://schemas.microsoft.com/office/powerpoint/2010/main" val="2649257982"/>
+      </p:ext>
+    </p:extLst>
+  </p:cSld>
+  <p:clrMapOvr>
+    <a:masterClrMapping/>
+  </p:clrMapOvr>
+  <mc:AlternateContent xmlns:mc="http://schemas.openxmlformats.org/markup-compatibility/2006">
+    <mc:Choice xmlns:p14="http://schemas.microsoft.com/office/powerpoint/2010/main" Requires="p14">
+      <p:transition spd="slow" p14:dur="2000" advTm="33732"/>
+    </mc:Choice>
+    <mc:Fallback>
+      <p:transition spd="slow" advTm="33732"/>
+    </mc:Fallback>
+  </mc:AlternateContent>
+</p:sld>
+</file>
+
+<file path=ppt/slides/slide7.xml><?xml version="1.0" encoding="utf-8"?>
+<p:sld xmlns:a="http://schemas.openxmlformats.org/drawingml/2006/main" xmlns:r="http://schemas.openxmlformats.org/officeDocument/2006/relationships" xmlns:p="http://schemas.openxmlformats.org/presentationml/2006/main">
+  <p:cSld>
+    <p:spTree>
+      <p:nvGrpSpPr>
+        <p:cNvPr id="1" name=""/>
+        <p:cNvGrpSpPr/>
+        <p:nvPr/>
+      </p:nvGrpSpPr>
+      <p:grpSpPr>
+        <a:xfrm>
+          <a:off x="0" y="0"/>
+          <a:ext cx="0" cy="0"/>
+          <a:chOff x="0" y="0"/>
+          <a:chExt cx="0" cy="0"/>
+        </a:xfrm>
+      </p:grpSpPr>
+      <p:sp>
+        <p:nvSpPr>
+          <p:cNvPr id="2" name="Titel 1">
+            <a:extLst>
+              <a:ext uri="{FF2B5EF4-FFF2-40B4-BE49-F238E27FC236}">
+                <a16:creationId xmlns:a16="http://schemas.microsoft.com/office/drawing/2014/main" id="{4886BDED-F105-DAAB-E82A-B1D3D48B7306}"/>
+              </a:ext>
+            </a:extLst>
+          </p:cNvPr>
+          <p:cNvSpPr>
+            <a:spLocks noGrp="1"/>
+          </p:cNvSpPr>
+          <p:nvPr>
+            <p:ph type="title"/>
+          </p:nvPr>
+        </p:nvSpPr>
+        <p:spPr/>
+        <p:txBody>
+          <a:bodyPr/>
+          <a:lstStyle/>
+          <a:p>
+            <a:r>
+              <a:rPr lang="de-CH" dirty="0"/>
+              <a:t>Design</a:t>
+            </a:r>
+            <a:br>
+              <a:rPr lang="de-CH" dirty="0"/>
+            </a:br>
+            <a:r>
+              <a:rPr lang="de-CH" dirty="0"/>
+              <a:t>Architektur</a:t>
+            </a:r>
+          </a:p>
+        </p:txBody>
+      </p:sp>
+      <p:sp>
+        <p:nvSpPr>
+          <p:cNvPr id="3" name="Inhaltsplatzhalter 2">
+            <a:extLst>
+              <a:ext uri="{FF2B5EF4-FFF2-40B4-BE49-F238E27FC236}">
+                <a16:creationId xmlns:a16="http://schemas.microsoft.com/office/drawing/2014/main" id="{09E0D5C9-0C59-5FA1-1DB3-BCB8B158C9EF}"/>
+              </a:ext>
+            </a:extLst>
+          </p:cNvPr>
+          <p:cNvSpPr>
+            <a:spLocks noGrp="1"/>
+          </p:cNvSpPr>
+          <p:nvPr>
+            <p:ph idx="1"/>
+          </p:nvPr>
+        </p:nvSpPr>
+        <p:spPr/>
+        <p:txBody>
+          <a:bodyPr>
+            <a:normAutofit/>
+          </a:bodyPr>
+          <a:lstStyle/>
+          <a:p>
+            <a:endParaRPr lang="de-CH" dirty="0"/>
+          </a:p>
+        </p:txBody>
+      </p:sp>
+      <p:sp>
+        <p:nvSpPr>
+          <p:cNvPr id="5" name="Foliennummernplatzhalter 4">
+            <a:extLst>
+              <a:ext uri="{FF2B5EF4-FFF2-40B4-BE49-F238E27FC236}">
+                <a16:creationId xmlns:a16="http://schemas.microsoft.com/office/drawing/2014/main" id="{D78B2001-0582-AF5C-73E0-D0C52A58F0B5}"/>
+              </a:ext>
+            </a:extLst>
+          </p:cNvPr>
+          <p:cNvSpPr>
+            <a:spLocks noGrp="1"/>
+          </p:cNvSpPr>
+          <p:nvPr>
+            <p:ph type="sldNum" sz="quarter" idx="12"/>
+          </p:nvPr>
+        </p:nvSpPr>
+        <p:spPr/>
+        <p:txBody>
+          <a:bodyPr/>
+          <a:lstStyle/>
+          <a:p>
+            <a:fld id="{C5C4FCA5-2BB8-425C-AF71-2DCCD7874011}" type="slidenum">
+              <a:rPr lang="de-CH" smtClean="0"/>
+              <a:t>7</a:t>
+            </a:fld>
+            <a:endParaRPr lang="de-CH"/>
+          </a:p>
+        </p:txBody>
+      </p:sp>
+    </p:spTree>
+    <p:extLst>
+      <p:ext uri="{BB962C8B-B14F-4D97-AF65-F5344CB8AC3E}">
+        <p14:creationId xmlns:p14="http://schemas.microsoft.com/office/powerpoint/2010/main" val="3096743553"/>
+      </p:ext>
+    </p:extLst>
+  </p:cSld>
+  <p:clrMapOvr>
+    <a:masterClrMapping/>
+  </p:clrMapOvr>
+  <mc:AlternateContent xmlns:mc="http://schemas.openxmlformats.org/markup-compatibility/2006">
+    <mc:Choice xmlns:p14="http://schemas.microsoft.com/office/powerpoint/2010/main" Requires="p14">
+      <p:transition spd="slow" p14:dur="2000" advTm="33732"/>
+    </mc:Choice>
+    <mc:Fallback>
+      <p:transition spd="slow" advTm="33732"/>
+    </mc:Fallback>
+  </mc:AlternateContent>
+</p:sld>
+</file>
+
+<file path=ppt/slides/slide8.xml><?xml version="1.0" encoding="utf-8"?>
+<p:sld xmlns:a="http://schemas.openxmlformats.org/drawingml/2006/main" xmlns:r="http://schemas.openxmlformats.org/officeDocument/2006/relationships" xmlns:p="http://schemas.openxmlformats.org/presentationml/2006/main">
+  <p:cSld>
+    <p:spTree>
+      <p:nvGrpSpPr>
+        <p:cNvPr id="1" name=""/>
+        <p:cNvGrpSpPr/>
+        <p:nvPr/>
+      </p:nvGrpSpPr>
+      <p:grpSpPr>
+        <a:xfrm>
+          <a:off x="0" y="0"/>
+          <a:ext cx="0" cy="0"/>
+          <a:chOff x="0" y="0"/>
+          <a:chExt cx="0" cy="0"/>
+        </a:xfrm>
+      </p:grpSpPr>
+      <p:sp>
+        <p:nvSpPr>
+          <p:cNvPr id="2" name="Titel 1">
+            <a:extLst>
+              <a:ext uri="{FF2B5EF4-FFF2-40B4-BE49-F238E27FC236}">
+                <a16:creationId xmlns:a16="http://schemas.microsoft.com/office/drawing/2014/main" id="{4886BDED-F105-DAAB-E82A-B1D3D48B7306}"/>
+              </a:ext>
+            </a:extLst>
+          </p:cNvPr>
+          <p:cNvSpPr>
+            <a:spLocks noGrp="1"/>
+          </p:cNvSpPr>
+          <p:nvPr>
+            <p:ph type="title"/>
+          </p:nvPr>
+        </p:nvSpPr>
+        <p:spPr/>
+        <p:txBody>
+          <a:bodyPr/>
+          <a:lstStyle/>
+          <a:p>
+            <a:r>
+              <a:rPr lang="de-CH" dirty="0"/>
+              <a:t>Design</a:t>
+            </a:r>
+            <a:br>
+              <a:rPr lang="de-CH" dirty="0"/>
+            </a:br>
+            <a:r>
+              <a:rPr lang="de-CH" dirty="0"/>
+              <a:t>Wireframes</a:t>
+            </a:r>
+          </a:p>
+        </p:txBody>
+      </p:sp>
+      <p:sp>
+        <p:nvSpPr>
+          <p:cNvPr id="3" name="Inhaltsplatzhalter 2">
+            <a:extLst>
+              <a:ext uri="{FF2B5EF4-FFF2-40B4-BE49-F238E27FC236}">
+                <a16:creationId xmlns:a16="http://schemas.microsoft.com/office/drawing/2014/main" id="{09E0D5C9-0C59-5FA1-1DB3-BCB8B158C9EF}"/>
+              </a:ext>
+            </a:extLst>
+          </p:cNvPr>
+          <p:cNvSpPr>
+            <a:spLocks noGrp="1"/>
+          </p:cNvSpPr>
+          <p:nvPr>
+            <p:ph idx="1"/>
+          </p:nvPr>
+        </p:nvSpPr>
+        <p:spPr/>
+        <p:txBody>
+          <a:bodyPr>
+            <a:normAutofit/>
+          </a:bodyPr>
+          <a:lstStyle/>
+          <a:p>
+            <a:endParaRPr lang="de-CH" dirty="0"/>
+          </a:p>
+        </p:txBody>
+      </p:sp>
+      <p:sp>
+        <p:nvSpPr>
+          <p:cNvPr id="5" name="Foliennummernplatzhalter 4">
+            <a:extLst>
+              <a:ext uri="{FF2B5EF4-FFF2-40B4-BE49-F238E27FC236}">
+                <a16:creationId xmlns:a16="http://schemas.microsoft.com/office/drawing/2014/main" id="{D78B2001-0582-AF5C-73E0-D0C52A58F0B5}"/>
+              </a:ext>
+            </a:extLst>
+          </p:cNvPr>
+          <p:cNvSpPr>
+            <a:spLocks noGrp="1"/>
+          </p:cNvSpPr>
+          <p:nvPr>
+            <p:ph type="sldNum" sz="quarter" idx="12"/>
+          </p:nvPr>
+        </p:nvSpPr>
+        <p:spPr/>
+        <p:txBody>
+          <a:bodyPr/>
+          <a:lstStyle/>
+          <a:p>
+            <a:fld id="{C5C4FCA5-2BB8-425C-AF71-2DCCD7874011}" type="slidenum">
+              <a:rPr lang="de-CH" smtClean="0"/>
+              <a:t>8</a:t>
+            </a:fld>
+            <a:endParaRPr lang="de-CH"/>
+          </a:p>
+        </p:txBody>
+      </p:sp>
+    </p:spTree>
+    <p:extLst>
+      <p:ext uri="{BB962C8B-B14F-4D97-AF65-F5344CB8AC3E}">
+        <p14:creationId xmlns:p14="http://schemas.microsoft.com/office/powerpoint/2010/main" val="2110007664"/>
+      </p:ext>
+    </p:extLst>
+  </p:cSld>
+  <p:clrMapOvr>
+    <a:masterClrMapping/>
+  </p:clrMapOvr>
+  <mc:AlternateContent xmlns:mc="http://schemas.openxmlformats.org/markup-compatibility/2006">
+    <mc:Choice xmlns:p14="http://schemas.microsoft.com/office/powerpoint/2010/main" Requires="p14">
+      <p:transition spd="slow" p14:dur="2000" advTm="33732"/>
+    </mc:Choice>
+    <mc:Fallback>
+      <p:transition spd="slow" advTm="33732"/>
+    </mc:Fallback>
+  </mc:AlternateContent>
+</p:sld>
+</file>
+
+<file path=ppt/slides/slide9.xml><?xml version="1.0" encoding="utf-8"?>
+<p:sld xmlns:a="http://schemas.openxmlformats.org/drawingml/2006/main" xmlns:r="http://schemas.openxmlformats.org/officeDocument/2006/relationships" xmlns:p="http://schemas.openxmlformats.org/presentationml/2006/main">
+  <p:cSld>
+    <p:spTree>
+      <p:nvGrpSpPr>
+        <p:cNvPr id="1" name=""/>
+        <p:cNvGrpSpPr/>
+        <p:nvPr/>
+      </p:nvGrpSpPr>
+      <p:grpSpPr>
+        <a:xfrm>
+          <a:off x="0" y="0"/>
+          <a:ext cx="0" cy="0"/>
+          <a:chOff x="0" y="0"/>
+          <a:chExt cx="0" cy="0"/>
+        </a:xfrm>
+      </p:grpSpPr>
+      <p:sp>
+        <p:nvSpPr>
+          <p:cNvPr id="2" name="Titel 1">
+            <a:extLst>
+              <a:ext uri="{FF2B5EF4-FFF2-40B4-BE49-F238E27FC236}">
+                <a16:creationId xmlns:a16="http://schemas.microsoft.com/office/drawing/2014/main" id="{4886BDED-F105-DAAB-E82A-B1D3D48B7306}"/>
+              </a:ext>
+            </a:extLst>
+          </p:cNvPr>
+          <p:cNvSpPr>
+            <a:spLocks noGrp="1"/>
+          </p:cNvSpPr>
+          <p:nvPr>
+            <p:ph type="title"/>
+          </p:nvPr>
+        </p:nvSpPr>
+        <p:spPr/>
+        <p:txBody>
+          <a:bodyPr/>
+          <a:lstStyle/>
+          <a:p>
+            <a:r>
+              <a:rPr lang="de-CH" dirty="0"/>
+              <a:t>Design</a:t>
+            </a:r>
+            <a:br>
+              <a:rPr lang="de-CH" dirty="0"/>
+            </a:br>
+            <a:r>
+              <a:rPr lang="de-CH" dirty="0"/>
+              <a:t>API</a:t>
+            </a:r>
+          </a:p>
+        </p:txBody>
+      </p:sp>
+      <p:sp>
+        <p:nvSpPr>
+          <p:cNvPr id="3" name="Inhaltsplatzhalter 2">
+            <a:extLst>
+              <a:ext uri="{FF2B5EF4-FFF2-40B4-BE49-F238E27FC236}">
+                <a16:creationId xmlns:a16="http://schemas.microsoft.com/office/drawing/2014/main" id="{09E0D5C9-0C59-5FA1-1DB3-BCB8B158C9EF}"/>
+              </a:ext>
+            </a:extLst>
+          </p:cNvPr>
+          <p:cNvSpPr>
+            <a:spLocks noGrp="1"/>
+          </p:cNvSpPr>
+          <p:nvPr>
+            <p:ph idx="1"/>
+          </p:nvPr>
+        </p:nvSpPr>
+        <p:spPr/>
+        <p:txBody>
+          <a:bodyPr>
+            <a:normAutofit/>
+          </a:bodyPr>
+          <a:lstStyle/>
+          <a:p>
+            <a:endParaRPr lang="de-CH" dirty="0"/>
+          </a:p>
+        </p:txBody>
+      </p:sp>
+      <p:sp>
+        <p:nvSpPr>
+          <p:cNvPr id="5" name="Foliennummernplatzhalter 4">
+            <a:extLst>
+              <a:ext uri="{FF2B5EF4-FFF2-40B4-BE49-F238E27FC236}">
+                <a16:creationId xmlns:a16="http://schemas.microsoft.com/office/drawing/2014/main" id="{D78B2001-0582-AF5C-73E0-D0C52A58F0B5}"/>
+              </a:ext>
+            </a:extLst>
+          </p:cNvPr>
+          <p:cNvSpPr>
+            <a:spLocks noGrp="1"/>
+          </p:cNvSpPr>
+          <p:nvPr>
+            <p:ph type="sldNum" sz="quarter" idx="12"/>
+          </p:nvPr>
+        </p:nvSpPr>
+        <p:spPr/>
+        <p:txBody>
+          <a:bodyPr/>
+          <a:lstStyle/>
+          <a:p>
+            <a:fld id="{C5C4FCA5-2BB8-425C-AF71-2DCCD7874011}" type="slidenum">
+              <a:rPr lang="de-CH" smtClean="0"/>
+              <a:t>9</a:t>
+            </a:fld>
+            <a:endParaRPr lang="de-CH"/>
+          </a:p>
+        </p:txBody>
+      </p:sp>
+    </p:spTree>
+    <p:extLst>
+      <p:ext uri="{BB962C8B-B14F-4D97-AF65-F5344CB8AC3E}">
+        <p14:creationId xmlns:p14="http://schemas.microsoft.com/office/powerpoint/2010/main" val="1277793172"/>
+      </p:ext>
+    </p:extLst>
+  </p:cSld>
+  <p:clrMapOvr>
+    <a:masterClrMapping/>
+  </p:clrMapOvr>
+  <mc:AlternateContent xmlns:mc="http://schemas.openxmlformats.org/markup-compatibility/2006">
+    <mc:Choice xmlns:p14="http://schemas.microsoft.com/office/powerpoint/2010/main" Requires="p14">
+      <p:transition spd="slow" p14:dur="2000" advTm="33732"/>
+    </mc:Choice>
+    <mc:Fallback>
+      <p:transition spd="slow" advTm="33732"/>
     </mc:Fallback>
   </mc:AlternateContent>
 </p:sld>
@@ -8295,6 +12336,15 @@
 </file>
 
 <file path=customXml/item2.xml><?xml version="1.0" encoding="utf-8"?>
+<?mso-contentType ?>
+<FormTemplates xmlns="http://schemas.microsoft.com/sharepoint/v3/contenttype/forms">
+  <Display>DocumentLibraryForm</Display>
+  <Edit>DocumentLibraryForm</Edit>
+  <New>DocumentLibraryForm</New>
+</FormTemplates>
+</file>
+
+<file path=customXml/item3.xml><?xml version="1.0" encoding="utf-8"?>
 <ct:contentTypeSchema xmlns:ct="http://schemas.microsoft.com/office/2006/metadata/contentType" xmlns:ma="http://schemas.microsoft.com/office/2006/metadata/properties/metaAttributes" ct:_="" ma:_="" ma:contentTypeName="Dokument" ma:contentTypeID="0x0101008D8A91355A09ED49A2CD37913ECCBD8F" ma:contentTypeVersion="10" ma:contentTypeDescription="Ein neues Dokument erstellen." ma:contentTypeScope="" ma:versionID="27876bd0c978c72af55f11f00f197b4d">
   <xsd:schema xmlns:xsd="http://www.w3.org/2001/XMLSchema" xmlns:xs="http://www.w3.org/2001/XMLSchema" xmlns:p="http://schemas.microsoft.com/office/2006/metadata/properties" xmlns:ns2="9c339813-10bc-447b-932a-1b9d7d5cf15f" targetNamespace="http://schemas.microsoft.com/office/2006/metadata/properties" ma:root="true" ma:fieldsID="f004244127d678be64938a86076237cc" ns2:_="">
     <xsd:import namespace="9c339813-10bc-447b-932a-1b9d7d5cf15f"/>
@@ -8478,15 +12528,6 @@
 </ct:contentTypeSchema>
 </file>
 
-<file path=customXml/item3.xml><?xml version="1.0" encoding="utf-8"?>
-<?mso-contentType ?>
-<FormTemplates xmlns="http://schemas.microsoft.com/sharepoint/v3/contenttype/forms">
-  <Display>DocumentLibraryForm</Display>
-  <Edit>DocumentLibraryForm</Edit>
-  <New>DocumentLibraryForm</New>
-</FormTemplates>
-</file>
-
 <file path=customXml/itemProps1.xml><?xml version="1.0" encoding="utf-8"?>
 <ds:datastoreItem xmlns:ds="http://schemas.openxmlformats.org/officeDocument/2006/customXml" ds:itemID="{07CCB9E7-C57A-4E96-958B-42A4B20CD0B8}">
   <ds:schemaRefs>
@@ -8504,6 +12545,14 @@
 </file>
 
 <file path=customXml/itemProps2.xml><?xml version="1.0" encoding="utf-8"?>
+<ds:datastoreItem xmlns:ds="http://schemas.openxmlformats.org/officeDocument/2006/customXml" ds:itemID="{BDCB3EC0-5DCA-48F2-BD01-54E02CFCF6AA}">
+  <ds:schemaRefs>
+    <ds:schemaRef ds:uri="http://schemas.microsoft.com/sharepoint/v3/contenttype/forms"/>
+  </ds:schemaRefs>
+</ds:datastoreItem>
+</file>
+
+<file path=customXml/itemProps3.xml><?xml version="1.0" encoding="utf-8"?>
 <ds:datastoreItem xmlns:ds="http://schemas.openxmlformats.org/officeDocument/2006/customXml" ds:itemID="{45A0E1BB-5BB6-4EAB-9A73-FD942EA25190}">
   <ds:schemaRefs>
     <ds:schemaRef ds:uri="http://schemas.microsoft.com/office/2006/metadata/contentType"/>
@@ -8519,12 +12568,4 @@
     <ds:schemaRef ds:uri="http://schemas.microsoft.com/internal/obd"/>
   </ds:schemaRefs>
 </ds:datastoreItem>
-</file>
-
-<file path=customXml/itemProps3.xml><?xml version="1.0" encoding="utf-8"?>
-<ds:datastoreItem xmlns:ds="http://schemas.openxmlformats.org/officeDocument/2006/customXml" ds:itemID="{BDCB3EC0-5DCA-48F2-BD01-54E02CFCF6AA}">
-  <ds:schemaRefs>
-    <ds:schemaRef ds:uri="http://schemas.microsoft.com/sharepoint/v3/contenttype/forms"/>
-  </ds:schemaRefs>
-</ds:datastoreItem>
 </file>
--- a/Präsentation/RecipeManager_Präsentation.pptx
+++ b/Präsentation/RecipeManager_Präsentation.pptx
@@ -5,23 +5,31 @@
     <p:sldMasterId id="2147483960" r:id="rId4"/>
   </p:sldMasterIdLst>
   <p:notesMasterIdLst>
-    <p:notesMasterId r:id="rId19"/>
+    <p:notesMasterId r:id="rId27"/>
   </p:notesMasterIdLst>
   <p:sldIdLst>
     <p:sldId id="256" r:id="rId5"/>
     <p:sldId id="263" r:id="rId6"/>
     <p:sldId id="257" r:id="rId7"/>
-    <p:sldId id="285" r:id="rId8"/>
-    <p:sldId id="286" r:id="rId9"/>
-    <p:sldId id="287" r:id="rId10"/>
-    <p:sldId id="288" r:id="rId11"/>
-    <p:sldId id="289" r:id="rId12"/>
-    <p:sldId id="290" r:id="rId13"/>
-    <p:sldId id="291" r:id="rId14"/>
-    <p:sldId id="284" r:id="rId15"/>
-    <p:sldId id="292" r:id="rId16"/>
-    <p:sldId id="282" r:id="rId17"/>
-    <p:sldId id="283" r:id="rId18"/>
+    <p:sldId id="294" r:id="rId8"/>
+    <p:sldId id="285" r:id="rId9"/>
+    <p:sldId id="286" r:id="rId10"/>
+    <p:sldId id="287" r:id="rId11"/>
+    <p:sldId id="295" r:id="rId12"/>
+    <p:sldId id="297" r:id="rId13"/>
+    <p:sldId id="296" r:id="rId14"/>
+    <p:sldId id="298" r:id="rId15"/>
+    <p:sldId id="288" r:id="rId16"/>
+    <p:sldId id="299" r:id="rId17"/>
+    <p:sldId id="300" r:id="rId18"/>
+    <p:sldId id="291" r:id="rId19"/>
+    <p:sldId id="301" r:id="rId20"/>
+    <p:sldId id="302" r:id="rId21"/>
+    <p:sldId id="293" r:id="rId22"/>
+    <p:sldId id="284" r:id="rId23"/>
+    <p:sldId id="292" r:id="rId24"/>
+    <p:sldId id="282" r:id="rId25"/>
+    <p:sldId id="283" r:id="rId26"/>
   </p:sldIdLst>
   <p:sldSz cx="12192000" cy="6858000"/>
   <p:notesSz cx="6858000" cy="9144000"/>
@@ -210,7 +218,7 @@
           <a:p>
             <a:fld id="{8D1B6167-BAD2-491F-A10B-7E1687CDD113}" type="datetimeFigureOut">
               <a:rPr lang="de-CH" smtClean="0"/>
-              <a:t>30.09.2022</a:t>
+              <a:t>01.10.2022</a:t>
             </a:fld>
             <a:endParaRPr lang="de-CH"/>
           </a:p>
@@ -522,85 +530,13 @@
           <a:bodyPr/>
           <a:lstStyle/>
           <a:p>
-            <a:pPr marL="171450" indent="-171450">
-              <a:buFontTx/>
-              <a:buChar char="-"/>
-            </a:pPr>
-            <a:r>
-              <a:rPr lang="de-CH" dirty="0"/>
-              <a:t>Begrüssung (Namen und Projekt)</a:t>
-            </a:r>
-          </a:p>
-          <a:p>
-            <a:pPr marL="171450" indent="-171450">
-              <a:buFontTx/>
-              <a:buChar char="-"/>
-            </a:pPr>
-            <a:endParaRPr lang="de-CH" dirty="0"/>
-          </a:p>
-          <a:p>
             <a:pPr marL="0" indent="0">
               <a:buFontTx/>
               <a:buNone/>
             </a:pPr>
-            <a:endParaRPr lang="de-CH" dirty="0"/>
-          </a:p>
-          <a:p>
-            <a:pPr marL="0" indent="0">
-              <a:buFontTx/>
-              <a:buNone/>
-            </a:pPr>
             <a:r>
               <a:rPr lang="de-CH" dirty="0"/>
-              <a:t>Herzlich Willkomme zur Präsentation </a:t>
-            </a:r>
-            <a:r>
-              <a:rPr lang="de-CH" dirty="0" err="1"/>
-              <a:t>vo</a:t>
-            </a:r>
-            <a:r>
-              <a:rPr lang="de-CH" dirty="0"/>
-              <a:t> </a:t>
-            </a:r>
-            <a:r>
-              <a:rPr lang="de-CH" dirty="0" err="1"/>
-              <a:t>üsem</a:t>
-            </a:r>
-            <a:r>
-              <a:rPr lang="de-CH" dirty="0"/>
-              <a:t> Projekt Recipe Manager. De Silvan und i stellet </a:t>
-            </a:r>
-            <a:r>
-              <a:rPr lang="de-CH" dirty="0" err="1"/>
-              <a:t>eu</a:t>
-            </a:r>
-            <a:r>
-              <a:rPr lang="de-CH" dirty="0"/>
-              <a:t> die </a:t>
-            </a:r>
-            <a:r>
-              <a:rPr lang="de-CH" dirty="0" err="1"/>
-              <a:t>nöchschte</a:t>
-            </a:r>
-            <a:r>
-              <a:rPr lang="de-CH" dirty="0"/>
-              <a:t> 10min </a:t>
-            </a:r>
-            <a:r>
-              <a:rPr lang="de-CH" dirty="0" err="1"/>
-              <a:t>üses</a:t>
-            </a:r>
-            <a:r>
-              <a:rPr lang="de-CH" dirty="0"/>
-              <a:t> Projekt zum Stand vom Zwischenreview </a:t>
-            </a:r>
-            <a:r>
-              <a:rPr lang="de-CH" dirty="0" err="1"/>
-              <a:t>gnäuer</a:t>
-            </a:r>
-            <a:r>
-              <a:rPr lang="de-CH" dirty="0"/>
-              <a:t> vor.</a:t>
+              <a:t>Begrüssung und Frage bzgl. Hochdeutsch</a:t>
             </a:r>
           </a:p>
         </p:txBody>
@@ -685,244 +621,7 @@
           <a:bodyPr/>
           <a:lstStyle/>
           <a:p>
-            <a:r>
-              <a:rPr lang="de-CH" dirty="0"/>
-              <a:t>Für de Walking Skeleton </a:t>
-            </a:r>
-            <a:r>
-              <a:rPr lang="de-CH" dirty="0" err="1"/>
-              <a:t>isch</a:t>
-            </a:r>
-            <a:r>
-              <a:rPr lang="de-CH" dirty="0"/>
-              <a:t> de Fokus klar </a:t>
-            </a:r>
-            <a:r>
-              <a:rPr lang="de-CH" dirty="0" err="1"/>
-              <a:t>uf</a:t>
-            </a:r>
-            <a:r>
-              <a:rPr lang="de-CH" dirty="0"/>
-              <a:t> de Funktionalität und de Verifikation vom Design </a:t>
-            </a:r>
-            <a:r>
-              <a:rPr lang="de-CH" dirty="0" err="1"/>
-              <a:t>glege</a:t>
-            </a:r>
-            <a:r>
-              <a:rPr lang="de-CH" dirty="0"/>
-              <a:t>. Drum </a:t>
-            </a:r>
-            <a:r>
-              <a:rPr lang="de-CH" dirty="0" err="1"/>
-              <a:t>söll</a:t>
-            </a:r>
-            <a:r>
-              <a:rPr lang="de-CH" dirty="0"/>
-              <a:t> jetzt </a:t>
-            </a:r>
-            <a:r>
-              <a:rPr lang="de-CH" dirty="0" err="1"/>
-              <a:t>zeitnöch</a:t>
-            </a:r>
-            <a:r>
-              <a:rPr lang="de-CH" dirty="0"/>
-              <a:t> d Dokumentation ergänzt werde.</a:t>
-            </a:r>
-          </a:p>
-          <a:p>
-            <a:r>
-              <a:rPr lang="de-CH" dirty="0"/>
-              <a:t>Im gliche Zug </a:t>
-            </a:r>
-            <a:r>
-              <a:rPr lang="de-CH" dirty="0" err="1"/>
-              <a:t>söll</a:t>
-            </a:r>
-            <a:r>
-              <a:rPr lang="de-CH" dirty="0"/>
-              <a:t> au d Implementation </a:t>
-            </a:r>
-            <a:r>
-              <a:rPr lang="de-CH" dirty="0" err="1"/>
-              <a:t>nomol</a:t>
-            </a:r>
-            <a:r>
-              <a:rPr lang="de-CH" dirty="0"/>
-              <a:t> </a:t>
-            </a:r>
-            <a:r>
-              <a:rPr lang="de-CH" dirty="0" err="1"/>
-              <a:t>greviewt</a:t>
-            </a:r>
-            <a:r>
-              <a:rPr lang="de-CH" dirty="0"/>
-              <a:t> werde.</a:t>
-            </a:r>
-          </a:p>
-          <a:p>
             <a:endParaRPr lang="de-CH" dirty="0"/>
-          </a:p>
-          <a:p>
-            <a:r>
-              <a:rPr lang="de-CH" dirty="0"/>
-              <a:t>Weiter </a:t>
-            </a:r>
-            <a:r>
-              <a:rPr lang="de-CH" dirty="0" err="1"/>
-              <a:t>söll</a:t>
-            </a:r>
-            <a:r>
-              <a:rPr lang="de-CH" dirty="0"/>
-              <a:t> de </a:t>
-            </a:r>
-            <a:r>
-              <a:rPr lang="de-CH" dirty="0" err="1"/>
-              <a:t>Zuegriff</a:t>
-            </a:r>
-            <a:r>
-              <a:rPr lang="de-CH" dirty="0"/>
-              <a:t> </a:t>
-            </a:r>
-            <a:r>
-              <a:rPr lang="de-CH" dirty="0" err="1"/>
-              <a:t>uf</a:t>
-            </a:r>
-            <a:r>
-              <a:rPr lang="de-CH" dirty="0"/>
-              <a:t> d Applikation </a:t>
-            </a:r>
-            <a:r>
-              <a:rPr lang="de-CH" dirty="0" err="1"/>
-              <a:t>uf</a:t>
-            </a:r>
-            <a:r>
-              <a:rPr lang="de-CH" dirty="0"/>
-              <a:t> https </a:t>
-            </a:r>
-            <a:r>
-              <a:rPr lang="de-CH" dirty="0" err="1"/>
-              <a:t>umgstellt</a:t>
-            </a:r>
-            <a:r>
-              <a:rPr lang="de-CH" dirty="0"/>
-              <a:t> und mittels User-Login </a:t>
-            </a:r>
-            <a:r>
-              <a:rPr lang="de-CH" dirty="0" err="1"/>
-              <a:t>gschützt</a:t>
-            </a:r>
-            <a:r>
-              <a:rPr lang="de-CH" dirty="0"/>
-              <a:t> werde.</a:t>
-            </a:r>
-          </a:p>
-          <a:p>
-            <a:endParaRPr lang="de-CH" dirty="0"/>
-          </a:p>
-          <a:p>
-            <a:r>
-              <a:rPr lang="de-CH" dirty="0"/>
-              <a:t>D </a:t>
-            </a:r>
-            <a:r>
-              <a:rPr lang="de-CH" dirty="0" err="1"/>
-              <a:t>Automatisierigs</a:t>
-            </a:r>
-            <a:r>
-              <a:rPr lang="de-CH" dirty="0"/>
-              <a:t>-Pipeline </a:t>
-            </a:r>
-            <a:r>
-              <a:rPr lang="de-CH" dirty="0" err="1"/>
-              <a:t>söll</a:t>
-            </a:r>
-            <a:r>
-              <a:rPr lang="de-CH" dirty="0"/>
-              <a:t> au </a:t>
-            </a:r>
-            <a:r>
-              <a:rPr lang="de-CH" dirty="0" err="1"/>
-              <a:t>ufs</a:t>
-            </a:r>
-            <a:r>
-              <a:rPr lang="de-CH" dirty="0"/>
-              <a:t> Backend </a:t>
-            </a:r>
-            <a:r>
-              <a:rPr lang="de-CH" dirty="0" err="1"/>
-              <a:t>usgwitet</a:t>
-            </a:r>
-            <a:r>
-              <a:rPr lang="de-CH" dirty="0"/>
-              <a:t>  und um s automatisierte </a:t>
-            </a:r>
-            <a:r>
-              <a:rPr lang="de-CH" dirty="0" err="1"/>
-              <a:t>Deployment</a:t>
-            </a:r>
-            <a:r>
-              <a:rPr lang="de-CH" dirty="0"/>
-              <a:t> </a:t>
-            </a:r>
-            <a:r>
-              <a:rPr lang="de-CH" dirty="0" err="1"/>
-              <a:t>erwiteret</a:t>
-            </a:r>
-            <a:r>
-              <a:rPr lang="de-CH" dirty="0"/>
-              <a:t> werde.</a:t>
-            </a:r>
-          </a:p>
-          <a:p>
-            <a:endParaRPr lang="de-CH" dirty="0"/>
-          </a:p>
-          <a:p>
-            <a:endParaRPr lang="de-CH" dirty="0"/>
-          </a:p>
-          <a:p>
-            <a:endParaRPr lang="de-CH" dirty="0"/>
-          </a:p>
-          <a:p>
-            <a:r>
-              <a:rPr lang="de-CH" dirty="0"/>
-              <a:t>Notizen:</a:t>
-            </a:r>
-          </a:p>
-          <a:p>
-            <a:endParaRPr lang="de-CH" dirty="0"/>
-          </a:p>
-          <a:p>
-            <a:r>
-              <a:rPr lang="de-CH" dirty="0"/>
-              <a:t>Code-Doku: Walking Skeleton war Fokus auf Funktionalität und Verifikation, deshalb soll zeitnah die Dokumentation ergänzt werden. Im gleichen Zug soll die Implementation nochmals reviewt werden.</a:t>
-            </a:r>
-          </a:p>
-          <a:p>
-            <a:endParaRPr lang="de-CH" dirty="0"/>
-          </a:p>
-          <a:p>
-            <a:r>
-              <a:rPr lang="de-CH" dirty="0"/>
-              <a:t>Zugriff auf die Applikation soll auf https umgestellt und mittels User-Login geschützt werden.</a:t>
-            </a:r>
-          </a:p>
-          <a:p>
-            <a:endParaRPr lang="de-CH" dirty="0"/>
-          </a:p>
-          <a:p>
-            <a:r>
-              <a:rPr lang="de-CH" dirty="0"/>
-              <a:t>Die Automatisierungs-Pipeline soll auf das Backend ausgeweitet und um das </a:t>
-            </a:r>
-            <a:r>
-              <a:rPr lang="de-CH" dirty="0" err="1"/>
-              <a:t>Deployment</a:t>
-            </a:r>
-            <a:r>
-              <a:rPr lang="de-CH" dirty="0"/>
-              <a:t> erweitert werden.</a:t>
-            </a:r>
           </a:p>
         </p:txBody>
       </p:sp>
@@ -952,7 +651,7 @@
     </p:spTree>
     <p:extLst>
       <p:ext uri="{BB962C8B-B14F-4D97-AF65-F5344CB8AC3E}">
-        <p14:creationId xmlns:p14="http://schemas.microsoft.com/office/powerpoint/2010/main" val="2267080631"/>
+        <p14:creationId xmlns:p14="http://schemas.microsoft.com/office/powerpoint/2010/main" val="344186"/>
       </p:ext>
     </p:extLst>
   </p:cSld>
@@ -1006,244 +705,7 @@
           <a:bodyPr/>
           <a:lstStyle/>
           <a:p>
-            <a:r>
-              <a:rPr lang="de-CH" dirty="0"/>
-              <a:t>Für de Walking Skeleton </a:t>
-            </a:r>
-            <a:r>
-              <a:rPr lang="de-CH" dirty="0" err="1"/>
-              <a:t>isch</a:t>
-            </a:r>
-            <a:r>
-              <a:rPr lang="de-CH" dirty="0"/>
-              <a:t> de Fokus klar </a:t>
-            </a:r>
-            <a:r>
-              <a:rPr lang="de-CH" dirty="0" err="1"/>
-              <a:t>uf</a:t>
-            </a:r>
-            <a:r>
-              <a:rPr lang="de-CH" dirty="0"/>
-              <a:t> de Funktionalität und de Verifikation vom Design </a:t>
-            </a:r>
-            <a:r>
-              <a:rPr lang="de-CH" dirty="0" err="1"/>
-              <a:t>glege</a:t>
-            </a:r>
-            <a:r>
-              <a:rPr lang="de-CH" dirty="0"/>
-              <a:t>. Drum </a:t>
-            </a:r>
-            <a:r>
-              <a:rPr lang="de-CH" dirty="0" err="1"/>
-              <a:t>söll</a:t>
-            </a:r>
-            <a:r>
-              <a:rPr lang="de-CH" dirty="0"/>
-              <a:t> jetzt </a:t>
-            </a:r>
-            <a:r>
-              <a:rPr lang="de-CH" dirty="0" err="1"/>
-              <a:t>zeitnöch</a:t>
-            </a:r>
-            <a:r>
-              <a:rPr lang="de-CH" dirty="0"/>
-              <a:t> d Dokumentation ergänzt werde.</a:t>
-            </a:r>
-          </a:p>
-          <a:p>
-            <a:r>
-              <a:rPr lang="de-CH" dirty="0"/>
-              <a:t>Im gliche Zug </a:t>
-            </a:r>
-            <a:r>
-              <a:rPr lang="de-CH" dirty="0" err="1"/>
-              <a:t>söll</a:t>
-            </a:r>
-            <a:r>
-              <a:rPr lang="de-CH" dirty="0"/>
-              <a:t> au d Implementation </a:t>
-            </a:r>
-            <a:r>
-              <a:rPr lang="de-CH" dirty="0" err="1"/>
-              <a:t>nomol</a:t>
-            </a:r>
-            <a:r>
-              <a:rPr lang="de-CH" dirty="0"/>
-              <a:t> </a:t>
-            </a:r>
-            <a:r>
-              <a:rPr lang="de-CH" dirty="0" err="1"/>
-              <a:t>greviewt</a:t>
-            </a:r>
-            <a:r>
-              <a:rPr lang="de-CH" dirty="0"/>
-              <a:t> werde.</a:t>
-            </a:r>
-          </a:p>
-          <a:p>
             <a:endParaRPr lang="de-CH" dirty="0"/>
-          </a:p>
-          <a:p>
-            <a:r>
-              <a:rPr lang="de-CH" dirty="0"/>
-              <a:t>Weiter </a:t>
-            </a:r>
-            <a:r>
-              <a:rPr lang="de-CH" dirty="0" err="1"/>
-              <a:t>söll</a:t>
-            </a:r>
-            <a:r>
-              <a:rPr lang="de-CH" dirty="0"/>
-              <a:t> de </a:t>
-            </a:r>
-            <a:r>
-              <a:rPr lang="de-CH" dirty="0" err="1"/>
-              <a:t>Zuegriff</a:t>
-            </a:r>
-            <a:r>
-              <a:rPr lang="de-CH" dirty="0"/>
-              <a:t> </a:t>
-            </a:r>
-            <a:r>
-              <a:rPr lang="de-CH" dirty="0" err="1"/>
-              <a:t>uf</a:t>
-            </a:r>
-            <a:r>
-              <a:rPr lang="de-CH" dirty="0"/>
-              <a:t> d Applikation </a:t>
-            </a:r>
-            <a:r>
-              <a:rPr lang="de-CH" dirty="0" err="1"/>
-              <a:t>uf</a:t>
-            </a:r>
-            <a:r>
-              <a:rPr lang="de-CH" dirty="0"/>
-              <a:t> https </a:t>
-            </a:r>
-            <a:r>
-              <a:rPr lang="de-CH" dirty="0" err="1"/>
-              <a:t>umgstellt</a:t>
-            </a:r>
-            <a:r>
-              <a:rPr lang="de-CH" dirty="0"/>
-              <a:t> und mittels User-Login </a:t>
-            </a:r>
-            <a:r>
-              <a:rPr lang="de-CH" dirty="0" err="1"/>
-              <a:t>gschützt</a:t>
-            </a:r>
-            <a:r>
-              <a:rPr lang="de-CH" dirty="0"/>
-              <a:t> werde.</a:t>
-            </a:r>
-          </a:p>
-          <a:p>
-            <a:endParaRPr lang="de-CH" dirty="0"/>
-          </a:p>
-          <a:p>
-            <a:r>
-              <a:rPr lang="de-CH" dirty="0"/>
-              <a:t>D </a:t>
-            </a:r>
-            <a:r>
-              <a:rPr lang="de-CH" dirty="0" err="1"/>
-              <a:t>Automatisierigs</a:t>
-            </a:r>
-            <a:r>
-              <a:rPr lang="de-CH" dirty="0"/>
-              <a:t>-Pipeline </a:t>
-            </a:r>
-            <a:r>
-              <a:rPr lang="de-CH" dirty="0" err="1"/>
-              <a:t>söll</a:t>
-            </a:r>
-            <a:r>
-              <a:rPr lang="de-CH" dirty="0"/>
-              <a:t> au </a:t>
-            </a:r>
-            <a:r>
-              <a:rPr lang="de-CH" dirty="0" err="1"/>
-              <a:t>ufs</a:t>
-            </a:r>
-            <a:r>
-              <a:rPr lang="de-CH" dirty="0"/>
-              <a:t> Backend </a:t>
-            </a:r>
-            <a:r>
-              <a:rPr lang="de-CH" dirty="0" err="1"/>
-              <a:t>usgwitet</a:t>
-            </a:r>
-            <a:r>
-              <a:rPr lang="de-CH" dirty="0"/>
-              <a:t>  und um s automatisierte </a:t>
-            </a:r>
-            <a:r>
-              <a:rPr lang="de-CH" dirty="0" err="1"/>
-              <a:t>Deployment</a:t>
-            </a:r>
-            <a:r>
-              <a:rPr lang="de-CH" dirty="0"/>
-              <a:t> </a:t>
-            </a:r>
-            <a:r>
-              <a:rPr lang="de-CH" dirty="0" err="1"/>
-              <a:t>erwiteret</a:t>
-            </a:r>
-            <a:r>
-              <a:rPr lang="de-CH" dirty="0"/>
-              <a:t> werde.</a:t>
-            </a:r>
-          </a:p>
-          <a:p>
-            <a:endParaRPr lang="de-CH" dirty="0"/>
-          </a:p>
-          <a:p>
-            <a:endParaRPr lang="de-CH" dirty="0"/>
-          </a:p>
-          <a:p>
-            <a:endParaRPr lang="de-CH" dirty="0"/>
-          </a:p>
-          <a:p>
-            <a:r>
-              <a:rPr lang="de-CH" dirty="0"/>
-              <a:t>Notizen:</a:t>
-            </a:r>
-          </a:p>
-          <a:p>
-            <a:endParaRPr lang="de-CH" dirty="0"/>
-          </a:p>
-          <a:p>
-            <a:r>
-              <a:rPr lang="de-CH" dirty="0"/>
-              <a:t>Code-Doku: Walking Skeleton war Fokus auf Funktionalität und Verifikation, deshalb soll zeitnah die Dokumentation ergänzt werden. Im gleichen Zug soll die Implementation nochmals reviewt werden.</a:t>
-            </a:r>
-          </a:p>
-          <a:p>
-            <a:endParaRPr lang="de-CH" dirty="0"/>
-          </a:p>
-          <a:p>
-            <a:r>
-              <a:rPr lang="de-CH" dirty="0"/>
-              <a:t>Zugriff auf die Applikation soll auf https umgestellt und mittels User-Login geschützt werden.</a:t>
-            </a:r>
-          </a:p>
-          <a:p>
-            <a:endParaRPr lang="de-CH" dirty="0"/>
-          </a:p>
-          <a:p>
-            <a:r>
-              <a:rPr lang="de-CH" dirty="0"/>
-              <a:t>Die Automatisierungs-Pipeline soll auf das Backend ausgeweitet und um das </a:t>
-            </a:r>
-            <a:r>
-              <a:rPr lang="de-CH" dirty="0" err="1"/>
-              <a:t>Deployment</a:t>
-            </a:r>
-            <a:r>
-              <a:rPr lang="de-CH" dirty="0"/>
-              <a:t> erweitert werden.</a:t>
-            </a:r>
           </a:p>
         </p:txBody>
       </p:sp>
@@ -1273,7 +735,7 @@
     </p:spTree>
     <p:extLst>
       <p:ext uri="{BB962C8B-B14F-4D97-AF65-F5344CB8AC3E}">
-        <p14:creationId xmlns:p14="http://schemas.microsoft.com/office/powerpoint/2010/main" val="3486985728"/>
+        <p14:creationId xmlns:p14="http://schemas.microsoft.com/office/powerpoint/2010/main" val="2187360979"/>
       </p:ext>
     </p:extLst>
   </p:cSld>
@@ -1327,244 +789,7 @@
           <a:bodyPr/>
           <a:lstStyle/>
           <a:p>
-            <a:r>
-              <a:rPr lang="de-CH" dirty="0"/>
-              <a:t>Für de Walking Skeleton </a:t>
-            </a:r>
-            <a:r>
-              <a:rPr lang="de-CH" dirty="0" err="1"/>
-              <a:t>isch</a:t>
-            </a:r>
-            <a:r>
-              <a:rPr lang="de-CH" dirty="0"/>
-              <a:t> de Fokus klar </a:t>
-            </a:r>
-            <a:r>
-              <a:rPr lang="de-CH" dirty="0" err="1"/>
-              <a:t>uf</a:t>
-            </a:r>
-            <a:r>
-              <a:rPr lang="de-CH" dirty="0"/>
-              <a:t> de Funktionalität und de Verifikation vom Design </a:t>
-            </a:r>
-            <a:r>
-              <a:rPr lang="de-CH" dirty="0" err="1"/>
-              <a:t>glege</a:t>
-            </a:r>
-            <a:r>
-              <a:rPr lang="de-CH" dirty="0"/>
-              <a:t>. Drum </a:t>
-            </a:r>
-            <a:r>
-              <a:rPr lang="de-CH" dirty="0" err="1"/>
-              <a:t>söll</a:t>
-            </a:r>
-            <a:r>
-              <a:rPr lang="de-CH" dirty="0"/>
-              <a:t> jetzt </a:t>
-            </a:r>
-            <a:r>
-              <a:rPr lang="de-CH" dirty="0" err="1"/>
-              <a:t>zeitnöch</a:t>
-            </a:r>
-            <a:r>
-              <a:rPr lang="de-CH" dirty="0"/>
-              <a:t> d Dokumentation ergänzt werde.</a:t>
-            </a:r>
-          </a:p>
-          <a:p>
-            <a:r>
-              <a:rPr lang="de-CH" dirty="0"/>
-              <a:t>Im gliche Zug </a:t>
-            </a:r>
-            <a:r>
-              <a:rPr lang="de-CH" dirty="0" err="1"/>
-              <a:t>söll</a:t>
-            </a:r>
-            <a:r>
-              <a:rPr lang="de-CH" dirty="0"/>
-              <a:t> au d Implementation </a:t>
-            </a:r>
-            <a:r>
-              <a:rPr lang="de-CH" dirty="0" err="1"/>
-              <a:t>nomol</a:t>
-            </a:r>
-            <a:r>
-              <a:rPr lang="de-CH" dirty="0"/>
-              <a:t> </a:t>
-            </a:r>
-            <a:r>
-              <a:rPr lang="de-CH" dirty="0" err="1"/>
-              <a:t>greviewt</a:t>
-            </a:r>
-            <a:r>
-              <a:rPr lang="de-CH" dirty="0"/>
-              <a:t> werde.</a:t>
-            </a:r>
-          </a:p>
-          <a:p>
             <a:endParaRPr lang="de-CH" dirty="0"/>
-          </a:p>
-          <a:p>
-            <a:r>
-              <a:rPr lang="de-CH" dirty="0"/>
-              <a:t>Weiter </a:t>
-            </a:r>
-            <a:r>
-              <a:rPr lang="de-CH" dirty="0" err="1"/>
-              <a:t>söll</a:t>
-            </a:r>
-            <a:r>
-              <a:rPr lang="de-CH" dirty="0"/>
-              <a:t> de </a:t>
-            </a:r>
-            <a:r>
-              <a:rPr lang="de-CH" dirty="0" err="1"/>
-              <a:t>Zuegriff</a:t>
-            </a:r>
-            <a:r>
-              <a:rPr lang="de-CH" dirty="0"/>
-              <a:t> </a:t>
-            </a:r>
-            <a:r>
-              <a:rPr lang="de-CH" dirty="0" err="1"/>
-              <a:t>uf</a:t>
-            </a:r>
-            <a:r>
-              <a:rPr lang="de-CH" dirty="0"/>
-              <a:t> d Applikation </a:t>
-            </a:r>
-            <a:r>
-              <a:rPr lang="de-CH" dirty="0" err="1"/>
-              <a:t>uf</a:t>
-            </a:r>
-            <a:r>
-              <a:rPr lang="de-CH" dirty="0"/>
-              <a:t> https </a:t>
-            </a:r>
-            <a:r>
-              <a:rPr lang="de-CH" dirty="0" err="1"/>
-              <a:t>umgstellt</a:t>
-            </a:r>
-            <a:r>
-              <a:rPr lang="de-CH" dirty="0"/>
-              <a:t> und mittels User-Login </a:t>
-            </a:r>
-            <a:r>
-              <a:rPr lang="de-CH" dirty="0" err="1"/>
-              <a:t>gschützt</a:t>
-            </a:r>
-            <a:r>
-              <a:rPr lang="de-CH" dirty="0"/>
-              <a:t> werde.</a:t>
-            </a:r>
-          </a:p>
-          <a:p>
-            <a:endParaRPr lang="de-CH" dirty="0"/>
-          </a:p>
-          <a:p>
-            <a:r>
-              <a:rPr lang="de-CH" dirty="0"/>
-              <a:t>D </a:t>
-            </a:r>
-            <a:r>
-              <a:rPr lang="de-CH" dirty="0" err="1"/>
-              <a:t>Automatisierigs</a:t>
-            </a:r>
-            <a:r>
-              <a:rPr lang="de-CH" dirty="0"/>
-              <a:t>-Pipeline </a:t>
-            </a:r>
-            <a:r>
-              <a:rPr lang="de-CH" dirty="0" err="1"/>
-              <a:t>söll</a:t>
-            </a:r>
-            <a:r>
-              <a:rPr lang="de-CH" dirty="0"/>
-              <a:t> au </a:t>
-            </a:r>
-            <a:r>
-              <a:rPr lang="de-CH" dirty="0" err="1"/>
-              <a:t>ufs</a:t>
-            </a:r>
-            <a:r>
-              <a:rPr lang="de-CH" dirty="0"/>
-              <a:t> Backend </a:t>
-            </a:r>
-            <a:r>
-              <a:rPr lang="de-CH" dirty="0" err="1"/>
-              <a:t>usgwitet</a:t>
-            </a:r>
-            <a:r>
-              <a:rPr lang="de-CH" dirty="0"/>
-              <a:t>  und um s automatisierte </a:t>
-            </a:r>
-            <a:r>
-              <a:rPr lang="de-CH" dirty="0" err="1"/>
-              <a:t>Deployment</a:t>
-            </a:r>
-            <a:r>
-              <a:rPr lang="de-CH" dirty="0"/>
-              <a:t> </a:t>
-            </a:r>
-            <a:r>
-              <a:rPr lang="de-CH" dirty="0" err="1"/>
-              <a:t>erwiteret</a:t>
-            </a:r>
-            <a:r>
-              <a:rPr lang="de-CH" dirty="0"/>
-              <a:t> werde.</a:t>
-            </a:r>
-          </a:p>
-          <a:p>
-            <a:endParaRPr lang="de-CH" dirty="0"/>
-          </a:p>
-          <a:p>
-            <a:endParaRPr lang="de-CH" dirty="0"/>
-          </a:p>
-          <a:p>
-            <a:endParaRPr lang="de-CH" dirty="0"/>
-          </a:p>
-          <a:p>
-            <a:r>
-              <a:rPr lang="de-CH" dirty="0"/>
-              <a:t>Notizen:</a:t>
-            </a:r>
-          </a:p>
-          <a:p>
-            <a:endParaRPr lang="de-CH" dirty="0"/>
-          </a:p>
-          <a:p>
-            <a:r>
-              <a:rPr lang="de-CH" dirty="0"/>
-              <a:t>Code-Doku: Walking Skeleton war Fokus auf Funktionalität und Verifikation, deshalb soll zeitnah die Dokumentation ergänzt werden. Im gleichen Zug soll die Implementation nochmals reviewt werden.</a:t>
-            </a:r>
-          </a:p>
-          <a:p>
-            <a:endParaRPr lang="de-CH" dirty="0"/>
-          </a:p>
-          <a:p>
-            <a:r>
-              <a:rPr lang="de-CH" dirty="0"/>
-              <a:t>Zugriff auf die Applikation soll auf https umgestellt und mittels User-Login geschützt werden.</a:t>
-            </a:r>
-          </a:p>
-          <a:p>
-            <a:endParaRPr lang="de-CH" dirty="0"/>
-          </a:p>
-          <a:p>
-            <a:r>
-              <a:rPr lang="de-CH" dirty="0"/>
-              <a:t>Die Automatisierungs-Pipeline soll auf das Backend ausgeweitet und um das </a:t>
-            </a:r>
-            <a:r>
-              <a:rPr lang="de-CH" dirty="0" err="1"/>
-              <a:t>Deployment</a:t>
-            </a:r>
-            <a:r>
-              <a:rPr lang="de-CH" dirty="0"/>
-              <a:t> erweitert werden.</a:t>
-            </a:r>
           </a:p>
         </p:txBody>
       </p:sp>
@@ -1594,7 +819,7 @@
     </p:spTree>
     <p:extLst>
       <p:ext uri="{BB962C8B-B14F-4D97-AF65-F5344CB8AC3E}">
-        <p14:creationId xmlns:p14="http://schemas.microsoft.com/office/powerpoint/2010/main" val="3457144575"/>
+        <p14:creationId xmlns:p14="http://schemas.microsoft.com/office/powerpoint/2010/main" val="4049864255"/>
       </p:ext>
     </p:extLst>
   </p:cSld>
@@ -1648,26 +873,7 @@
           <a:bodyPr/>
           <a:lstStyle/>
           <a:p>
-            <a:r>
-              <a:rPr lang="de-CH" dirty="0"/>
-              <a:t>Danke </a:t>
-            </a:r>
-            <a:r>
-              <a:rPr lang="de-CH" dirty="0" err="1"/>
-              <a:t>vilmol</a:t>
-            </a:r>
-            <a:r>
-              <a:rPr lang="de-CH" dirty="0"/>
-              <a:t> für </a:t>
-            </a:r>
-            <a:r>
-              <a:rPr lang="de-CH" dirty="0" err="1"/>
-              <a:t>eui</a:t>
-            </a:r>
-            <a:r>
-              <a:rPr lang="de-CH" dirty="0"/>
-              <a:t> Aufmerksamkeit und viel Spass beim Stöbere!</a:t>
-            </a:r>
+            <a:endParaRPr lang="de-CH" dirty="0"/>
           </a:p>
         </p:txBody>
       </p:sp>
@@ -1697,7 +903,7 @@
     </p:spTree>
     <p:extLst>
       <p:ext uri="{BB962C8B-B14F-4D97-AF65-F5344CB8AC3E}">
-        <p14:creationId xmlns:p14="http://schemas.microsoft.com/office/powerpoint/2010/main" val="3989377929"/>
+        <p14:creationId xmlns:p14="http://schemas.microsoft.com/office/powerpoint/2010/main" val="2214250202"/>
       </p:ext>
     </p:extLst>
   </p:cSld>
@@ -1753,23 +959,21 @@
           <a:p>
             <a:r>
               <a:rPr lang="de-CH" dirty="0"/>
-              <a:t>Danke </a:t>
+              <a:t>VM erwähnen: Ubuntu Server</a:t>
+            </a:r>
+          </a:p>
+          <a:p>
+            <a:r>
+              <a:rPr lang="de-CH" dirty="0"/>
+              <a:t>Apache Webserver als Reverse </a:t>
             </a:r>
             <a:r>
               <a:rPr lang="de-CH" dirty="0" err="1"/>
-              <a:t>vilmol</a:t>
+              <a:t>proxy</a:t>
             </a:r>
             <a:r>
               <a:rPr lang="de-CH" dirty="0"/>
-              <a:t> für </a:t>
-            </a:r>
-            <a:r>
-              <a:rPr lang="de-CH" dirty="0" err="1"/>
-              <a:t>eui</a:t>
-            </a:r>
-            <a:r>
-              <a:rPr lang="de-CH" dirty="0"/>
-              <a:t> Aufmerksamkeit und viel Spass beim Stöbere!</a:t>
+              <a:t> (bis hier https)</a:t>
             </a:r>
           </a:p>
         </p:txBody>
@@ -1800,7 +1004,427 @@
     </p:spTree>
     <p:extLst>
       <p:ext uri="{BB962C8B-B14F-4D97-AF65-F5344CB8AC3E}">
-        <p14:creationId xmlns:p14="http://schemas.microsoft.com/office/powerpoint/2010/main" val="3497989597"/>
+        <p14:creationId xmlns:p14="http://schemas.microsoft.com/office/powerpoint/2010/main" val="191206889"/>
+      </p:ext>
+    </p:extLst>
+  </p:cSld>
+  <p:clrMapOvr>
+    <a:masterClrMapping/>
+  </p:clrMapOvr>
+</p:notes>
+</file>
+
+<file path=ppt/notesSlides/notesSlide15.xml><?xml version="1.0" encoding="utf-8"?>
+<p:notes xmlns:a="http://schemas.openxmlformats.org/drawingml/2006/main" xmlns:r="http://schemas.openxmlformats.org/officeDocument/2006/relationships" xmlns:p="http://schemas.openxmlformats.org/presentationml/2006/main">
+  <p:cSld>
+    <p:spTree>
+      <p:nvGrpSpPr>
+        <p:cNvPr id="1" name=""/>
+        <p:cNvGrpSpPr/>
+        <p:nvPr/>
+      </p:nvGrpSpPr>
+      <p:grpSpPr>
+        <a:xfrm>
+          <a:off x="0" y="0"/>
+          <a:ext cx="0" cy="0"/>
+          <a:chOff x="0" y="0"/>
+          <a:chExt cx="0" cy="0"/>
+        </a:xfrm>
+      </p:grpSpPr>
+      <p:sp>
+        <p:nvSpPr>
+          <p:cNvPr id="2" name="Folienbildplatzhalter 1"/>
+          <p:cNvSpPr>
+            <a:spLocks noGrp="1" noRot="1" noChangeAspect="1"/>
+          </p:cNvSpPr>
+          <p:nvPr>
+            <p:ph type="sldImg"/>
+          </p:nvPr>
+        </p:nvSpPr>
+        <p:spPr/>
+      </p:sp>
+      <p:sp>
+        <p:nvSpPr>
+          <p:cNvPr id="3" name="Notizenplatzhalter 2"/>
+          <p:cNvSpPr>
+            <a:spLocks noGrp="1"/>
+          </p:cNvSpPr>
+          <p:nvPr>
+            <p:ph type="body" idx="1"/>
+          </p:nvPr>
+        </p:nvSpPr>
+        <p:spPr/>
+        <p:txBody>
+          <a:bodyPr/>
+          <a:lstStyle/>
+          <a:p>
+            <a:endParaRPr lang="de-CH" dirty="0"/>
+          </a:p>
+        </p:txBody>
+      </p:sp>
+      <p:sp>
+        <p:nvSpPr>
+          <p:cNvPr id="4" name="Foliennummernplatzhalter 3"/>
+          <p:cNvSpPr>
+            <a:spLocks noGrp="1"/>
+          </p:cNvSpPr>
+          <p:nvPr>
+            <p:ph type="sldNum" sz="quarter" idx="5"/>
+          </p:nvPr>
+        </p:nvSpPr>
+        <p:spPr/>
+        <p:txBody>
+          <a:bodyPr/>
+          <a:lstStyle/>
+          <a:p>
+            <a:fld id="{35DABC87-BC72-469E-95B0-B653EAAE8441}" type="slidenum">
+              <a:rPr lang="de-CH" smtClean="0"/>
+              <a:t>15</a:t>
+            </a:fld>
+            <a:endParaRPr lang="de-CH"/>
+          </a:p>
+        </p:txBody>
+      </p:sp>
+    </p:spTree>
+    <p:extLst>
+      <p:ext uri="{BB962C8B-B14F-4D97-AF65-F5344CB8AC3E}">
+        <p14:creationId xmlns:p14="http://schemas.microsoft.com/office/powerpoint/2010/main" val="2267080631"/>
+      </p:ext>
+    </p:extLst>
+  </p:cSld>
+  <p:clrMapOvr>
+    <a:masterClrMapping/>
+  </p:clrMapOvr>
+</p:notes>
+</file>
+
+<file path=ppt/notesSlides/notesSlide16.xml><?xml version="1.0" encoding="utf-8"?>
+<p:notes xmlns:a="http://schemas.openxmlformats.org/drawingml/2006/main" xmlns:r="http://schemas.openxmlformats.org/officeDocument/2006/relationships" xmlns:p="http://schemas.openxmlformats.org/presentationml/2006/main">
+  <p:cSld>
+    <p:spTree>
+      <p:nvGrpSpPr>
+        <p:cNvPr id="1" name=""/>
+        <p:cNvGrpSpPr/>
+        <p:nvPr/>
+      </p:nvGrpSpPr>
+      <p:grpSpPr>
+        <a:xfrm>
+          <a:off x="0" y="0"/>
+          <a:ext cx="0" cy="0"/>
+          <a:chOff x="0" y="0"/>
+          <a:chExt cx="0" cy="0"/>
+        </a:xfrm>
+      </p:grpSpPr>
+      <p:sp>
+        <p:nvSpPr>
+          <p:cNvPr id="2" name="Folienbildplatzhalter 1"/>
+          <p:cNvSpPr>
+            <a:spLocks noGrp="1" noRot="1" noChangeAspect="1"/>
+          </p:cNvSpPr>
+          <p:nvPr>
+            <p:ph type="sldImg"/>
+          </p:nvPr>
+        </p:nvSpPr>
+        <p:spPr/>
+      </p:sp>
+      <p:sp>
+        <p:nvSpPr>
+          <p:cNvPr id="3" name="Notizenplatzhalter 2"/>
+          <p:cNvSpPr>
+            <a:spLocks noGrp="1"/>
+          </p:cNvSpPr>
+          <p:nvPr>
+            <p:ph type="body" idx="1"/>
+          </p:nvPr>
+        </p:nvSpPr>
+        <p:spPr/>
+        <p:txBody>
+          <a:bodyPr/>
+          <a:lstStyle/>
+          <a:p>
+            <a:endParaRPr lang="de-CH" dirty="0"/>
+          </a:p>
+        </p:txBody>
+      </p:sp>
+      <p:sp>
+        <p:nvSpPr>
+          <p:cNvPr id="4" name="Foliennummernplatzhalter 3"/>
+          <p:cNvSpPr>
+            <a:spLocks noGrp="1"/>
+          </p:cNvSpPr>
+          <p:nvPr>
+            <p:ph type="sldNum" sz="quarter" idx="5"/>
+          </p:nvPr>
+        </p:nvSpPr>
+        <p:spPr/>
+        <p:txBody>
+          <a:bodyPr/>
+          <a:lstStyle/>
+          <a:p>
+            <a:fld id="{35DABC87-BC72-469E-95B0-B653EAAE8441}" type="slidenum">
+              <a:rPr lang="de-CH" smtClean="0"/>
+              <a:t>16</a:t>
+            </a:fld>
+            <a:endParaRPr lang="de-CH"/>
+          </a:p>
+        </p:txBody>
+      </p:sp>
+    </p:spTree>
+    <p:extLst>
+      <p:ext uri="{BB962C8B-B14F-4D97-AF65-F5344CB8AC3E}">
+        <p14:creationId xmlns:p14="http://schemas.microsoft.com/office/powerpoint/2010/main" val="65596365"/>
+      </p:ext>
+    </p:extLst>
+  </p:cSld>
+  <p:clrMapOvr>
+    <a:masterClrMapping/>
+  </p:clrMapOvr>
+</p:notes>
+</file>
+
+<file path=ppt/notesSlides/notesSlide17.xml><?xml version="1.0" encoding="utf-8"?>
+<p:notes xmlns:a="http://schemas.openxmlformats.org/drawingml/2006/main" xmlns:r="http://schemas.openxmlformats.org/officeDocument/2006/relationships" xmlns:p="http://schemas.openxmlformats.org/presentationml/2006/main">
+  <p:cSld>
+    <p:spTree>
+      <p:nvGrpSpPr>
+        <p:cNvPr id="1" name=""/>
+        <p:cNvGrpSpPr/>
+        <p:nvPr/>
+      </p:nvGrpSpPr>
+      <p:grpSpPr>
+        <a:xfrm>
+          <a:off x="0" y="0"/>
+          <a:ext cx="0" cy="0"/>
+          <a:chOff x="0" y="0"/>
+          <a:chExt cx="0" cy="0"/>
+        </a:xfrm>
+      </p:grpSpPr>
+      <p:sp>
+        <p:nvSpPr>
+          <p:cNvPr id="2" name="Folienbildplatzhalter 1"/>
+          <p:cNvSpPr>
+            <a:spLocks noGrp="1" noRot="1" noChangeAspect="1"/>
+          </p:cNvSpPr>
+          <p:nvPr>
+            <p:ph type="sldImg"/>
+          </p:nvPr>
+        </p:nvSpPr>
+        <p:spPr/>
+      </p:sp>
+      <p:sp>
+        <p:nvSpPr>
+          <p:cNvPr id="3" name="Notizenplatzhalter 2"/>
+          <p:cNvSpPr>
+            <a:spLocks noGrp="1"/>
+          </p:cNvSpPr>
+          <p:nvPr>
+            <p:ph type="body" idx="1"/>
+          </p:nvPr>
+        </p:nvSpPr>
+        <p:spPr/>
+        <p:txBody>
+          <a:bodyPr/>
+          <a:lstStyle/>
+          <a:p>
+            <a:endParaRPr lang="de-CH" dirty="0"/>
+          </a:p>
+        </p:txBody>
+      </p:sp>
+      <p:sp>
+        <p:nvSpPr>
+          <p:cNvPr id="4" name="Foliennummernplatzhalter 3"/>
+          <p:cNvSpPr>
+            <a:spLocks noGrp="1"/>
+          </p:cNvSpPr>
+          <p:nvPr>
+            <p:ph type="sldNum" sz="quarter" idx="5"/>
+          </p:nvPr>
+        </p:nvSpPr>
+        <p:spPr/>
+        <p:txBody>
+          <a:bodyPr/>
+          <a:lstStyle/>
+          <a:p>
+            <a:fld id="{35DABC87-BC72-469E-95B0-B653EAAE8441}" type="slidenum">
+              <a:rPr lang="de-CH" smtClean="0"/>
+              <a:t>17</a:t>
+            </a:fld>
+            <a:endParaRPr lang="de-CH"/>
+          </a:p>
+        </p:txBody>
+      </p:sp>
+    </p:spTree>
+    <p:extLst>
+      <p:ext uri="{BB962C8B-B14F-4D97-AF65-F5344CB8AC3E}">
+        <p14:creationId xmlns:p14="http://schemas.microsoft.com/office/powerpoint/2010/main" val="3496538189"/>
+      </p:ext>
+    </p:extLst>
+  </p:cSld>
+  <p:clrMapOvr>
+    <a:masterClrMapping/>
+  </p:clrMapOvr>
+</p:notes>
+</file>
+
+<file path=ppt/notesSlides/notesSlide18.xml><?xml version="1.0" encoding="utf-8"?>
+<p:notes xmlns:a="http://schemas.openxmlformats.org/drawingml/2006/main" xmlns:r="http://schemas.openxmlformats.org/officeDocument/2006/relationships" xmlns:p="http://schemas.openxmlformats.org/presentationml/2006/main">
+  <p:cSld>
+    <p:spTree>
+      <p:nvGrpSpPr>
+        <p:cNvPr id="1" name=""/>
+        <p:cNvGrpSpPr/>
+        <p:nvPr/>
+      </p:nvGrpSpPr>
+      <p:grpSpPr>
+        <a:xfrm>
+          <a:off x="0" y="0"/>
+          <a:ext cx="0" cy="0"/>
+          <a:chOff x="0" y="0"/>
+          <a:chExt cx="0" cy="0"/>
+        </a:xfrm>
+      </p:grpSpPr>
+      <p:sp>
+        <p:nvSpPr>
+          <p:cNvPr id="2" name="Folienbildplatzhalter 1"/>
+          <p:cNvSpPr>
+            <a:spLocks noGrp="1" noRot="1" noChangeAspect="1"/>
+          </p:cNvSpPr>
+          <p:nvPr>
+            <p:ph type="sldImg"/>
+          </p:nvPr>
+        </p:nvSpPr>
+        <p:spPr/>
+      </p:sp>
+      <p:sp>
+        <p:nvSpPr>
+          <p:cNvPr id="3" name="Notizenplatzhalter 2"/>
+          <p:cNvSpPr>
+            <a:spLocks noGrp="1"/>
+          </p:cNvSpPr>
+          <p:nvPr>
+            <p:ph type="body" idx="1"/>
+          </p:nvPr>
+        </p:nvSpPr>
+        <p:spPr/>
+        <p:txBody>
+          <a:bodyPr/>
+          <a:lstStyle/>
+          <a:p>
+            <a:endParaRPr lang="de-CH" dirty="0"/>
+          </a:p>
+        </p:txBody>
+      </p:sp>
+      <p:sp>
+        <p:nvSpPr>
+          <p:cNvPr id="4" name="Foliennummernplatzhalter 3"/>
+          <p:cNvSpPr>
+            <a:spLocks noGrp="1"/>
+          </p:cNvSpPr>
+          <p:nvPr>
+            <p:ph type="sldNum" sz="quarter" idx="5"/>
+          </p:nvPr>
+        </p:nvSpPr>
+        <p:spPr/>
+        <p:txBody>
+          <a:bodyPr/>
+          <a:lstStyle/>
+          <a:p>
+            <a:fld id="{35DABC87-BC72-469E-95B0-B653EAAE8441}" type="slidenum">
+              <a:rPr lang="de-CH" smtClean="0"/>
+              <a:t>18</a:t>
+            </a:fld>
+            <a:endParaRPr lang="de-CH"/>
+          </a:p>
+        </p:txBody>
+      </p:sp>
+    </p:spTree>
+    <p:extLst>
+      <p:ext uri="{BB962C8B-B14F-4D97-AF65-F5344CB8AC3E}">
+        <p14:creationId xmlns:p14="http://schemas.microsoft.com/office/powerpoint/2010/main" val="3094041841"/>
+      </p:ext>
+    </p:extLst>
+  </p:cSld>
+  <p:clrMapOvr>
+    <a:masterClrMapping/>
+  </p:clrMapOvr>
+</p:notes>
+</file>
+
+<file path=ppt/notesSlides/notesSlide19.xml><?xml version="1.0" encoding="utf-8"?>
+<p:notes xmlns:a="http://schemas.openxmlformats.org/drawingml/2006/main" xmlns:r="http://schemas.openxmlformats.org/officeDocument/2006/relationships" xmlns:p="http://schemas.openxmlformats.org/presentationml/2006/main">
+  <p:cSld>
+    <p:spTree>
+      <p:nvGrpSpPr>
+        <p:cNvPr id="1" name=""/>
+        <p:cNvGrpSpPr/>
+        <p:nvPr/>
+      </p:nvGrpSpPr>
+      <p:grpSpPr>
+        <a:xfrm>
+          <a:off x="0" y="0"/>
+          <a:ext cx="0" cy="0"/>
+          <a:chOff x="0" y="0"/>
+          <a:chExt cx="0" cy="0"/>
+        </a:xfrm>
+      </p:grpSpPr>
+      <p:sp>
+        <p:nvSpPr>
+          <p:cNvPr id="2" name="Folienbildplatzhalter 1"/>
+          <p:cNvSpPr>
+            <a:spLocks noGrp="1" noRot="1" noChangeAspect="1"/>
+          </p:cNvSpPr>
+          <p:nvPr>
+            <p:ph type="sldImg"/>
+          </p:nvPr>
+        </p:nvSpPr>
+        <p:spPr/>
+      </p:sp>
+      <p:sp>
+        <p:nvSpPr>
+          <p:cNvPr id="3" name="Notizenplatzhalter 2"/>
+          <p:cNvSpPr>
+            <a:spLocks noGrp="1"/>
+          </p:cNvSpPr>
+          <p:nvPr>
+            <p:ph type="body" idx="1"/>
+          </p:nvPr>
+        </p:nvSpPr>
+        <p:spPr/>
+        <p:txBody>
+          <a:bodyPr/>
+          <a:lstStyle/>
+          <a:p>
+            <a:endParaRPr lang="de-CH" dirty="0"/>
+          </a:p>
+        </p:txBody>
+      </p:sp>
+      <p:sp>
+        <p:nvSpPr>
+          <p:cNvPr id="4" name="Foliennummernplatzhalter 3"/>
+          <p:cNvSpPr>
+            <a:spLocks noGrp="1"/>
+          </p:cNvSpPr>
+          <p:nvPr>
+            <p:ph type="sldNum" sz="quarter" idx="5"/>
+          </p:nvPr>
+        </p:nvSpPr>
+        <p:spPr/>
+        <p:txBody>
+          <a:bodyPr/>
+          <a:lstStyle/>
+          <a:p>
+            <a:fld id="{35DABC87-BC72-469E-95B0-B653EAAE8441}" type="slidenum">
+              <a:rPr lang="de-CH" smtClean="0"/>
+              <a:t>19</a:t>
+            </a:fld>
+            <a:endParaRPr lang="de-CH"/>
+          </a:p>
+        </p:txBody>
+      </p:sp>
+    </p:spTree>
+    <p:extLst>
+      <p:ext uri="{BB962C8B-B14F-4D97-AF65-F5344CB8AC3E}">
+        <p14:creationId xmlns:p14="http://schemas.microsoft.com/office/powerpoint/2010/main" val="3486985728"/>
       </p:ext>
     </p:extLst>
   </p:cSld>
@@ -1854,205 +1478,11 @@
           <a:bodyPr/>
           <a:lstStyle/>
           <a:p>
-            <a:pPr marL="171450" indent="-171450">
-              <a:buFontTx/>
-              <a:buChar char="-"/>
-            </a:pPr>
-            <a:r>
-              <a:rPr lang="de-CH" dirty="0"/>
-              <a:t>Agenda vorstellen</a:t>
-            </a:r>
-          </a:p>
-          <a:p>
-            <a:pPr marL="171450" indent="-171450">
-              <a:buFontTx/>
-              <a:buChar char="-"/>
-            </a:pPr>
-            <a:endParaRPr lang="de-CH" dirty="0"/>
-          </a:p>
-          <a:p>
             <a:pPr marL="0" indent="0">
               <a:buFontTx/>
               <a:buNone/>
             </a:pPr>
-            <a:r>
-              <a:rPr lang="de-CH" dirty="0"/>
-              <a:t>Als </a:t>
-            </a:r>
-            <a:r>
-              <a:rPr lang="de-CH" dirty="0" err="1"/>
-              <a:t>Ersts</a:t>
-            </a:r>
-            <a:r>
-              <a:rPr lang="de-CH" dirty="0"/>
-              <a:t> </a:t>
-            </a:r>
-            <a:r>
-              <a:rPr lang="de-CH" dirty="0" err="1"/>
-              <a:t>startemer</a:t>
-            </a:r>
-            <a:r>
-              <a:rPr lang="de-CH" dirty="0"/>
-              <a:t> mit de Produktvorstellig und </a:t>
-            </a:r>
-            <a:r>
-              <a:rPr lang="de-CH" dirty="0" err="1"/>
-              <a:t>gönd</a:t>
-            </a:r>
-            <a:r>
-              <a:rPr lang="de-CH" dirty="0"/>
-              <a:t> denn </a:t>
-            </a:r>
-            <a:r>
-              <a:rPr lang="de-CH" dirty="0" err="1"/>
-              <a:t>uf</a:t>
-            </a:r>
-            <a:r>
-              <a:rPr lang="de-CH" dirty="0"/>
-              <a:t> </a:t>
-            </a:r>
-            <a:r>
-              <a:rPr lang="de-CH" dirty="0" err="1"/>
-              <a:t>üsi</a:t>
-            </a:r>
-            <a:r>
-              <a:rPr lang="de-CH" dirty="0"/>
-              <a:t> </a:t>
-            </a:r>
-            <a:r>
-              <a:rPr lang="de-CH" dirty="0" err="1"/>
-              <a:t>Herangehenswiis</a:t>
-            </a:r>
-            <a:r>
-              <a:rPr lang="de-CH" dirty="0"/>
-              <a:t> a das Projekt i.</a:t>
-            </a:r>
-          </a:p>
-          <a:p>
-            <a:pPr marL="0" indent="0">
-              <a:buFontTx/>
-              <a:buNone/>
-            </a:pPr>
-            <a:r>
-              <a:rPr lang="de-CH" dirty="0"/>
-              <a:t>Denn </a:t>
-            </a:r>
-            <a:r>
-              <a:rPr lang="de-CH" dirty="0" err="1"/>
-              <a:t>zeigemer</a:t>
-            </a:r>
-            <a:r>
-              <a:rPr lang="de-CH" dirty="0"/>
-              <a:t> d Designartefakt wo zum jetzige Stand erarbeitet sind. </a:t>
-            </a:r>
-          </a:p>
-          <a:p>
-            <a:pPr marL="0" indent="0">
-              <a:buFontTx/>
-              <a:buNone/>
-            </a:pPr>
-            <a:r>
-              <a:rPr lang="de-CH" dirty="0"/>
-              <a:t>Im </a:t>
-            </a:r>
-            <a:r>
-              <a:rPr lang="de-CH" dirty="0" err="1"/>
-              <a:t>wiitere</a:t>
-            </a:r>
-            <a:r>
-              <a:rPr lang="de-CH" dirty="0"/>
-              <a:t> </a:t>
-            </a:r>
-            <a:r>
-              <a:rPr lang="de-CH" dirty="0" err="1"/>
-              <a:t>erlüteret</a:t>
-            </a:r>
-            <a:r>
-              <a:rPr lang="de-CH" dirty="0"/>
-              <a:t> mir </a:t>
-            </a:r>
-            <a:r>
-              <a:rPr lang="de-CH" dirty="0" err="1"/>
-              <a:t>üsi</a:t>
-            </a:r>
-            <a:r>
-              <a:rPr lang="de-CH" dirty="0"/>
-              <a:t> bisher grösste </a:t>
-            </a:r>
-            <a:r>
-              <a:rPr lang="de-CH" dirty="0" err="1"/>
-              <a:t>Herusforderige</a:t>
-            </a:r>
-            <a:r>
-              <a:rPr lang="de-CH" dirty="0"/>
-              <a:t> bevor </a:t>
-            </a:r>
-            <a:r>
-              <a:rPr lang="de-CH" dirty="0" err="1"/>
-              <a:t>mer</a:t>
-            </a:r>
-            <a:r>
-              <a:rPr lang="de-CH" dirty="0"/>
-              <a:t> denn </a:t>
-            </a:r>
-            <a:r>
-              <a:rPr lang="de-CH" dirty="0" err="1"/>
-              <a:t>zude</a:t>
-            </a:r>
-            <a:r>
-              <a:rPr lang="de-CH" dirty="0"/>
-              <a:t> Demo </a:t>
-            </a:r>
-            <a:r>
-              <a:rPr lang="de-CH" dirty="0" err="1"/>
-              <a:t>vode</a:t>
-            </a:r>
-            <a:r>
-              <a:rPr lang="de-CH" dirty="0"/>
-              <a:t> Applikation wechselt.</a:t>
-            </a:r>
-          </a:p>
-          <a:p>
-            <a:pPr marL="0" indent="0">
-              <a:buFontTx/>
-              <a:buNone/>
-            </a:pPr>
-            <a:r>
-              <a:rPr lang="de-CH" dirty="0"/>
-              <a:t>Zum Schluss </a:t>
-            </a:r>
-            <a:r>
-              <a:rPr lang="de-CH" dirty="0" err="1"/>
-              <a:t>no</a:t>
-            </a:r>
-            <a:r>
-              <a:rPr lang="de-CH" dirty="0"/>
-              <a:t> en </a:t>
-            </a:r>
-            <a:r>
-              <a:rPr lang="de-CH" dirty="0" err="1"/>
-              <a:t>Usblick</a:t>
-            </a:r>
-            <a:r>
-              <a:rPr lang="de-CH" dirty="0"/>
-              <a:t> </a:t>
-            </a:r>
-            <a:r>
-              <a:rPr lang="de-CH" dirty="0" err="1"/>
-              <a:t>uf</a:t>
-            </a:r>
-            <a:r>
-              <a:rPr lang="de-CH" dirty="0"/>
-              <a:t> di wichtigste </a:t>
-            </a:r>
-            <a:r>
-              <a:rPr lang="de-CH" dirty="0" err="1"/>
-              <a:t>nächschte</a:t>
-            </a:r>
-            <a:r>
-              <a:rPr lang="de-CH" dirty="0"/>
-              <a:t> Schritt.</a:t>
-            </a:r>
+            <a:endParaRPr lang="de-CH" dirty="0"/>
           </a:p>
         </p:txBody>
       </p:sp>
@@ -2083,6 +1513,258 @@
     <p:extLst>
       <p:ext uri="{BB962C8B-B14F-4D97-AF65-F5344CB8AC3E}">
         <p14:creationId xmlns:p14="http://schemas.microsoft.com/office/powerpoint/2010/main" val="1293692487"/>
+      </p:ext>
+    </p:extLst>
+  </p:cSld>
+  <p:clrMapOvr>
+    <a:masterClrMapping/>
+  </p:clrMapOvr>
+</p:notes>
+</file>
+
+<file path=ppt/notesSlides/notesSlide20.xml><?xml version="1.0" encoding="utf-8"?>
+<p:notes xmlns:a="http://schemas.openxmlformats.org/drawingml/2006/main" xmlns:r="http://schemas.openxmlformats.org/officeDocument/2006/relationships" xmlns:p="http://schemas.openxmlformats.org/presentationml/2006/main">
+  <p:cSld>
+    <p:spTree>
+      <p:nvGrpSpPr>
+        <p:cNvPr id="1" name=""/>
+        <p:cNvGrpSpPr/>
+        <p:nvPr/>
+      </p:nvGrpSpPr>
+      <p:grpSpPr>
+        <a:xfrm>
+          <a:off x="0" y="0"/>
+          <a:ext cx="0" cy="0"/>
+          <a:chOff x="0" y="0"/>
+          <a:chExt cx="0" cy="0"/>
+        </a:xfrm>
+      </p:grpSpPr>
+      <p:sp>
+        <p:nvSpPr>
+          <p:cNvPr id="2" name="Folienbildplatzhalter 1"/>
+          <p:cNvSpPr>
+            <a:spLocks noGrp="1" noRot="1" noChangeAspect="1"/>
+          </p:cNvSpPr>
+          <p:nvPr>
+            <p:ph type="sldImg"/>
+          </p:nvPr>
+        </p:nvSpPr>
+        <p:spPr/>
+      </p:sp>
+      <p:sp>
+        <p:nvSpPr>
+          <p:cNvPr id="3" name="Notizenplatzhalter 2"/>
+          <p:cNvSpPr>
+            <a:spLocks noGrp="1"/>
+          </p:cNvSpPr>
+          <p:nvPr>
+            <p:ph type="body" idx="1"/>
+          </p:nvPr>
+        </p:nvSpPr>
+        <p:spPr/>
+        <p:txBody>
+          <a:bodyPr/>
+          <a:lstStyle/>
+          <a:p>
+            <a:endParaRPr lang="de-CH" dirty="0"/>
+          </a:p>
+        </p:txBody>
+      </p:sp>
+      <p:sp>
+        <p:nvSpPr>
+          <p:cNvPr id="4" name="Foliennummernplatzhalter 3"/>
+          <p:cNvSpPr>
+            <a:spLocks noGrp="1"/>
+          </p:cNvSpPr>
+          <p:nvPr>
+            <p:ph type="sldNum" sz="quarter" idx="5"/>
+          </p:nvPr>
+        </p:nvSpPr>
+        <p:spPr/>
+        <p:txBody>
+          <a:bodyPr/>
+          <a:lstStyle/>
+          <a:p>
+            <a:fld id="{35DABC87-BC72-469E-95B0-B653EAAE8441}" type="slidenum">
+              <a:rPr lang="de-CH" smtClean="0"/>
+              <a:t>20</a:t>
+            </a:fld>
+            <a:endParaRPr lang="de-CH"/>
+          </a:p>
+        </p:txBody>
+      </p:sp>
+    </p:spTree>
+    <p:extLst>
+      <p:ext uri="{BB962C8B-B14F-4D97-AF65-F5344CB8AC3E}">
+        <p14:creationId xmlns:p14="http://schemas.microsoft.com/office/powerpoint/2010/main" val="3457144575"/>
+      </p:ext>
+    </p:extLst>
+  </p:cSld>
+  <p:clrMapOvr>
+    <a:masterClrMapping/>
+  </p:clrMapOvr>
+</p:notes>
+</file>
+
+<file path=ppt/notesSlides/notesSlide21.xml><?xml version="1.0" encoding="utf-8"?>
+<p:notes xmlns:a="http://schemas.openxmlformats.org/drawingml/2006/main" xmlns:r="http://schemas.openxmlformats.org/officeDocument/2006/relationships" xmlns:p="http://schemas.openxmlformats.org/presentationml/2006/main">
+  <p:cSld>
+    <p:spTree>
+      <p:nvGrpSpPr>
+        <p:cNvPr id="1" name=""/>
+        <p:cNvGrpSpPr/>
+        <p:nvPr/>
+      </p:nvGrpSpPr>
+      <p:grpSpPr>
+        <a:xfrm>
+          <a:off x="0" y="0"/>
+          <a:ext cx="0" cy="0"/>
+          <a:chOff x="0" y="0"/>
+          <a:chExt cx="0" cy="0"/>
+        </a:xfrm>
+      </p:grpSpPr>
+      <p:sp>
+        <p:nvSpPr>
+          <p:cNvPr id="2" name="Folienbildplatzhalter 1"/>
+          <p:cNvSpPr>
+            <a:spLocks noGrp="1" noRot="1" noChangeAspect="1"/>
+          </p:cNvSpPr>
+          <p:nvPr>
+            <p:ph type="sldImg"/>
+          </p:nvPr>
+        </p:nvSpPr>
+        <p:spPr/>
+      </p:sp>
+      <p:sp>
+        <p:nvSpPr>
+          <p:cNvPr id="3" name="Notizenplatzhalter 2"/>
+          <p:cNvSpPr>
+            <a:spLocks noGrp="1"/>
+          </p:cNvSpPr>
+          <p:nvPr>
+            <p:ph type="body" idx="1"/>
+          </p:nvPr>
+        </p:nvSpPr>
+        <p:spPr/>
+        <p:txBody>
+          <a:bodyPr/>
+          <a:lstStyle/>
+          <a:p>
+            <a:endParaRPr lang="de-CH" dirty="0"/>
+          </a:p>
+        </p:txBody>
+      </p:sp>
+      <p:sp>
+        <p:nvSpPr>
+          <p:cNvPr id="4" name="Foliennummernplatzhalter 3"/>
+          <p:cNvSpPr>
+            <a:spLocks noGrp="1"/>
+          </p:cNvSpPr>
+          <p:nvPr>
+            <p:ph type="sldNum" sz="quarter" idx="5"/>
+          </p:nvPr>
+        </p:nvSpPr>
+        <p:spPr/>
+        <p:txBody>
+          <a:bodyPr/>
+          <a:lstStyle/>
+          <a:p>
+            <a:fld id="{35DABC87-BC72-469E-95B0-B653EAAE8441}" type="slidenum">
+              <a:rPr lang="de-CH" smtClean="0"/>
+              <a:t>21</a:t>
+            </a:fld>
+            <a:endParaRPr lang="de-CH"/>
+          </a:p>
+        </p:txBody>
+      </p:sp>
+    </p:spTree>
+    <p:extLst>
+      <p:ext uri="{BB962C8B-B14F-4D97-AF65-F5344CB8AC3E}">
+        <p14:creationId xmlns:p14="http://schemas.microsoft.com/office/powerpoint/2010/main" val="3989377929"/>
+      </p:ext>
+    </p:extLst>
+  </p:cSld>
+  <p:clrMapOvr>
+    <a:masterClrMapping/>
+  </p:clrMapOvr>
+</p:notes>
+</file>
+
+<file path=ppt/notesSlides/notesSlide22.xml><?xml version="1.0" encoding="utf-8"?>
+<p:notes xmlns:a="http://schemas.openxmlformats.org/drawingml/2006/main" xmlns:r="http://schemas.openxmlformats.org/officeDocument/2006/relationships" xmlns:p="http://schemas.openxmlformats.org/presentationml/2006/main">
+  <p:cSld>
+    <p:spTree>
+      <p:nvGrpSpPr>
+        <p:cNvPr id="1" name=""/>
+        <p:cNvGrpSpPr/>
+        <p:nvPr/>
+      </p:nvGrpSpPr>
+      <p:grpSpPr>
+        <a:xfrm>
+          <a:off x="0" y="0"/>
+          <a:ext cx="0" cy="0"/>
+          <a:chOff x="0" y="0"/>
+          <a:chExt cx="0" cy="0"/>
+        </a:xfrm>
+      </p:grpSpPr>
+      <p:sp>
+        <p:nvSpPr>
+          <p:cNvPr id="2" name="Folienbildplatzhalter 1"/>
+          <p:cNvSpPr>
+            <a:spLocks noGrp="1" noRot="1" noChangeAspect="1"/>
+          </p:cNvSpPr>
+          <p:nvPr>
+            <p:ph type="sldImg"/>
+          </p:nvPr>
+        </p:nvSpPr>
+        <p:spPr/>
+      </p:sp>
+      <p:sp>
+        <p:nvSpPr>
+          <p:cNvPr id="3" name="Notizenplatzhalter 2"/>
+          <p:cNvSpPr>
+            <a:spLocks noGrp="1"/>
+          </p:cNvSpPr>
+          <p:nvPr>
+            <p:ph type="body" idx="1"/>
+          </p:nvPr>
+        </p:nvSpPr>
+        <p:spPr/>
+        <p:txBody>
+          <a:bodyPr/>
+          <a:lstStyle/>
+          <a:p>
+            <a:endParaRPr lang="de-CH" dirty="0"/>
+          </a:p>
+        </p:txBody>
+      </p:sp>
+      <p:sp>
+        <p:nvSpPr>
+          <p:cNvPr id="4" name="Foliennummernplatzhalter 3"/>
+          <p:cNvSpPr>
+            <a:spLocks noGrp="1"/>
+          </p:cNvSpPr>
+          <p:nvPr>
+            <p:ph type="sldNum" sz="quarter" idx="5"/>
+          </p:nvPr>
+        </p:nvSpPr>
+        <p:spPr/>
+        <p:txBody>
+          <a:bodyPr/>
+          <a:lstStyle/>
+          <a:p>
+            <a:fld id="{35DABC87-BC72-469E-95B0-B653EAAE8441}" type="slidenum">
+              <a:rPr lang="de-CH" smtClean="0"/>
+              <a:t>22</a:t>
+            </a:fld>
+            <a:endParaRPr lang="de-CH"/>
+          </a:p>
+        </p:txBody>
+      </p:sp>
+    </p:spTree>
+    <p:extLst>
+      <p:ext uri="{BB962C8B-B14F-4D97-AF65-F5344CB8AC3E}">
+        <p14:creationId xmlns:p14="http://schemas.microsoft.com/office/powerpoint/2010/main" val="3497989597"/>
       </p:ext>
     </p:extLst>
   </p:cSld>
@@ -2136,244 +1818,7 @@
           <a:bodyPr/>
           <a:lstStyle/>
           <a:p>
-            <a:r>
-              <a:rPr lang="de-CH" dirty="0"/>
-              <a:t>Für de Walking Skeleton </a:t>
-            </a:r>
-            <a:r>
-              <a:rPr lang="de-CH" dirty="0" err="1"/>
-              <a:t>isch</a:t>
-            </a:r>
-            <a:r>
-              <a:rPr lang="de-CH" dirty="0"/>
-              <a:t> de Fokus klar </a:t>
-            </a:r>
-            <a:r>
-              <a:rPr lang="de-CH" dirty="0" err="1"/>
-              <a:t>uf</a:t>
-            </a:r>
-            <a:r>
-              <a:rPr lang="de-CH" dirty="0"/>
-              <a:t> de Funktionalität und de Verifikation vom Design </a:t>
-            </a:r>
-            <a:r>
-              <a:rPr lang="de-CH" dirty="0" err="1"/>
-              <a:t>glege</a:t>
-            </a:r>
-            <a:r>
-              <a:rPr lang="de-CH" dirty="0"/>
-              <a:t>. Drum </a:t>
-            </a:r>
-            <a:r>
-              <a:rPr lang="de-CH" dirty="0" err="1"/>
-              <a:t>söll</a:t>
-            </a:r>
-            <a:r>
-              <a:rPr lang="de-CH" dirty="0"/>
-              <a:t> jetzt </a:t>
-            </a:r>
-            <a:r>
-              <a:rPr lang="de-CH" dirty="0" err="1"/>
-              <a:t>zeitnöch</a:t>
-            </a:r>
-            <a:r>
-              <a:rPr lang="de-CH" dirty="0"/>
-              <a:t> d Dokumentation ergänzt werde.</a:t>
-            </a:r>
-          </a:p>
-          <a:p>
-            <a:r>
-              <a:rPr lang="de-CH" dirty="0"/>
-              <a:t>Im gliche Zug </a:t>
-            </a:r>
-            <a:r>
-              <a:rPr lang="de-CH" dirty="0" err="1"/>
-              <a:t>söll</a:t>
-            </a:r>
-            <a:r>
-              <a:rPr lang="de-CH" dirty="0"/>
-              <a:t> au d Implementation </a:t>
-            </a:r>
-            <a:r>
-              <a:rPr lang="de-CH" dirty="0" err="1"/>
-              <a:t>nomol</a:t>
-            </a:r>
-            <a:r>
-              <a:rPr lang="de-CH" dirty="0"/>
-              <a:t> </a:t>
-            </a:r>
-            <a:r>
-              <a:rPr lang="de-CH" dirty="0" err="1"/>
-              <a:t>greviewt</a:t>
-            </a:r>
-            <a:r>
-              <a:rPr lang="de-CH" dirty="0"/>
-              <a:t> werde.</a:t>
-            </a:r>
-          </a:p>
-          <a:p>
             <a:endParaRPr lang="de-CH" dirty="0"/>
-          </a:p>
-          <a:p>
-            <a:r>
-              <a:rPr lang="de-CH" dirty="0"/>
-              <a:t>Weiter </a:t>
-            </a:r>
-            <a:r>
-              <a:rPr lang="de-CH" dirty="0" err="1"/>
-              <a:t>söll</a:t>
-            </a:r>
-            <a:r>
-              <a:rPr lang="de-CH" dirty="0"/>
-              <a:t> de </a:t>
-            </a:r>
-            <a:r>
-              <a:rPr lang="de-CH" dirty="0" err="1"/>
-              <a:t>Zuegriff</a:t>
-            </a:r>
-            <a:r>
-              <a:rPr lang="de-CH" dirty="0"/>
-              <a:t> </a:t>
-            </a:r>
-            <a:r>
-              <a:rPr lang="de-CH" dirty="0" err="1"/>
-              <a:t>uf</a:t>
-            </a:r>
-            <a:r>
-              <a:rPr lang="de-CH" dirty="0"/>
-              <a:t> d Applikation </a:t>
-            </a:r>
-            <a:r>
-              <a:rPr lang="de-CH" dirty="0" err="1"/>
-              <a:t>uf</a:t>
-            </a:r>
-            <a:r>
-              <a:rPr lang="de-CH" dirty="0"/>
-              <a:t> https </a:t>
-            </a:r>
-            <a:r>
-              <a:rPr lang="de-CH" dirty="0" err="1"/>
-              <a:t>umgstellt</a:t>
-            </a:r>
-            <a:r>
-              <a:rPr lang="de-CH" dirty="0"/>
-              <a:t> und mittels User-Login </a:t>
-            </a:r>
-            <a:r>
-              <a:rPr lang="de-CH" dirty="0" err="1"/>
-              <a:t>gschützt</a:t>
-            </a:r>
-            <a:r>
-              <a:rPr lang="de-CH" dirty="0"/>
-              <a:t> werde.</a:t>
-            </a:r>
-          </a:p>
-          <a:p>
-            <a:endParaRPr lang="de-CH" dirty="0"/>
-          </a:p>
-          <a:p>
-            <a:r>
-              <a:rPr lang="de-CH" dirty="0"/>
-              <a:t>D </a:t>
-            </a:r>
-            <a:r>
-              <a:rPr lang="de-CH" dirty="0" err="1"/>
-              <a:t>Automatisierigs</a:t>
-            </a:r>
-            <a:r>
-              <a:rPr lang="de-CH" dirty="0"/>
-              <a:t>-Pipeline </a:t>
-            </a:r>
-            <a:r>
-              <a:rPr lang="de-CH" dirty="0" err="1"/>
-              <a:t>söll</a:t>
-            </a:r>
-            <a:r>
-              <a:rPr lang="de-CH" dirty="0"/>
-              <a:t> au </a:t>
-            </a:r>
-            <a:r>
-              <a:rPr lang="de-CH" dirty="0" err="1"/>
-              <a:t>ufs</a:t>
-            </a:r>
-            <a:r>
-              <a:rPr lang="de-CH" dirty="0"/>
-              <a:t> Backend </a:t>
-            </a:r>
-            <a:r>
-              <a:rPr lang="de-CH" dirty="0" err="1"/>
-              <a:t>usgwitet</a:t>
-            </a:r>
-            <a:r>
-              <a:rPr lang="de-CH" dirty="0"/>
-              <a:t>  und um s automatisierte </a:t>
-            </a:r>
-            <a:r>
-              <a:rPr lang="de-CH" dirty="0" err="1"/>
-              <a:t>Deployment</a:t>
-            </a:r>
-            <a:r>
-              <a:rPr lang="de-CH" dirty="0"/>
-              <a:t> </a:t>
-            </a:r>
-            <a:r>
-              <a:rPr lang="de-CH" dirty="0" err="1"/>
-              <a:t>erwiteret</a:t>
-            </a:r>
-            <a:r>
-              <a:rPr lang="de-CH" dirty="0"/>
-              <a:t> werde.</a:t>
-            </a:r>
-          </a:p>
-          <a:p>
-            <a:endParaRPr lang="de-CH" dirty="0"/>
-          </a:p>
-          <a:p>
-            <a:endParaRPr lang="de-CH" dirty="0"/>
-          </a:p>
-          <a:p>
-            <a:endParaRPr lang="de-CH" dirty="0"/>
-          </a:p>
-          <a:p>
-            <a:r>
-              <a:rPr lang="de-CH" dirty="0"/>
-              <a:t>Notizen:</a:t>
-            </a:r>
-          </a:p>
-          <a:p>
-            <a:endParaRPr lang="de-CH" dirty="0"/>
-          </a:p>
-          <a:p>
-            <a:r>
-              <a:rPr lang="de-CH" dirty="0"/>
-              <a:t>Code-Doku: Walking Skeleton war Fokus auf Funktionalität und Verifikation, deshalb soll zeitnah die Dokumentation ergänzt werden. Im gleichen Zug soll die Implementation nochmals reviewt werden.</a:t>
-            </a:r>
-          </a:p>
-          <a:p>
-            <a:endParaRPr lang="de-CH" dirty="0"/>
-          </a:p>
-          <a:p>
-            <a:r>
-              <a:rPr lang="de-CH" dirty="0"/>
-              <a:t>Zugriff auf die Applikation soll auf https umgestellt und mittels User-Login geschützt werden.</a:t>
-            </a:r>
-          </a:p>
-          <a:p>
-            <a:endParaRPr lang="de-CH" dirty="0"/>
-          </a:p>
-          <a:p>
-            <a:r>
-              <a:rPr lang="de-CH" dirty="0"/>
-              <a:t>Die Automatisierungs-Pipeline soll auf das Backend ausgeweitet und um das </a:t>
-            </a:r>
-            <a:r>
-              <a:rPr lang="de-CH" dirty="0" err="1"/>
-              <a:t>Deployment</a:t>
-            </a:r>
-            <a:r>
-              <a:rPr lang="de-CH" dirty="0"/>
-              <a:t> erweitert werden.</a:t>
-            </a:r>
           </a:p>
         </p:txBody>
       </p:sp>
@@ -2459,242 +1904,66 @@
           <a:p>
             <a:r>
               <a:rPr lang="de-CH" dirty="0"/>
-              <a:t>Für de Walking Skeleton </a:t>
-            </a:r>
+              <a:t>Ablauf:</a:t>
+            </a:r>
+          </a:p>
+          <a:p>
+            <a:r>
+              <a:rPr lang="de-CH" dirty="0"/>
+              <a:t>Einleitung Fragestellung (Verteilte Rezepte)</a:t>
+            </a:r>
+          </a:p>
+          <a:p>
+            <a:r>
+              <a:rPr lang="de-CH" dirty="0"/>
+              <a:t>Danach Produkt/Projekt</a:t>
+            </a:r>
+          </a:p>
+          <a:p>
+            <a:endParaRPr lang="de-CH" dirty="0"/>
+          </a:p>
+          <a:p>
+            <a:r>
+              <a:rPr lang="de-CH" dirty="0"/>
+              <a:t>Vollumfängliche Applikationsentwicklung:</a:t>
+            </a:r>
+          </a:p>
+          <a:p>
+            <a:pPr marL="171450" indent="-171450">
+              <a:buFontTx/>
+              <a:buChar char="-"/>
+            </a:pPr>
             <a:r>
               <a:rPr lang="de-CH" dirty="0" err="1"/>
-              <a:t>isch</a:t>
+              <a:t>Requirements</a:t>
             </a:r>
             <a:r>
               <a:rPr lang="de-CH" dirty="0"/>
-              <a:t> de Fokus klar </a:t>
-            </a:r>
-            <a:r>
-              <a:rPr lang="de-CH" dirty="0" err="1"/>
-              <a:t>uf</a:t>
-            </a:r>
+              <a:t> Engineering</a:t>
+            </a:r>
+          </a:p>
+          <a:p>
+            <a:pPr marL="171450" indent="-171450">
+              <a:buFontTx/>
+              <a:buChar char="-"/>
+            </a:pPr>
             <a:r>
               <a:rPr lang="de-CH" dirty="0"/>
-              <a:t> de Funktionalität und de Verifikation vom Design </a:t>
-            </a:r>
-            <a:r>
-              <a:rPr lang="de-CH" dirty="0" err="1"/>
-              <a:t>glege</a:t>
-            </a:r>
+              <a:t>Analyse und Design</a:t>
+            </a:r>
+          </a:p>
+          <a:p>
+            <a:pPr marL="171450" indent="-171450">
+              <a:buFontTx/>
+              <a:buChar char="-"/>
+            </a:pPr>
             <a:r>
               <a:rPr lang="de-CH" dirty="0"/>
-              <a:t>. Drum </a:t>
-            </a:r>
-            <a:r>
-              <a:rPr lang="de-CH" dirty="0" err="1"/>
-              <a:t>söll</a:t>
-            </a:r>
-            <a:r>
-              <a:rPr lang="de-CH" dirty="0"/>
-              <a:t> jetzt </a:t>
-            </a:r>
-            <a:r>
-              <a:rPr lang="de-CH" dirty="0" err="1"/>
-              <a:t>zeitnöch</a:t>
-            </a:r>
-            <a:r>
-              <a:rPr lang="de-CH" dirty="0"/>
-              <a:t> d Dokumentation ergänzt werde.</a:t>
-            </a:r>
-          </a:p>
-          <a:p>
-            <a:r>
-              <a:rPr lang="de-CH" dirty="0"/>
-              <a:t>Im gliche Zug </a:t>
-            </a:r>
-            <a:r>
-              <a:rPr lang="de-CH" dirty="0" err="1"/>
-              <a:t>söll</a:t>
-            </a:r>
-            <a:r>
-              <a:rPr lang="de-CH" dirty="0"/>
-              <a:t> au d Implementation </a:t>
-            </a:r>
-            <a:r>
-              <a:rPr lang="de-CH" dirty="0" err="1"/>
-              <a:t>nomol</a:t>
-            </a:r>
-            <a:r>
-              <a:rPr lang="de-CH" dirty="0"/>
-              <a:t> </a:t>
-            </a:r>
-            <a:r>
-              <a:rPr lang="de-CH" dirty="0" err="1"/>
-              <a:t>greviewt</a:t>
-            </a:r>
-            <a:r>
-              <a:rPr lang="de-CH" dirty="0"/>
-              <a:t> werde.</a:t>
+              <a:t>Implementation und Tests</a:t>
             </a:r>
           </a:p>
           <a:p>
             <a:endParaRPr lang="de-CH" dirty="0"/>
-          </a:p>
-          <a:p>
-            <a:r>
-              <a:rPr lang="de-CH" dirty="0"/>
-              <a:t>Weiter </a:t>
-            </a:r>
-            <a:r>
-              <a:rPr lang="de-CH" dirty="0" err="1"/>
-              <a:t>söll</a:t>
-            </a:r>
-            <a:r>
-              <a:rPr lang="de-CH" dirty="0"/>
-              <a:t> de </a:t>
-            </a:r>
-            <a:r>
-              <a:rPr lang="de-CH" dirty="0" err="1"/>
-              <a:t>Zuegriff</a:t>
-            </a:r>
-            <a:r>
-              <a:rPr lang="de-CH" dirty="0"/>
-              <a:t> </a:t>
-            </a:r>
-            <a:r>
-              <a:rPr lang="de-CH" dirty="0" err="1"/>
-              <a:t>uf</a:t>
-            </a:r>
-            <a:r>
-              <a:rPr lang="de-CH" dirty="0"/>
-              <a:t> d Applikation </a:t>
-            </a:r>
-            <a:r>
-              <a:rPr lang="de-CH" dirty="0" err="1"/>
-              <a:t>uf</a:t>
-            </a:r>
-            <a:r>
-              <a:rPr lang="de-CH" dirty="0"/>
-              <a:t> https </a:t>
-            </a:r>
-            <a:r>
-              <a:rPr lang="de-CH" dirty="0" err="1"/>
-              <a:t>umgstellt</a:t>
-            </a:r>
-            <a:r>
-              <a:rPr lang="de-CH" dirty="0"/>
-              <a:t> und mittels User-Login </a:t>
-            </a:r>
-            <a:r>
-              <a:rPr lang="de-CH" dirty="0" err="1"/>
-              <a:t>gschützt</a:t>
-            </a:r>
-            <a:r>
-              <a:rPr lang="de-CH" dirty="0"/>
-              <a:t> werde.</a:t>
-            </a:r>
-          </a:p>
-          <a:p>
-            <a:endParaRPr lang="de-CH" dirty="0"/>
-          </a:p>
-          <a:p>
-            <a:r>
-              <a:rPr lang="de-CH" dirty="0"/>
-              <a:t>D </a:t>
-            </a:r>
-            <a:r>
-              <a:rPr lang="de-CH" dirty="0" err="1"/>
-              <a:t>Automatisierigs</a:t>
-            </a:r>
-            <a:r>
-              <a:rPr lang="de-CH" dirty="0"/>
-              <a:t>-Pipeline </a:t>
-            </a:r>
-            <a:r>
-              <a:rPr lang="de-CH" dirty="0" err="1"/>
-              <a:t>söll</a:t>
-            </a:r>
-            <a:r>
-              <a:rPr lang="de-CH" dirty="0"/>
-              <a:t> au </a:t>
-            </a:r>
-            <a:r>
-              <a:rPr lang="de-CH" dirty="0" err="1"/>
-              <a:t>ufs</a:t>
-            </a:r>
-            <a:r>
-              <a:rPr lang="de-CH" dirty="0"/>
-              <a:t> Backend </a:t>
-            </a:r>
-            <a:r>
-              <a:rPr lang="de-CH" dirty="0" err="1"/>
-              <a:t>usgwitet</a:t>
-            </a:r>
-            <a:r>
-              <a:rPr lang="de-CH" dirty="0"/>
-              <a:t>  und um s automatisierte </a:t>
-            </a:r>
-            <a:r>
-              <a:rPr lang="de-CH" dirty="0" err="1"/>
-              <a:t>Deployment</a:t>
-            </a:r>
-            <a:r>
-              <a:rPr lang="de-CH" dirty="0"/>
-              <a:t> </a:t>
-            </a:r>
-            <a:r>
-              <a:rPr lang="de-CH" dirty="0" err="1"/>
-              <a:t>erwiteret</a:t>
-            </a:r>
-            <a:r>
-              <a:rPr lang="de-CH" dirty="0"/>
-              <a:t> werde.</a:t>
-            </a:r>
-          </a:p>
-          <a:p>
-            <a:endParaRPr lang="de-CH" dirty="0"/>
-          </a:p>
-          <a:p>
-            <a:endParaRPr lang="de-CH" dirty="0"/>
-          </a:p>
-          <a:p>
-            <a:endParaRPr lang="de-CH" dirty="0"/>
-          </a:p>
-          <a:p>
-            <a:r>
-              <a:rPr lang="de-CH" dirty="0"/>
-              <a:t>Notizen:</a:t>
-            </a:r>
-          </a:p>
-          <a:p>
-            <a:endParaRPr lang="de-CH" dirty="0"/>
-          </a:p>
-          <a:p>
-            <a:r>
-              <a:rPr lang="de-CH" dirty="0"/>
-              <a:t>Code-Doku: Walking Skeleton war Fokus auf Funktionalität und Verifikation, deshalb soll zeitnah die Dokumentation ergänzt werden. Im gleichen Zug soll die Implementation nochmals reviewt werden.</a:t>
-            </a:r>
-          </a:p>
-          <a:p>
-            <a:endParaRPr lang="de-CH" dirty="0"/>
-          </a:p>
-          <a:p>
-            <a:r>
-              <a:rPr lang="de-CH" dirty="0"/>
-              <a:t>Zugriff auf die Applikation soll auf https umgestellt und mittels User-Login geschützt werden.</a:t>
-            </a:r>
-          </a:p>
-          <a:p>
-            <a:endParaRPr lang="de-CH" dirty="0"/>
-          </a:p>
-          <a:p>
-            <a:r>
-              <a:rPr lang="de-CH" dirty="0"/>
-              <a:t>Die Automatisierungs-Pipeline soll auf das Backend ausgeweitet und um das </a:t>
-            </a:r>
-            <a:r>
-              <a:rPr lang="de-CH" dirty="0" err="1"/>
-              <a:t>Deployment</a:t>
-            </a:r>
-            <a:r>
-              <a:rPr lang="de-CH" dirty="0"/>
-              <a:t> erweitert werden.</a:t>
-            </a:r>
           </a:p>
         </p:txBody>
       </p:sp>
@@ -2724,7 +1993,7 @@
     </p:spTree>
     <p:extLst>
       <p:ext uri="{BB962C8B-B14F-4D97-AF65-F5344CB8AC3E}">
-        <p14:creationId xmlns:p14="http://schemas.microsoft.com/office/powerpoint/2010/main" val="4157689322"/>
+        <p14:creationId xmlns:p14="http://schemas.microsoft.com/office/powerpoint/2010/main" val="155089661"/>
       </p:ext>
     </p:extLst>
   </p:cSld>
@@ -2778,244 +2047,7 @@
           <a:bodyPr/>
           <a:lstStyle/>
           <a:p>
-            <a:r>
-              <a:rPr lang="de-CH" dirty="0"/>
-              <a:t>Für de Walking Skeleton </a:t>
-            </a:r>
-            <a:r>
-              <a:rPr lang="de-CH" dirty="0" err="1"/>
-              <a:t>isch</a:t>
-            </a:r>
-            <a:r>
-              <a:rPr lang="de-CH" dirty="0"/>
-              <a:t> de Fokus klar </a:t>
-            </a:r>
-            <a:r>
-              <a:rPr lang="de-CH" dirty="0" err="1"/>
-              <a:t>uf</a:t>
-            </a:r>
-            <a:r>
-              <a:rPr lang="de-CH" dirty="0"/>
-              <a:t> de Funktionalität und de Verifikation vom Design </a:t>
-            </a:r>
-            <a:r>
-              <a:rPr lang="de-CH" dirty="0" err="1"/>
-              <a:t>glege</a:t>
-            </a:r>
-            <a:r>
-              <a:rPr lang="de-CH" dirty="0"/>
-              <a:t>. Drum </a:t>
-            </a:r>
-            <a:r>
-              <a:rPr lang="de-CH" dirty="0" err="1"/>
-              <a:t>söll</a:t>
-            </a:r>
-            <a:r>
-              <a:rPr lang="de-CH" dirty="0"/>
-              <a:t> jetzt </a:t>
-            </a:r>
-            <a:r>
-              <a:rPr lang="de-CH" dirty="0" err="1"/>
-              <a:t>zeitnöch</a:t>
-            </a:r>
-            <a:r>
-              <a:rPr lang="de-CH" dirty="0"/>
-              <a:t> d Dokumentation ergänzt werde.</a:t>
-            </a:r>
-          </a:p>
-          <a:p>
-            <a:r>
-              <a:rPr lang="de-CH" dirty="0"/>
-              <a:t>Im gliche Zug </a:t>
-            </a:r>
-            <a:r>
-              <a:rPr lang="de-CH" dirty="0" err="1"/>
-              <a:t>söll</a:t>
-            </a:r>
-            <a:r>
-              <a:rPr lang="de-CH" dirty="0"/>
-              <a:t> au d Implementation </a:t>
-            </a:r>
-            <a:r>
-              <a:rPr lang="de-CH" dirty="0" err="1"/>
-              <a:t>nomol</a:t>
-            </a:r>
-            <a:r>
-              <a:rPr lang="de-CH" dirty="0"/>
-              <a:t> </a:t>
-            </a:r>
-            <a:r>
-              <a:rPr lang="de-CH" dirty="0" err="1"/>
-              <a:t>greviewt</a:t>
-            </a:r>
-            <a:r>
-              <a:rPr lang="de-CH" dirty="0"/>
-              <a:t> werde.</a:t>
-            </a:r>
-          </a:p>
-          <a:p>
             <a:endParaRPr lang="de-CH" dirty="0"/>
-          </a:p>
-          <a:p>
-            <a:r>
-              <a:rPr lang="de-CH" dirty="0"/>
-              <a:t>Weiter </a:t>
-            </a:r>
-            <a:r>
-              <a:rPr lang="de-CH" dirty="0" err="1"/>
-              <a:t>söll</a:t>
-            </a:r>
-            <a:r>
-              <a:rPr lang="de-CH" dirty="0"/>
-              <a:t> de </a:t>
-            </a:r>
-            <a:r>
-              <a:rPr lang="de-CH" dirty="0" err="1"/>
-              <a:t>Zuegriff</a:t>
-            </a:r>
-            <a:r>
-              <a:rPr lang="de-CH" dirty="0"/>
-              <a:t> </a:t>
-            </a:r>
-            <a:r>
-              <a:rPr lang="de-CH" dirty="0" err="1"/>
-              <a:t>uf</a:t>
-            </a:r>
-            <a:r>
-              <a:rPr lang="de-CH" dirty="0"/>
-              <a:t> d Applikation </a:t>
-            </a:r>
-            <a:r>
-              <a:rPr lang="de-CH" dirty="0" err="1"/>
-              <a:t>uf</a:t>
-            </a:r>
-            <a:r>
-              <a:rPr lang="de-CH" dirty="0"/>
-              <a:t> https </a:t>
-            </a:r>
-            <a:r>
-              <a:rPr lang="de-CH" dirty="0" err="1"/>
-              <a:t>umgstellt</a:t>
-            </a:r>
-            <a:r>
-              <a:rPr lang="de-CH" dirty="0"/>
-              <a:t> und mittels User-Login </a:t>
-            </a:r>
-            <a:r>
-              <a:rPr lang="de-CH" dirty="0" err="1"/>
-              <a:t>gschützt</a:t>
-            </a:r>
-            <a:r>
-              <a:rPr lang="de-CH" dirty="0"/>
-              <a:t> werde.</a:t>
-            </a:r>
-          </a:p>
-          <a:p>
-            <a:endParaRPr lang="de-CH" dirty="0"/>
-          </a:p>
-          <a:p>
-            <a:r>
-              <a:rPr lang="de-CH" dirty="0"/>
-              <a:t>D </a:t>
-            </a:r>
-            <a:r>
-              <a:rPr lang="de-CH" dirty="0" err="1"/>
-              <a:t>Automatisierigs</a:t>
-            </a:r>
-            <a:r>
-              <a:rPr lang="de-CH" dirty="0"/>
-              <a:t>-Pipeline </a:t>
-            </a:r>
-            <a:r>
-              <a:rPr lang="de-CH" dirty="0" err="1"/>
-              <a:t>söll</a:t>
-            </a:r>
-            <a:r>
-              <a:rPr lang="de-CH" dirty="0"/>
-              <a:t> au </a:t>
-            </a:r>
-            <a:r>
-              <a:rPr lang="de-CH" dirty="0" err="1"/>
-              <a:t>ufs</a:t>
-            </a:r>
-            <a:r>
-              <a:rPr lang="de-CH" dirty="0"/>
-              <a:t> Backend </a:t>
-            </a:r>
-            <a:r>
-              <a:rPr lang="de-CH" dirty="0" err="1"/>
-              <a:t>usgwitet</a:t>
-            </a:r>
-            <a:r>
-              <a:rPr lang="de-CH" dirty="0"/>
-              <a:t>  und um s automatisierte </a:t>
-            </a:r>
-            <a:r>
-              <a:rPr lang="de-CH" dirty="0" err="1"/>
-              <a:t>Deployment</a:t>
-            </a:r>
-            <a:r>
-              <a:rPr lang="de-CH" dirty="0"/>
-              <a:t> </a:t>
-            </a:r>
-            <a:r>
-              <a:rPr lang="de-CH" dirty="0" err="1"/>
-              <a:t>erwiteret</a:t>
-            </a:r>
-            <a:r>
-              <a:rPr lang="de-CH" dirty="0"/>
-              <a:t> werde.</a:t>
-            </a:r>
-          </a:p>
-          <a:p>
-            <a:endParaRPr lang="de-CH" dirty="0"/>
-          </a:p>
-          <a:p>
-            <a:endParaRPr lang="de-CH" dirty="0"/>
-          </a:p>
-          <a:p>
-            <a:endParaRPr lang="de-CH" dirty="0"/>
-          </a:p>
-          <a:p>
-            <a:r>
-              <a:rPr lang="de-CH" dirty="0"/>
-              <a:t>Notizen:</a:t>
-            </a:r>
-          </a:p>
-          <a:p>
-            <a:endParaRPr lang="de-CH" dirty="0"/>
-          </a:p>
-          <a:p>
-            <a:r>
-              <a:rPr lang="de-CH" dirty="0"/>
-              <a:t>Code-Doku: Walking Skeleton war Fokus auf Funktionalität und Verifikation, deshalb soll zeitnah die Dokumentation ergänzt werden. Im gleichen Zug soll die Implementation nochmals reviewt werden.</a:t>
-            </a:r>
-          </a:p>
-          <a:p>
-            <a:endParaRPr lang="de-CH" dirty="0"/>
-          </a:p>
-          <a:p>
-            <a:r>
-              <a:rPr lang="de-CH" dirty="0"/>
-              <a:t>Zugriff auf die Applikation soll auf https umgestellt und mittels User-Login geschützt werden.</a:t>
-            </a:r>
-          </a:p>
-          <a:p>
-            <a:endParaRPr lang="de-CH" dirty="0"/>
-          </a:p>
-          <a:p>
-            <a:r>
-              <a:rPr lang="de-CH" dirty="0"/>
-              <a:t>Die Automatisierungs-Pipeline soll auf das Backend ausgeweitet und um das </a:t>
-            </a:r>
-            <a:r>
-              <a:rPr lang="de-CH" dirty="0" err="1"/>
-              <a:t>Deployment</a:t>
-            </a:r>
-            <a:r>
-              <a:rPr lang="de-CH" dirty="0"/>
-              <a:t> erweitert werden.</a:t>
-            </a:r>
           </a:p>
         </p:txBody>
       </p:sp>
@@ -3045,7 +2077,7 @@
     </p:spTree>
     <p:extLst>
       <p:ext uri="{BB962C8B-B14F-4D97-AF65-F5344CB8AC3E}">
-        <p14:creationId xmlns:p14="http://schemas.microsoft.com/office/powerpoint/2010/main" val="3696609746"/>
+        <p14:creationId xmlns:p14="http://schemas.microsoft.com/office/powerpoint/2010/main" val="4157689322"/>
       </p:ext>
     </p:extLst>
   </p:cSld>
@@ -3099,244 +2131,7 @@
           <a:bodyPr/>
           <a:lstStyle/>
           <a:p>
-            <a:r>
-              <a:rPr lang="de-CH" dirty="0"/>
-              <a:t>Für de Walking Skeleton </a:t>
-            </a:r>
-            <a:r>
-              <a:rPr lang="de-CH" dirty="0" err="1"/>
-              <a:t>isch</a:t>
-            </a:r>
-            <a:r>
-              <a:rPr lang="de-CH" dirty="0"/>
-              <a:t> de Fokus klar </a:t>
-            </a:r>
-            <a:r>
-              <a:rPr lang="de-CH" dirty="0" err="1"/>
-              <a:t>uf</a:t>
-            </a:r>
-            <a:r>
-              <a:rPr lang="de-CH" dirty="0"/>
-              <a:t> de Funktionalität und de Verifikation vom Design </a:t>
-            </a:r>
-            <a:r>
-              <a:rPr lang="de-CH" dirty="0" err="1"/>
-              <a:t>glege</a:t>
-            </a:r>
-            <a:r>
-              <a:rPr lang="de-CH" dirty="0"/>
-              <a:t>. Drum </a:t>
-            </a:r>
-            <a:r>
-              <a:rPr lang="de-CH" dirty="0" err="1"/>
-              <a:t>söll</a:t>
-            </a:r>
-            <a:r>
-              <a:rPr lang="de-CH" dirty="0"/>
-              <a:t> jetzt </a:t>
-            </a:r>
-            <a:r>
-              <a:rPr lang="de-CH" dirty="0" err="1"/>
-              <a:t>zeitnöch</a:t>
-            </a:r>
-            <a:r>
-              <a:rPr lang="de-CH" dirty="0"/>
-              <a:t> d Dokumentation ergänzt werde.</a:t>
-            </a:r>
-          </a:p>
-          <a:p>
-            <a:r>
-              <a:rPr lang="de-CH" dirty="0"/>
-              <a:t>Im gliche Zug </a:t>
-            </a:r>
-            <a:r>
-              <a:rPr lang="de-CH" dirty="0" err="1"/>
-              <a:t>söll</a:t>
-            </a:r>
-            <a:r>
-              <a:rPr lang="de-CH" dirty="0"/>
-              <a:t> au d Implementation </a:t>
-            </a:r>
-            <a:r>
-              <a:rPr lang="de-CH" dirty="0" err="1"/>
-              <a:t>nomol</a:t>
-            </a:r>
-            <a:r>
-              <a:rPr lang="de-CH" dirty="0"/>
-              <a:t> </a:t>
-            </a:r>
-            <a:r>
-              <a:rPr lang="de-CH" dirty="0" err="1"/>
-              <a:t>greviewt</a:t>
-            </a:r>
-            <a:r>
-              <a:rPr lang="de-CH" dirty="0"/>
-              <a:t> werde.</a:t>
-            </a:r>
-          </a:p>
-          <a:p>
             <a:endParaRPr lang="de-CH" dirty="0"/>
-          </a:p>
-          <a:p>
-            <a:r>
-              <a:rPr lang="de-CH" dirty="0"/>
-              <a:t>Weiter </a:t>
-            </a:r>
-            <a:r>
-              <a:rPr lang="de-CH" dirty="0" err="1"/>
-              <a:t>söll</a:t>
-            </a:r>
-            <a:r>
-              <a:rPr lang="de-CH" dirty="0"/>
-              <a:t> de </a:t>
-            </a:r>
-            <a:r>
-              <a:rPr lang="de-CH" dirty="0" err="1"/>
-              <a:t>Zuegriff</a:t>
-            </a:r>
-            <a:r>
-              <a:rPr lang="de-CH" dirty="0"/>
-              <a:t> </a:t>
-            </a:r>
-            <a:r>
-              <a:rPr lang="de-CH" dirty="0" err="1"/>
-              <a:t>uf</a:t>
-            </a:r>
-            <a:r>
-              <a:rPr lang="de-CH" dirty="0"/>
-              <a:t> d Applikation </a:t>
-            </a:r>
-            <a:r>
-              <a:rPr lang="de-CH" dirty="0" err="1"/>
-              <a:t>uf</a:t>
-            </a:r>
-            <a:r>
-              <a:rPr lang="de-CH" dirty="0"/>
-              <a:t> https </a:t>
-            </a:r>
-            <a:r>
-              <a:rPr lang="de-CH" dirty="0" err="1"/>
-              <a:t>umgstellt</a:t>
-            </a:r>
-            <a:r>
-              <a:rPr lang="de-CH" dirty="0"/>
-              <a:t> und mittels User-Login </a:t>
-            </a:r>
-            <a:r>
-              <a:rPr lang="de-CH" dirty="0" err="1"/>
-              <a:t>gschützt</a:t>
-            </a:r>
-            <a:r>
-              <a:rPr lang="de-CH" dirty="0"/>
-              <a:t> werde.</a:t>
-            </a:r>
-          </a:p>
-          <a:p>
-            <a:endParaRPr lang="de-CH" dirty="0"/>
-          </a:p>
-          <a:p>
-            <a:r>
-              <a:rPr lang="de-CH" dirty="0"/>
-              <a:t>D </a:t>
-            </a:r>
-            <a:r>
-              <a:rPr lang="de-CH" dirty="0" err="1"/>
-              <a:t>Automatisierigs</a:t>
-            </a:r>
-            <a:r>
-              <a:rPr lang="de-CH" dirty="0"/>
-              <a:t>-Pipeline </a:t>
-            </a:r>
-            <a:r>
-              <a:rPr lang="de-CH" dirty="0" err="1"/>
-              <a:t>söll</a:t>
-            </a:r>
-            <a:r>
-              <a:rPr lang="de-CH" dirty="0"/>
-              <a:t> au </a:t>
-            </a:r>
-            <a:r>
-              <a:rPr lang="de-CH" dirty="0" err="1"/>
-              <a:t>ufs</a:t>
-            </a:r>
-            <a:r>
-              <a:rPr lang="de-CH" dirty="0"/>
-              <a:t> Backend </a:t>
-            </a:r>
-            <a:r>
-              <a:rPr lang="de-CH" dirty="0" err="1"/>
-              <a:t>usgwitet</a:t>
-            </a:r>
-            <a:r>
-              <a:rPr lang="de-CH" dirty="0"/>
-              <a:t>  und um s automatisierte </a:t>
-            </a:r>
-            <a:r>
-              <a:rPr lang="de-CH" dirty="0" err="1"/>
-              <a:t>Deployment</a:t>
-            </a:r>
-            <a:r>
-              <a:rPr lang="de-CH" dirty="0"/>
-              <a:t> </a:t>
-            </a:r>
-            <a:r>
-              <a:rPr lang="de-CH" dirty="0" err="1"/>
-              <a:t>erwiteret</a:t>
-            </a:r>
-            <a:r>
-              <a:rPr lang="de-CH" dirty="0"/>
-              <a:t> werde.</a:t>
-            </a:r>
-          </a:p>
-          <a:p>
-            <a:endParaRPr lang="de-CH" dirty="0"/>
-          </a:p>
-          <a:p>
-            <a:endParaRPr lang="de-CH" dirty="0"/>
-          </a:p>
-          <a:p>
-            <a:endParaRPr lang="de-CH" dirty="0"/>
-          </a:p>
-          <a:p>
-            <a:r>
-              <a:rPr lang="de-CH" dirty="0"/>
-              <a:t>Notizen:</a:t>
-            </a:r>
-          </a:p>
-          <a:p>
-            <a:endParaRPr lang="de-CH" dirty="0"/>
-          </a:p>
-          <a:p>
-            <a:r>
-              <a:rPr lang="de-CH" dirty="0"/>
-              <a:t>Code-Doku: Walking Skeleton war Fokus auf Funktionalität und Verifikation, deshalb soll zeitnah die Dokumentation ergänzt werden. Im gleichen Zug soll die Implementation nochmals reviewt werden.</a:t>
-            </a:r>
-          </a:p>
-          <a:p>
-            <a:endParaRPr lang="de-CH" dirty="0"/>
-          </a:p>
-          <a:p>
-            <a:r>
-              <a:rPr lang="de-CH" dirty="0"/>
-              <a:t>Zugriff auf die Applikation soll auf https umgestellt und mittels User-Login geschützt werden.</a:t>
-            </a:r>
-          </a:p>
-          <a:p>
-            <a:endParaRPr lang="de-CH" dirty="0"/>
-          </a:p>
-          <a:p>
-            <a:r>
-              <a:rPr lang="de-CH" dirty="0"/>
-              <a:t>Die Automatisierungs-Pipeline soll auf das Backend ausgeweitet und um das </a:t>
-            </a:r>
-            <a:r>
-              <a:rPr lang="de-CH" dirty="0" err="1"/>
-              <a:t>Deployment</a:t>
-            </a:r>
-            <a:r>
-              <a:rPr lang="de-CH" dirty="0"/>
-              <a:t> erweitert werden.</a:t>
-            </a:r>
           </a:p>
         </p:txBody>
       </p:sp>
@@ -3366,7 +2161,7 @@
     </p:spTree>
     <p:extLst>
       <p:ext uri="{BB962C8B-B14F-4D97-AF65-F5344CB8AC3E}">
-        <p14:creationId xmlns:p14="http://schemas.microsoft.com/office/powerpoint/2010/main" val="695299889"/>
+        <p14:creationId xmlns:p14="http://schemas.microsoft.com/office/powerpoint/2010/main" val="3696609746"/>
       </p:ext>
     </p:extLst>
   </p:cSld>
@@ -3420,244 +2215,7 @@
           <a:bodyPr/>
           <a:lstStyle/>
           <a:p>
-            <a:r>
-              <a:rPr lang="de-CH" dirty="0"/>
-              <a:t>Für de Walking Skeleton </a:t>
-            </a:r>
-            <a:r>
-              <a:rPr lang="de-CH" dirty="0" err="1"/>
-              <a:t>isch</a:t>
-            </a:r>
-            <a:r>
-              <a:rPr lang="de-CH" dirty="0"/>
-              <a:t> de Fokus klar </a:t>
-            </a:r>
-            <a:r>
-              <a:rPr lang="de-CH" dirty="0" err="1"/>
-              <a:t>uf</a:t>
-            </a:r>
-            <a:r>
-              <a:rPr lang="de-CH" dirty="0"/>
-              <a:t> de Funktionalität und de Verifikation vom Design </a:t>
-            </a:r>
-            <a:r>
-              <a:rPr lang="de-CH" dirty="0" err="1"/>
-              <a:t>glege</a:t>
-            </a:r>
-            <a:r>
-              <a:rPr lang="de-CH" dirty="0"/>
-              <a:t>. Drum </a:t>
-            </a:r>
-            <a:r>
-              <a:rPr lang="de-CH" dirty="0" err="1"/>
-              <a:t>söll</a:t>
-            </a:r>
-            <a:r>
-              <a:rPr lang="de-CH" dirty="0"/>
-              <a:t> jetzt </a:t>
-            </a:r>
-            <a:r>
-              <a:rPr lang="de-CH" dirty="0" err="1"/>
-              <a:t>zeitnöch</a:t>
-            </a:r>
-            <a:r>
-              <a:rPr lang="de-CH" dirty="0"/>
-              <a:t> d Dokumentation ergänzt werde.</a:t>
-            </a:r>
-          </a:p>
-          <a:p>
-            <a:r>
-              <a:rPr lang="de-CH" dirty="0"/>
-              <a:t>Im gliche Zug </a:t>
-            </a:r>
-            <a:r>
-              <a:rPr lang="de-CH" dirty="0" err="1"/>
-              <a:t>söll</a:t>
-            </a:r>
-            <a:r>
-              <a:rPr lang="de-CH" dirty="0"/>
-              <a:t> au d Implementation </a:t>
-            </a:r>
-            <a:r>
-              <a:rPr lang="de-CH" dirty="0" err="1"/>
-              <a:t>nomol</a:t>
-            </a:r>
-            <a:r>
-              <a:rPr lang="de-CH" dirty="0"/>
-              <a:t> </a:t>
-            </a:r>
-            <a:r>
-              <a:rPr lang="de-CH" dirty="0" err="1"/>
-              <a:t>greviewt</a:t>
-            </a:r>
-            <a:r>
-              <a:rPr lang="de-CH" dirty="0"/>
-              <a:t> werde.</a:t>
-            </a:r>
-          </a:p>
-          <a:p>
             <a:endParaRPr lang="de-CH" dirty="0"/>
-          </a:p>
-          <a:p>
-            <a:r>
-              <a:rPr lang="de-CH" dirty="0"/>
-              <a:t>Weiter </a:t>
-            </a:r>
-            <a:r>
-              <a:rPr lang="de-CH" dirty="0" err="1"/>
-              <a:t>söll</a:t>
-            </a:r>
-            <a:r>
-              <a:rPr lang="de-CH" dirty="0"/>
-              <a:t> de </a:t>
-            </a:r>
-            <a:r>
-              <a:rPr lang="de-CH" dirty="0" err="1"/>
-              <a:t>Zuegriff</a:t>
-            </a:r>
-            <a:r>
-              <a:rPr lang="de-CH" dirty="0"/>
-              <a:t> </a:t>
-            </a:r>
-            <a:r>
-              <a:rPr lang="de-CH" dirty="0" err="1"/>
-              <a:t>uf</a:t>
-            </a:r>
-            <a:r>
-              <a:rPr lang="de-CH" dirty="0"/>
-              <a:t> d Applikation </a:t>
-            </a:r>
-            <a:r>
-              <a:rPr lang="de-CH" dirty="0" err="1"/>
-              <a:t>uf</a:t>
-            </a:r>
-            <a:r>
-              <a:rPr lang="de-CH" dirty="0"/>
-              <a:t> https </a:t>
-            </a:r>
-            <a:r>
-              <a:rPr lang="de-CH" dirty="0" err="1"/>
-              <a:t>umgstellt</a:t>
-            </a:r>
-            <a:r>
-              <a:rPr lang="de-CH" dirty="0"/>
-              <a:t> und mittels User-Login </a:t>
-            </a:r>
-            <a:r>
-              <a:rPr lang="de-CH" dirty="0" err="1"/>
-              <a:t>gschützt</a:t>
-            </a:r>
-            <a:r>
-              <a:rPr lang="de-CH" dirty="0"/>
-              <a:t> werde.</a:t>
-            </a:r>
-          </a:p>
-          <a:p>
-            <a:endParaRPr lang="de-CH" dirty="0"/>
-          </a:p>
-          <a:p>
-            <a:r>
-              <a:rPr lang="de-CH" dirty="0"/>
-              <a:t>D </a:t>
-            </a:r>
-            <a:r>
-              <a:rPr lang="de-CH" dirty="0" err="1"/>
-              <a:t>Automatisierigs</a:t>
-            </a:r>
-            <a:r>
-              <a:rPr lang="de-CH" dirty="0"/>
-              <a:t>-Pipeline </a:t>
-            </a:r>
-            <a:r>
-              <a:rPr lang="de-CH" dirty="0" err="1"/>
-              <a:t>söll</a:t>
-            </a:r>
-            <a:r>
-              <a:rPr lang="de-CH" dirty="0"/>
-              <a:t> au </a:t>
-            </a:r>
-            <a:r>
-              <a:rPr lang="de-CH" dirty="0" err="1"/>
-              <a:t>ufs</a:t>
-            </a:r>
-            <a:r>
-              <a:rPr lang="de-CH" dirty="0"/>
-              <a:t> Backend </a:t>
-            </a:r>
-            <a:r>
-              <a:rPr lang="de-CH" dirty="0" err="1"/>
-              <a:t>usgwitet</a:t>
-            </a:r>
-            <a:r>
-              <a:rPr lang="de-CH" dirty="0"/>
-              <a:t>  und um s automatisierte </a:t>
-            </a:r>
-            <a:r>
-              <a:rPr lang="de-CH" dirty="0" err="1"/>
-              <a:t>Deployment</a:t>
-            </a:r>
-            <a:r>
-              <a:rPr lang="de-CH" dirty="0"/>
-              <a:t> </a:t>
-            </a:r>
-            <a:r>
-              <a:rPr lang="de-CH" dirty="0" err="1"/>
-              <a:t>erwiteret</a:t>
-            </a:r>
-            <a:r>
-              <a:rPr lang="de-CH" dirty="0"/>
-              <a:t> werde.</a:t>
-            </a:r>
-          </a:p>
-          <a:p>
-            <a:endParaRPr lang="de-CH" dirty="0"/>
-          </a:p>
-          <a:p>
-            <a:endParaRPr lang="de-CH" dirty="0"/>
-          </a:p>
-          <a:p>
-            <a:endParaRPr lang="de-CH" dirty="0"/>
-          </a:p>
-          <a:p>
-            <a:r>
-              <a:rPr lang="de-CH" dirty="0"/>
-              <a:t>Notizen:</a:t>
-            </a:r>
-          </a:p>
-          <a:p>
-            <a:endParaRPr lang="de-CH" dirty="0"/>
-          </a:p>
-          <a:p>
-            <a:r>
-              <a:rPr lang="de-CH" dirty="0"/>
-              <a:t>Code-Doku: Walking Skeleton war Fokus auf Funktionalität und Verifikation, deshalb soll zeitnah die Dokumentation ergänzt werden. Im gleichen Zug soll die Implementation nochmals reviewt werden.</a:t>
-            </a:r>
-          </a:p>
-          <a:p>
-            <a:endParaRPr lang="de-CH" dirty="0"/>
-          </a:p>
-          <a:p>
-            <a:r>
-              <a:rPr lang="de-CH" dirty="0"/>
-              <a:t>Zugriff auf die Applikation soll auf https umgestellt und mittels User-Login geschützt werden.</a:t>
-            </a:r>
-          </a:p>
-          <a:p>
-            <a:endParaRPr lang="de-CH" dirty="0"/>
-          </a:p>
-          <a:p>
-            <a:r>
-              <a:rPr lang="de-CH" dirty="0"/>
-              <a:t>Die Automatisierungs-Pipeline soll auf das Backend ausgeweitet und um das </a:t>
-            </a:r>
-            <a:r>
-              <a:rPr lang="de-CH" dirty="0" err="1"/>
-              <a:t>Deployment</a:t>
-            </a:r>
-            <a:r>
-              <a:rPr lang="de-CH" dirty="0"/>
-              <a:t> erweitert werden.</a:t>
-            </a:r>
           </a:p>
         </p:txBody>
       </p:sp>
@@ -3687,7 +2245,7 @@
     </p:spTree>
     <p:extLst>
       <p:ext uri="{BB962C8B-B14F-4D97-AF65-F5344CB8AC3E}">
-        <p14:creationId xmlns:p14="http://schemas.microsoft.com/office/powerpoint/2010/main" val="4049864255"/>
+        <p14:creationId xmlns:p14="http://schemas.microsoft.com/office/powerpoint/2010/main" val="695299889"/>
       </p:ext>
     </p:extLst>
   </p:cSld>
@@ -3741,244 +2299,7 @@
           <a:bodyPr/>
           <a:lstStyle/>
           <a:p>
-            <a:r>
-              <a:rPr lang="de-CH" dirty="0"/>
-              <a:t>Für de Walking Skeleton </a:t>
-            </a:r>
-            <a:r>
-              <a:rPr lang="de-CH" dirty="0" err="1"/>
-              <a:t>isch</a:t>
-            </a:r>
-            <a:r>
-              <a:rPr lang="de-CH" dirty="0"/>
-              <a:t> de Fokus klar </a:t>
-            </a:r>
-            <a:r>
-              <a:rPr lang="de-CH" dirty="0" err="1"/>
-              <a:t>uf</a:t>
-            </a:r>
-            <a:r>
-              <a:rPr lang="de-CH" dirty="0"/>
-              <a:t> de Funktionalität und de Verifikation vom Design </a:t>
-            </a:r>
-            <a:r>
-              <a:rPr lang="de-CH" dirty="0" err="1"/>
-              <a:t>glege</a:t>
-            </a:r>
-            <a:r>
-              <a:rPr lang="de-CH" dirty="0"/>
-              <a:t>. Drum </a:t>
-            </a:r>
-            <a:r>
-              <a:rPr lang="de-CH" dirty="0" err="1"/>
-              <a:t>söll</a:t>
-            </a:r>
-            <a:r>
-              <a:rPr lang="de-CH" dirty="0"/>
-              <a:t> jetzt </a:t>
-            </a:r>
-            <a:r>
-              <a:rPr lang="de-CH" dirty="0" err="1"/>
-              <a:t>zeitnöch</a:t>
-            </a:r>
-            <a:r>
-              <a:rPr lang="de-CH" dirty="0"/>
-              <a:t> d Dokumentation ergänzt werde.</a:t>
-            </a:r>
-          </a:p>
-          <a:p>
-            <a:r>
-              <a:rPr lang="de-CH" dirty="0"/>
-              <a:t>Im gliche Zug </a:t>
-            </a:r>
-            <a:r>
-              <a:rPr lang="de-CH" dirty="0" err="1"/>
-              <a:t>söll</a:t>
-            </a:r>
-            <a:r>
-              <a:rPr lang="de-CH" dirty="0"/>
-              <a:t> au d Implementation </a:t>
-            </a:r>
-            <a:r>
-              <a:rPr lang="de-CH" dirty="0" err="1"/>
-              <a:t>nomol</a:t>
-            </a:r>
-            <a:r>
-              <a:rPr lang="de-CH" dirty="0"/>
-              <a:t> </a:t>
-            </a:r>
-            <a:r>
-              <a:rPr lang="de-CH" dirty="0" err="1"/>
-              <a:t>greviewt</a:t>
-            </a:r>
-            <a:r>
-              <a:rPr lang="de-CH" dirty="0"/>
-              <a:t> werde.</a:t>
-            </a:r>
-          </a:p>
-          <a:p>
             <a:endParaRPr lang="de-CH" dirty="0"/>
-          </a:p>
-          <a:p>
-            <a:r>
-              <a:rPr lang="de-CH" dirty="0"/>
-              <a:t>Weiter </a:t>
-            </a:r>
-            <a:r>
-              <a:rPr lang="de-CH" dirty="0" err="1"/>
-              <a:t>söll</a:t>
-            </a:r>
-            <a:r>
-              <a:rPr lang="de-CH" dirty="0"/>
-              <a:t> de </a:t>
-            </a:r>
-            <a:r>
-              <a:rPr lang="de-CH" dirty="0" err="1"/>
-              <a:t>Zuegriff</a:t>
-            </a:r>
-            <a:r>
-              <a:rPr lang="de-CH" dirty="0"/>
-              <a:t> </a:t>
-            </a:r>
-            <a:r>
-              <a:rPr lang="de-CH" dirty="0" err="1"/>
-              <a:t>uf</a:t>
-            </a:r>
-            <a:r>
-              <a:rPr lang="de-CH" dirty="0"/>
-              <a:t> d Applikation </a:t>
-            </a:r>
-            <a:r>
-              <a:rPr lang="de-CH" dirty="0" err="1"/>
-              <a:t>uf</a:t>
-            </a:r>
-            <a:r>
-              <a:rPr lang="de-CH" dirty="0"/>
-              <a:t> https </a:t>
-            </a:r>
-            <a:r>
-              <a:rPr lang="de-CH" dirty="0" err="1"/>
-              <a:t>umgstellt</a:t>
-            </a:r>
-            <a:r>
-              <a:rPr lang="de-CH" dirty="0"/>
-              <a:t> und mittels User-Login </a:t>
-            </a:r>
-            <a:r>
-              <a:rPr lang="de-CH" dirty="0" err="1"/>
-              <a:t>gschützt</a:t>
-            </a:r>
-            <a:r>
-              <a:rPr lang="de-CH" dirty="0"/>
-              <a:t> werde.</a:t>
-            </a:r>
-          </a:p>
-          <a:p>
-            <a:endParaRPr lang="de-CH" dirty="0"/>
-          </a:p>
-          <a:p>
-            <a:r>
-              <a:rPr lang="de-CH" dirty="0"/>
-              <a:t>D </a:t>
-            </a:r>
-            <a:r>
-              <a:rPr lang="de-CH" dirty="0" err="1"/>
-              <a:t>Automatisierigs</a:t>
-            </a:r>
-            <a:r>
-              <a:rPr lang="de-CH" dirty="0"/>
-              <a:t>-Pipeline </a:t>
-            </a:r>
-            <a:r>
-              <a:rPr lang="de-CH" dirty="0" err="1"/>
-              <a:t>söll</a:t>
-            </a:r>
-            <a:r>
-              <a:rPr lang="de-CH" dirty="0"/>
-              <a:t> au </a:t>
-            </a:r>
-            <a:r>
-              <a:rPr lang="de-CH" dirty="0" err="1"/>
-              <a:t>ufs</a:t>
-            </a:r>
-            <a:r>
-              <a:rPr lang="de-CH" dirty="0"/>
-              <a:t> Backend </a:t>
-            </a:r>
-            <a:r>
-              <a:rPr lang="de-CH" dirty="0" err="1"/>
-              <a:t>usgwitet</a:t>
-            </a:r>
-            <a:r>
-              <a:rPr lang="de-CH" dirty="0"/>
-              <a:t>  und um s automatisierte </a:t>
-            </a:r>
-            <a:r>
-              <a:rPr lang="de-CH" dirty="0" err="1"/>
-              <a:t>Deployment</a:t>
-            </a:r>
-            <a:r>
-              <a:rPr lang="de-CH" dirty="0"/>
-              <a:t> </a:t>
-            </a:r>
-            <a:r>
-              <a:rPr lang="de-CH" dirty="0" err="1"/>
-              <a:t>erwiteret</a:t>
-            </a:r>
-            <a:r>
-              <a:rPr lang="de-CH" dirty="0"/>
-              <a:t> werde.</a:t>
-            </a:r>
-          </a:p>
-          <a:p>
-            <a:endParaRPr lang="de-CH" dirty="0"/>
-          </a:p>
-          <a:p>
-            <a:endParaRPr lang="de-CH" dirty="0"/>
-          </a:p>
-          <a:p>
-            <a:endParaRPr lang="de-CH" dirty="0"/>
-          </a:p>
-          <a:p>
-            <a:r>
-              <a:rPr lang="de-CH" dirty="0"/>
-              <a:t>Notizen:</a:t>
-            </a:r>
-          </a:p>
-          <a:p>
-            <a:endParaRPr lang="de-CH" dirty="0"/>
-          </a:p>
-          <a:p>
-            <a:r>
-              <a:rPr lang="de-CH" dirty="0"/>
-              <a:t>Code-Doku: Walking Skeleton war Fokus auf Funktionalität und Verifikation, deshalb soll zeitnah die Dokumentation ergänzt werden. Im gleichen Zug soll die Implementation nochmals reviewt werden.</a:t>
-            </a:r>
-          </a:p>
-          <a:p>
-            <a:endParaRPr lang="de-CH" dirty="0"/>
-          </a:p>
-          <a:p>
-            <a:r>
-              <a:rPr lang="de-CH" dirty="0"/>
-              <a:t>Zugriff auf die Applikation soll auf https umgestellt und mittels User-Login geschützt werden.</a:t>
-            </a:r>
-          </a:p>
-          <a:p>
-            <a:endParaRPr lang="de-CH" dirty="0"/>
-          </a:p>
-          <a:p>
-            <a:r>
-              <a:rPr lang="de-CH" dirty="0"/>
-              <a:t>Die Automatisierungs-Pipeline soll auf das Backend ausgeweitet und um das </a:t>
-            </a:r>
-            <a:r>
-              <a:rPr lang="de-CH" dirty="0" err="1"/>
-              <a:t>Deployment</a:t>
-            </a:r>
-            <a:r>
-              <a:rPr lang="de-CH" dirty="0"/>
-              <a:t> erweitert werden.</a:t>
-            </a:r>
           </a:p>
         </p:txBody>
       </p:sp>
@@ -4008,7 +2329,7 @@
     </p:spTree>
     <p:extLst>
       <p:ext uri="{BB962C8B-B14F-4D97-AF65-F5344CB8AC3E}">
-        <p14:creationId xmlns:p14="http://schemas.microsoft.com/office/powerpoint/2010/main" val="3942930048"/>
+        <p14:creationId xmlns:p14="http://schemas.microsoft.com/office/powerpoint/2010/main" val="959959647"/>
       </p:ext>
     </p:extLst>
   </p:cSld>
@@ -4062,244 +2383,7 @@
           <a:bodyPr/>
           <a:lstStyle/>
           <a:p>
-            <a:r>
-              <a:rPr lang="de-CH" dirty="0"/>
-              <a:t>Für de Walking Skeleton </a:t>
-            </a:r>
-            <a:r>
-              <a:rPr lang="de-CH" dirty="0" err="1"/>
-              <a:t>isch</a:t>
-            </a:r>
-            <a:r>
-              <a:rPr lang="de-CH" dirty="0"/>
-              <a:t> de Fokus klar </a:t>
-            </a:r>
-            <a:r>
-              <a:rPr lang="de-CH" dirty="0" err="1"/>
-              <a:t>uf</a:t>
-            </a:r>
-            <a:r>
-              <a:rPr lang="de-CH" dirty="0"/>
-              <a:t> de Funktionalität und de Verifikation vom Design </a:t>
-            </a:r>
-            <a:r>
-              <a:rPr lang="de-CH" dirty="0" err="1"/>
-              <a:t>glege</a:t>
-            </a:r>
-            <a:r>
-              <a:rPr lang="de-CH" dirty="0"/>
-              <a:t>. Drum </a:t>
-            </a:r>
-            <a:r>
-              <a:rPr lang="de-CH" dirty="0" err="1"/>
-              <a:t>söll</a:t>
-            </a:r>
-            <a:r>
-              <a:rPr lang="de-CH" dirty="0"/>
-              <a:t> jetzt </a:t>
-            </a:r>
-            <a:r>
-              <a:rPr lang="de-CH" dirty="0" err="1"/>
-              <a:t>zeitnöch</a:t>
-            </a:r>
-            <a:r>
-              <a:rPr lang="de-CH" dirty="0"/>
-              <a:t> d Dokumentation ergänzt werde.</a:t>
-            </a:r>
-          </a:p>
-          <a:p>
-            <a:r>
-              <a:rPr lang="de-CH" dirty="0"/>
-              <a:t>Im gliche Zug </a:t>
-            </a:r>
-            <a:r>
-              <a:rPr lang="de-CH" dirty="0" err="1"/>
-              <a:t>söll</a:t>
-            </a:r>
-            <a:r>
-              <a:rPr lang="de-CH" dirty="0"/>
-              <a:t> au d Implementation </a:t>
-            </a:r>
-            <a:r>
-              <a:rPr lang="de-CH" dirty="0" err="1"/>
-              <a:t>nomol</a:t>
-            </a:r>
-            <a:r>
-              <a:rPr lang="de-CH" dirty="0"/>
-              <a:t> </a:t>
-            </a:r>
-            <a:r>
-              <a:rPr lang="de-CH" dirty="0" err="1"/>
-              <a:t>greviewt</a:t>
-            </a:r>
-            <a:r>
-              <a:rPr lang="de-CH" dirty="0"/>
-              <a:t> werde.</a:t>
-            </a:r>
-          </a:p>
-          <a:p>
             <a:endParaRPr lang="de-CH" dirty="0"/>
-          </a:p>
-          <a:p>
-            <a:r>
-              <a:rPr lang="de-CH" dirty="0"/>
-              <a:t>Weiter </a:t>
-            </a:r>
-            <a:r>
-              <a:rPr lang="de-CH" dirty="0" err="1"/>
-              <a:t>söll</a:t>
-            </a:r>
-            <a:r>
-              <a:rPr lang="de-CH" dirty="0"/>
-              <a:t> de </a:t>
-            </a:r>
-            <a:r>
-              <a:rPr lang="de-CH" dirty="0" err="1"/>
-              <a:t>Zuegriff</a:t>
-            </a:r>
-            <a:r>
-              <a:rPr lang="de-CH" dirty="0"/>
-              <a:t> </a:t>
-            </a:r>
-            <a:r>
-              <a:rPr lang="de-CH" dirty="0" err="1"/>
-              <a:t>uf</a:t>
-            </a:r>
-            <a:r>
-              <a:rPr lang="de-CH" dirty="0"/>
-              <a:t> d Applikation </a:t>
-            </a:r>
-            <a:r>
-              <a:rPr lang="de-CH" dirty="0" err="1"/>
-              <a:t>uf</a:t>
-            </a:r>
-            <a:r>
-              <a:rPr lang="de-CH" dirty="0"/>
-              <a:t> https </a:t>
-            </a:r>
-            <a:r>
-              <a:rPr lang="de-CH" dirty="0" err="1"/>
-              <a:t>umgstellt</a:t>
-            </a:r>
-            <a:r>
-              <a:rPr lang="de-CH" dirty="0"/>
-              <a:t> und mittels User-Login </a:t>
-            </a:r>
-            <a:r>
-              <a:rPr lang="de-CH" dirty="0" err="1"/>
-              <a:t>gschützt</a:t>
-            </a:r>
-            <a:r>
-              <a:rPr lang="de-CH" dirty="0"/>
-              <a:t> werde.</a:t>
-            </a:r>
-          </a:p>
-          <a:p>
-            <a:endParaRPr lang="de-CH" dirty="0"/>
-          </a:p>
-          <a:p>
-            <a:r>
-              <a:rPr lang="de-CH" dirty="0"/>
-              <a:t>D </a:t>
-            </a:r>
-            <a:r>
-              <a:rPr lang="de-CH" dirty="0" err="1"/>
-              <a:t>Automatisierigs</a:t>
-            </a:r>
-            <a:r>
-              <a:rPr lang="de-CH" dirty="0"/>
-              <a:t>-Pipeline </a:t>
-            </a:r>
-            <a:r>
-              <a:rPr lang="de-CH" dirty="0" err="1"/>
-              <a:t>söll</a:t>
-            </a:r>
-            <a:r>
-              <a:rPr lang="de-CH" dirty="0"/>
-              <a:t> au </a:t>
-            </a:r>
-            <a:r>
-              <a:rPr lang="de-CH" dirty="0" err="1"/>
-              <a:t>ufs</a:t>
-            </a:r>
-            <a:r>
-              <a:rPr lang="de-CH" dirty="0"/>
-              <a:t> Backend </a:t>
-            </a:r>
-            <a:r>
-              <a:rPr lang="de-CH" dirty="0" err="1"/>
-              <a:t>usgwitet</a:t>
-            </a:r>
-            <a:r>
-              <a:rPr lang="de-CH" dirty="0"/>
-              <a:t>  und um s automatisierte </a:t>
-            </a:r>
-            <a:r>
-              <a:rPr lang="de-CH" dirty="0" err="1"/>
-              <a:t>Deployment</a:t>
-            </a:r>
-            <a:r>
-              <a:rPr lang="de-CH" dirty="0"/>
-              <a:t> </a:t>
-            </a:r>
-            <a:r>
-              <a:rPr lang="de-CH" dirty="0" err="1"/>
-              <a:t>erwiteret</a:t>
-            </a:r>
-            <a:r>
-              <a:rPr lang="de-CH" dirty="0"/>
-              <a:t> werde.</a:t>
-            </a:r>
-          </a:p>
-          <a:p>
-            <a:endParaRPr lang="de-CH" dirty="0"/>
-          </a:p>
-          <a:p>
-            <a:endParaRPr lang="de-CH" dirty="0"/>
-          </a:p>
-          <a:p>
-            <a:endParaRPr lang="de-CH" dirty="0"/>
-          </a:p>
-          <a:p>
-            <a:r>
-              <a:rPr lang="de-CH" dirty="0"/>
-              <a:t>Notizen:</a:t>
-            </a:r>
-          </a:p>
-          <a:p>
-            <a:endParaRPr lang="de-CH" dirty="0"/>
-          </a:p>
-          <a:p>
-            <a:r>
-              <a:rPr lang="de-CH" dirty="0"/>
-              <a:t>Code-Doku: Walking Skeleton war Fokus auf Funktionalität und Verifikation, deshalb soll zeitnah die Dokumentation ergänzt werden. Im gleichen Zug soll die Implementation nochmals reviewt werden.</a:t>
-            </a:r>
-          </a:p>
-          <a:p>
-            <a:endParaRPr lang="de-CH" dirty="0"/>
-          </a:p>
-          <a:p>
-            <a:r>
-              <a:rPr lang="de-CH" dirty="0"/>
-              <a:t>Zugriff auf die Applikation soll auf https umgestellt und mittels User-Login geschützt werden.</a:t>
-            </a:r>
-          </a:p>
-          <a:p>
-            <a:endParaRPr lang="de-CH" dirty="0"/>
-          </a:p>
-          <a:p>
-            <a:r>
-              <a:rPr lang="de-CH" dirty="0"/>
-              <a:t>Die Automatisierungs-Pipeline soll auf das Backend ausgeweitet und um das </a:t>
-            </a:r>
-            <a:r>
-              <a:rPr lang="de-CH" dirty="0" err="1"/>
-              <a:t>Deployment</a:t>
-            </a:r>
-            <a:r>
-              <a:rPr lang="de-CH" dirty="0"/>
-              <a:t> erweitert werden.</a:t>
-            </a:r>
           </a:p>
         </p:txBody>
       </p:sp>
@@ -4329,7 +2413,7 @@
     </p:spTree>
     <p:extLst>
       <p:ext uri="{BB962C8B-B14F-4D97-AF65-F5344CB8AC3E}">
-        <p14:creationId xmlns:p14="http://schemas.microsoft.com/office/powerpoint/2010/main" val="2641962400"/>
+        <p14:creationId xmlns:p14="http://schemas.microsoft.com/office/powerpoint/2010/main" val="4027241293"/>
       </p:ext>
     </p:extLst>
   </p:cSld>
@@ -5061,7 +3145,7 @@
           <a:p>
             <a:fld id="{ED73F198-DB81-4963-9906-E057AC330EDF}" type="datetime1">
               <a:rPr lang="de-CH" smtClean="0"/>
-              <a:t>30.09.2022</a:t>
+              <a:t>01.10.2022</a:t>
             </a:fld>
             <a:endParaRPr lang="de-CH"/>
           </a:p>
@@ -5312,7 +3396,7 @@
           <a:p>
             <a:fld id="{4BE61391-CE41-4878-98B1-713390803216}" type="datetime1">
               <a:rPr lang="de-CH" smtClean="0"/>
-              <a:t>30.09.2022</a:t>
+              <a:t>01.10.2022</a:t>
             </a:fld>
             <a:endParaRPr lang="de-CH"/>
           </a:p>
@@ -5627,7 +3711,7 @@
           <a:p>
             <a:fld id="{4BE61391-CE41-4878-98B1-713390803216}" type="datetime1">
               <a:rPr lang="de-CH" smtClean="0"/>
-              <a:t>30.09.2022</a:t>
+              <a:t>01.10.2022</a:t>
             </a:fld>
             <a:endParaRPr lang="de-CH"/>
           </a:p>
@@ -5969,7 +4053,7 @@
           <a:p>
             <a:fld id="{4BE61391-CE41-4878-98B1-713390803216}" type="datetime1">
               <a:rPr lang="de-CH" smtClean="0"/>
-              <a:t>30.09.2022</a:t>
+              <a:t>01.10.2022</a:t>
             </a:fld>
             <a:endParaRPr lang="de-CH"/>
           </a:p>
@@ -6284,7 +4368,7 @@
           <a:p>
             <a:fld id="{4BE61391-CE41-4878-98B1-713390803216}" type="datetime1">
               <a:rPr lang="de-CH" smtClean="0"/>
-              <a:t>30.09.2022</a:t>
+              <a:t>01.10.2022</a:t>
             </a:fld>
             <a:endParaRPr lang="de-CH"/>
           </a:p>
@@ -6678,7 +4762,7 @@
           <a:p>
             <a:fld id="{4BE61391-CE41-4878-98B1-713390803216}" type="datetime1">
               <a:rPr lang="de-CH" smtClean="0"/>
-              <a:t>30.09.2022</a:t>
+              <a:t>01.10.2022</a:t>
             </a:fld>
             <a:endParaRPr lang="de-CH"/>
           </a:p>
@@ -6849,7 +4933,7 @@
           <a:p>
             <a:fld id="{C8D28C62-1A2D-4B8E-AE68-FD2F29B8A175}" type="datetime1">
               <a:rPr lang="de-CH" smtClean="0"/>
-              <a:t>30.09.2022</a:t>
+              <a:t>01.10.2022</a:t>
             </a:fld>
             <a:endParaRPr lang="de-CH"/>
           </a:p>
@@ -7029,7 +5113,7 @@
           <a:p>
             <a:fld id="{C9BE3DC0-100A-40B0-BF4D-618CBEC70B25}" type="datetime1">
               <a:rPr lang="de-CH" smtClean="0"/>
-              <a:t>30.09.2022</a:t>
+              <a:t>01.10.2022</a:t>
             </a:fld>
             <a:endParaRPr lang="de-CH"/>
           </a:p>
@@ -7205,7 +5289,7 @@
           <a:p>
             <a:fld id="{32C34E9C-E89A-4D80-9230-A1E738492357}" type="datetime1">
               <a:rPr lang="de-CH" smtClean="0"/>
-              <a:t>30.09.2022</a:t>
+              <a:t>01.10.2022</a:t>
             </a:fld>
             <a:endParaRPr lang="de-CH"/>
           </a:p>
@@ -7452,7 +5536,7 @@
           <a:p>
             <a:fld id="{FF282D36-C364-410F-ABA9-4C799A69FAA9}" type="datetime1">
               <a:rPr lang="de-CH" smtClean="0"/>
-              <a:t>30.09.2022</a:t>
+              <a:t>01.10.2022</a:t>
             </a:fld>
             <a:endParaRPr lang="de-CH"/>
           </a:p>
@@ -7684,7 +5768,7 @@
           <a:p>
             <a:fld id="{02007695-A285-41F0-8782-AF15AED445BB}" type="datetime1">
               <a:rPr lang="de-CH" smtClean="0"/>
-              <a:t>30.09.2022</a:t>
+              <a:t>01.10.2022</a:t>
             </a:fld>
             <a:endParaRPr lang="de-CH"/>
           </a:p>
@@ -8058,7 +6142,7 @@
           <a:p>
             <a:fld id="{16ACFCB4-3396-4C91-8DCC-3A511583F294}" type="datetime1">
               <a:rPr lang="de-CH" smtClean="0"/>
-              <a:t>30.09.2022</a:t>
+              <a:t>01.10.2022</a:t>
             </a:fld>
             <a:endParaRPr lang="de-CH"/>
           </a:p>
@@ -8181,7 +6265,7 @@
           <a:p>
             <a:fld id="{8E6106F8-D436-4388-B115-AF5279B8AAE6}" type="datetime1">
               <a:rPr lang="de-CH" smtClean="0"/>
-              <a:t>30.09.2022</a:t>
+              <a:t>01.10.2022</a:t>
             </a:fld>
             <a:endParaRPr lang="de-CH"/>
           </a:p>
@@ -8276,7 +6360,7 @@
           <a:p>
             <a:fld id="{25C7CD7D-3820-47C7-9DA5-4E8160531771}" type="datetime1">
               <a:rPr lang="de-CH" smtClean="0"/>
-              <a:t>30.09.2022</a:t>
+              <a:t>01.10.2022</a:t>
             </a:fld>
             <a:endParaRPr lang="de-CH"/>
           </a:p>
@@ -8531,7 +6615,7 @@
           <a:p>
             <a:fld id="{F1E62ABB-A41A-4935-809A-B010E7714C9D}" type="datetime1">
               <a:rPr lang="de-CH" smtClean="0"/>
-              <a:t>30.09.2022</a:t>
+              <a:t>01.10.2022</a:t>
             </a:fld>
             <a:endParaRPr lang="de-CH"/>
           </a:p>
@@ -8794,7 +6878,7 @@
           <a:p>
             <a:fld id="{4BE61391-CE41-4878-98B1-713390803216}" type="datetime1">
               <a:rPr lang="de-CH" smtClean="0"/>
-              <a:t>30.09.2022</a:t>
+              <a:t>01.10.2022</a:t>
             </a:fld>
             <a:endParaRPr lang="de-CH"/>
           </a:p>
@@ -9538,7 +7622,7 @@
           <a:p>
             <a:fld id="{4BE61391-CE41-4878-98B1-713390803216}" type="datetime1">
               <a:rPr lang="de-CH" smtClean="0"/>
-              <a:t>30.09.2022</a:t>
+              <a:t>01.10.2022</a:t>
             </a:fld>
             <a:endParaRPr lang="de-CH"/>
           </a:p>
@@ -10226,42 +8310,15 @@
           <a:p>
             <a:r>
               <a:rPr lang="de-CH" dirty="0"/>
-              <a:t>Design</a:t>
+              <a:t>Analyse und Design</a:t>
             </a:r>
             <a:br>
               <a:rPr lang="de-CH" dirty="0"/>
             </a:br>
             <a:r>
-              <a:rPr lang="de-CH" dirty="0"/>
-              <a:t>Authentisierung</a:t>
-            </a:r>
-          </a:p>
-        </p:txBody>
-      </p:sp>
-      <p:sp>
-        <p:nvSpPr>
-          <p:cNvPr id="3" name="Inhaltsplatzhalter 2">
-            <a:extLst>
-              <a:ext uri="{FF2B5EF4-FFF2-40B4-BE49-F238E27FC236}">
-                <a16:creationId xmlns:a16="http://schemas.microsoft.com/office/drawing/2014/main" id="{09E0D5C9-0C59-5FA1-1DB3-BCB8B158C9EF}"/>
-              </a:ext>
-            </a:extLst>
-          </p:cNvPr>
-          <p:cNvSpPr>
-            <a:spLocks noGrp="1"/>
-          </p:cNvSpPr>
-          <p:nvPr>
-            <p:ph idx="1"/>
-          </p:nvPr>
-        </p:nvSpPr>
-        <p:spPr/>
-        <p:txBody>
-          <a:bodyPr>
-            <a:normAutofit/>
-          </a:bodyPr>
-          <a:lstStyle/>
-          <a:p>
-            <a:endParaRPr lang="de-CH" dirty="0"/>
+              <a:rPr lang="de-CH" sz="2400" dirty="0"/>
+              <a:t>Domain</a:t>
+            </a:r>
           </a:p>
         </p:txBody>
       </p:sp>
@@ -10294,10 +8351,40 @@
           </a:p>
         </p:txBody>
       </p:sp>
+      <p:pic>
+        <p:nvPicPr>
+          <p:cNvPr id="6" name="Grafik 5">
+            <a:extLst>
+              <a:ext uri="{FF2B5EF4-FFF2-40B4-BE49-F238E27FC236}">
+                <a16:creationId xmlns:a16="http://schemas.microsoft.com/office/drawing/2014/main" id="{DFCA1FFE-C07C-BA0E-E408-C46020A16E12}"/>
+              </a:ext>
+            </a:extLst>
+          </p:cNvPr>
+          <p:cNvPicPr>
+            <a:picLocks noChangeAspect="1"/>
+          </p:cNvPicPr>
+          <p:nvPr/>
+        </p:nvPicPr>
+        <p:blipFill>
+          <a:blip r:embed="rId3"/>
+          <a:stretch>
+            <a:fillRect/>
+          </a:stretch>
+        </p:blipFill>
+        <p:spPr>
+          <a:xfrm>
+            <a:off x="2042882" y="1709765"/>
+            <a:ext cx="5832260" cy="4791486"/>
+          </a:xfrm>
+          <a:prstGeom prst="rect">
+            <a:avLst/>
+          </a:prstGeom>
+        </p:spPr>
+      </p:pic>
     </p:spTree>
     <p:extLst>
       <p:ext uri="{BB962C8B-B14F-4D97-AF65-F5344CB8AC3E}">
-        <p14:creationId xmlns:p14="http://schemas.microsoft.com/office/powerpoint/2010/main" val="3719948826"/>
+        <p14:creationId xmlns:p14="http://schemas.microsoft.com/office/powerpoint/2010/main" val="729614589"/>
       </p:ext>
     </p:extLst>
   </p:cSld>
@@ -10355,35 +8442,15 @@
           <a:p>
             <a:r>
               <a:rPr lang="de-CH" dirty="0"/>
-              <a:t>Reflexion</a:t>
-            </a:r>
-          </a:p>
-        </p:txBody>
-      </p:sp>
-      <p:sp>
-        <p:nvSpPr>
-          <p:cNvPr id="3" name="Inhaltsplatzhalter 2">
-            <a:extLst>
-              <a:ext uri="{FF2B5EF4-FFF2-40B4-BE49-F238E27FC236}">
-                <a16:creationId xmlns:a16="http://schemas.microsoft.com/office/drawing/2014/main" id="{09E0D5C9-0C59-5FA1-1DB3-BCB8B158C9EF}"/>
-              </a:ext>
-            </a:extLst>
-          </p:cNvPr>
-          <p:cNvSpPr>
-            <a:spLocks noGrp="1"/>
-          </p:cNvSpPr>
-          <p:nvPr>
-            <p:ph idx="1"/>
-          </p:nvPr>
-        </p:nvSpPr>
-        <p:spPr/>
-        <p:txBody>
-          <a:bodyPr>
-            <a:normAutofit/>
-          </a:bodyPr>
-          <a:lstStyle/>
-          <a:p>
-            <a:endParaRPr lang="de-CH" dirty="0"/>
+              <a:t>Analyse und Design</a:t>
+            </a:r>
+            <a:br>
+              <a:rPr lang="de-CH" dirty="0"/>
+            </a:br>
+            <a:r>
+              <a:rPr lang="de-CH" sz="2400" dirty="0"/>
+              <a:t>Architektur</a:t>
+            </a:r>
           </a:p>
         </p:txBody>
       </p:sp>
@@ -10416,10 +8483,39 @@
           </a:p>
         </p:txBody>
       </p:sp>
+      <p:pic>
+        <p:nvPicPr>
+          <p:cNvPr id="6" name="Grafik 5">
+            <a:extLst>
+              <a:ext uri="{FF2B5EF4-FFF2-40B4-BE49-F238E27FC236}">
+                <a16:creationId xmlns:a16="http://schemas.microsoft.com/office/drawing/2014/main" id="{DFCA1FFE-C07C-BA0E-E408-C46020A16E12}"/>
+              </a:ext>
+            </a:extLst>
+          </p:cNvPr>
+          <p:cNvPicPr>
+            <a:picLocks noChangeAspect="1"/>
+          </p:cNvPicPr>
+          <p:nvPr/>
+        </p:nvPicPr>
+        <p:blipFill rotWithShape="1">
+          <a:blip r:embed="rId3"/>
+          <a:srcRect b="2479"/>
+          <a:stretch/>
+        </p:blipFill>
+        <p:spPr>
+          <a:xfrm>
+            <a:off x="1497266" y="1573359"/>
+            <a:ext cx="6262504" cy="5017421"/>
+          </a:xfrm>
+          <a:prstGeom prst="rect">
+            <a:avLst/>
+          </a:prstGeom>
+        </p:spPr>
+      </p:pic>
     </p:spTree>
     <p:extLst>
       <p:ext uri="{BB962C8B-B14F-4D97-AF65-F5344CB8AC3E}">
-        <p14:creationId xmlns:p14="http://schemas.microsoft.com/office/powerpoint/2010/main" val="1602808593"/>
+        <p14:creationId xmlns:p14="http://schemas.microsoft.com/office/powerpoint/2010/main" val="2625891340"/>
       </p:ext>
     </p:extLst>
   </p:cSld>
@@ -10477,35 +8573,15 @@
           <a:p>
             <a:r>
               <a:rPr lang="de-CH" dirty="0"/>
-              <a:t>Ausblick</a:t>
-            </a:r>
-          </a:p>
-        </p:txBody>
-      </p:sp>
-      <p:sp>
-        <p:nvSpPr>
-          <p:cNvPr id="3" name="Inhaltsplatzhalter 2">
-            <a:extLst>
-              <a:ext uri="{FF2B5EF4-FFF2-40B4-BE49-F238E27FC236}">
-                <a16:creationId xmlns:a16="http://schemas.microsoft.com/office/drawing/2014/main" id="{09E0D5C9-0C59-5FA1-1DB3-BCB8B158C9EF}"/>
-              </a:ext>
-            </a:extLst>
-          </p:cNvPr>
-          <p:cNvSpPr>
-            <a:spLocks noGrp="1"/>
-          </p:cNvSpPr>
-          <p:nvPr>
-            <p:ph idx="1"/>
-          </p:nvPr>
-        </p:nvSpPr>
-        <p:spPr/>
-        <p:txBody>
-          <a:bodyPr>
-            <a:normAutofit/>
-          </a:bodyPr>
-          <a:lstStyle/>
-          <a:p>
-            <a:endParaRPr lang="de-CH" dirty="0"/>
+              <a:t>Analyse und Design</a:t>
+            </a:r>
+            <a:br>
+              <a:rPr lang="de-CH" dirty="0"/>
+            </a:br>
+            <a:r>
+              <a:rPr lang="de-CH" sz="2400" dirty="0"/>
+              <a:t>Architektur</a:t>
+            </a:r>
           </a:p>
         </p:txBody>
       </p:sp>
@@ -10538,24 +8614,159 @@
           </a:p>
         </p:txBody>
       </p:sp>
+      <p:pic>
+        <p:nvPicPr>
+          <p:cNvPr id="6" name="Grafik 5">
+            <a:extLst>
+              <a:ext uri="{FF2B5EF4-FFF2-40B4-BE49-F238E27FC236}">
+                <a16:creationId xmlns:a16="http://schemas.microsoft.com/office/drawing/2014/main" id="{A15E4211-2864-7403-5DB1-2AE79D6D55B3}"/>
+              </a:ext>
+            </a:extLst>
+          </p:cNvPr>
+          <p:cNvPicPr>
+            <a:picLocks noChangeAspect="1"/>
+          </p:cNvPicPr>
+          <p:nvPr/>
+        </p:nvPicPr>
+        <p:blipFill>
+          <a:blip r:embed="rId3"/>
+          <a:stretch>
+            <a:fillRect/>
+          </a:stretch>
+        </p:blipFill>
+        <p:spPr>
+          <a:xfrm>
+            <a:off x="1814330" y="1778840"/>
+            <a:ext cx="5942529" cy="4741061"/>
+          </a:xfrm>
+          <a:prstGeom prst="rect">
+            <a:avLst/>
+          </a:prstGeom>
+        </p:spPr>
+      </p:pic>
+      <p:pic>
+        <p:nvPicPr>
+          <p:cNvPr id="7" name="Grafik 6">
+            <a:extLst>
+              <a:ext uri="{FF2B5EF4-FFF2-40B4-BE49-F238E27FC236}">
+                <a16:creationId xmlns:a16="http://schemas.microsoft.com/office/drawing/2014/main" id="{4625473A-25F8-F455-94B0-38792ABCA39C}"/>
+              </a:ext>
+            </a:extLst>
+          </p:cNvPr>
+          <p:cNvPicPr>
+            <a:picLocks noChangeAspect="1"/>
+          </p:cNvPicPr>
+          <p:nvPr/>
+        </p:nvPicPr>
+        <p:blipFill>
+          <a:blip r:embed="rId3"/>
+          <a:stretch>
+            <a:fillRect/>
+          </a:stretch>
+        </p:blipFill>
+        <p:spPr>
+          <a:xfrm>
+            <a:off x="629859" y="56367"/>
+            <a:ext cx="8311469" cy="6631046"/>
+          </a:xfrm>
+          <a:prstGeom prst="rect">
+            <a:avLst/>
+          </a:prstGeom>
+        </p:spPr>
+      </p:pic>
     </p:spTree>
     <p:extLst>
       <p:ext uri="{BB962C8B-B14F-4D97-AF65-F5344CB8AC3E}">
-        <p14:creationId xmlns:p14="http://schemas.microsoft.com/office/powerpoint/2010/main" val="3981414043"/>
+        <p14:creationId xmlns:p14="http://schemas.microsoft.com/office/powerpoint/2010/main" val="3096743553"/>
       </p:ext>
     </p:extLst>
   </p:cSld>
   <p:clrMapOvr>
     <a:masterClrMapping/>
   </p:clrMapOvr>
-  <mc:AlternateContent xmlns:mc="http://schemas.openxmlformats.org/markup-compatibility/2006">
-    <mc:Choice xmlns:p14="http://schemas.microsoft.com/office/powerpoint/2010/main" Requires="p14">
+  <mc:AlternateContent xmlns:mc="http://schemas.openxmlformats.org/markup-compatibility/2006" xmlns:p14="http://schemas.microsoft.com/office/powerpoint/2010/main">
+    <mc:Choice Requires="p14">
       <p:transition spd="slow" p14:dur="2000" advTm="33732"/>
     </mc:Choice>
-    <mc:Fallback>
+    <mc:Fallback xmlns="">
       <p:transition spd="slow" advTm="33732"/>
     </mc:Fallback>
   </mc:AlternateContent>
+  <p:timing>
+    <p:tnLst>
+      <p:par>
+        <p:cTn id="1" dur="indefinite" restart="never" nodeType="tmRoot">
+          <p:childTnLst>
+            <p:seq concurrent="1" nextAc="seek">
+              <p:cTn id="2" dur="indefinite" nodeType="mainSeq">
+                <p:childTnLst>
+                  <p:par>
+                    <p:cTn id="3" fill="hold">
+                      <p:stCondLst>
+                        <p:cond delay="indefinite"/>
+                      </p:stCondLst>
+                      <p:childTnLst>
+                        <p:par>
+                          <p:cTn id="4" fill="hold">
+                            <p:stCondLst>
+                              <p:cond delay="0"/>
+                            </p:stCondLst>
+                            <p:childTnLst>
+                              <p:par>
+                                <p:cTn id="5" presetID="1" presetClass="entr" presetSubtype="0" fill="hold" nodeType="clickEffect">
+                                  <p:stCondLst>
+                                    <p:cond delay="0"/>
+                                  </p:stCondLst>
+                                  <p:childTnLst>
+                                    <p:set>
+                                      <p:cBhvr>
+                                        <p:cTn id="6" dur="1" fill="hold">
+                                          <p:stCondLst>
+                                            <p:cond delay="0"/>
+                                          </p:stCondLst>
+                                        </p:cTn>
+                                        <p:tgtEl>
+                                          <p:spTgt spid="7"/>
+                                        </p:tgtEl>
+                                        <p:attrNameLst>
+                                          <p:attrName>style.visibility</p:attrName>
+                                        </p:attrNameLst>
+                                      </p:cBhvr>
+                                      <p:to>
+                                        <p:strVal val="visible"/>
+                                      </p:to>
+                                    </p:set>
+                                  </p:childTnLst>
+                                </p:cTn>
+                              </p:par>
+                            </p:childTnLst>
+                          </p:cTn>
+                        </p:par>
+                      </p:childTnLst>
+                    </p:cTn>
+                  </p:par>
+                </p:childTnLst>
+              </p:cTn>
+              <p:prevCondLst>
+                <p:cond evt="onPrev" delay="0">
+                  <p:tgtEl>
+                    <p:sldTgt/>
+                  </p:tgtEl>
+                </p:cond>
+              </p:prevCondLst>
+              <p:nextCondLst>
+                <p:cond evt="onNext" delay="0">
+                  <p:tgtEl>
+                    <p:sldTgt/>
+                  </p:tgtEl>
+                </p:cond>
+              </p:nextCondLst>
+            </p:seq>
+          </p:childTnLst>
+        </p:cTn>
+      </p:par>
+    </p:tnLst>
+  </p:timing>
 </p:sld>
 </file>
 
@@ -10576,12 +8787,41 @@
           <a:chExt cx="0" cy="0"/>
         </a:xfrm>
       </p:grpSpPr>
+      <p:pic>
+        <p:nvPicPr>
+          <p:cNvPr id="4" name="Grafik 3">
+            <a:extLst>
+              <a:ext uri="{FF2B5EF4-FFF2-40B4-BE49-F238E27FC236}">
+                <a16:creationId xmlns:a16="http://schemas.microsoft.com/office/drawing/2014/main" id="{8E1C21AE-27E9-46F7-36AD-12AA7C817BF3}"/>
+              </a:ext>
+            </a:extLst>
+          </p:cNvPr>
+          <p:cNvPicPr>
+            <a:picLocks noChangeAspect="1"/>
+          </p:cNvPicPr>
+          <p:nvPr/>
+        </p:nvPicPr>
+        <p:blipFill rotWithShape="1">
+          <a:blip r:embed="rId3"/>
+          <a:srcRect r="1793"/>
+          <a:stretch/>
+        </p:blipFill>
+        <p:spPr>
+          <a:xfrm>
+            <a:off x="1418264" y="1470688"/>
+            <a:ext cx="6088909" cy="5293890"/>
+          </a:xfrm>
+          <a:prstGeom prst="rect">
+            <a:avLst/>
+          </a:prstGeom>
+        </p:spPr>
+      </p:pic>
       <p:sp>
         <p:nvSpPr>
           <p:cNvPr id="2" name="Titel 1">
             <a:extLst>
               <a:ext uri="{FF2B5EF4-FFF2-40B4-BE49-F238E27FC236}">
-                <a16:creationId xmlns:a16="http://schemas.microsoft.com/office/drawing/2014/main" id="{D484557B-1171-F5AA-820A-7AC30E7CB552}"/>
+                <a16:creationId xmlns:a16="http://schemas.microsoft.com/office/drawing/2014/main" id="{4886BDED-F105-DAAB-E82A-B1D3D48B7306}"/>
               </a:ext>
             </a:extLst>
           </p:cNvPr>
@@ -10599,27 +8839,64 @@
           <a:p>
             <a:r>
               <a:rPr lang="de-CH" dirty="0"/>
-              <a:t>Fragen</a:t>
-            </a:r>
+              <a:t>Analyse und Design</a:t>
+            </a:r>
+            <a:br>
+              <a:rPr lang="de-CH" dirty="0"/>
+            </a:br>
+            <a:r>
+              <a:rPr lang="de-CH" sz="2400" dirty="0"/>
+              <a:t>Architektur</a:t>
+            </a:r>
+            <a:endParaRPr lang="de-CH" dirty="0"/>
+          </a:p>
+        </p:txBody>
+      </p:sp>
+      <p:sp>
+        <p:nvSpPr>
+          <p:cNvPr id="5" name="Foliennummernplatzhalter 4">
+            <a:extLst>
+              <a:ext uri="{FF2B5EF4-FFF2-40B4-BE49-F238E27FC236}">
+                <a16:creationId xmlns:a16="http://schemas.microsoft.com/office/drawing/2014/main" id="{D78B2001-0582-AF5C-73E0-D0C52A58F0B5}"/>
+              </a:ext>
+            </a:extLst>
+          </p:cNvPr>
+          <p:cNvSpPr>
+            <a:spLocks noGrp="1"/>
+          </p:cNvSpPr>
+          <p:nvPr>
+            <p:ph type="sldNum" sz="quarter" idx="12"/>
+          </p:nvPr>
+        </p:nvSpPr>
+        <p:spPr/>
+        <p:txBody>
+          <a:bodyPr/>
+          <a:lstStyle/>
+          <a:p>
+            <a:fld id="{C5C4FCA5-2BB8-425C-AF71-2DCCD7874011}" type="slidenum">
+              <a:rPr lang="de-CH" smtClean="0"/>
+              <a:t>13</a:t>
+            </a:fld>
+            <a:endParaRPr lang="de-CH"/>
           </a:p>
         </p:txBody>
       </p:sp>
     </p:spTree>
     <p:extLst>
       <p:ext uri="{BB962C8B-B14F-4D97-AF65-F5344CB8AC3E}">
-        <p14:creationId xmlns:p14="http://schemas.microsoft.com/office/powerpoint/2010/main" val="779496161"/>
+        <p14:creationId xmlns:p14="http://schemas.microsoft.com/office/powerpoint/2010/main" val="187769987"/>
       </p:ext>
     </p:extLst>
   </p:cSld>
   <p:clrMapOvr>
     <a:masterClrMapping/>
   </p:clrMapOvr>
-  <mc:AlternateContent xmlns:mc="http://schemas.openxmlformats.org/markup-compatibility/2006" xmlns:p14="http://schemas.microsoft.com/office/powerpoint/2010/main">
-    <mc:Choice Requires="p14">
-      <p:transition spd="slow" p14:dur="2000" advTm="7749"/>
+  <mc:AlternateContent xmlns:mc="http://schemas.openxmlformats.org/markup-compatibility/2006">
+    <mc:Choice xmlns:p14="http://schemas.microsoft.com/office/powerpoint/2010/main" Requires="p14">
+      <p:transition spd="slow" p14:dur="2000" advTm="33732"/>
     </mc:Choice>
-    <mc:Fallback xmlns="">
-      <p:transition spd="slow" advTm="7749"/>
+    <mc:Fallback>
+      <p:transition spd="slow" advTm="33732"/>
     </mc:Fallback>
   </mc:AlternateContent>
 </p:sld>
@@ -10642,12 +8919,45 @@
           <a:chExt cx="0" cy="0"/>
         </a:xfrm>
       </p:grpSpPr>
+      <p:pic>
+        <p:nvPicPr>
+          <p:cNvPr id="8" name="Grafik 7">
+            <a:extLst>
+              <a:ext uri="{FF2B5EF4-FFF2-40B4-BE49-F238E27FC236}">
+                <a16:creationId xmlns:a16="http://schemas.microsoft.com/office/drawing/2014/main" id="{3A9E2F77-FA69-E23C-A003-DB79C52D8085}"/>
+              </a:ext>
+            </a:extLst>
+          </p:cNvPr>
+          <p:cNvPicPr>
+            <a:picLocks noChangeAspect="1"/>
+          </p:cNvPicPr>
+          <p:nvPr/>
+        </p:nvPicPr>
+        <p:blipFill>
+          <a:blip r:embed="rId3"/>
+          <a:stretch>
+            <a:fillRect/>
+          </a:stretch>
+        </p:blipFill>
+        <p:spPr>
+          <a:xfrm>
+            <a:off x="851821" y="40416"/>
+            <a:ext cx="7650583" cy="6748472"/>
+          </a:xfrm>
+          <a:prstGeom prst="rect">
+            <a:avLst/>
+          </a:prstGeom>
+          <a:effectLst>
+            <a:softEdge rad="63500"/>
+          </a:effectLst>
+        </p:spPr>
+      </p:pic>
       <p:sp>
         <p:nvSpPr>
           <p:cNvPr id="2" name="Titel 1">
             <a:extLst>
               <a:ext uri="{FF2B5EF4-FFF2-40B4-BE49-F238E27FC236}">
-                <a16:creationId xmlns:a16="http://schemas.microsoft.com/office/drawing/2014/main" id="{D484557B-1171-F5AA-820A-7AC30E7CB552}"/>
+                <a16:creationId xmlns:a16="http://schemas.microsoft.com/office/drawing/2014/main" id="{4886BDED-F105-DAAB-E82A-B1D3D48B7306}"/>
               </a:ext>
             </a:extLst>
           </p:cNvPr>
@@ -10665,15 +8975,213 @@
           <a:p>
             <a:r>
               <a:rPr lang="de-CH" dirty="0"/>
-              <a:t>Vielen Dank</a:t>
-            </a:r>
+              <a:t>Analyse und Design</a:t>
+            </a:r>
+            <a:br>
+              <a:rPr lang="de-CH" dirty="0"/>
+            </a:br>
+            <a:r>
+              <a:rPr lang="de-CH" sz="2400" dirty="0"/>
+              <a:t>Kommunikation</a:t>
+            </a:r>
+            <a:endParaRPr lang="de-CH" dirty="0"/>
+          </a:p>
+        </p:txBody>
+      </p:sp>
+      <p:sp>
+        <p:nvSpPr>
+          <p:cNvPr id="5" name="Foliennummernplatzhalter 4">
+            <a:extLst>
+              <a:ext uri="{FF2B5EF4-FFF2-40B4-BE49-F238E27FC236}">
+                <a16:creationId xmlns:a16="http://schemas.microsoft.com/office/drawing/2014/main" id="{D78B2001-0582-AF5C-73E0-D0C52A58F0B5}"/>
+              </a:ext>
+            </a:extLst>
+          </p:cNvPr>
+          <p:cNvSpPr>
+            <a:spLocks noGrp="1"/>
+          </p:cNvSpPr>
+          <p:nvPr>
+            <p:ph type="sldNum" sz="quarter" idx="12"/>
+          </p:nvPr>
+        </p:nvSpPr>
+        <p:spPr/>
+        <p:txBody>
+          <a:bodyPr/>
+          <a:lstStyle/>
+          <a:p>
+            <a:fld id="{C5C4FCA5-2BB8-425C-AF71-2DCCD7874011}" type="slidenum">
+              <a:rPr lang="de-CH" smtClean="0"/>
+              <a:t>14</a:t>
+            </a:fld>
+            <a:endParaRPr lang="de-CH"/>
           </a:p>
         </p:txBody>
       </p:sp>
     </p:spTree>
     <p:extLst>
       <p:ext uri="{BB962C8B-B14F-4D97-AF65-F5344CB8AC3E}">
-        <p14:creationId xmlns:p14="http://schemas.microsoft.com/office/powerpoint/2010/main" val="2041144322"/>
+        <p14:creationId xmlns:p14="http://schemas.microsoft.com/office/powerpoint/2010/main" val="1363171204"/>
+      </p:ext>
+    </p:extLst>
+  </p:cSld>
+  <p:clrMapOvr>
+    <a:masterClrMapping/>
+  </p:clrMapOvr>
+  <mc:AlternateContent xmlns:mc="http://schemas.openxmlformats.org/markup-compatibility/2006">
+    <mc:Choice xmlns:p14="http://schemas.microsoft.com/office/powerpoint/2010/main" Requires="p14">
+      <p:transition spd="slow" p14:dur="2000" advTm="33732"/>
+    </mc:Choice>
+    <mc:Fallback>
+      <p:transition spd="slow" advTm="33732"/>
+    </mc:Fallback>
+  </mc:AlternateContent>
+</p:sld>
+</file>
+
+<file path=ppt/slides/slide15.xml><?xml version="1.0" encoding="utf-8"?>
+<p:sld xmlns:a="http://schemas.openxmlformats.org/drawingml/2006/main" xmlns:r="http://schemas.openxmlformats.org/officeDocument/2006/relationships" xmlns:p="http://schemas.openxmlformats.org/presentationml/2006/main">
+  <p:cSld>
+    <p:spTree>
+      <p:nvGrpSpPr>
+        <p:cNvPr id="1" name=""/>
+        <p:cNvGrpSpPr/>
+        <p:nvPr/>
+      </p:nvGrpSpPr>
+      <p:grpSpPr>
+        <a:xfrm>
+          <a:off x="0" y="0"/>
+          <a:ext cx="0" cy="0"/>
+          <a:chOff x="0" y="0"/>
+          <a:chExt cx="0" cy="0"/>
+        </a:xfrm>
+      </p:grpSpPr>
+      <p:sp>
+        <p:nvSpPr>
+          <p:cNvPr id="2" name="Titel 1">
+            <a:extLst>
+              <a:ext uri="{FF2B5EF4-FFF2-40B4-BE49-F238E27FC236}">
+                <a16:creationId xmlns:a16="http://schemas.microsoft.com/office/drawing/2014/main" id="{4886BDED-F105-DAAB-E82A-B1D3D48B7306}"/>
+              </a:ext>
+            </a:extLst>
+          </p:cNvPr>
+          <p:cNvSpPr>
+            <a:spLocks noGrp="1"/>
+          </p:cNvSpPr>
+          <p:nvPr>
+            <p:ph type="title"/>
+          </p:nvPr>
+        </p:nvSpPr>
+        <p:spPr/>
+        <p:txBody>
+          <a:bodyPr/>
+          <a:lstStyle/>
+          <a:p>
+            <a:r>
+              <a:rPr lang="de-CH" dirty="0"/>
+              <a:t>Implementation</a:t>
+            </a:r>
+            <a:br>
+              <a:rPr lang="de-CH" dirty="0"/>
+            </a:br>
+            <a:r>
+              <a:rPr lang="de-CH" sz="2400" dirty="0"/>
+              <a:t>Authentisierung</a:t>
+            </a:r>
+            <a:endParaRPr lang="de-CH" dirty="0"/>
+          </a:p>
+        </p:txBody>
+      </p:sp>
+      <p:sp>
+        <p:nvSpPr>
+          <p:cNvPr id="5" name="Foliennummernplatzhalter 4">
+            <a:extLst>
+              <a:ext uri="{FF2B5EF4-FFF2-40B4-BE49-F238E27FC236}">
+                <a16:creationId xmlns:a16="http://schemas.microsoft.com/office/drawing/2014/main" id="{D78B2001-0582-AF5C-73E0-D0C52A58F0B5}"/>
+              </a:ext>
+            </a:extLst>
+          </p:cNvPr>
+          <p:cNvSpPr>
+            <a:spLocks noGrp="1"/>
+          </p:cNvSpPr>
+          <p:nvPr>
+            <p:ph type="sldNum" sz="quarter" idx="12"/>
+          </p:nvPr>
+        </p:nvSpPr>
+        <p:spPr/>
+        <p:txBody>
+          <a:bodyPr/>
+          <a:lstStyle/>
+          <a:p>
+            <a:fld id="{C5C4FCA5-2BB8-425C-AF71-2DCCD7874011}" type="slidenum">
+              <a:rPr lang="de-CH" smtClean="0"/>
+              <a:t>15</a:t>
+            </a:fld>
+            <a:endParaRPr lang="de-CH"/>
+          </a:p>
+        </p:txBody>
+      </p:sp>
+      <p:pic>
+        <p:nvPicPr>
+          <p:cNvPr id="6" name="Grafik 5">
+            <a:extLst>
+              <a:ext uri="{FF2B5EF4-FFF2-40B4-BE49-F238E27FC236}">
+                <a16:creationId xmlns:a16="http://schemas.microsoft.com/office/drawing/2014/main" id="{8E3B8AC2-BE8C-9DEF-B482-87658C1E3A7F}"/>
+              </a:ext>
+            </a:extLst>
+          </p:cNvPr>
+          <p:cNvPicPr>
+            <a:picLocks noChangeAspect="1"/>
+          </p:cNvPicPr>
+          <p:nvPr/>
+        </p:nvPicPr>
+        <p:blipFill rotWithShape="1">
+          <a:blip r:embed="rId3"/>
+          <a:srcRect t="24383"/>
+          <a:stretch/>
+        </p:blipFill>
+        <p:spPr>
+          <a:xfrm>
+            <a:off x="2024592" y="1741587"/>
+            <a:ext cx="5381546" cy="5034305"/>
+          </a:xfrm>
+          <a:prstGeom prst="rect">
+            <a:avLst/>
+          </a:prstGeom>
+        </p:spPr>
+      </p:pic>
+      <p:pic>
+        <p:nvPicPr>
+          <p:cNvPr id="8" name="Grafik 7">
+            <a:extLst>
+              <a:ext uri="{FF2B5EF4-FFF2-40B4-BE49-F238E27FC236}">
+                <a16:creationId xmlns:a16="http://schemas.microsoft.com/office/drawing/2014/main" id="{F21919ED-5E6A-DEAC-74A7-ED886BB2B716}"/>
+              </a:ext>
+            </a:extLst>
+          </p:cNvPr>
+          <p:cNvPicPr>
+            <a:picLocks noChangeAspect="1"/>
+          </p:cNvPicPr>
+          <p:nvPr/>
+        </p:nvPicPr>
+        <p:blipFill rotWithShape="1">
+          <a:blip r:embed="rId3"/>
+          <a:srcRect l="10753" t="2431" r="13243" b="83614"/>
+          <a:stretch/>
+        </p:blipFill>
+        <p:spPr>
+          <a:xfrm>
+            <a:off x="490036" y="6208827"/>
+            <a:ext cx="2680090" cy="608757"/>
+          </a:xfrm>
+          <a:prstGeom prst="rect">
+            <a:avLst/>
+          </a:prstGeom>
+        </p:spPr>
+      </p:pic>
+    </p:spTree>
+    <p:extLst>
+      <p:ext uri="{BB962C8B-B14F-4D97-AF65-F5344CB8AC3E}">
+        <p14:creationId xmlns:p14="http://schemas.microsoft.com/office/powerpoint/2010/main" val="3719948826"/>
       </p:ext>
     </p:extLst>
   </p:cSld>
@@ -10682,10 +9190,1143 @@
   </p:clrMapOvr>
   <mc:AlternateContent xmlns:mc="http://schemas.openxmlformats.org/markup-compatibility/2006" xmlns:p14="http://schemas.microsoft.com/office/powerpoint/2010/main">
     <mc:Choice Requires="p14">
-      <p:transition spd="slow" p14:dur="2000" advTm="7749"/>
+      <p:transition spd="slow" p14:dur="2000" advTm="33732"/>
     </mc:Choice>
     <mc:Fallback xmlns="">
-      <p:transition spd="slow" advTm="7749"/>
+      <p:transition spd="slow" advTm="33732"/>
+    </mc:Fallback>
+  </mc:AlternateContent>
+</p:sld>
+</file>
+
+<file path=ppt/slides/slide16.xml><?xml version="1.0" encoding="utf-8"?>
+<p:sld xmlns:a="http://schemas.openxmlformats.org/drawingml/2006/main" xmlns:r="http://schemas.openxmlformats.org/officeDocument/2006/relationships" xmlns:p="http://schemas.openxmlformats.org/presentationml/2006/main">
+  <p:cSld>
+    <p:spTree>
+      <p:nvGrpSpPr>
+        <p:cNvPr id="1" name=""/>
+        <p:cNvGrpSpPr/>
+        <p:nvPr/>
+      </p:nvGrpSpPr>
+      <p:grpSpPr>
+        <a:xfrm>
+          <a:off x="0" y="0"/>
+          <a:ext cx="0" cy="0"/>
+          <a:chOff x="0" y="0"/>
+          <a:chExt cx="0" cy="0"/>
+        </a:xfrm>
+      </p:grpSpPr>
+      <p:sp>
+        <p:nvSpPr>
+          <p:cNvPr id="2" name="Titel 1">
+            <a:extLst>
+              <a:ext uri="{FF2B5EF4-FFF2-40B4-BE49-F238E27FC236}">
+                <a16:creationId xmlns:a16="http://schemas.microsoft.com/office/drawing/2014/main" id="{4886BDED-F105-DAAB-E82A-B1D3D48B7306}"/>
+              </a:ext>
+            </a:extLst>
+          </p:cNvPr>
+          <p:cNvSpPr>
+            <a:spLocks noGrp="1"/>
+          </p:cNvSpPr>
+          <p:nvPr>
+            <p:ph type="title"/>
+          </p:nvPr>
+        </p:nvSpPr>
+        <p:spPr/>
+        <p:txBody>
+          <a:bodyPr/>
+          <a:lstStyle/>
+          <a:p>
+            <a:r>
+              <a:rPr lang="de-CH" dirty="0"/>
+              <a:t>Implementation</a:t>
+            </a:r>
+            <a:br>
+              <a:rPr lang="de-CH" dirty="0"/>
+            </a:br>
+            <a:r>
+              <a:rPr lang="de-CH" sz="2400" dirty="0"/>
+              <a:t>Bibliotheken</a:t>
+            </a:r>
+            <a:endParaRPr lang="de-CH" dirty="0"/>
+          </a:p>
+        </p:txBody>
+      </p:sp>
+      <p:sp>
+        <p:nvSpPr>
+          <p:cNvPr id="5" name="Foliennummernplatzhalter 4">
+            <a:extLst>
+              <a:ext uri="{FF2B5EF4-FFF2-40B4-BE49-F238E27FC236}">
+                <a16:creationId xmlns:a16="http://schemas.microsoft.com/office/drawing/2014/main" id="{D78B2001-0582-AF5C-73E0-D0C52A58F0B5}"/>
+              </a:ext>
+            </a:extLst>
+          </p:cNvPr>
+          <p:cNvSpPr>
+            <a:spLocks noGrp="1"/>
+          </p:cNvSpPr>
+          <p:nvPr>
+            <p:ph type="sldNum" sz="quarter" idx="12"/>
+          </p:nvPr>
+        </p:nvSpPr>
+        <p:spPr/>
+        <p:txBody>
+          <a:bodyPr/>
+          <a:lstStyle/>
+          <a:p>
+            <a:fld id="{C5C4FCA5-2BB8-425C-AF71-2DCCD7874011}" type="slidenum">
+              <a:rPr lang="de-CH" smtClean="0"/>
+              <a:t>16</a:t>
+            </a:fld>
+            <a:endParaRPr lang="de-CH"/>
+          </a:p>
+        </p:txBody>
+      </p:sp>
+      <p:sp>
+        <p:nvSpPr>
+          <p:cNvPr id="3" name="Inhaltsplatzhalter 2">
+            <a:extLst>
+              <a:ext uri="{FF2B5EF4-FFF2-40B4-BE49-F238E27FC236}">
+                <a16:creationId xmlns:a16="http://schemas.microsoft.com/office/drawing/2014/main" id="{FCBDCF8F-C1B1-365E-56BF-73B72560707E}"/>
+              </a:ext>
+            </a:extLst>
+          </p:cNvPr>
+          <p:cNvSpPr>
+            <a:spLocks noGrp="1"/>
+          </p:cNvSpPr>
+          <p:nvPr>
+            <p:ph idx="1"/>
+          </p:nvPr>
+        </p:nvSpPr>
+        <p:spPr>
+          <a:xfrm>
+            <a:off x="677334" y="2160589"/>
+            <a:ext cx="8596668" cy="4437236"/>
+          </a:xfrm>
+        </p:spPr>
+        <p:txBody>
+          <a:bodyPr>
+            <a:normAutofit fontScale="92500" lnSpcReduction="20000"/>
+          </a:bodyPr>
+          <a:lstStyle/>
+          <a:p>
+            <a:r>
+              <a:rPr lang="de-CH" dirty="0"/>
+              <a:t>Frontend</a:t>
+            </a:r>
+          </a:p>
+          <a:p>
+            <a:pPr lvl="1"/>
+            <a:r>
+              <a:rPr lang="de-CH" dirty="0"/>
+              <a:t>Material-UI für Controls und Styling</a:t>
+            </a:r>
+          </a:p>
+          <a:p>
+            <a:pPr lvl="1"/>
+            <a:r>
+              <a:rPr lang="de-CH" dirty="0" err="1"/>
+              <a:t>Jest</a:t>
+            </a:r>
+            <a:r>
+              <a:rPr lang="de-CH" dirty="0"/>
+              <a:t> für Unit-Tests</a:t>
+            </a:r>
+          </a:p>
+          <a:p>
+            <a:pPr lvl="1"/>
+            <a:r>
+              <a:rPr lang="de-CH" dirty="0"/>
+              <a:t>Mock Service </a:t>
+            </a:r>
+            <a:r>
+              <a:rPr lang="de-CH" dirty="0" err="1"/>
+              <a:t>Worker</a:t>
+            </a:r>
+            <a:r>
+              <a:rPr lang="de-CH" dirty="0"/>
+              <a:t> für Test-Mocks</a:t>
+            </a:r>
+          </a:p>
+          <a:p>
+            <a:pPr lvl="1"/>
+            <a:endParaRPr lang="de-CH" dirty="0"/>
+          </a:p>
+          <a:p>
+            <a:r>
+              <a:rPr lang="de-CH" dirty="0"/>
+              <a:t>Backend / Authentication</a:t>
+            </a:r>
+          </a:p>
+          <a:p>
+            <a:pPr lvl="1"/>
+            <a:r>
+              <a:rPr lang="de-CH" dirty="0" err="1"/>
+              <a:t>Swashbuckle</a:t>
+            </a:r>
+            <a:r>
+              <a:rPr lang="de-CH" dirty="0"/>
+              <a:t> für </a:t>
+            </a:r>
+            <a:r>
+              <a:rPr lang="de-CH" dirty="0" err="1"/>
+              <a:t>Swagger</a:t>
+            </a:r>
+            <a:r>
+              <a:rPr lang="de-CH" dirty="0"/>
+              <a:t>-API-Dokumentation</a:t>
+            </a:r>
+          </a:p>
+          <a:p>
+            <a:pPr lvl="1"/>
+            <a:r>
+              <a:rPr lang="de-CH" dirty="0" err="1"/>
+              <a:t>xUnit</a:t>
+            </a:r>
+            <a:r>
+              <a:rPr lang="de-CH" dirty="0"/>
+              <a:t> für Unit-Tests</a:t>
+            </a:r>
+          </a:p>
+          <a:p>
+            <a:pPr lvl="1"/>
+            <a:r>
+              <a:rPr lang="de-CH" dirty="0" err="1"/>
+              <a:t>NSubstitute</a:t>
+            </a:r>
+            <a:r>
+              <a:rPr lang="de-CH" dirty="0"/>
+              <a:t> für Test-Mocks</a:t>
+            </a:r>
+          </a:p>
+          <a:p>
+            <a:pPr lvl="1"/>
+            <a:r>
+              <a:rPr lang="de-CH" dirty="0" err="1"/>
+              <a:t>Snapshooter</a:t>
+            </a:r>
+            <a:r>
+              <a:rPr lang="de-CH" dirty="0"/>
+              <a:t> für Snapshot-Tests</a:t>
+            </a:r>
+          </a:p>
+          <a:p>
+            <a:endParaRPr lang="de-CH" dirty="0"/>
+          </a:p>
+          <a:p>
+            <a:r>
+              <a:rPr lang="de-CH" dirty="0"/>
+              <a:t>Authentication</a:t>
+            </a:r>
+          </a:p>
+          <a:p>
+            <a:pPr lvl="1"/>
+            <a:r>
+              <a:rPr lang="de-CH" dirty="0" err="1"/>
+              <a:t>Duende</a:t>
+            </a:r>
+            <a:r>
+              <a:rPr lang="de-CH" dirty="0"/>
+              <a:t> Identity Server</a:t>
+            </a:r>
+          </a:p>
+          <a:p>
+            <a:pPr lvl="1"/>
+            <a:r>
+              <a:rPr lang="de-CH" dirty="0"/>
+              <a:t>ASP .NET Identity</a:t>
+            </a:r>
+          </a:p>
+        </p:txBody>
+      </p:sp>
+    </p:spTree>
+    <p:extLst>
+      <p:ext uri="{BB962C8B-B14F-4D97-AF65-F5344CB8AC3E}">
+        <p14:creationId xmlns:p14="http://schemas.microsoft.com/office/powerpoint/2010/main" val="602715304"/>
+      </p:ext>
+    </p:extLst>
+  </p:cSld>
+  <p:clrMapOvr>
+    <a:masterClrMapping/>
+  </p:clrMapOvr>
+  <mc:AlternateContent xmlns:mc="http://schemas.openxmlformats.org/markup-compatibility/2006">
+    <mc:Choice xmlns:p14="http://schemas.microsoft.com/office/powerpoint/2010/main" Requires="p14">
+      <p:transition spd="slow" p14:dur="2000" advTm="33732"/>
+    </mc:Choice>
+    <mc:Fallback>
+      <p:transition spd="slow" advTm="33732"/>
+    </mc:Fallback>
+  </mc:AlternateContent>
+  <p:timing>
+    <p:tnLst>
+      <p:par>
+        <p:cTn id="1" dur="indefinite" restart="never" nodeType="tmRoot">
+          <p:childTnLst>
+            <p:seq concurrent="1" nextAc="seek">
+              <p:cTn id="2" dur="indefinite" nodeType="mainSeq">
+                <p:childTnLst>
+                  <p:par>
+                    <p:cTn id="3" fill="hold">
+                      <p:stCondLst>
+                        <p:cond delay="indefinite"/>
+                      </p:stCondLst>
+                      <p:childTnLst>
+                        <p:par>
+                          <p:cTn id="4" fill="hold">
+                            <p:stCondLst>
+                              <p:cond delay="0"/>
+                            </p:stCondLst>
+                            <p:childTnLst>
+                              <p:par>
+                                <p:cTn id="5" presetID="1" presetClass="entr" presetSubtype="0" fill="hold" nodeType="clickEffect">
+                                  <p:stCondLst>
+                                    <p:cond delay="0"/>
+                                  </p:stCondLst>
+                                  <p:childTnLst>
+                                    <p:set>
+                                      <p:cBhvr>
+                                        <p:cTn id="6" dur="1" fill="hold">
+                                          <p:stCondLst>
+                                            <p:cond delay="0"/>
+                                          </p:stCondLst>
+                                        </p:cTn>
+                                        <p:tgtEl>
+                                          <p:spTgt spid="3">
+                                            <p:txEl>
+                                              <p:pRg st="5" end="5"/>
+                                            </p:txEl>
+                                          </p:spTgt>
+                                        </p:tgtEl>
+                                        <p:attrNameLst>
+                                          <p:attrName>style.visibility</p:attrName>
+                                        </p:attrNameLst>
+                                      </p:cBhvr>
+                                      <p:to>
+                                        <p:strVal val="visible"/>
+                                      </p:to>
+                                    </p:set>
+                                  </p:childTnLst>
+                                </p:cTn>
+                              </p:par>
+                              <p:par>
+                                <p:cTn id="7" presetID="1" presetClass="entr" presetSubtype="0" fill="hold" nodeType="withEffect">
+                                  <p:stCondLst>
+                                    <p:cond delay="0"/>
+                                  </p:stCondLst>
+                                  <p:childTnLst>
+                                    <p:set>
+                                      <p:cBhvr>
+                                        <p:cTn id="8" dur="1" fill="hold">
+                                          <p:stCondLst>
+                                            <p:cond delay="0"/>
+                                          </p:stCondLst>
+                                        </p:cTn>
+                                        <p:tgtEl>
+                                          <p:spTgt spid="3">
+                                            <p:txEl>
+                                              <p:pRg st="6" end="6"/>
+                                            </p:txEl>
+                                          </p:spTgt>
+                                        </p:tgtEl>
+                                        <p:attrNameLst>
+                                          <p:attrName>style.visibility</p:attrName>
+                                        </p:attrNameLst>
+                                      </p:cBhvr>
+                                      <p:to>
+                                        <p:strVal val="visible"/>
+                                      </p:to>
+                                    </p:set>
+                                  </p:childTnLst>
+                                </p:cTn>
+                              </p:par>
+                              <p:par>
+                                <p:cTn id="9" presetID="1" presetClass="entr" presetSubtype="0" fill="hold" nodeType="withEffect">
+                                  <p:stCondLst>
+                                    <p:cond delay="0"/>
+                                  </p:stCondLst>
+                                  <p:childTnLst>
+                                    <p:set>
+                                      <p:cBhvr>
+                                        <p:cTn id="10" dur="1" fill="hold">
+                                          <p:stCondLst>
+                                            <p:cond delay="0"/>
+                                          </p:stCondLst>
+                                        </p:cTn>
+                                        <p:tgtEl>
+                                          <p:spTgt spid="3">
+                                            <p:txEl>
+                                              <p:pRg st="7" end="7"/>
+                                            </p:txEl>
+                                          </p:spTgt>
+                                        </p:tgtEl>
+                                        <p:attrNameLst>
+                                          <p:attrName>style.visibility</p:attrName>
+                                        </p:attrNameLst>
+                                      </p:cBhvr>
+                                      <p:to>
+                                        <p:strVal val="visible"/>
+                                      </p:to>
+                                    </p:set>
+                                  </p:childTnLst>
+                                </p:cTn>
+                              </p:par>
+                              <p:par>
+                                <p:cTn id="11" presetID="1" presetClass="entr" presetSubtype="0" fill="hold" nodeType="withEffect">
+                                  <p:stCondLst>
+                                    <p:cond delay="0"/>
+                                  </p:stCondLst>
+                                  <p:childTnLst>
+                                    <p:set>
+                                      <p:cBhvr>
+                                        <p:cTn id="12" dur="1" fill="hold">
+                                          <p:stCondLst>
+                                            <p:cond delay="0"/>
+                                          </p:stCondLst>
+                                        </p:cTn>
+                                        <p:tgtEl>
+                                          <p:spTgt spid="3">
+                                            <p:txEl>
+                                              <p:pRg st="8" end="8"/>
+                                            </p:txEl>
+                                          </p:spTgt>
+                                        </p:tgtEl>
+                                        <p:attrNameLst>
+                                          <p:attrName>style.visibility</p:attrName>
+                                        </p:attrNameLst>
+                                      </p:cBhvr>
+                                      <p:to>
+                                        <p:strVal val="visible"/>
+                                      </p:to>
+                                    </p:set>
+                                  </p:childTnLst>
+                                </p:cTn>
+                              </p:par>
+                              <p:par>
+                                <p:cTn id="13" presetID="1" presetClass="entr" presetSubtype="0" fill="hold" nodeType="withEffect">
+                                  <p:stCondLst>
+                                    <p:cond delay="0"/>
+                                  </p:stCondLst>
+                                  <p:childTnLst>
+                                    <p:set>
+                                      <p:cBhvr>
+                                        <p:cTn id="14" dur="1" fill="hold">
+                                          <p:stCondLst>
+                                            <p:cond delay="0"/>
+                                          </p:stCondLst>
+                                        </p:cTn>
+                                        <p:tgtEl>
+                                          <p:spTgt spid="3">
+                                            <p:txEl>
+                                              <p:pRg st="9" end="9"/>
+                                            </p:txEl>
+                                          </p:spTgt>
+                                        </p:tgtEl>
+                                        <p:attrNameLst>
+                                          <p:attrName>style.visibility</p:attrName>
+                                        </p:attrNameLst>
+                                      </p:cBhvr>
+                                      <p:to>
+                                        <p:strVal val="visible"/>
+                                      </p:to>
+                                    </p:set>
+                                  </p:childTnLst>
+                                </p:cTn>
+                              </p:par>
+                            </p:childTnLst>
+                          </p:cTn>
+                        </p:par>
+                      </p:childTnLst>
+                    </p:cTn>
+                  </p:par>
+                  <p:par>
+                    <p:cTn id="15" fill="hold">
+                      <p:stCondLst>
+                        <p:cond delay="indefinite"/>
+                      </p:stCondLst>
+                      <p:childTnLst>
+                        <p:par>
+                          <p:cTn id="16" fill="hold">
+                            <p:stCondLst>
+                              <p:cond delay="0"/>
+                            </p:stCondLst>
+                            <p:childTnLst>
+                              <p:par>
+                                <p:cTn id="17" presetID="1" presetClass="entr" presetSubtype="0" fill="hold" nodeType="clickEffect">
+                                  <p:stCondLst>
+                                    <p:cond delay="0"/>
+                                  </p:stCondLst>
+                                  <p:childTnLst>
+                                    <p:set>
+                                      <p:cBhvr>
+                                        <p:cTn id="18" dur="1" fill="hold">
+                                          <p:stCondLst>
+                                            <p:cond delay="0"/>
+                                          </p:stCondLst>
+                                        </p:cTn>
+                                        <p:tgtEl>
+                                          <p:spTgt spid="3">
+                                            <p:txEl>
+                                              <p:pRg st="11" end="11"/>
+                                            </p:txEl>
+                                          </p:spTgt>
+                                        </p:tgtEl>
+                                        <p:attrNameLst>
+                                          <p:attrName>style.visibility</p:attrName>
+                                        </p:attrNameLst>
+                                      </p:cBhvr>
+                                      <p:to>
+                                        <p:strVal val="visible"/>
+                                      </p:to>
+                                    </p:set>
+                                  </p:childTnLst>
+                                </p:cTn>
+                              </p:par>
+                              <p:par>
+                                <p:cTn id="19" presetID="1" presetClass="entr" presetSubtype="0" fill="hold" nodeType="withEffect">
+                                  <p:stCondLst>
+                                    <p:cond delay="0"/>
+                                  </p:stCondLst>
+                                  <p:childTnLst>
+                                    <p:set>
+                                      <p:cBhvr>
+                                        <p:cTn id="20" dur="1" fill="hold">
+                                          <p:stCondLst>
+                                            <p:cond delay="0"/>
+                                          </p:stCondLst>
+                                        </p:cTn>
+                                        <p:tgtEl>
+                                          <p:spTgt spid="3">
+                                            <p:txEl>
+                                              <p:pRg st="12" end="12"/>
+                                            </p:txEl>
+                                          </p:spTgt>
+                                        </p:tgtEl>
+                                        <p:attrNameLst>
+                                          <p:attrName>style.visibility</p:attrName>
+                                        </p:attrNameLst>
+                                      </p:cBhvr>
+                                      <p:to>
+                                        <p:strVal val="visible"/>
+                                      </p:to>
+                                    </p:set>
+                                  </p:childTnLst>
+                                </p:cTn>
+                              </p:par>
+                              <p:par>
+                                <p:cTn id="21" presetID="1" presetClass="entr" presetSubtype="0" fill="hold" nodeType="withEffect">
+                                  <p:stCondLst>
+                                    <p:cond delay="0"/>
+                                  </p:stCondLst>
+                                  <p:childTnLst>
+                                    <p:set>
+                                      <p:cBhvr>
+                                        <p:cTn id="22" dur="1" fill="hold">
+                                          <p:stCondLst>
+                                            <p:cond delay="0"/>
+                                          </p:stCondLst>
+                                        </p:cTn>
+                                        <p:tgtEl>
+                                          <p:spTgt spid="3">
+                                            <p:txEl>
+                                              <p:pRg st="13" end="13"/>
+                                            </p:txEl>
+                                          </p:spTgt>
+                                        </p:tgtEl>
+                                        <p:attrNameLst>
+                                          <p:attrName>style.visibility</p:attrName>
+                                        </p:attrNameLst>
+                                      </p:cBhvr>
+                                      <p:to>
+                                        <p:strVal val="visible"/>
+                                      </p:to>
+                                    </p:set>
+                                  </p:childTnLst>
+                                </p:cTn>
+                              </p:par>
+                            </p:childTnLst>
+                          </p:cTn>
+                        </p:par>
+                      </p:childTnLst>
+                    </p:cTn>
+                  </p:par>
+                </p:childTnLst>
+              </p:cTn>
+              <p:prevCondLst>
+                <p:cond evt="onPrev" delay="0">
+                  <p:tgtEl>
+                    <p:sldTgt/>
+                  </p:tgtEl>
+                </p:cond>
+              </p:prevCondLst>
+              <p:nextCondLst>
+                <p:cond evt="onNext" delay="0">
+                  <p:tgtEl>
+                    <p:sldTgt/>
+                  </p:tgtEl>
+                </p:cond>
+              </p:nextCondLst>
+            </p:seq>
+          </p:childTnLst>
+        </p:cTn>
+      </p:par>
+    </p:tnLst>
+  </p:timing>
+</p:sld>
+</file>
+
+<file path=ppt/slides/slide17.xml><?xml version="1.0" encoding="utf-8"?>
+<p:sld xmlns:a="http://schemas.openxmlformats.org/drawingml/2006/main" xmlns:r="http://schemas.openxmlformats.org/officeDocument/2006/relationships" xmlns:p="http://schemas.openxmlformats.org/presentationml/2006/main">
+  <p:cSld>
+    <p:spTree>
+      <p:nvGrpSpPr>
+        <p:cNvPr id="1" name=""/>
+        <p:cNvGrpSpPr/>
+        <p:nvPr/>
+      </p:nvGrpSpPr>
+      <p:grpSpPr>
+        <a:xfrm>
+          <a:off x="0" y="0"/>
+          <a:ext cx="0" cy="0"/>
+          <a:chOff x="0" y="0"/>
+          <a:chExt cx="0" cy="0"/>
+        </a:xfrm>
+      </p:grpSpPr>
+      <p:sp>
+        <p:nvSpPr>
+          <p:cNvPr id="2" name="Titel 1">
+            <a:extLst>
+              <a:ext uri="{FF2B5EF4-FFF2-40B4-BE49-F238E27FC236}">
+                <a16:creationId xmlns:a16="http://schemas.microsoft.com/office/drawing/2014/main" id="{4886BDED-F105-DAAB-E82A-B1D3D48B7306}"/>
+              </a:ext>
+            </a:extLst>
+          </p:cNvPr>
+          <p:cNvSpPr>
+            <a:spLocks noGrp="1"/>
+          </p:cNvSpPr>
+          <p:nvPr>
+            <p:ph type="title"/>
+          </p:nvPr>
+        </p:nvSpPr>
+        <p:spPr/>
+        <p:txBody>
+          <a:bodyPr/>
+          <a:lstStyle/>
+          <a:p>
+            <a:r>
+              <a:rPr lang="de-CH" dirty="0"/>
+              <a:t>Metriken</a:t>
+            </a:r>
+          </a:p>
+        </p:txBody>
+      </p:sp>
+      <p:sp>
+        <p:nvSpPr>
+          <p:cNvPr id="5" name="Foliennummernplatzhalter 4">
+            <a:extLst>
+              <a:ext uri="{FF2B5EF4-FFF2-40B4-BE49-F238E27FC236}">
+                <a16:creationId xmlns:a16="http://schemas.microsoft.com/office/drawing/2014/main" id="{D78B2001-0582-AF5C-73E0-D0C52A58F0B5}"/>
+              </a:ext>
+            </a:extLst>
+          </p:cNvPr>
+          <p:cNvSpPr>
+            <a:spLocks noGrp="1"/>
+          </p:cNvSpPr>
+          <p:nvPr>
+            <p:ph type="sldNum" sz="quarter" idx="12"/>
+          </p:nvPr>
+        </p:nvSpPr>
+        <p:spPr/>
+        <p:txBody>
+          <a:bodyPr/>
+          <a:lstStyle/>
+          <a:p>
+            <a:fld id="{C5C4FCA5-2BB8-425C-AF71-2DCCD7874011}" type="slidenum">
+              <a:rPr lang="de-CH" smtClean="0"/>
+              <a:t>17</a:t>
+            </a:fld>
+            <a:endParaRPr lang="de-CH"/>
+          </a:p>
+        </p:txBody>
+      </p:sp>
+      <p:sp>
+        <p:nvSpPr>
+          <p:cNvPr id="3" name="Inhaltsplatzhalter 2">
+            <a:extLst>
+              <a:ext uri="{FF2B5EF4-FFF2-40B4-BE49-F238E27FC236}">
+                <a16:creationId xmlns:a16="http://schemas.microsoft.com/office/drawing/2014/main" id="{FCBDCF8F-C1B1-365E-56BF-73B72560707E}"/>
+              </a:ext>
+            </a:extLst>
+          </p:cNvPr>
+          <p:cNvSpPr>
+            <a:spLocks noGrp="1"/>
+          </p:cNvSpPr>
+          <p:nvPr>
+            <p:ph idx="1"/>
+          </p:nvPr>
+        </p:nvSpPr>
+        <p:spPr>
+          <a:xfrm>
+            <a:off x="677334" y="2160589"/>
+            <a:ext cx="8596668" cy="4437236"/>
+          </a:xfrm>
+        </p:spPr>
+        <p:txBody>
+          <a:bodyPr>
+            <a:normAutofit fontScale="77500" lnSpcReduction="20000"/>
+          </a:bodyPr>
+          <a:lstStyle/>
+          <a:p>
+            <a:pPr>
+              <a:tabLst>
+                <a:tab pos="3586163" algn="l"/>
+              </a:tabLst>
+            </a:pPr>
+            <a:r>
+              <a:rPr lang="de-CH" dirty="0"/>
+              <a:t>Anzahl Pull </a:t>
+            </a:r>
+            <a:r>
+              <a:rPr lang="de-CH" dirty="0" err="1"/>
+              <a:t>Requests</a:t>
+            </a:r>
+            <a:r>
+              <a:rPr lang="de-CH" dirty="0"/>
+              <a:t> 	</a:t>
+            </a:r>
+          </a:p>
+          <a:p>
+            <a:pPr>
+              <a:tabLst>
+                <a:tab pos="3586163" algn="l"/>
+              </a:tabLst>
+            </a:pPr>
+            <a:r>
+              <a:rPr lang="de-CH" dirty="0"/>
+              <a:t>Anzahl </a:t>
+            </a:r>
+            <a:r>
+              <a:rPr lang="de-CH" dirty="0" err="1"/>
+              <a:t>Commits</a:t>
+            </a:r>
+            <a:r>
+              <a:rPr lang="de-CH" dirty="0"/>
+              <a:t>	</a:t>
+            </a:r>
+          </a:p>
+          <a:p>
+            <a:pPr>
+              <a:tabLst>
+                <a:tab pos="3586163" algn="l"/>
+              </a:tabLst>
+            </a:pPr>
+            <a:r>
+              <a:rPr lang="de-CH" dirty="0"/>
+              <a:t>Anzahl </a:t>
+            </a:r>
+            <a:r>
+              <a:rPr lang="de-CH" dirty="0" err="1"/>
+              <a:t>Builds</a:t>
+            </a:r>
+            <a:endParaRPr lang="de-CH" dirty="0"/>
+          </a:p>
+          <a:p>
+            <a:pPr>
+              <a:tabLst>
+                <a:tab pos="3586163" algn="l"/>
+              </a:tabLst>
+            </a:pPr>
+            <a:r>
+              <a:rPr lang="de-CH" dirty="0"/>
+              <a:t>Aufteilung Sprachen</a:t>
+            </a:r>
+          </a:p>
+          <a:p>
+            <a:pPr>
+              <a:tabLst>
+                <a:tab pos="3586163" algn="l"/>
+              </a:tabLst>
+            </a:pPr>
+            <a:r>
+              <a:rPr lang="de-CH" dirty="0"/>
+              <a:t>Anzahl Code-Zeilen</a:t>
+            </a:r>
+          </a:p>
+          <a:p>
+            <a:pPr>
+              <a:tabLst>
+                <a:tab pos="3586163" algn="l"/>
+              </a:tabLst>
+            </a:pPr>
+            <a:r>
+              <a:rPr lang="de-CH" dirty="0"/>
+              <a:t>Test Coverage</a:t>
+            </a:r>
+          </a:p>
+          <a:p>
+            <a:pPr marL="0" indent="0">
+              <a:buNone/>
+              <a:tabLst>
+                <a:tab pos="3586163" algn="l"/>
+              </a:tabLst>
+            </a:pPr>
+            <a:endParaRPr lang="de-CH" dirty="0"/>
+          </a:p>
+          <a:p>
+            <a:pPr>
+              <a:tabLst>
+                <a:tab pos="3586163" algn="l"/>
+              </a:tabLst>
+            </a:pPr>
+            <a:r>
+              <a:rPr lang="de-CH" dirty="0" err="1"/>
+              <a:t>Contribution</a:t>
+            </a:r>
+            <a:endParaRPr lang="de-CH" dirty="0"/>
+          </a:p>
+          <a:p>
+            <a:pPr>
+              <a:tabLst>
+                <a:tab pos="3586163" algn="l"/>
+              </a:tabLst>
+            </a:pPr>
+            <a:endParaRPr lang="de-CH" dirty="0"/>
+          </a:p>
+          <a:p>
+            <a:pPr>
+              <a:tabLst>
+                <a:tab pos="3586163" algn="l"/>
+              </a:tabLst>
+            </a:pPr>
+            <a:r>
+              <a:rPr lang="de-CH" dirty="0"/>
+              <a:t>Allgemein:</a:t>
+            </a:r>
+          </a:p>
+          <a:p>
+            <a:pPr lvl="1">
+              <a:tabLst>
+                <a:tab pos="3586163" algn="l"/>
+              </a:tabLst>
+            </a:pPr>
+            <a:r>
+              <a:rPr lang="de-CH" dirty="0"/>
+              <a:t>Anzahl Tickets</a:t>
+            </a:r>
+          </a:p>
+          <a:p>
+            <a:pPr lvl="1">
+              <a:tabLst>
+                <a:tab pos="3586163" algn="l"/>
+              </a:tabLst>
+            </a:pPr>
+            <a:r>
+              <a:rPr lang="de-CH" dirty="0"/>
+              <a:t>Anzahl Sprints</a:t>
+            </a:r>
+          </a:p>
+          <a:p>
+            <a:pPr lvl="1">
+              <a:tabLst>
+                <a:tab pos="3586163" algn="l"/>
+              </a:tabLst>
+            </a:pPr>
+            <a:r>
+              <a:rPr lang="de-CH" dirty="0"/>
+              <a:t>Flussdiagramm (Anzahl Tickets)</a:t>
+            </a:r>
+          </a:p>
+          <a:p>
+            <a:pPr lvl="1">
+              <a:tabLst>
+                <a:tab pos="3586163" algn="l"/>
+              </a:tabLst>
+            </a:pPr>
+            <a:r>
+              <a:rPr lang="de-CH" dirty="0">
+                <a:sym typeface="Wingdings" panose="05000000000000000000" pitchFamily="2" charset="2"/>
+              </a:rPr>
+              <a:t> Zeitauswertung</a:t>
+            </a:r>
+          </a:p>
+          <a:p>
+            <a:pPr lvl="1">
+              <a:tabLst>
+                <a:tab pos="3586163" algn="l"/>
+              </a:tabLst>
+            </a:pPr>
+            <a:r>
+              <a:rPr lang="de-CH" dirty="0">
+                <a:sym typeface="Wingdings" panose="05000000000000000000" pitchFamily="2" charset="2"/>
+              </a:rPr>
+              <a:t>Aufteilung Zeit, Verhältnis zu Allgemein / Implementation</a:t>
+            </a:r>
+            <a:endParaRPr lang="de-CH" dirty="0"/>
+          </a:p>
+        </p:txBody>
+      </p:sp>
+    </p:spTree>
+    <p:extLst>
+      <p:ext uri="{BB962C8B-B14F-4D97-AF65-F5344CB8AC3E}">
+        <p14:creationId xmlns:p14="http://schemas.microsoft.com/office/powerpoint/2010/main" val="3629792471"/>
+      </p:ext>
+    </p:extLst>
+  </p:cSld>
+  <p:clrMapOvr>
+    <a:masterClrMapping/>
+  </p:clrMapOvr>
+  <mc:AlternateContent xmlns:mc="http://schemas.openxmlformats.org/markup-compatibility/2006">
+    <mc:Choice xmlns:p14="http://schemas.microsoft.com/office/powerpoint/2010/main" Requires="p14">
+      <p:transition spd="slow" p14:dur="2000" advTm="33732"/>
+    </mc:Choice>
+    <mc:Fallback>
+      <p:transition spd="slow" advTm="33732"/>
+    </mc:Fallback>
+  </mc:AlternateContent>
+</p:sld>
+</file>
+
+<file path=ppt/slides/slide18.xml><?xml version="1.0" encoding="utf-8"?>
+<p:sld xmlns:a="http://schemas.openxmlformats.org/drawingml/2006/main" xmlns:r="http://schemas.openxmlformats.org/officeDocument/2006/relationships" xmlns:p="http://schemas.openxmlformats.org/presentationml/2006/main">
+  <p:cSld>
+    <p:spTree>
+      <p:nvGrpSpPr>
+        <p:cNvPr id="1" name=""/>
+        <p:cNvGrpSpPr/>
+        <p:nvPr/>
+      </p:nvGrpSpPr>
+      <p:grpSpPr>
+        <a:xfrm>
+          <a:off x="0" y="0"/>
+          <a:ext cx="0" cy="0"/>
+          <a:chOff x="0" y="0"/>
+          <a:chExt cx="0" cy="0"/>
+        </a:xfrm>
+      </p:grpSpPr>
+      <p:sp>
+        <p:nvSpPr>
+          <p:cNvPr id="2" name="Titel 1">
+            <a:extLst>
+              <a:ext uri="{FF2B5EF4-FFF2-40B4-BE49-F238E27FC236}">
+                <a16:creationId xmlns:a16="http://schemas.microsoft.com/office/drawing/2014/main" id="{4886BDED-F105-DAAB-E82A-B1D3D48B7306}"/>
+              </a:ext>
+            </a:extLst>
+          </p:cNvPr>
+          <p:cNvSpPr>
+            <a:spLocks noGrp="1"/>
+          </p:cNvSpPr>
+          <p:nvPr>
+            <p:ph type="title"/>
+          </p:nvPr>
+        </p:nvSpPr>
+        <p:spPr/>
+        <p:txBody>
+          <a:bodyPr/>
+          <a:lstStyle/>
+          <a:p>
+            <a:r>
+              <a:rPr lang="de-CH" dirty="0"/>
+              <a:t>Tools</a:t>
+            </a:r>
+          </a:p>
+        </p:txBody>
+      </p:sp>
+      <p:sp>
+        <p:nvSpPr>
+          <p:cNvPr id="3" name="Inhaltsplatzhalter 2">
+            <a:extLst>
+              <a:ext uri="{FF2B5EF4-FFF2-40B4-BE49-F238E27FC236}">
+                <a16:creationId xmlns:a16="http://schemas.microsoft.com/office/drawing/2014/main" id="{09E0D5C9-0C59-5FA1-1DB3-BCB8B158C9EF}"/>
+              </a:ext>
+            </a:extLst>
+          </p:cNvPr>
+          <p:cNvSpPr>
+            <a:spLocks noGrp="1"/>
+          </p:cNvSpPr>
+          <p:nvPr>
+            <p:ph idx="1"/>
+          </p:nvPr>
+        </p:nvSpPr>
+        <p:spPr/>
+        <p:txBody>
+          <a:bodyPr>
+            <a:normAutofit/>
+          </a:bodyPr>
+          <a:lstStyle/>
+          <a:p>
+            <a:r>
+              <a:rPr lang="de-CH" dirty="0" err="1"/>
+              <a:t>Webmin</a:t>
+            </a:r>
+            <a:endParaRPr lang="de-CH" dirty="0"/>
+          </a:p>
+        </p:txBody>
+      </p:sp>
+      <p:sp>
+        <p:nvSpPr>
+          <p:cNvPr id="5" name="Foliennummernplatzhalter 4">
+            <a:extLst>
+              <a:ext uri="{FF2B5EF4-FFF2-40B4-BE49-F238E27FC236}">
+                <a16:creationId xmlns:a16="http://schemas.microsoft.com/office/drawing/2014/main" id="{D78B2001-0582-AF5C-73E0-D0C52A58F0B5}"/>
+              </a:ext>
+            </a:extLst>
+          </p:cNvPr>
+          <p:cNvSpPr>
+            <a:spLocks noGrp="1"/>
+          </p:cNvSpPr>
+          <p:nvPr>
+            <p:ph type="sldNum" sz="quarter" idx="12"/>
+          </p:nvPr>
+        </p:nvSpPr>
+        <p:spPr/>
+        <p:txBody>
+          <a:bodyPr/>
+          <a:lstStyle/>
+          <a:p>
+            <a:fld id="{C5C4FCA5-2BB8-425C-AF71-2DCCD7874011}" type="slidenum">
+              <a:rPr lang="de-CH" smtClean="0"/>
+              <a:t>18</a:t>
+            </a:fld>
+            <a:endParaRPr lang="de-CH"/>
+          </a:p>
+        </p:txBody>
+      </p:sp>
+    </p:spTree>
+    <p:extLst>
+      <p:ext uri="{BB962C8B-B14F-4D97-AF65-F5344CB8AC3E}">
+        <p14:creationId xmlns:p14="http://schemas.microsoft.com/office/powerpoint/2010/main" val="2989430939"/>
+      </p:ext>
+    </p:extLst>
+  </p:cSld>
+  <p:clrMapOvr>
+    <a:masterClrMapping/>
+  </p:clrMapOvr>
+  <mc:AlternateContent xmlns:mc="http://schemas.openxmlformats.org/markup-compatibility/2006">
+    <mc:Choice xmlns:p14="http://schemas.microsoft.com/office/powerpoint/2010/main" Requires="p14">
+      <p:transition spd="slow" p14:dur="2000" advTm="33732"/>
+    </mc:Choice>
+    <mc:Fallback>
+      <p:transition spd="slow" advTm="33732"/>
+    </mc:Fallback>
+  </mc:AlternateContent>
+</p:sld>
+</file>
+
+<file path=ppt/slides/slide19.xml><?xml version="1.0" encoding="utf-8"?>
+<p:sld xmlns:a="http://schemas.openxmlformats.org/drawingml/2006/main" xmlns:r="http://schemas.openxmlformats.org/officeDocument/2006/relationships" xmlns:p="http://schemas.openxmlformats.org/presentationml/2006/main">
+  <p:cSld>
+    <p:spTree>
+      <p:nvGrpSpPr>
+        <p:cNvPr id="1" name=""/>
+        <p:cNvGrpSpPr/>
+        <p:nvPr/>
+      </p:nvGrpSpPr>
+      <p:grpSpPr>
+        <a:xfrm>
+          <a:off x="0" y="0"/>
+          <a:ext cx="0" cy="0"/>
+          <a:chOff x="0" y="0"/>
+          <a:chExt cx="0" cy="0"/>
+        </a:xfrm>
+      </p:grpSpPr>
+      <p:sp>
+        <p:nvSpPr>
+          <p:cNvPr id="2" name="Titel 1">
+            <a:extLst>
+              <a:ext uri="{FF2B5EF4-FFF2-40B4-BE49-F238E27FC236}">
+                <a16:creationId xmlns:a16="http://schemas.microsoft.com/office/drawing/2014/main" id="{4886BDED-F105-DAAB-E82A-B1D3D48B7306}"/>
+              </a:ext>
+            </a:extLst>
+          </p:cNvPr>
+          <p:cNvSpPr>
+            <a:spLocks noGrp="1"/>
+          </p:cNvSpPr>
+          <p:nvPr>
+            <p:ph type="title"/>
+          </p:nvPr>
+        </p:nvSpPr>
+        <p:spPr/>
+        <p:txBody>
+          <a:bodyPr/>
+          <a:lstStyle/>
+          <a:p>
+            <a:r>
+              <a:rPr lang="de-CH" dirty="0"/>
+              <a:t>Reflexion</a:t>
+            </a:r>
+          </a:p>
+        </p:txBody>
+      </p:sp>
+      <p:sp>
+        <p:nvSpPr>
+          <p:cNvPr id="3" name="Inhaltsplatzhalter 2">
+            <a:extLst>
+              <a:ext uri="{FF2B5EF4-FFF2-40B4-BE49-F238E27FC236}">
+                <a16:creationId xmlns:a16="http://schemas.microsoft.com/office/drawing/2014/main" id="{09E0D5C9-0C59-5FA1-1DB3-BCB8B158C9EF}"/>
+              </a:ext>
+            </a:extLst>
+          </p:cNvPr>
+          <p:cNvSpPr>
+            <a:spLocks noGrp="1"/>
+          </p:cNvSpPr>
+          <p:nvPr>
+            <p:ph idx="1"/>
+          </p:nvPr>
+        </p:nvSpPr>
+        <p:spPr/>
+        <p:txBody>
+          <a:bodyPr>
+            <a:normAutofit/>
+          </a:bodyPr>
+          <a:lstStyle/>
+          <a:p>
+            <a:endParaRPr lang="de-CH" dirty="0"/>
+          </a:p>
+        </p:txBody>
+      </p:sp>
+      <p:sp>
+        <p:nvSpPr>
+          <p:cNvPr id="5" name="Foliennummernplatzhalter 4">
+            <a:extLst>
+              <a:ext uri="{FF2B5EF4-FFF2-40B4-BE49-F238E27FC236}">
+                <a16:creationId xmlns:a16="http://schemas.microsoft.com/office/drawing/2014/main" id="{D78B2001-0582-AF5C-73E0-D0C52A58F0B5}"/>
+              </a:ext>
+            </a:extLst>
+          </p:cNvPr>
+          <p:cNvSpPr>
+            <a:spLocks noGrp="1"/>
+          </p:cNvSpPr>
+          <p:nvPr>
+            <p:ph type="sldNum" sz="quarter" idx="12"/>
+          </p:nvPr>
+        </p:nvSpPr>
+        <p:spPr/>
+        <p:txBody>
+          <a:bodyPr/>
+          <a:lstStyle/>
+          <a:p>
+            <a:fld id="{C5C4FCA5-2BB8-425C-AF71-2DCCD7874011}" type="slidenum">
+              <a:rPr lang="de-CH" smtClean="0"/>
+              <a:t>19</a:t>
+            </a:fld>
+            <a:endParaRPr lang="de-CH"/>
+          </a:p>
+        </p:txBody>
+      </p:sp>
+    </p:spTree>
+    <p:extLst>
+      <p:ext uri="{BB962C8B-B14F-4D97-AF65-F5344CB8AC3E}">
+        <p14:creationId xmlns:p14="http://schemas.microsoft.com/office/powerpoint/2010/main" val="1602808593"/>
+      </p:ext>
+    </p:extLst>
+  </p:cSld>
+  <p:clrMapOvr>
+    <a:masterClrMapping/>
+  </p:clrMapOvr>
+  <mc:AlternateContent xmlns:mc="http://schemas.openxmlformats.org/markup-compatibility/2006" xmlns:p14="http://schemas.microsoft.com/office/powerpoint/2010/main">
+    <mc:Choice Requires="p14">
+      <p:transition spd="slow" p14:dur="2000" advTm="33732"/>
+    </mc:Choice>
+    <mc:Fallback xmlns="">
+      <p:transition spd="slow" advTm="33732"/>
     </mc:Fallback>
   </mc:AlternateContent>
 </p:sld>
@@ -10874,6 +10515,260 @@
 </p:sld>
 </file>
 
+<file path=ppt/slides/slide20.xml><?xml version="1.0" encoding="utf-8"?>
+<p:sld xmlns:a="http://schemas.openxmlformats.org/drawingml/2006/main" xmlns:r="http://schemas.openxmlformats.org/officeDocument/2006/relationships" xmlns:p="http://schemas.openxmlformats.org/presentationml/2006/main">
+  <p:cSld>
+    <p:spTree>
+      <p:nvGrpSpPr>
+        <p:cNvPr id="1" name=""/>
+        <p:cNvGrpSpPr/>
+        <p:nvPr/>
+      </p:nvGrpSpPr>
+      <p:grpSpPr>
+        <a:xfrm>
+          <a:off x="0" y="0"/>
+          <a:ext cx="0" cy="0"/>
+          <a:chOff x="0" y="0"/>
+          <a:chExt cx="0" cy="0"/>
+        </a:xfrm>
+      </p:grpSpPr>
+      <p:sp>
+        <p:nvSpPr>
+          <p:cNvPr id="2" name="Titel 1">
+            <a:extLst>
+              <a:ext uri="{FF2B5EF4-FFF2-40B4-BE49-F238E27FC236}">
+                <a16:creationId xmlns:a16="http://schemas.microsoft.com/office/drawing/2014/main" id="{4886BDED-F105-DAAB-E82A-B1D3D48B7306}"/>
+              </a:ext>
+            </a:extLst>
+          </p:cNvPr>
+          <p:cNvSpPr>
+            <a:spLocks noGrp="1"/>
+          </p:cNvSpPr>
+          <p:nvPr>
+            <p:ph type="title"/>
+          </p:nvPr>
+        </p:nvSpPr>
+        <p:spPr/>
+        <p:txBody>
+          <a:bodyPr/>
+          <a:lstStyle/>
+          <a:p>
+            <a:r>
+              <a:rPr lang="de-CH" dirty="0"/>
+              <a:t>Ausblick</a:t>
+            </a:r>
+          </a:p>
+        </p:txBody>
+      </p:sp>
+      <p:sp>
+        <p:nvSpPr>
+          <p:cNvPr id="3" name="Inhaltsplatzhalter 2">
+            <a:extLst>
+              <a:ext uri="{FF2B5EF4-FFF2-40B4-BE49-F238E27FC236}">
+                <a16:creationId xmlns:a16="http://schemas.microsoft.com/office/drawing/2014/main" id="{09E0D5C9-0C59-5FA1-1DB3-BCB8B158C9EF}"/>
+              </a:ext>
+            </a:extLst>
+          </p:cNvPr>
+          <p:cNvSpPr>
+            <a:spLocks noGrp="1"/>
+          </p:cNvSpPr>
+          <p:nvPr>
+            <p:ph idx="1"/>
+          </p:nvPr>
+        </p:nvSpPr>
+        <p:spPr/>
+        <p:txBody>
+          <a:bodyPr>
+            <a:normAutofit/>
+          </a:bodyPr>
+          <a:lstStyle/>
+          <a:p>
+            <a:endParaRPr lang="de-CH" dirty="0"/>
+          </a:p>
+        </p:txBody>
+      </p:sp>
+      <p:sp>
+        <p:nvSpPr>
+          <p:cNvPr id="5" name="Foliennummernplatzhalter 4">
+            <a:extLst>
+              <a:ext uri="{FF2B5EF4-FFF2-40B4-BE49-F238E27FC236}">
+                <a16:creationId xmlns:a16="http://schemas.microsoft.com/office/drawing/2014/main" id="{D78B2001-0582-AF5C-73E0-D0C52A58F0B5}"/>
+              </a:ext>
+            </a:extLst>
+          </p:cNvPr>
+          <p:cNvSpPr>
+            <a:spLocks noGrp="1"/>
+          </p:cNvSpPr>
+          <p:nvPr>
+            <p:ph type="sldNum" sz="quarter" idx="12"/>
+          </p:nvPr>
+        </p:nvSpPr>
+        <p:spPr/>
+        <p:txBody>
+          <a:bodyPr/>
+          <a:lstStyle/>
+          <a:p>
+            <a:fld id="{C5C4FCA5-2BB8-425C-AF71-2DCCD7874011}" type="slidenum">
+              <a:rPr lang="de-CH" smtClean="0"/>
+              <a:t>20</a:t>
+            </a:fld>
+            <a:endParaRPr lang="de-CH"/>
+          </a:p>
+        </p:txBody>
+      </p:sp>
+    </p:spTree>
+    <p:extLst>
+      <p:ext uri="{BB962C8B-B14F-4D97-AF65-F5344CB8AC3E}">
+        <p14:creationId xmlns:p14="http://schemas.microsoft.com/office/powerpoint/2010/main" val="3981414043"/>
+      </p:ext>
+    </p:extLst>
+  </p:cSld>
+  <p:clrMapOvr>
+    <a:masterClrMapping/>
+  </p:clrMapOvr>
+  <mc:AlternateContent xmlns:mc="http://schemas.openxmlformats.org/markup-compatibility/2006" xmlns:p14="http://schemas.microsoft.com/office/powerpoint/2010/main">
+    <mc:Choice Requires="p14">
+      <p:transition spd="slow" p14:dur="2000" advTm="33732"/>
+    </mc:Choice>
+    <mc:Fallback xmlns="">
+      <p:transition spd="slow" advTm="33732"/>
+    </mc:Fallback>
+  </mc:AlternateContent>
+</p:sld>
+</file>
+
+<file path=ppt/slides/slide21.xml><?xml version="1.0" encoding="utf-8"?>
+<p:sld xmlns:a="http://schemas.openxmlformats.org/drawingml/2006/main" xmlns:r="http://schemas.openxmlformats.org/officeDocument/2006/relationships" xmlns:p="http://schemas.openxmlformats.org/presentationml/2006/main">
+  <p:cSld>
+    <p:spTree>
+      <p:nvGrpSpPr>
+        <p:cNvPr id="1" name=""/>
+        <p:cNvGrpSpPr/>
+        <p:nvPr/>
+      </p:nvGrpSpPr>
+      <p:grpSpPr>
+        <a:xfrm>
+          <a:off x="0" y="0"/>
+          <a:ext cx="0" cy="0"/>
+          <a:chOff x="0" y="0"/>
+          <a:chExt cx="0" cy="0"/>
+        </a:xfrm>
+      </p:grpSpPr>
+      <p:sp>
+        <p:nvSpPr>
+          <p:cNvPr id="2" name="Titel 1">
+            <a:extLst>
+              <a:ext uri="{FF2B5EF4-FFF2-40B4-BE49-F238E27FC236}">
+                <a16:creationId xmlns:a16="http://schemas.microsoft.com/office/drawing/2014/main" id="{D484557B-1171-F5AA-820A-7AC30E7CB552}"/>
+              </a:ext>
+            </a:extLst>
+          </p:cNvPr>
+          <p:cNvSpPr>
+            <a:spLocks noGrp="1"/>
+          </p:cNvSpPr>
+          <p:nvPr>
+            <p:ph type="title"/>
+          </p:nvPr>
+        </p:nvSpPr>
+        <p:spPr/>
+        <p:txBody>
+          <a:bodyPr/>
+          <a:lstStyle/>
+          <a:p>
+            <a:r>
+              <a:rPr lang="de-CH" dirty="0"/>
+              <a:t>Fragen</a:t>
+            </a:r>
+          </a:p>
+        </p:txBody>
+      </p:sp>
+    </p:spTree>
+    <p:extLst>
+      <p:ext uri="{BB962C8B-B14F-4D97-AF65-F5344CB8AC3E}">
+        <p14:creationId xmlns:p14="http://schemas.microsoft.com/office/powerpoint/2010/main" val="779496161"/>
+      </p:ext>
+    </p:extLst>
+  </p:cSld>
+  <p:clrMapOvr>
+    <a:masterClrMapping/>
+  </p:clrMapOvr>
+  <mc:AlternateContent xmlns:mc="http://schemas.openxmlformats.org/markup-compatibility/2006" xmlns:p14="http://schemas.microsoft.com/office/powerpoint/2010/main">
+    <mc:Choice Requires="p14">
+      <p:transition spd="slow" p14:dur="2000" advTm="7749"/>
+    </mc:Choice>
+    <mc:Fallback xmlns="">
+      <p:transition spd="slow" advTm="7749"/>
+    </mc:Fallback>
+  </mc:AlternateContent>
+</p:sld>
+</file>
+
+<file path=ppt/slides/slide22.xml><?xml version="1.0" encoding="utf-8"?>
+<p:sld xmlns:a="http://schemas.openxmlformats.org/drawingml/2006/main" xmlns:r="http://schemas.openxmlformats.org/officeDocument/2006/relationships" xmlns:p="http://schemas.openxmlformats.org/presentationml/2006/main">
+  <p:cSld>
+    <p:spTree>
+      <p:nvGrpSpPr>
+        <p:cNvPr id="1" name=""/>
+        <p:cNvGrpSpPr/>
+        <p:nvPr/>
+      </p:nvGrpSpPr>
+      <p:grpSpPr>
+        <a:xfrm>
+          <a:off x="0" y="0"/>
+          <a:ext cx="0" cy="0"/>
+          <a:chOff x="0" y="0"/>
+          <a:chExt cx="0" cy="0"/>
+        </a:xfrm>
+      </p:grpSpPr>
+      <p:sp>
+        <p:nvSpPr>
+          <p:cNvPr id="2" name="Titel 1">
+            <a:extLst>
+              <a:ext uri="{FF2B5EF4-FFF2-40B4-BE49-F238E27FC236}">
+                <a16:creationId xmlns:a16="http://schemas.microsoft.com/office/drawing/2014/main" id="{D484557B-1171-F5AA-820A-7AC30E7CB552}"/>
+              </a:ext>
+            </a:extLst>
+          </p:cNvPr>
+          <p:cNvSpPr>
+            <a:spLocks noGrp="1"/>
+          </p:cNvSpPr>
+          <p:nvPr>
+            <p:ph type="title"/>
+          </p:nvPr>
+        </p:nvSpPr>
+        <p:spPr/>
+        <p:txBody>
+          <a:bodyPr/>
+          <a:lstStyle/>
+          <a:p>
+            <a:r>
+              <a:rPr lang="de-CH" dirty="0"/>
+              <a:t>Vielen Dank</a:t>
+            </a:r>
+          </a:p>
+        </p:txBody>
+      </p:sp>
+    </p:spTree>
+    <p:extLst>
+      <p:ext uri="{BB962C8B-B14F-4D97-AF65-F5344CB8AC3E}">
+        <p14:creationId xmlns:p14="http://schemas.microsoft.com/office/powerpoint/2010/main" val="2041144322"/>
+      </p:ext>
+    </p:extLst>
+  </p:cSld>
+  <p:clrMapOvr>
+    <a:masterClrMapping/>
+  </p:clrMapOvr>
+  <mc:AlternateContent xmlns:mc="http://schemas.openxmlformats.org/markup-compatibility/2006" xmlns:p14="http://schemas.microsoft.com/office/powerpoint/2010/main">
+    <mc:Choice Requires="p14">
+      <p:transition spd="slow" p14:dur="2000" advTm="7749"/>
+    </mc:Choice>
+    <mc:Fallback xmlns="">
+      <p:transition spd="slow" advTm="7749"/>
+    </mc:Fallback>
+  </mc:AlternateContent>
+</p:sld>
+</file>
+
 <file path=ppt/slides/slide3.xml><?xml version="1.0" encoding="utf-8"?>
 <p:sld xmlns:a="http://schemas.openxmlformats.org/drawingml/2006/main" xmlns:r="http://schemas.openxmlformats.org/officeDocument/2006/relationships" xmlns:p="http://schemas.openxmlformats.org/presentationml/2006/main">
   <p:cSld>
@@ -10914,14 +10809,7 @@
           <a:p>
             <a:r>
               <a:rPr lang="de-CH" dirty="0"/>
-              <a:t>Produkt</a:t>
-            </a:r>
-            <a:br>
-              <a:rPr lang="de-CH" dirty="0"/>
-            </a:br>
-            <a:r>
-              <a:rPr lang="de-CH" dirty="0"/>
-              <a:t>Motivation</a:t>
+              <a:t>Team</a:t>
             </a:r>
           </a:p>
         </p:txBody>
@@ -10942,14 +10830,51 @@
             <p:ph idx="1"/>
           </p:nvPr>
         </p:nvSpPr>
-        <p:spPr/>
+        <p:spPr>
+          <a:xfrm>
+            <a:off x="677334" y="1642281"/>
+            <a:ext cx="7113354" cy="2382963"/>
+          </a:xfrm>
+        </p:spPr>
         <p:txBody>
           <a:bodyPr>
             <a:normAutofit/>
           </a:bodyPr>
           <a:lstStyle/>
           <a:p>
-            <a:endParaRPr lang="de-CH" dirty="0"/>
+            <a:r>
+              <a:rPr lang="de-CH" dirty="0"/>
+              <a:t>Silvan Wirz, Teufen</a:t>
+            </a:r>
+          </a:p>
+          <a:p>
+            <a:pPr lvl="1"/>
+            <a:r>
+              <a:rPr lang="de-CH" dirty="0"/>
+              <a:t>Dipl. Techniker HF Maschinenbau</a:t>
+            </a:r>
+          </a:p>
+          <a:p>
+            <a:pPr lvl="1"/>
+            <a:r>
+              <a:rPr lang="de-CH" dirty="0"/>
+              <a:t>Projektleiter, Programmierer und Trainer (Bühler AG bis 2020)</a:t>
+            </a:r>
+          </a:p>
+          <a:p>
+            <a:pPr lvl="1"/>
+            <a:r>
+              <a:rPr lang="de-CH" dirty="0"/>
+              <a:t>Software-Entwickler HMI (</a:t>
+            </a:r>
+            <a:r>
+              <a:rPr lang="de-CH" dirty="0" err="1"/>
+              <a:t>Provisur</a:t>
+            </a:r>
+            <a:r>
+              <a:rPr lang="de-CH" dirty="0"/>
+              <a:t> Technologies GmbH)</a:t>
+            </a:r>
           </a:p>
         </p:txBody>
       </p:sp>
@@ -10979,6 +10904,309 @@
               <a:t>3</a:t>
             </a:fld>
             <a:endParaRPr lang="de-CH"/>
+          </a:p>
+        </p:txBody>
+      </p:sp>
+      <p:sp>
+        <p:nvSpPr>
+          <p:cNvPr id="4" name="Inhaltsplatzhalter 2">
+            <a:extLst>
+              <a:ext uri="{FF2B5EF4-FFF2-40B4-BE49-F238E27FC236}">
+                <a16:creationId xmlns:a16="http://schemas.microsoft.com/office/drawing/2014/main" id="{A94A77E9-97BE-6FA3-4907-1195CF0698D9}"/>
+              </a:ext>
+            </a:extLst>
+          </p:cNvPr>
+          <p:cNvSpPr txBox="1">
+            <a:spLocks/>
+          </p:cNvSpPr>
+          <p:nvPr/>
+        </p:nvSpPr>
+        <p:spPr>
+          <a:xfrm>
+            <a:off x="2514500" y="3703638"/>
+            <a:ext cx="7744065" cy="2382963"/>
+          </a:xfrm>
+          <a:prstGeom prst="rect">
+            <a:avLst/>
+          </a:prstGeom>
+        </p:spPr>
+        <p:txBody>
+          <a:bodyPr vert="horz" lIns="91440" tIns="45720" rIns="91440" bIns="45720" rtlCol="0">
+            <a:normAutofit/>
+          </a:bodyPr>
+          <a:lstStyle>
+            <a:lvl1pPr marL="342900" indent="-342900" algn="l" defTabSz="457200" rtl="0" eaLnBrk="1" latinLnBrk="0" hangingPunct="1">
+              <a:spcBef>
+                <a:spcPts val="1000"/>
+              </a:spcBef>
+              <a:spcAft>
+                <a:spcPts val="0"/>
+              </a:spcAft>
+              <a:buClr>
+                <a:schemeClr val="accent1"/>
+              </a:buClr>
+              <a:buSzPct val="80000"/>
+              <a:buFont typeface="Wingdings 3" charset="2"/>
+              <a:buChar char=""/>
+              <a:defRPr sz="1800" kern="1200">
+                <a:solidFill>
+                  <a:schemeClr val="tx1">
+                    <a:lumMod val="75000"/>
+                    <a:lumOff val="25000"/>
+                  </a:schemeClr>
+                </a:solidFill>
+                <a:latin typeface="+mn-lt"/>
+                <a:ea typeface="+mn-ea"/>
+                <a:cs typeface="+mn-cs"/>
+              </a:defRPr>
+            </a:lvl1pPr>
+            <a:lvl2pPr marL="742950" indent="-285750" algn="l" defTabSz="457200" rtl="0" eaLnBrk="1" latinLnBrk="0" hangingPunct="1">
+              <a:spcBef>
+                <a:spcPts val="1000"/>
+              </a:spcBef>
+              <a:spcAft>
+                <a:spcPts val="0"/>
+              </a:spcAft>
+              <a:buClr>
+                <a:schemeClr val="accent1"/>
+              </a:buClr>
+              <a:buSzPct val="80000"/>
+              <a:buFont typeface="Wingdings 3" charset="2"/>
+              <a:buChar char=""/>
+              <a:defRPr sz="1600" kern="1200">
+                <a:solidFill>
+                  <a:schemeClr val="tx1">
+                    <a:lumMod val="75000"/>
+                    <a:lumOff val="25000"/>
+                  </a:schemeClr>
+                </a:solidFill>
+                <a:latin typeface="+mn-lt"/>
+                <a:ea typeface="+mn-ea"/>
+                <a:cs typeface="+mn-cs"/>
+              </a:defRPr>
+            </a:lvl2pPr>
+            <a:lvl3pPr marL="1143000" indent="-228600" algn="l" defTabSz="457200" rtl="0" eaLnBrk="1" latinLnBrk="0" hangingPunct="1">
+              <a:spcBef>
+                <a:spcPts val="1000"/>
+              </a:spcBef>
+              <a:spcAft>
+                <a:spcPts val="0"/>
+              </a:spcAft>
+              <a:buClr>
+                <a:schemeClr val="accent1"/>
+              </a:buClr>
+              <a:buSzPct val="80000"/>
+              <a:buFont typeface="Wingdings 3" charset="2"/>
+              <a:buChar char=""/>
+              <a:defRPr sz="1400" kern="1200">
+                <a:solidFill>
+                  <a:schemeClr val="tx1">
+                    <a:lumMod val="75000"/>
+                    <a:lumOff val="25000"/>
+                  </a:schemeClr>
+                </a:solidFill>
+                <a:latin typeface="+mn-lt"/>
+                <a:ea typeface="+mn-ea"/>
+                <a:cs typeface="+mn-cs"/>
+              </a:defRPr>
+            </a:lvl3pPr>
+            <a:lvl4pPr marL="1600200" indent="-228600" algn="l" defTabSz="457200" rtl="0" eaLnBrk="1" latinLnBrk="0" hangingPunct="1">
+              <a:spcBef>
+                <a:spcPts val="1000"/>
+              </a:spcBef>
+              <a:spcAft>
+                <a:spcPts val="0"/>
+              </a:spcAft>
+              <a:buClr>
+                <a:schemeClr val="accent1"/>
+              </a:buClr>
+              <a:buSzPct val="80000"/>
+              <a:buFont typeface="Wingdings 3" charset="2"/>
+              <a:buChar char=""/>
+              <a:defRPr sz="1200" kern="1200">
+                <a:solidFill>
+                  <a:schemeClr val="tx1">
+                    <a:lumMod val="75000"/>
+                    <a:lumOff val="25000"/>
+                  </a:schemeClr>
+                </a:solidFill>
+                <a:latin typeface="+mn-lt"/>
+                <a:ea typeface="+mn-ea"/>
+                <a:cs typeface="+mn-cs"/>
+              </a:defRPr>
+            </a:lvl4pPr>
+            <a:lvl5pPr marL="2057400" indent="-228600" algn="l" defTabSz="457200" rtl="0" eaLnBrk="1" latinLnBrk="0" hangingPunct="1">
+              <a:spcBef>
+                <a:spcPts val="1000"/>
+              </a:spcBef>
+              <a:spcAft>
+                <a:spcPts val="0"/>
+              </a:spcAft>
+              <a:buClr>
+                <a:schemeClr val="accent1"/>
+              </a:buClr>
+              <a:buSzPct val="80000"/>
+              <a:buFont typeface="Wingdings 3" charset="2"/>
+              <a:buChar char=""/>
+              <a:defRPr sz="1200" kern="1200">
+                <a:solidFill>
+                  <a:schemeClr val="tx1">
+                    <a:lumMod val="75000"/>
+                    <a:lumOff val="25000"/>
+                  </a:schemeClr>
+                </a:solidFill>
+                <a:latin typeface="+mn-lt"/>
+                <a:ea typeface="+mn-ea"/>
+                <a:cs typeface="+mn-cs"/>
+              </a:defRPr>
+            </a:lvl5pPr>
+            <a:lvl6pPr marL="2514600" indent="-228600" algn="l" defTabSz="457200" rtl="0" eaLnBrk="1" latinLnBrk="0" hangingPunct="1">
+              <a:spcBef>
+                <a:spcPts val="1000"/>
+              </a:spcBef>
+              <a:spcAft>
+                <a:spcPts val="0"/>
+              </a:spcAft>
+              <a:buClr>
+                <a:schemeClr val="accent1"/>
+              </a:buClr>
+              <a:buSzPct val="80000"/>
+              <a:buFont typeface="Wingdings 3" charset="2"/>
+              <a:buChar char=""/>
+              <a:defRPr sz="1200" kern="1200">
+                <a:solidFill>
+                  <a:schemeClr val="tx1">
+                    <a:lumMod val="75000"/>
+                    <a:lumOff val="25000"/>
+                  </a:schemeClr>
+                </a:solidFill>
+                <a:latin typeface="+mn-lt"/>
+                <a:ea typeface="+mn-ea"/>
+                <a:cs typeface="+mn-cs"/>
+              </a:defRPr>
+            </a:lvl6pPr>
+            <a:lvl7pPr marL="2971800" indent="-228600" algn="l" defTabSz="457200" rtl="0" eaLnBrk="1" latinLnBrk="0" hangingPunct="1">
+              <a:spcBef>
+                <a:spcPts val="1000"/>
+              </a:spcBef>
+              <a:spcAft>
+                <a:spcPts val="0"/>
+              </a:spcAft>
+              <a:buClr>
+                <a:schemeClr val="accent1"/>
+              </a:buClr>
+              <a:buSzPct val="80000"/>
+              <a:buFont typeface="Wingdings 3" charset="2"/>
+              <a:buChar char=""/>
+              <a:defRPr sz="1200" kern="1200">
+                <a:solidFill>
+                  <a:schemeClr val="tx1">
+                    <a:lumMod val="75000"/>
+                    <a:lumOff val="25000"/>
+                  </a:schemeClr>
+                </a:solidFill>
+                <a:latin typeface="+mn-lt"/>
+                <a:ea typeface="+mn-ea"/>
+                <a:cs typeface="+mn-cs"/>
+              </a:defRPr>
+            </a:lvl7pPr>
+            <a:lvl8pPr marL="3429000" indent="-228600" algn="l" defTabSz="457200" rtl="0" eaLnBrk="1" latinLnBrk="0" hangingPunct="1">
+              <a:spcBef>
+                <a:spcPts val="1000"/>
+              </a:spcBef>
+              <a:spcAft>
+                <a:spcPts val="0"/>
+              </a:spcAft>
+              <a:buClr>
+                <a:schemeClr val="accent1"/>
+              </a:buClr>
+              <a:buSzPct val="80000"/>
+              <a:buFont typeface="Wingdings 3" charset="2"/>
+              <a:buChar char=""/>
+              <a:defRPr sz="1200" kern="1200">
+                <a:solidFill>
+                  <a:schemeClr val="tx1">
+                    <a:lumMod val="75000"/>
+                    <a:lumOff val="25000"/>
+                  </a:schemeClr>
+                </a:solidFill>
+                <a:latin typeface="+mn-lt"/>
+                <a:ea typeface="+mn-ea"/>
+                <a:cs typeface="+mn-cs"/>
+              </a:defRPr>
+            </a:lvl8pPr>
+            <a:lvl9pPr marL="3886200" indent="-228600" algn="l" defTabSz="457200" rtl="0" eaLnBrk="1" latinLnBrk="0" hangingPunct="1">
+              <a:spcBef>
+                <a:spcPts val="1000"/>
+              </a:spcBef>
+              <a:spcAft>
+                <a:spcPts val="0"/>
+              </a:spcAft>
+              <a:buClr>
+                <a:schemeClr val="accent1"/>
+              </a:buClr>
+              <a:buSzPct val="80000"/>
+              <a:buFont typeface="Wingdings 3" charset="2"/>
+              <a:buChar char=""/>
+              <a:defRPr sz="1200" kern="1200">
+                <a:solidFill>
+                  <a:schemeClr val="tx1">
+                    <a:lumMod val="75000"/>
+                    <a:lumOff val="25000"/>
+                  </a:schemeClr>
+                </a:solidFill>
+                <a:latin typeface="+mn-lt"/>
+                <a:ea typeface="+mn-ea"/>
+                <a:cs typeface="+mn-cs"/>
+              </a:defRPr>
+            </a:lvl9pPr>
+          </a:lstStyle>
+          <a:p>
+            <a:r>
+              <a:rPr lang="de-CH" dirty="0"/>
+              <a:t>Adrian Zigerlig, St. Gallen</a:t>
+            </a:r>
+          </a:p>
+          <a:p>
+            <a:pPr lvl="1"/>
+            <a:r>
+              <a:rPr lang="de-CH" dirty="0"/>
+              <a:t>Bachelor in Elektrotechnik (HSR)</a:t>
+            </a:r>
+          </a:p>
+          <a:p>
+            <a:pPr lvl="1"/>
+            <a:r>
+              <a:rPr lang="de-CH" dirty="0"/>
+              <a:t>Hardware-Entwicklungsingenieur (Leistungselektronik) und Projektleitung (</a:t>
+            </a:r>
+            <a:r>
+              <a:rPr lang="de-CH" dirty="0" err="1"/>
+              <a:t>Regatron</a:t>
+            </a:r>
+            <a:r>
+              <a:rPr lang="de-CH" dirty="0"/>
+              <a:t> AG bis 2020)</a:t>
+            </a:r>
+          </a:p>
+          <a:p>
+            <a:pPr lvl="1"/>
+            <a:r>
+              <a:rPr lang="de-CH" dirty="0"/>
+              <a:t>Software-Entwicklungsingenieur PC (</a:t>
+            </a:r>
+            <a:r>
+              <a:rPr lang="de-CH" dirty="0" err="1"/>
+              <a:t>Regatron</a:t>
+            </a:r>
+            <a:r>
+              <a:rPr lang="de-CH" dirty="0"/>
+              <a:t> AG)</a:t>
+            </a:r>
+          </a:p>
+          <a:p>
+            <a:pPr lvl="1"/>
+            <a:endParaRPr lang="de-CH" dirty="0"/>
           </a:p>
         </p:txBody>
       </p:sp>
@@ -11043,14 +11271,7 @@
           <a:p>
             <a:r>
               <a:rPr lang="de-CH" dirty="0"/>
-              <a:t>Produkt</a:t>
-            </a:r>
-            <a:br>
-              <a:rPr lang="de-CH" dirty="0"/>
-            </a:br>
-            <a:r>
-              <a:rPr lang="de-CH" dirty="0"/>
-              <a:t>Resultat</a:t>
+              <a:t>Motivation</a:t>
             </a:r>
           </a:p>
         </p:txBody>
@@ -11071,13 +11292,101 @@
             <p:ph idx="1"/>
           </p:nvPr>
         </p:nvSpPr>
-        <p:spPr/>
+        <p:spPr>
+          <a:xfrm>
+            <a:off x="677334" y="1637731"/>
+            <a:ext cx="8596668" cy="4403631"/>
+          </a:xfrm>
+        </p:spPr>
         <p:txBody>
           <a:bodyPr>
             <a:normAutofit/>
           </a:bodyPr>
           <a:lstStyle/>
           <a:p>
+            <a:r>
+              <a:rPr lang="de-CH" dirty="0"/>
+              <a:t>Produkt</a:t>
+            </a:r>
+          </a:p>
+          <a:p>
+            <a:pPr lvl="1"/>
+            <a:r>
+              <a:rPr lang="de-CH" dirty="0"/>
+              <a:t>Zentrale Kochrezeptverwaltung</a:t>
+            </a:r>
+          </a:p>
+          <a:p>
+            <a:pPr lvl="1"/>
+            <a:r>
+              <a:rPr lang="de-CH" dirty="0"/>
+              <a:t>Bequeme und effiziente Kochansicht</a:t>
+            </a:r>
+          </a:p>
+          <a:p>
+            <a:pPr lvl="1"/>
+            <a:r>
+              <a:rPr lang="de-CH" dirty="0"/>
+              <a:t>Zusammenstellung Wochenplan</a:t>
+            </a:r>
+          </a:p>
+          <a:p>
+            <a:pPr lvl="1"/>
+            <a:r>
+              <a:rPr lang="de-CH" dirty="0"/>
+              <a:t>Automatisierter Rezeptimport</a:t>
+            </a:r>
+          </a:p>
+          <a:p>
+            <a:pPr marL="57150" indent="0">
+              <a:buNone/>
+            </a:pPr>
+            <a:endParaRPr lang="de-CH" dirty="0"/>
+          </a:p>
+          <a:p>
+            <a:r>
+              <a:rPr lang="de-CH" dirty="0"/>
+              <a:t>Projekt</a:t>
+            </a:r>
+          </a:p>
+          <a:p>
+            <a:pPr lvl="1"/>
+            <a:r>
+              <a:rPr lang="de-CH" dirty="0"/>
+              <a:t>Vollumfängliche Applikationsentwicklung</a:t>
+            </a:r>
+          </a:p>
+          <a:p>
+            <a:pPr lvl="1"/>
+            <a:r>
+              <a:rPr lang="de-CH" dirty="0"/>
+              <a:t>Benutzerverwaltung</a:t>
+            </a:r>
+          </a:p>
+          <a:p>
+            <a:pPr lvl="1"/>
+            <a:r>
+              <a:rPr lang="de-CH" dirty="0"/>
+              <a:t>Automatisierter </a:t>
+            </a:r>
+            <a:r>
+              <a:rPr lang="de-CH" dirty="0" err="1"/>
+              <a:t>Build</a:t>
+            </a:r>
+            <a:r>
+              <a:rPr lang="de-CH" dirty="0"/>
+              <a:t> und Test</a:t>
+            </a:r>
+          </a:p>
+          <a:p>
+            <a:pPr lvl="1"/>
+            <a:r>
+              <a:rPr lang="de-CH" dirty="0"/>
+              <a:t>Server-Betrieb</a:t>
+            </a:r>
+          </a:p>
+          <a:p>
+            <a:pPr lvl="1"/>
             <a:endParaRPr lang="de-CH" dirty="0"/>
           </a:p>
         </p:txBody>
@@ -11111,10 +11420,196 @@
           </a:p>
         </p:txBody>
       </p:sp>
+      <p:pic>
+        <p:nvPicPr>
+          <p:cNvPr id="4" name="Grafik 3">
+            <a:extLst>
+              <a:ext uri="{FF2B5EF4-FFF2-40B4-BE49-F238E27FC236}">
+                <a16:creationId xmlns:a16="http://schemas.microsoft.com/office/drawing/2014/main" id="{129C6DE8-DA87-124B-CC1B-CD022444AFFA}"/>
+              </a:ext>
+            </a:extLst>
+          </p:cNvPr>
+          <p:cNvPicPr>
+            <a:picLocks noChangeAspect="1"/>
+          </p:cNvPicPr>
+          <p:nvPr/>
+        </p:nvPicPr>
+        <p:blipFill>
+          <a:blip r:embed="rId3"/>
+          <a:stretch>
+            <a:fillRect/>
+          </a:stretch>
+        </p:blipFill>
+        <p:spPr>
+          <a:xfrm>
+            <a:off x="8983919" y="1540531"/>
+            <a:ext cx="1361837" cy="1814170"/>
+          </a:xfrm>
+          <a:prstGeom prst="rect">
+            <a:avLst/>
+          </a:prstGeom>
+        </p:spPr>
+      </p:pic>
+      <p:pic>
+        <p:nvPicPr>
+          <p:cNvPr id="6" name="Grafik 5">
+            <a:extLst>
+              <a:ext uri="{FF2B5EF4-FFF2-40B4-BE49-F238E27FC236}">
+                <a16:creationId xmlns:a16="http://schemas.microsoft.com/office/drawing/2014/main" id="{B0F732A1-3531-8C26-1DBD-85E015BB083C}"/>
+              </a:ext>
+            </a:extLst>
+          </p:cNvPr>
+          <p:cNvPicPr>
+            <a:picLocks noChangeAspect="1"/>
+          </p:cNvPicPr>
+          <p:nvPr/>
+        </p:nvPicPr>
+        <p:blipFill>
+          <a:blip r:embed="rId4"/>
+          <a:stretch>
+            <a:fillRect/>
+          </a:stretch>
+        </p:blipFill>
+        <p:spPr>
+          <a:xfrm>
+            <a:off x="5707939" y="1453003"/>
+            <a:ext cx="1146199" cy="1544280"/>
+          </a:xfrm>
+          <a:prstGeom prst="rect">
+            <a:avLst/>
+          </a:prstGeom>
+        </p:spPr>
+      </p:pic>
+      <p:pic>
+        <p:nvPicPr>
+          <p:cNvPr id="7" name="Grafik 6">
+            <a:extLst>
+              <a:ext uri="{FF2B5EF4-FFF2-40B4-BE49-F238E27FC236}">
+                <a16:creationId xmlns:a16="http://schemas.microsoft.com/office/drawing/2014/main" id="{9C4E3BB8-ECBF-C845-449B-4B191DFB052A}"/>
+              </a:ext>
+            </a:extLst>
+          </p:cNvPr>
+          <p:cNvPicPr>
+            <a:picLocks noChangeAspect="1"/>
+          </p:cNvPicPr>
+          <p:nvPr/>
+        </p:nvPicPr>
+        <p:blipFill>
+          <a:blip r:embed="rId5"/>
+          <a:stretch>
+            <a:fillRect/>
+          </a:stretch>
+        </p:blipFill>
+        <p:spPr>
+          <a:xfrm>
+            <a:off x="6060905" y="3688488"/>
+            <a:ext cx="1327973" cy="1814170"/>
+          </a:xfrm>
+          <a:prstGeom prst="rect">
+            <a:avLst/>
+          </a:prstGeom>
+        </p:spPr>
+      </p:pic>
+      <p:pic>
+        <p:nvPicPr>
+          <p:cNvPr id="8" name="Grafik 7">
+            <a:extLst>
+              <a:ext uri="{FF2B5EF4-FFF2-40B4-BE49-F238E27FC236}">
+                <a16:creationId xmlns:a16="http://schemas.microsoft.com/office/drawing/2014/main" id="{0860CECF-0A73-1027-CF44-DD55E6D97508}"/>
+              </a:ext>
+            </a:extLst>
+          </p:cNvPr>
+          <p:cNvPicPr>
+            <a:picLocks noChangeAspect="1"/>
+          </p:cNvPicPr>
+          <p:nvPr/>
+        </p:nvPicPr>
+        <p:blipFill>
+          <a:blip r:embed="rId6"/>
+          <a:stretch>
+            <a:fillRect/>
+          </a:stretch>
+        </p:blipFill>
+        <p:spPr>
+          <a:xfrm>
+            <a:off x="8737710" y="3766001"/>
+            <a:ext cx="1858877" cy="1935460"/>
+          </a:xfrm>
+          <a:prstGeom prst="rect">
+            <a:avLst/>
+          </a:prstGeom>
+        </p:spPr>
+      </p:pic>
+      <p:pic>
+        <p:nvPicPr>
+          <p:cNvPr id="9" name="Grafik 8">
+            <a:extLst>
+              <a:ext uri="{FF2B5EF4-FFF2-40B4-BE49-F238E27FC236}">
+                <a16:creationId xmlns:a16="http://schemas.microsoft.com/office/drawing/2014/main" id="{531865BB-025A-970B-127F-E3DC00509558}"/>
+              </a:ext>
+            </a:extLst>
+          </p:cNvPr>
+          <p:cNvPicPr>
+            <a:picLocks noChangeAspect="1"/>
+          </p:cNvPicPr>
+          <p:nvPr/>
+        </p:nvPicPr>
+        <p:blipFill>
+          <a:blip r:embed="rId7"/>
+          <a:stretch>
+            <a:fillRect/>
+          </a:stretch>
+        </p:blipFill>
+        <p:spPr>
+          <a:xfrm>
+            <a:off x="7470753" y="510545"/>
+            <a:ext cx="1295529" cy="1617800"/>
+          </a:xfrm>
+          <a:prstGeom prst="rect">
+            <a:avLst/>
+          </a:prstGeom>
+        </p:spPr>
+      </p:pic>
+      <p:pic>
+        <p:nvPicPr>
+          <p:cNvPr id="10" name="Grafik 9">
+            <a:extLst>
+              <a:ext uri="{FF2B5EF4-FFF2-40B4-BE49-F238E27FC236}">
+                <a16:creationId xmlns:a16="http://schemas.microsoft.com/office/drawing/2014/main" id="{EBF2DE04-EE09-DB21-1D7C-4D4DECD67689}"/>
+              </a:ext>
+            </a:extLst>
+          </p:cNvPr>
+          <p:cNvPicPr>
+            <a:picLocks noChangeAspect="1"/>
+          </p:cNvPicPr>
+          <p:nvPr/>
+        </p:nvPicPr>
+        <p:blipFill>
+          <a:blip r:embed="rId8">
+            <a:extLst>
+              <a:ext uri="{28A0092B-C50C-407E-A947-70E740481C1C}">
+                <a14:useLocalDpi xmlns:a14="http://schemas.microsoft.com/office/drawing/2010/main" val="0"/>
+              </a:ext>
+            </a:extLst>
+          </a:blip>
+          <a:stretch>
+            <a:fillRect/>
+          </a:stretch>
+        </p:blipFill>
+        <p:spPr>
+          <a:xfrm>
+            <a:off x="7071775" y="2491319"/>
+            <a:ext cx="1983039" cy="1983039"/>
+          </a:xfrm>
+          <a:prstGeom prst="rect">
+            <a:avLst/>
+          </a:prstGeom>
+        </p:spPr>
+      </p:pic>
     </p:spTree>
     <p:extLst>
       <p:ext uri="{BB962C8B-B14F-4D97-AF65-F5344CB8AC3E}">
-        <p14:creationId xmlns:p14="http://schemas.microsoft.com/office/powerpoint/2010/main" val="1057406307"/>
+        <p14:creationId xmlns:p14="http://schemas.microsoft.com/office/powerpoint/2010/main" val="2737916776"/>
       </p:ext>
     </p:extLst>
   </p:cSld>
@@ -11174,13 +11669,6 @@
               <a:rPr lang="de-CH" dirty="0"/>
               <a:t>Produkt</a:t>
             </a:r>
-            <a:br>
-              <a:rPr lang="de-CH" dirty="0"/>
-            </a:br>
-            <a:r>
-              <a:rPr lang="de-CH" dirty="0"/>
-              <a:t>Demo</a:t>
-            </a:r>
           </a:p>
         </p:txBody>
       </p:sp>
@@ -11200,12 +11688,85 @@
             <p:ph idx="1"/>
           </p:nvPr>
         </p:nvSpPr>
-        <p:spPr/>
+        <p:spPr>
+          <a:xfrm>
+            <a:off x="677334" y="1636602"/>
+            <a:ext cx="8596668" cy="4404760"/>
+          </a:xfrm>
+        </p:spPr>
         <p:txBody>
           <a:bodyPr>
             <a:normAutofit/>
           </a:bodyPr>
           <a:lstStyle/>
+          <a:p>
+            <a:r>
+              <a:rPr lang="de-CH" dirty="0"/>
+              <a:t>Erfassen und Bearbeiten</a:t>
+            </a:r>
+          </a:p>
+          <a:p>
+            <a:pPr lvl="1"/>
+            <a:r>
+              <a:rPr lang="de-CH" dirty="0"/>
+              <a:t>Rezepte</a:t>
+            </a:r>
+          </a:p>
+          <a:p>
+            <a:pPr lvl="1"/>
+            <a:r>
+              <a:rPr lang="de-CH" dirty="0"/>
+              <a:t>Zutaten</a:t>
+            </a:r>
+          </a:p>
+          <a:p>
+            <a:pPr lvl="1"/>
+            <a:r>
+              <a:rPr lang="de-CH" dirty="0"/>
+              <a:t>Benutzer</a:t>
+            </a:r>
+          </a:p>
+          <a:p>
+            <a:r>
+              <a:rPr lang="de-CH" dirty="0"/>
+              <a:t>Kochansicht</a:t>
+            </a:r>
+          </a:p>
+          <a:p>
+            <a:r>
+              <a:rPr lang="de-CH" dirty="0"/>
+              <a:t>Zusammenstellung Wochenplan</a:t>
+            </a:r>
+          </a:p>
+          <a:p>
+            <a:r>
+              <a:rPr lang="de-CH" dirty="0"/>
+              <a:t>Automatisierter Rezeptimport</a:t>
+            </a:r>
+          </a:p>
+          <a:p>
+            <a:r>
+              <a:rPr lang="de-CH" dirty="0"/>
+              <a:t>Authentifizierung und Autorisierung</a:t>
+            </a:r>
+          </a:p>
+          <a:p>
+            <a:endParaRPr lang="de-CH" dirty="0"/>
+          </a:p>
+          <a:p>
+            <a:pPr>
+              <a:buSzPct val="120000"/>
+              <a:buFont typeface="Wingdings" panose="05000000000000000000" pitchFamily="2" charset="2"/>
+              <a:buChar char=""/>
+            </a:pPr>
+            <a:r>
+              <a:rPr lang="de-CH" dirty="0"/>
+              <a:t>Ziele aus Projektantrag erreicht</a:t>
+            </a:r>
+          </a:p>
+          <a:p>
+            <a:endParaRPr lang="de-CH" dirty="0"/>
+          </a:p>
           <a:p>
             <a:endParaRPr lang="de-CH" dirty="0"/>
           </a:p>
@@ -11243,21 +11804,100 @@
     </p:spTree>
     <p:extLst>
       <p:ext uri="{BB962C8B-B14F-4D97-AF65-F5344CB8AC3E}">
-        <p14:creationId xmlns:p14="http://schemas.microsoft.com/office/powerpoint/2010/main" val="417722137"/>
+        <p14:creationId xmlns:p14="http://schemas.microsoft.com/office/powerpoint/2010/main" val="1057406307"/>
       </p:ext>
     </p:extLst>
   </p:cSld>
   <p:clrMapOvr>
     <a:masterClrMapping/>
   </p:clrMapOvr>
-  <mc:AlternateContent xmlns:mc="http://schemas.openxmlformats.org/markup-compatibility/2006">
-    <mc:Choice xmlns:p14="http://schemas.microsoft.com/office/powerpoint/2010/main" Requires="p14">
+  <mc:AlternateContent xmlns:mc="http://schemas.openxmlformats.org/markup-compatibility/2006" xmlns:p14="http://schemas.microsoft.com/office/powerpoint/2010/main">
+    <mc:Choice Requires="p14">
       <p:transition spd="slow" p14:dur="2000" advTm="33732"/>
     </mc:Choice>
-    <mc:Fallback>
+    <mc:Fallback xmlns="">
       <p:transition spd="slow" advTm="33732"/>
     </mc:Fallback>
   </mc:AlternateContent>
+  <p:timing>
+    <p:tnLst>
+      <p:par>
+        <p:cTn id="1" dur="indefinite" restart="never" nodeType="tmRoot">
+          <p:childTnLst>
+            <p:seq concurrent="1" nextAc="seek">
+              <p:cTn id="2" dur="indefinite" nodeType="mainSeq">
+                <p:childTnLst>
+                  <p:par>
+                    <p:cTn id="3" fill="hold">
+                      <p:stCondLst>
+                        <p:cond delay="indefinite"/>
+                      </p:stCondLst>
+                      <p:childTnLst>
+                        <p:par>
+                          <p:cTn id="4" fill="hold">
+                            <p:stCondLst>
+                              <p:cond delay="0"/>
+                            </p:stCondLst>
+                            <p:childTnLst>
+                              <p:par>
+                                <p:cTn id="5" presetID="1" presetClass="entr" presetSubtype="0" fill="hold" nodeType="clickEffect">
+                                  <p:stCondLst>
+                                    <p:cond delay="0"/>
+                                  </p:stCondLst>
+                                  <p:childTnLst>
+                                    <p:set>
+                                      <p:cBhvr>
+                                        <p:cTn id="6" dur="1" fill="hold">
+                                          <p:stCondLst>
+                                            <p:cond delay="0"/>
+                                          </p:stCondLst>
+                                        </p:cTn>
+                                        <p:tgtEl>
+                                          <p:spTgt spid="3">
+                                            <p:txEl>
+                                              <p:pRg st="9" end="9"/>
+                                            </p:txEl>
+                                          </p:spTgt>
+                                        </p:tgtEl>
+                                        <p:attrNameLst>
+                                          <p:attrName>style.visibility</p:attrName>
+                                        </p:attrNameLst>
+                                      </p:cBhvr>
+                                      <p:to>
+                                        <p:strVal val="visible"/>
+                                      </p:to>
+                                    </p:set>
+                                  </p:childTnLst>
+                                </p:cTn>
+                              </p:par>
+                            </p:childTnLst>
+                          </p:cTn>
+                        </p:par>
+                      </p:childTnLst>
+                    </p:cTn>
+                  </p:par>
+                </p:childTnLst>
+              </p:cTn>
+              <p:prevCondLst>
+                <p:cond evt="onPrev" delay="0">
+                  <p:tgtEl>
+                    <p:sldTgt/>
+                  </p:tgtEl>
+                </p:cond>
+              </p:prevCondLst>
+              <p:nextCondLst>
+                <p:cond evt="onNext" delay="0">
+                  <p:tgtEl>
+                    <p:sldTgt/>
+                  </p:tgtEl>
+                </p:cond>
+              </p:nextCondLst>
+            </p:seq>
+          </p:childTnLst>
+        </p:cTn>
+      </p:par>
+    </p:tnLst>
+  </p:timing>
 </p:sld>
 </file>
 
@@ -11301,15 +11941,16 @@
           <a:p>
             <a:r>
               <a:rPr lang="de-CH" dirty="0"/>
-              <a:t>Design</a:t>
+              <a:t>Produkt</a:t>
             </a:r>
             <a:br>
               <a:rPr lang="de-CH" dirty="0"/>
             </a:br>
             <a:r>
-              <a:rPr lang="de-CH" dirty="0"/>
-              <a:t>Analyse</a:t>
-            </a:r>
+              <a:rPr lang="de-CH" sz="2400" dirty="0"/>
+              <a:t>Demo</a:t>
+            </a:r>
+            <a:endParaRPr lang="de-CH" dirty="0"/>
           </a:p>
         </p:txBody>
       </p:sp>
@@ -11372,18 +12013,18 @@
     </p:spTree>
     <p:extLst>
       <p:ext uri="{BB962C8B-B14F-4D97-AF65-F5344CB8AC3E}">
-        <p14:creationId xmlns:p14="http://schemas.microsoft.com/office/powerpoint/2010/main" val="2649257982"/>
+        <p14:creationId xmlns:p14="http://schemas.microsoft.com/office/powerpoint/2010/main" val="417722137"/>
       </p:ext>
     </p:extLst>
   </p:cSld>
   <p:clrMapOvr>
     <a:masterClrMapping/>
   </p:clrMapOvr>
-  <mc:AlternateContent xmlns:mc="http://schemas.openxmlformats.org/markup-compatibility/2006">
-    <mc:Choice xmlns:p14="http://schemas.microsoft.com/office/powerpoint/2010/main" Requires="p14">
+  <mc:AlternateContent xmlns:mc="http://schemas.openxmlformats.org/markup-compatibility/2006" xmlns:p14="http://schemas.microsoft.com/office/powerpoint/2010/main">
+    <mc:Choice Requires="p14">
       <p:transition spd="slow" p14:dur="2000" advTm="33732"/>
     </mc:Choice>
-    <mc:Fallback>
+    <mc:Fallback xmlns="">
       <p:transition spd="slow" advTm="33732"/>
     </mc:Fallback>
   </mc:AlternateContent>
@@ -11430,42 +12071,15 @@
           <a:p>
             <a:r>
               <a:rPr lang="de-CH" dirty="0"/>
-              <a:t>Design</a:t>
+              <a:t>Analyse und Design</a:t>
             </a:r>
             <a:br>
               <a:rPr lang="de-CH" dirty="0"/>
             </a:br>
             <a:r>
-              <a:rPr lang="de-CH" dirty="0"/>
-              <a:t>Architektur</a:t>
-            </a:r>
-          </a:p>
-        </p:txBody>
-      </p:sp>
-      <p:sp>
-        <p:nvSpPr>
-          <p:cNvPr id="3" name="Inhaltsplatzhalter 2">
-            <a:extLst>
-              <a:ext uri="{FF2B5EF4-FFF2-40B4-BE49-F238E27FC236}">
-                <a16:creationId xmlns:a16="http://schemas.microsoft.com/office/drawing/2014/main" id="{09E0D5C9-0C59-5FA1-1DB3-BCB8B158C9EF}"/>
-              </a:ext>
-            </a:extLst>
-          </p:cNvPr>
-          <p:cNvSpPr>
-            <a:spLocks noGrp="1"/>
-          </p:cNvSpPr>
-          <p:nvPr>
-            <p:ph idx="1"/>
-          </p:nvPr>
-        </p:nvSpPr>
-        <p:spPr/>
-        <p:txBody>
-          <a:bodyPr>
-            <a:normAutofit/>
-          </a:bodyPr>
-          <a:lstStyle/>
-          <a:p>
-            <a:endParaRPr lang="de-CH" dirty="0"/>
+              <a:rPr lang="de-CH" sz="2400" dirty="0"/>
+              <a:t>Nicht-Funktionale Anforderungen</a:t>
+            </a:r>
           </a:p>
         </p:txBody>
       </p:sp>
@@ -11498,24 +12112,241 @@
           </a:p>
         </p:txBody>
       </p:sp>
+      <p:pic>
+        <p:nvPicPr>
+          <p:cNvPr id="6" name="Grafik 5">
+            <a:extLst>
+              <a:ext uri="{FF2B5EF4-FFF2-40B4-BE49-F238E27FC236}">
+                <a16:creationId xmlns:a16="http://schemas.microsoft.com/office/drawing/2014/main" id="{FB1E2802-76BA-DF7D-2A45-9C86AC1A1ABC}"/>
+              </a:ext>
+            </a:extLst>
+          </p:cNvPr>
+          <p:cNvPicPr>
+            <a:picLocks noChangeAspect="1"/>
+          </p:cNvPicPr>
+          <p:nvPr/>
+        </p:nvPicPr>
+        <p:blipFill>
+          <a:blip r:embed="rId3"/>
+          <a:stretch>
+            <a:fillRect/>
+          </a:stretch>
+        </p:blipFill>
+        <p:spPr>
+          <a:xfrm>
+            <a:off x="623755" y="2116759"/>
+            <a:ext cx="5247037" cy="3599503"/>
+          </a:xfrm>
+          <a:prstGeom prst="rect">
+            <a:avLst/>
+          </a:prstGeom>
+        </p:spPr>
+      </p:pic>
+      <p:pic>
+        <p:nvPicPr>
+          <p:cNvPr id="14" name="Grafik 13">
+            <a:extLst>
+              <a:ext uri="{FF2B5EF4-FFF2-40B4-BE49-F238E27FC236}">
+                <a16:creationId xmlns:a16="http://schemas.microsoft.com/office/drawing/2014/main" id="{6009C15E-D72C-425E-7E40-5A1BE8E7DF82}"/>
+              </a:ext>
+            </a:extLst>
+          </p:cNvPr>
+          <p:cNvPicPr>
+            <a:picLocks noChangeAspect="1"/>
+          </p:cNvPicPr>
+          <p:nvPr/>
+        </p:nvPicPr>
+        <p:blipFill>
+          <a:blip r:embed="rId4"/>
+          <a:stretch>
+            <a:fillRect/>
+          </a:stretch>
+        </p:blipFill>
+        <p:spPr>
+          <a:xfrm>
+            <a:off x="6914913" y="1530736"/>
+            <a:ext cx="3839204" cy="4286564"/>
+          </a:xfrm>
+          <a:prstGeom prst="rect">
+            <a:avLst/>
+          </a:prstGeom>
+          <a:effectLst>
+            <a:softEdge rad="50800"/>
+          </a:effectLst>
+        </p:spPr>
+      </p:pic>
+      <p:sp>
+        <p:nvSpPr>
+          <p:cNvPr id="15" name="Pfeil: gestreift nach rechts 14">
+            <a:extLst>
+              <a:ext uri="{FF2B5EF4-FFF2-40B4-BE49-F238E27FC236}">
+                <a16:creationId xmlns:a16="http://schemas.microsoft.com/office/drawing/2014/main" id="{BA133336-9BEA-62D0-C725-F4273DF471CE}"/>
+              </a:ext>
+            </a:extLst>
+          </p:cNvPr>
+          <p:cNvSpPr/>
+          <p:nvPr/>
+        </p:nvSpPr>
+        <p:spPr>
+          <a:xfrm>
+            <a:off x="6049543" y="3495935"/>
+            <a:ext cx="686618" cy="429416"/>
+          </a:xfrm>
+          <a:prstGeom prst="stripedRightArrow">
+            <a:avLst/>
+          </a:prstGeom>
+          <a:ln>
+            <a:noFill/>
+          </a:ln>
+        </p:spPr>
+        <p:style>
+          <a:lnRef idx="2">
+            <a:schemeClr val="accent1">
+              <a:shade val="50000"/>
+            </a:schemeClr>
+          </a:lnRef>
+          <a:fillRef idx="1">
+            <a:schemeClr val="accent1"/>
+          </a:fillRef>
+          <a:effectRef idx="0">
+            <a:schemeClr val="accent1"/>
+          </a:effectRef>
+          <a:fontRef idx="minor">
+            <a:schemeClr val="lt1"/>
+          </a:fontRef>
+        </p:style>
+        <p:txBody>
+          <a:bodyPr rtlCol="0" anchor="ctr"/>
+          <a:lstStyle/>
+          <a:p>
+            <a:pPr algn="ctr"/>
+            <a:endParaRPr lang="de-CH"/>
+          </a:p>
+        </p:txBody>
+      </p:sp>
     </p:spTree>
     <p:extLst>
       <p:ext uri="{BB962C8B-B14F-4D97-AF65-F5344CB8AC3E}">
-        <p14:creationId xmlns:p14="http://schemas.microsoft.com/office/powerpoint/2010/main" val="3096743553"/>
+        <p14:creationId xmlns:p14="http://schemas.microsoft.com/office/powerpoint/2010/main" val="2649257982"/>
       </p:ext>
     </p:extLst>
   </p:cSld>
   <p:clrMapOvr>
     <a:masterClrMapping/>
   </p:clrMapOvr>
-  <mc:AlternateContent xmlns:mc="http://schemas.openxmlformats.org/markup-compatibility/2006">
-    <mc:Choice xmlns:p14="http://schemas.microsoft.com/office/powerpoint/2010/main" Requires="p14">
+  <mc:AlternateContent xmlns:mc="http://schemas.openxmlformats.org/markup-compatibility/2006" xmlns:p14="http://schemas.microsoft.com/office/powerpoint/2010/main">
+    <mc:Choice Requires="p14">
       <p:transition spd="slow" p14:dur="2000" advTm="33732"/>
     </mc:Choice>
-    <mc:Fallback>
+    <mc:Fallback xmlns="">
       <p:transition spd="slow" advTm="33732"/>
     </mc:Fallback>
   </mc:AlternateContent>
+  <p:timing>
+    <p:tnLst>
+      <p:par>
+        <p:cTn id="1" dur="indefinite" restart="never" nodeType="tmRoot">
+          <p:childTnLst>
+            <p:seq concurrent="1" nextAc="seek">
+              <p:cTn id="2" dur="indefinite" nodeType="mainSeq">
+                <p:childTnLst>
+                  <p:par>
+                    <p:cTn id="3" fill="hold">
+                      <p:stCondLst>
+                        <p:cond delay="indefinite"/>
+                      </p:stCondLst>
+                      <p:childTnLst>
+                        <p:par>
+                          <p:cTn id="4" fill="hold">
+                            <p:stCondLst>
+                              <p:cond delay="0"/>
+                            </p:stCondLst>
+                            <p:childTnLst>
+                              <p:par>
+                                <p:cTn id="5" presetID="1" presetClass="entr" presetSubtype="0" fill="hold" grpId="0" nodeType="clickEffect">
+                                  <p:stCondLst>
+                                    <p:cond delay="0"/>
+                                  </p:stCondLst>
+                                  <p:childTnLst>
+                                    <p:set>
+                                      <p:cBhvr>
+                                        <p:cTn id="6" dur="1" fill="hold">
+                                          <p:stCondLst>
+                                            <p:cond delay="0"/>
+                                          </p:stCondLst>
+                                        </p:cTn>
+                                        <p:tgtEl>
+                                          <p:spTgt spid="15"/>
+                                        </p:tgtEl>
+                                        <p:attrNameLst>
+                                          <p:attrName>style.visibility</p:attrName>
+                                        </p:attrNameLst>
+                                      </p:cBhvr>
+                                      <p:to>
+                                        <p:strVal val="visible"/>
+                                      </p:to>
+                                    </p:set>
+                                  </p:childTnLst>
+                                </p:cTn>
+                              </p:par>
+                              <p:par>
+                                <p:cTn id="7" presetID="1" presetClass="entr" presetSubtype="0" fill="hold" nodeType="withEffect">
+                                  <p:stCondLst>
+                                    <p:cond delay="0"/>
+                                  </p:stCondLst>
+                                  <p:childTnLst>
+                                    <p:set>
+                                      <p:cBhvr>
+                                        <p:cTn id="8" dur="1" fill="hold">
+                                          <p:stCondLst>
+                                            <p:cond delay="0"/>
+                                          </p:stCondLst>
+                                        </p:cTn>
+                                        <p:tgtEl>
+                                          <p:spTgt spid="14"/>
+                                        </p:tgtEl>
+                                        <p:attrNameLst>
+                                          <p:attrName>style.visibility</p:attrName>
+                                        </p:attrNameLst>
+                                      </p:cBhvr>
+                                      <p:to>
+                                        <p:strVal val="visible"/>
+                                      </p:to>
+                                    </p:set>
+                                  </p:childTnLst>
+                                </p:cTn>
+                              </p:par>
+                            </p:childTnLst>
+                          </p:cTn>
+                        </p:par>
+                      </p:childTnLst>
+                    </p:cTn>
+                  </p:par>
+                </p:childTnLst>
+              </p:cTn>
+              <p:prevCondLst>
+                <p:cond evt="onPrev" delay="0">
+                  <p:tgtEl>
+                    <p:sldTgt/>
+                  </p:tgtEl>
+                </p:cond>
+              </p:prevCondLst>
+              <p:nextCondLst>
+                <p:cond evt="onNext" delay="0">
+                  <p:tgtEl>
+                    <p:sldTgt/>
+                  </p:tgtEl>
+                </p:cond>
+              </p:nextCondLst>
+            </p:seq>
+          </p:childTnLst>
+        </p:cTn>
+      </p:par>
+    </p:tnLst>
+    <p:bldLst>
+      <p:bldP spid="15" grpId="0" animBg="1"/>
+    </p:bldLst>
+  </p:timing>
 </p:sld>
 </file>
 
@@ -11536,6 +12367,39 @@
           <a:chExt cx="0" cy="0"/>
         </a:xfrm>
       </p:grpSpPr>
+      <p:pic>
+        <p:nvPicPr>
+          <p:cNvPr id="8" name="Grafik 7">
+            <a:extLst>
+              <a:ext uri="{FF2B5EF4-FFF2-40B4-BE49-F238E27FC236}">
+                <a16:creationId xmlns:a16="http://schemas.microsoft.com/office/drawing/2014/main" id="{E8AE8445-D424-AB41-87BB-D01874518512}"/>
+              </a:ext>
+            </a:extLst>
+          </p:cNvPr>
+          <p:cNvPicPr>
+            <a:picLocks noChangeAspect="1"/>
+          </p:cNvPicPr>
+          <p:nvPr/>
+        </p:nvPicPr>
+        <p:blipFill>
+          <a:blip r:embed="rId3"/>
+          <a:stretch>
+            <a:fillRect/>
+          </a:stretch>
+        </p:blipFill>
+        <p:spPr>
+          <a:xfrm>
+            <a:off x="3603610" y="4035576"/>
+            <a:ext cx="2492390" cy="2637110"/>
+          </a:xfrm>
+          <a:prstGeom prst="rect">
+            <a:avLst/>
+          </a:prstGeom>
+          <a:effectLst>
+            <a:softEdge rad="25400"/>
+          </a:effectLst>
+        </p:spPr>
+      </p:pic>
       <p:sp>
         <p:nvSpPr>
           <p:cNvPr id="2" name="Titel 1">
@@ -11559,42 +12423,15 @@
           <a:p>
             <a:r>
               <a:rPr lang="de-CH" dirty="0"/>
-              <a:t>Design</a:t>
+              <a:t>Analyse und Design</a:t>
             </a:r>
             <a:br>
               <a:rPr lang="de-CH" dirty="0"/>
             </a:br>
             <a:r>
-              <a:rPr lang="de-CH" dirty="0"/>
-              <a:t>Wireframes</a:t>
-            </a:r>
-          </a:p>
-        </p:txBody>
-      </p:sp>
-      <p:sp>
-        <p:nvSpPr>
-          <p:cNvPr id="3" name="Inhaltsplatzhalter 2">
-            <a:extLst>
-              <a:ext uri="{FF2B5EF4-FFF2-40B4-BE49-F238E27FC236}">
-                <a16:creationId xmlns:a16="http://schemas.microsoft.com/office/drawing/2014/main" id="{09E0D5C9-0C59-5FA1-1DB3-BCB8B158C9EF}"/>
-              </a:ext>
-            </a:extLst>
-          </p:cNvPr>
-          <p:cNvSpPr>
-            <a:spLocks noGrp="1"/>
-          </p:cNvSpPr>
-          <p:nvPr>
-            <p:ph idx="1"/>
-          </p:nvPr>
-        </p:nvSpPr>
-        <p:spPr/>
-        <p:txBody>
-          <a:bodyPr>
-            <a:normAutofit/>
-          </a:bodyPr>
-          <a:lstStyle/>
-          <a:p>
-            <a:endParaRPr lang="de-CH" dirty="0"/>
+              <a:rPr lang="de-CH" sz="2400" dirty="0"/>
+              <a:t>Funktionale Anforderungen</a:t>
+            </a:r>
           </a:p>
         </p:txBody>
       </p:sp>
@@ -11627,10 +12464,174 @@
           </a:p>
         </p:txBody>
       </p:sp>
+      <p:pic>
+        <p:nvPicPr>
+          <p:cNvPr id="4" name="Grafik 3">
+            <a:extLst>
+              <a:ext uri="{FF2B5EF4-FFF2-40B4-BE49-F238E27FC236}">
+                <a16:creationId xmlns:a16="http://schemas.microsoft.com/office/drawing/2014/main" id="{A5DF8D16-FC2F-F969-1910-D9ADEBB19735}"/>
+              </a:ext>
+            </a:extLst>
+          </p:cNvPr>
+          <p:cNvPicPr>
+            <a:picLocks noChangeAspect="1"/>
+          </p:cNvPicPr>
+          <p:nvPr/>
+        </p:nvPicPr>
+        <p:blipFill>
+          <a:blip r:embed="rId4"/>
+          <a:stretch>
+            <a:fillRect/>
+          </a:stretch>
+        </p:blipFill>
+        <p:spPr>
+          <a:xfrm>
+            <a:off x="517253" y="1917762"/>
+            <a:ext cx="3434769" cy="2525967"/>
+          </a:xfrm>
+          <a:prstGeom prst="rect">
+            <a:avLst/>
+          </a:prstGeom>
+          <a:effectLst>
+            <a:softEdge rad="38100"/>
+          </a:effectLst>
+        </p:spPr>
+      </p:pic>
+      <p:pic>
+        <p:nvPicPr>
+          <p:cNvPr id="11" name="Grafik 10">
+            <a:extLst>
+              <a:ext uri="{FF2B5EF4-FFF2-40B4-BE49-F238E27FC236}">
+                <a16:creationId xmlns:a16="http://schemas.microsoft.com/office/drawing/2014/main" id="{D0A3B3AD-97C7-E244-5DD5-F5A128726EF7}"/>
+              </a:ext>
+            </a:extLst>
+          </p:cNvPr>
+          <p:cNvPicPr>
+            <a:picLocks noChangeAspect="1"/>
+          </p:cNvPicPr>
+          <p:nvPr/>
+        </p:nvPicPr>
+        <p:blipFill>
+          <a:blip r:embed="rId5"/>
+          <a:stretch>
+            <a:fillRect/>
+          </a:stretch>
+        </p:blipFill>
+        <p:spPr>
+          <a:xfrm>
+            <a:off x="6420986" y="784518"/>
+            <a:ext cx="3528271" cy="3846133"/>
+          </a:xfrm>
+          <a:prstGeom prst="rect">
+            <a:avLst/>
+          </a:prstGeom>
+          <a:effectLst>
+            <a:softEdge rad="63500"/>
+          </a:effectLst>
+        </p:spPr>
+      </p:pic>
+      <p:sp>
+        <p:nvSpPr>
+          <p:cNvPr id="13" name="Pfeil: gestreift nach rechts 12">
+            <a:extLst>
+              <a:ext uri="{FF2B5EF4-FFF2-40B4-BE49-F238E27FC236}">
+                <a16:creationId xmlns:a16="http://schemas.microsoft.com/office/drawing/2014/main" id="{6FCE638D-A125-B687-88F9-2110383F3426}"/>
+              </a:ext>
+            </a:extLst>
+          </p:cNvPr>
+          <p:cNvSpPr/>
+          <p:nvPr/>
+        </p:nvSpPr>
+        <p:spPr>
+          <a:xfrm rot="18900000">
+            <a:off x="6472255" y="4744845"/>
+            <a:ext cx="686618" cy="429416"/>
+          </a:xfrm>
+          <a:prstGeom prst="stripedRightArrow">
+            <a:avLst/>
+          </a:prstGeom>
+          <a:ln>
+            <a:noFill/>
+          </a:ln>
+        </p:spPr>
+        <p:style>
+          <a:lnRef idx="2">
+            <a:schemeClr val="accent1">
+              <a:shade val="50000"/>
+            </a:schemeClr>
+          </a:lnRef>
+          <a:fillRef idx="1">
+            <a:schemeClr val="accent1"/>
+          </a:fillRef>
+          <a:effectRef idx="0">
+            <a:schemeClr val="accent1"/>
+          </a:effectRef>
+          <a:fontRef idx="minor">
+            <a:schemeClr val="lt1"/>
+          </a:fontRef>
+        </p:style>
+        <p:txBody>
+          <a:bodyPr rtlCol="0" anchor="ctr"/>
+          <a:lstStyle/>
+          <a:p>
+            <a:pPr algn="ctr"/>
+            <a:endParaRPr lang="de-CH"/>
+          </a:p>
+        </p:txBody>
+      </p:sp>
+      <p:sp>
+        <p:nvSpPr>
+          <p:cNvPr id="15" name="Pfeil: gestreift nach rechts 14">
+            <a:extLst>
+              <a:ext uri="{FF2B5EF4-FFF2-40B4-BE49-F238E27FC236}">
+                <a16:creationId xmlns:a16="http://schemas.microsoft.com/office/drawing/2014/main" id="{9509E709-E47A-C8AD-1795-FED1F8BE4D2E}"/>
+              </a:ext>
+            </a:extLst>
+          </p:cNvPr>
+          <p:cNvSpPr/>
+          <p:nvPr/>
+        </p:nvSpPr>
+        <p:spPr>
+          <a:xfrm rot="2700000">
+            <a:off x="3152553" y="4810521"/>
+            <a:ext cx="686618" cy="429416"/>
+          </a:xfrm>
+          <a:prstGeom prst="stripedRightArrow">
+            <a:avLst/>
+          </a:prstGeom>
+          <a:ln>
+            <a:noFill/>
+          </a:ln>
+        </p:spPr>
+        <p:style>
+          <a:lnRef idx="2">
+            <a:schemeClr val="accent1">
+              <a:shade val="50000"/>
+            </a:schemeClr>
+          </a:lnRef>
+          <a:fillRef idx="1">
+            <a:schemeClr val="accent1"/>
+          </a:fillRef>
+          <a:effectRef idx="0">
+            <a:schemeClr val="accent1"/>
+          </a:effectRef>
+          <a:fontRef idx="minor">
+            <a:schemeClr val="lt1"/>
+          </a:fontRef>
+        </p:style>
+        <p:txBody>
+          <a:bodyPr rtlCol="0" anchor="ctr"/>
+          <a:lstStyle/>
+          <a:p>
+            <a:pPr algn="ctr"/>
+            <a:endParaRPr lang="de-CH"/>
+          </a:p>
+        </p:txBody>
+      </p:sp>
     </p:spTree>
     <p:extLst>
       <p:ext uri="{BB962C8B-B14F-4D97-AF65-F5344CB8AC3E}">
-        <p14:creationId xmlns:p14="http://schemas.microsoft.com/office/powerpoint/2010/main" val="2110007664"/>
+        <p14:creationId xmlns:p14="http://schemas.microsoft.com/office/powerpoint/2010/main" val="3621731246"/>
       </p:ext>
     </p:extLst>
   </p:cSld>
@@ -11645,6 +12646,184 @@
       <p:transition spd="slow" advTm="33732"/>
     </mc:Fallback>
   </mc:AlternateContent>
+  <p:timing>
+    <p:tnLst>
+      <p:par>
+        <p:cTn id="1" dur="indefinite" restart="never" nodeType="tmRoot">
+          <p:childTnLst>
+            <p:seq concurrent="1" nextAc="seek">
+              <p:cTn id="2" dur="indefinite" nodeType="mainSeq">
+                <p:childTnLst>
+                  <p:par>
+                    <p:cTn id="3" fill="hold">
+                      <p:stCondLst>
+                        <p:cond delay="indefinite"/>
+                      </p:stCondLst>
+                      <p:childTnLst>
+                        <p:par>
+                          <p:cTn id="4" fill="hold">
+                            <p:stCondLst>
+                              <p:cond delay="0"/>
+                            </p:stCondLst>
+                            <p:childTnLst>
+                              <p:par>
+                                <p:cTn id="5" presetID="1" presetClass="entr" presetSubtype="0" fill="hold" nodeType="clickEffect">
+                                  <p:stCondLst>
+                                    <p:cond delay="0"/>
+                                  </p:stCondLst>
+                                  <p:childTnLst>
+                                    <p:set>
+                                      <p:cBhvr>
+                                        <p:cTn id="6" dur="1" fill="hold">
+                                          <p:stCondLst>
+                                            <p:cond delay="0"/>
+                                          </p:stCondLst>
+                                        </p:cTn>
+                                        <p:tgtEl>
+                                          <p:spTgt spid="8"/>
+                                        </p:tgtEl>
+                                        <p:attrNameLst>
+                                          <p:attrName>style.visibility</p:attrName>
+                                        </p:attrNameLst>
+                                      </p:cBhvr>
+                                      <p:to>
+                                        <p:strVal val="visible"/>
+                                      </p:to>
+                                    </p:set>
+                                  </p:childTnLst>
+                                </p:cTn>
+                              </p:par>
+                              <p:par>
+                                <p:cTn id="7" presetID="1" presetClass="entr" presetSubtype="0" fill="hold" grpId="0" nodeType="withEffect">
+                                  <p:stCondLst>
+                                    <p:cond delay="0"/>
+                                  </p:stCondLst>
+                                  <p:childTnLst>
+                                    <p:set>
+                                      <p:cBhvr>
+                                        <p:cTn id="8" dur="1" fill="hold">
+                                          <p:stCondLst>
+                                            <p:cond delay="0"/>
+                                          </p:stCondLst>
+                                        </p:cTn>
+                                        <p:tgtEl>
+                                          <p:spTgt spid="15"/>
+                                        </p:tgtEl>
+                                        <p:attrNameLst>
+                                          <p:attrName>style.visibility</p:attrName>
+                                        </p:attrNameLst>
+                                      </p:cBhvr>
+                                      <p:to>
+                                        <p:strVal val="visible"/>
+                                      </p:to>
+                                    </p:set>
+                                  </p:childTnLst>
+                                </p:cTn>
+                              </p:par>
+                            </p:childTnLst>
+                          </p:cTn>
+                        </p:par>
+                      </p:childTnLst>
+                    </p:cTn>
+                  </p:par>
+                  <p:par>
+                    <p:cTn id="9" fill="hold">
+                      <p:stCondLst>
+                        <p:cond delay="indefinite"/>
+                      </p:stCondLst>
+                      <p:childTnLst>
+                        <p:par>
+                          <p:cTn id="10" fill="hold">
+                            <p:stCondLst>
+                              <p:cond delay="0"/>
+                            </p:stCondLst>
+                            <p:childTnLst>
+                              <p:par>
+                                <p:cTn id="11" presetID="1" presetClass="entr" presetSubtype="0" fill="hold" grpId="0" nodeType="clickEffect">
+                                  <p:stCondLst>
+                                    <p:cond delay="0"/>
+                                  </p:stCondLst>
+                                  <p:childTnLst>
+                                    <p:set>
+                                      <p:cBhvr>
+                                        <p:cTn id="12" dur="1" fill="hold">
+                                          <p:stCondLst>
+                                            <p:cond delay="0"/>
+                                          </p:stCondLst>
+                                        </p:cTn>
+                                        <p:tgtEl>
+                                          <p:spTgt spid="13"/>
+                                        </p:tgtEl>
+                                        <p:attrNameLst>
+                                          <p:attrName>style.visibility</p:attrName>
+                                        </p:attrNameLst>
+                                      </p:cBhvr>
+                                      <p:to>
+                                        <p:strVal val="visible"/>
+                                      </p:to>
+                                    </p:set>
+                                  </p:childTnLst>
+                                </p:cTn>
+                              </p:par>
+                              <p:par>
+                                <p:cTn id="13" presetID="1" presetClass="entr" presetSubtype="0" fill="hold" nodeType="withEffect">
+                                  <p:stCondLst>
+                                    <p:cond delay="0"/>
+                                  </p:stCondLst>
+                                  <p:childTnLst>
+                                    <p:set>
+                                      <p:cBhvr>
+                                        <p:cTn id="14" dur="1" fill="hold">
+                                          <p:stCondLst>
+                                            <p:cond delay="0"/>
+                                          </p:stCondLst>
+                                        </p:cTn>
+                                        <p:tgtEl>
+                                          <p:spTgt spid="11"/>
+                                        </p:tgtEl>
+                                        <p:attrNameLst>
+                                          <p:attrName>style.visibility</p:attrName>
+                                        </p:attrNameLst>
+                                      </p:cBhvr>
+                                      <p:to>
+                                        <p:strVal val="visible"/>
+                                      </p:to>
+                                    </p:set>
+                                  </p:childTnLst>
+                                </p:cTn>
+                              </p:par>
+                            </p:childTnLst>
+                          </p:cTn>
+                        </p:par>
+                      </p:childTnLst>
+                    </p:cTn>
+                  </p:par>
+                </p:childTnLst>
+              </p:cTn>
+              <p:prevCondLst>
+                <p:cond evt="onPrev" delay="0">
+                  <p:tgtEl>
+                    <p:sldTgt/>
+                  </p:tgtEl>
+                </p:cond>
+              </p:prevCondLst>
+              <p:nextCondLst>
+                <p:cond evt="onNext" delay="0">
+                  <p:tgtEl>
+                    <p:sldTgt/>
+                  </p:tgtEl>
+                </p:cond>
+              </p:nextCondLst>
+            </p:seq>
+          </p:childTnLst>
+        </p:cTn>
+      </p:par>
+    </p:tnLst>
+    <p:bldLst>
+      <p:bldP spid="13" grpId="0" animBg="1"/>
+      <p:bldP spid="15" grpId="0" animBg="1"/>
+    </p:bldLst>
+  </p:timing>
 </p:sld>
 </file>
 
@@ -11665,6 +12844,35 @@
           <a:chExt cx="0" cy="0"/>
         </a:xfrm>
       </p:grpSpPr>
+      <p:pic>
+        <p:nvPicPr>
+          <p:cNvPr id="4" name="Grafik 3">
+            <a:extLst>
+              <a:ext uri="{FF2B5EF4-FFF2-40B4-BE49-F238E27FC236}">
+                <a16:creationId xmlns:a16="http://schemas.microsoft.com/office/drawing/2014/main" id="{E8C83A18-9E0A-EAA6-B686-0D66F8D2E7DC}"/>
+              </a:ext>
+            </a:extLst>
+          </p:cNvPr>
+          <p:cNvPicPr>
+            <a:picLocks noChangeAspect="1"/>
+          </p:cNvPicPr>
+          <p:nvPr/>
+        </p:nvPicPr>
+        <p:blipFill rotWithShape="1">
+          <a:blip r:embed="rId3"/>
+          <a:srcRect l="1924" t="22369" r="1497" b="15978"/>
+          <a:stretch/>
+        </p:blipFill>
+        <p:spPr>
+          <a:xfrm>
+            <a:off x="1587765" y="2007067"/>
+            <a:ext cx="6775806" cy="3818380"/>
+          </a:xfrm>
+          <a:prstGeom prst="rect">
+            <a:avLst/>
+          </a:prstGeom>
+        </p:spPr>
+      </p:pic>
       <p:sp>
         <p:nvSpPr>
           <p:cNvPr id="2" name="Titel 1">
@@ -11688,42 +12896,15 @@
           <a:p>
             <a:r>
               <a:rPr lang="de-CH" dirty="0"/>
-              <a:t>Design</a:t>
+              <a:t>Analyse und Design</a:t>
             </a:r>
             <a:br>
               <a:rPr lang="de-CH" dirty="0"/>
             </a:br>
             <a:r>
-              <a:rPr lang="de-CH" dirty="0"/>
-              <a:t>API</a:t>
-            </a:r>
-          </a:p>
-        </p:txBody>
-      </p:sp>
-      <p:sp>
-        <p:nvSpPr>
-          <p:cNvPr id="3" name="Inhaltsplatzhalter 2">
-            <a:extLst>
-              <a:ext uri="{FF2B5EF4-FFF2-40B4-BE49-F238E27FC236}">
-                <a16:creationId xmlns:a16="http://schemas.microsoft.com/office/drawing/2014/main" id="{09E0D5C9-0C59-5FA1-1DB3-BCB8B158C9EF}"/>
-              </a:ext>
-            </a:extLst>
-          </p:cNvPr>
-          <p:cNvSpPr>
-            <a:spLocks noGrp="1"/>
-          </p:cNvSpPr>
-          <p:nvPr>
-            <p:ph idx="1"/>
-          </p:nvPr>
-        </p:nvSpPr>
-        <p:spPr/>
-        <p:txBody>
-          <a:bodyPr>
-            <a:normAutofit/>
-          </a:bodyPr>
-          <a:lstStyle/>
-          <a:p>
-            <a:endParaRPr lang="de-CH" dirty="0"/>
+              <a:rPr lang="de-CH" sz="2400" dirty="0"/>
+              <a:t>Grobstruktur</a:t>
+            </a:r>
           </a:p>
         </p:txBody>
       </p:sp>
@@ -11756,10 +12937,68 @@
           </a:p>
         </p:txBody>
       </p:sp>
+      <p:pic>
+        <p:nvPicPr>
+          <p:cNvPr id="7" name="Grafik 6">
+            <a:extLst>
+              <a:ext uri="{FF2B5EF4-FFF2-40B4-BE49-F238E27FC236}">
+                <a16:creationId xmlns:a16="http://schemas.microsoft.com/office/drawing/2014/main" id="{2CB5DC1F-0718-DB8C-11EB-F56F65A1770B}"/>
+              </a:ext>
+            </a:extLst>
+          </p:cNvPr>
+          <p:cNvPicPr>
+            <a:picLocks noChangeAspect="1"/>
+          </p:cNvPicPr>
+          <p:nvPr/>
+        </p:nvPicPr>
+        <p:blipFill rotWithShape="1">
+          <a:blip r:embed="rId3"/>
+          <a:srcRect l="52673" t="4538" r="35454" b="81200"/>
+          <a:stretch/>
+        </p:blipFill>
+        <p:spPr>
+          <a:xfrm>
+            <a:off x="5157628" y="1330501"/>
+            <a:ext cx="765425" cy="811659"/>
+          </a:xfrm>
+          <a:prstGeom prst="rect">
+            <a:avLst/>
+          </a:prstGeom>
+        </p:spPr>
+      </p:pic>
+      <p:pic>
+        <p:nvPicPr>
+          <p:cNvPr id="8" name="Grafik 7">
+            <a:extLst>
+              <a:ext uri="{FF2B5EF4-FFF2-40B4-BE49-F238E27FC236}">
+                <a16:creationId xmlns:a16="http://schemas.microsoft.com/office/drawing/2014/main" id="{8F2366DC-5C98-8661-32C9-C1F85333B559}"/>
+              </a:ext>
+            </a:extLst>
+          </p:cNvPr>
+          <p:cNvPicPr>
+            <a:picLocks noChangeAspect="1"/>
+          </p:cNvPicPr>
+          <p:nvPr/>
+        </p:nvPicPr>
+        <p:blipFill rotWithShape="1">
+          <a:blip r:embed="rId3"/>
+          <a:srcRect l="42590" t="84414" r="46810" b="2046"/>
+          <a:stretch/>
+        </p:blipFill>
+        <p:spPr>
+          <a:xfrm>
+            <a:off x="4433192" y="5825447"/>
+            <a:ext cx="683339" cy="770562"/>
+          </a:xfrm>
+          <a:prstGeom prst="rect">
+            <a:avLst/>
+          </a:prstGeom>
+        </p:spPr>
+      </p:pic>
     </p:spTree>
     <p:extLst>
       <p:ext uri="{BB962C8B-B14F-4D97-AF65-F5344CB8AC3E}">
-        <p14:creationId xmlns:p14="http://schemas.microsoft.com/office/powerpoint/2010/main" val="1277793172"/>
+        <p14:creationId xmlns:p14="http://schemas.microsoft.com/office/powerpoint/2010/main" val="638273755"/>
       </p:ext>
     </p:extLst>
   </p:cSld>
@@ -12330,18 +13569,18 @@
 </file>
 
 <file path=customXml/item1.xml><?xml version="1.0" encoding="utf-8"?>
-<p:properties xmlns:p="http://schemas.microsoft.com/office/2006/metadata/properties" xmlns:xsi="http://www.w3.org/2001/XMLSchema-instance" xmlns:pc="http://schemas.microsoft.com/office/infopath/2007/PartnerControls">
-  <documentManagement/>
-</p:properties>
-</file>
-
-<file path=customXml/item2.xml><?xml version="1.0" encoding="utf-8"?>
 <?mso-contentType ?>
 <FormTemplates xmlns="http://schemas.microsoft.com/sharepoint/v3/contenttype/forms">
   <Display>DocumentLibraryForm</Display>
   <Edit>DocumentLibraryForm</Edit>
   <New>DocumentLibraryForm</New>
 </FormTemplates>
+</file>
+
+<file path=customXml/item2.xml><?xml version="1.0" encoding="utf-8"?>
+<p:properties xmlns:p="http://schemas.microsoft.com/office/2006/metadata/properties" xmlns:xsi="http://www.w3.org/2001/XMLSchema-instance" xmlns:pc="http://schemas.microsoft.com/office/infopath/2007/PartnerControls">
+  <documentManagement/>
+</p:properties>
 </file>
 
 <file path=customXml/item3.xml><?xml version="1.0" encoding="utf-8"?>
@@ -12529,6 +13768,14 @@
 </file>
 
 <file path=customXml/itemProps1.xml><?xml version="1.0" encoding="utf-8"?>
+<ds:datastoreItem xmlns:ds="http://schemas.openxmlformats.org/officeDocument/2006/customXml" ds:itemID="{BDCB3EC0-5DCA-48F2-BD01-54E02CFCF6AA}">
+  <ds:schemaRefs>
+    <ds:schemaRef ds:uri="http://schemas.microsoft.com/sharepoint/v3/contenttype/forms"/>
+  </ds:schemaRefs>
+</ds:datastoreItem>
+</file>
+
+<file path=customXml/itemProps2.xml><?xml version="1.0" encoding="utf-8"?>
 <ds:datastoreItem xmlns:ds="http://schemas.openxmlformats.org/officeDocument/2006/customXml" ds:itemID="{07CCB9E7-C57A-4E96-958B-42A4B20CD0B8}">
   <ds:schemaRefs>
     <ds:schemaRef ds:uri="http://purl.org/dc/dcmitype/"/>
@@ -12540,14 +13787,6 @@
     <ds:schemaRef ds:uri="http://schemas.openxmlformats.org/package/2006/metadata/core-properties"/>
     <ds:schemaRef ds:uri="http://schemas.microsoft.com/office/2006/metadata/properties"/>
     <ds:schemaRef ds:uri="http://www.w3.org/XML/1998/namespace"/>
-  </ds:schemaRefs>
-</ds:datastoreItem>
-</file>
-
-<file path=customXml/itemProps2.xml><?xml version="1.0" encoding="utf-8"?>
-<ds:datastoreItem xmlns:ds="http://schemas.openxmlformats.org/officeDocument/2006/customXml" ds:itemID="{BDCB3EC0-5DCA-48F2-BD01-54E02CFCF6AA}">
-  <ds:schemaRefs>
-    <ds:schemaRef ds:uri="http://schemas.microsoft.com/sharepoint/v3/contenttype/forms"/>
   </ds:schemaRefs>
 </ds:datastoreItem>
 </file>

--- a/Präsentation/RecipeManager_Präsentation.pptx
+++ b/Präsentation/RecipeManager_Präsentation.pptx
@@ -5,7 +5,7 @@
     <p:sldMasterId id="2147483960" r:id="rId4"/>
   </p:sldMasterIdLst>
   <p:notesMasterIdLst>
-    <p:notesMasterId r:id="rId27"/>
+    <p:notesMasterId r:id="rId29"/>
   </p:notesMasterIdLst>
   <p:sldIdLst>
     <p:sldId id="256" r:id="rId5"/>
@@ -25,11 +25,13 @@
     <p:sldId id="291" r:id="rId19"/>
     <p:sldId id="301" r:id="rId20"/>
     <p:sldId id="302" r:id="rId21"/>
-    <p:sldId id="293" r:id="rId22"/>
-    <p:sldId id="284" r:id="rId23"/>
-    <p:sldId id="292" r:id="rId24"/>
-    <p:sldId id="282" r:id="rId25"/>
-    <p:sldId id="283" r:id="rId26"/>
+    <p:sldId id="304" r:id="rId22"/>
+    <p:sldId id="303" r:id="rId23"/>
+    <p:sldId id="293" r:id="rId24"/>
+    <p:sldId id="284" r:id="rId25"/>
+    <p:sldId id="292" r:id="rId26"/>
+    <p:sldId id="282" r:id="rId27"/>
+    <p:sldId id="283" r:id="rId28"/>
   </p:sldIdLst>
   <p:sldSz cx="12192000" cy="6858000"/>
   <p:notesSz cx="6858000" cy="9144000"/>
@@ -1340,7 +1342,7 @@
     </p:spTree>
     <p:extLst>
       <p:ext uri="{BB962C8B-B14F-4D97-AF65-F5344CB8AC3E}">
-        <p14:creationId xmlns:p14="http://schemas.microsoft.com/office/powerpoint/2010/main" val="3094041841"/>
+        <p14:creationId xmlns:p14="http://schemas.microsoft.com/office/powerpoint/2010/main" val="949077923"/>
       </p:ext>
     </p:extLst>
   </p:cSld>
@@ -1424,7 +1426,7 @@
     </p:spTree>
     <p:extLst>
       <p:ext uri="{BB962C8B-B14F-4D97-AF65-F5344CB8AC3E}">
-        <p14:creationId xmlns:p14="http://schemas.microsoft.com/office/powerpoint/2010/main" val="3486985728"/>
+        <p14:creationId xmlns:p14="http://schemas.microsoft.com/office/powerpoint/2010/main" val="4144568296"/>
       </p:ext>
     </p:extLst>
   </p:cSld>
@@ -1596,7 +1598,7 @@
     </p:spTree>
     <p:extLst>
       <p:ext uri="{BB962C8B-B14F-4D97-AF65-F5344CB8AC3E}">
-        <p14:creationId xmlns:p14="http://schemas.microsoft.com/office/powerpoint/2010/main" val="3457144575"/>
+        <p14:creationId xmlns:p14="http://schemas.microsoft.com/office/powerpoint/2010/main" val="3094041841"/>
       </p:ext>
     </p:extLst>
   </p:cSld>
@@ -1680,7 +1682,7 @@
     </p:spTree>
     <p:extLst>
       <p:ext uri="{BB962C8B-B14F-4D97-AF65-F5344CB8AC3E}">
-        <p14:creationId xmlns:p14="http://schemas.microsoft.com/office/powerpoint/2010/main" val="3989377929"/>
+        <p14:creationId xmlns:p14="http://schemas.microsoft.com/office/powerpoint/2010/main" val="3486985728"/>
       </p:ext>
     </p:extLst>
   </p:cSld>
@@ -1756,6 +1758,174 @@
             <a:fld id="{35DABC87-BC72-469E-95B0-B653EAAE8441}" type="slidenum">
               <a:rPr lang="de-CH" smtClean="0"/>
               <a:t>22</a:t>
+            </a:fld>
+            <a:endParaRPr lang="de-CH"/>
+          </a:p>
+        </p:txBody>
+      </p:sp>
+    </p:spTree>
+    <p:extLst>
+      <p:ext uri="{BB962C8B-B14F-4D97-AF65-F5344CB8AC3E}">
+        <p14:creationId xmlns:p14="http://schemas.microsoft.com/office/powerpoint/2010/main" val="3457144575"/>
+      </p:ext>
+    </p:extLst>
+  </p:cSld>
+  <p:clrMapOvr>
+    <a:masterClrMapping/>
+  </p:clrMapOvr>
+</p:notes>
+</file>
+
+<file path=ppt/notesSlides/notesSlide23.xml><?xml version="1.0" encoding="utf-8"?>
+<p:notes xmlns:a="http://schemas.openxmlformats.org/drawingml/2006/main" xmlns:r="http://schemas.openxmlformats.org/officeDocument/2006/relationships" xmlns:p="http://schemas.openxmlformats.org/presentationml/2006/main">
+  <p:cSld>
+    <p:spTree>
+      <p:nvGrpSpPr>
+        <p:cNvPr id="1" name=""/>
+        <p:cNvGrpSpPr/>
+        <p:nvPr/>
+      </p:nvGrpSpPr>
+      <p:grpSpPr>
+        <a:xfrm>
+          <a:off x="0" y="0"/>
+          <a:ext cx="0" cy="0"/>
+          <a:chOff x="0" y="0"/>
+          <a:chExt cx="0" cy="0"/>
+        </a:xfrm>
+      </p:grpSpPr>
+      <p:sp>
+        <p:nvSpPr>
+          <p:cNvPr id="2" name="Folienbildplatzhalter 1"/>
+          <p:cNvSpPr>
+            <a:spLocks noGrp="1" noRot="1" noChangeAspect="1"/>
+          </p:cNvSpPr>
+          <p:nvPr>
+            <p:ph type="sldImg"/>
+          </p:nvPr>
+        </p:nvSpPr>
+        <p:spPr/>
+      </p:sp>
+      <p:sp>
+        <p:nvSpPr>
+          <p:cNvPr id="3" name="Notizenplatzhalter 2"/>
+          <p:cNvSpPr>
+            <a:spLocks noGrp="1"/>
+          </p:cNvSpPr>
+          <p:nvPr>
+            <p:ph type="body" idx="1"/>
+          </p:nvPr>
+        </p:nvSpPr>
+        <p:spPr/>
+        <p:txBody>
+          <a:bodyPr/>
+          <a:lstStyle/>
+          <a:p>
+            <a:endParaRPr lang="de-CH" dirty="0"/>
+          </a:p>
+        </p:txBody>
+      </p:sp>
+      <p:sp>
+        <p:nvSpPr>
+          <p:cNvPr id="4" name="Foliennummernplatzhalter 3"/>
+          <p:cNvSpPr>
+            <a:spLocks noGrp="1"/>
+          </p:cNvSpPr>
+          <p:nvPr>
+            <p:ph type="sldNum" sz="quarter" idx="5"/>
+          </p:nvPr>
+        </p:nvSpPr>
+        <p:spPr/>
+        <p:txBody>
+          <a:bodyPr/>
+          <a:lstStyle/>
+          <a:p>
+            <a:fld id="{35DABC87-BC72-469E-95B0-B653EAAE8441}" type="slidenum">
+              <a:rPr lang="de-CH" smtClean="0"/>
+              <a:t>23</a:t>
+            </a:fld>
+            <a:endParaRPr lang="de-CH"/>
+          </a:p>
+        </p:txBody>
+      </p:sp>
+    </p:spTree>
+    <p:extLst>
+      <p:ext uri="{BB962C8B-B14F-4D97-AF65-F5344CB8AC3E}">
+        <p14:creationId xmlns:p14="http://schemas.microsoft.com/office/powerpoint/2010/main" val="3989377929"/>
+      </p:ext>
+    </p:extLst>
+  </p:cSld>
+  <p:clrMapOvr>
+    <a:masterClrMapping/>
+  </p:clrMapOvr>
+</p:notes>
+</file>
+
+<file path=ppt/notesSlides/notesSlide24.xml><?xml version="1.0" encoding="utf-8"?>
+<p:notes xmlns:a="http://schemas.openxmlformats.org/drawingml/2006/main" xmlns:r="http://schemas.openxmlformats.org/officeDocument/2006/relationships" xmlns:p="http://schemas.openxmlformats.org/presentationml/2006/main">
+  <p:cSld>
+    <p:spTree>
+      <p:nvGrpSpPr>
+        <p:cNvPr id="1" name=""/>
+        <p:cNvGrpSpPr/>
+        <p:nvPr/>
+      </p:nvGrpSpPr>
+      <p:grpSpPr>
+        <a:xfrm>
+          <a:off x="0" y="0"/>
+          <a:ext cx="0" cy="0"/>
+          <a:chOff x="0" y="0"/>
+          <a:chExt cx="0" cy="0"/>
+        </a:xfrm>
+      </p:grpSpPr>
+      <p:sp>
+        <p:nvSpPr>
+          <p:cNvPr id="2" name="Folienbildplatzhalter 1"/>
+          <p:cNvSpPr>
+            <a:spLocks noGrp="1" noRot="1" noChangeAspect="1"/>
+          </p:cNvSpPr>
+          <p:nvPr>
+            <p:ph type="sldImg"/>
+          </p:nvPr>
+        </p:nvSpPr>
+        <p:spPr/>
+      </p:sp>
+      <p:sp>
+        <p:nvSpPr>
+          <p:cNvPr id="3" name="Notizenplatzhalter 2"/>
+          <p:cNvSpPr>
+            <a:spLocks noGrp="1"/>
+          </p:cNvSpPr>
+          <p:nvPr>
+            <p:ph type="body" idx="1"/>
+          </p:nvPr>
+        </p:nvSpPr>
+        <p:spPr/>
+        <p:txBody>
+          <a:bodyPr/>
+          <a:lstStyle/>
+          <a:p>
+            <a:endParaRPr lang="de-CH" dirty="0"/>
+          </a:p>
+        </p:txBody>
+      </p:sp>
+      <p:sp>
+        <p:nvSpPr>
+          <p:cNvPr id="4" name="Foliennummernplatzhalter 3"/>
+          <p:cNvSpPr>
+            <a:spLocks noGrp="1"/>
+          </p:cNvSpPr>
+          <p:nvPr>
+            <p:ph type="sldNum" sz="quarter" idx="5"/>
+          </p:nvPr>
+        </p:nvSpPr>
+        <p:spPr/>
+        <p:txBody>
+          <a:bodyPr/>
+          <a:lstStyle/>
+          <a:p>
+            <a:fld id="{35DABC87-BC72-469E-95B0-B653EAAE8441}" type="slidenum">
+              <a:rPr lang="de-CH" smtClean="0"/>
+              <a:t>24</a:t>
             </a:fld>
             <a:endParaRPr lang="de-CH"/>
           </a:p>
@@ -8391,11 +8561,11 @@
   <p:clrMapOvr>
     <a:masterClrMapping/>
   </p:clrMapOvr>
-  <mc:AlternateContent xmlns:mc="http://schemas.openxmlformats.org/markup-compatibility/2006">
-    <mc:Choice xmlns:p14="http://schemas.microsoft.com/office/powerpoint/2010/main" Requires="p14">
+  <mc:AlternateContent xmlns:mc="http://schemas.openxmlformats.org/markup-compatibility/2006" xmlns:p14="http://schemas.microsoft.com/office/powerpoint/2010/main">
+    <mc:Choice Requires="p14">
       <p:transition spd="slow" p14:dur="2000" advTm="33732"/>
     </mc:Choice>
-    <mc:Fallback>
+    <mc:Fallback xmlns="">
       <p:transition spd="slow" advTm="33732"/>
     </mc:Fallback>
   </mc:AlternateContent>
@@ -8522,11 +8692,11 @@
   <p:clrMapOvr>
     <a:masterClrMapping/>
   </p:clrMapOvr>
-  <mc:AlternateContent xmlns:mc="http://schemas.openxmlformats.org/markup-compatibility/2006">
-    <mc:Choice xmlns:p14="http://schemas.microsoft.com/office/powerpoint/2010/main" Requires="p14">
+  <mc:AlternateContent xmlns:mc="http://schemas.openxmlformats.org/markup-compatibility/2006" xmlns:p14="http://schemas.microsoft.com/office/powerpoint/2010/main">
+    <mc:Choice Requires="p14">
       <p:transition spd="slow" p14:dur="2000" advTm="33732"/>
     </mc:Choice>
-    <mc:Fallback>
+    <mc:Fallback xmlns="">
       <p:transition spd="slow" advTm="33732"/>
     </mc:Fallback>
   </mc:AlternateContent>
@@ -8674,6 +8844,222 @@
           </a:prstGeom>
         </p:spPr>
       </p:pic>
+      <p:pic>
+        <p:nvPicPr>
+          <p:cNvPr id="3" name="Grafik 2">
+            <a:extLst>
+              <a:ext uri="{FF2B5EF4-FFF2-40B4-BE49-F238E27FC236}">
+                <a16:creationId xmlns:a16="http://schemas.microsoft.com/office/drawing/2014/main" id="{9ED79D08-759A-1546-C757-2F9452AAFF93}"/>
+              </a:ext>
+            </a:extLst>
+          </p:cNvPr>
+          <p:cNvPicPr>
+            <a:picLocks noChangeAspect="1"/>
+          </p:cNvPicPr>
+          <p:nvPr/>
+        </p:nvPicPr>
+        <p:blipFill>
+          <a:blip r:embed="rId4">
+            <a:extLst>
+              <a:ext uri="{28A0092B-C50C-407E-A947-70E740481C1C}">
+                <a14:useLocalDpi xmlns:a14="http://schemas.microsoft.com/office/drawing/2010/main" val="0"/>
+              </a:ext>
+            </a:extLst>
+          </a:blip>
+          <a:stretch>
+            <a:fillRect/>
+          </a:stretch>
+        </p:blipFill>
+        <p:spPr>
+          <a:xfrm>
+            <a:off x="801095" y="739864"/>
+            <a:ext cx="753385" cy="412114"/>
+          </a:xfrm>
+          <a:prstGeom prst="rect">
+            <a:avLst/>
+          </a:prstGeom>
+        </p:spPr>
+      </p:pic>
+      <p:pic>
+        <p:nvPicPr>
+          <p:cNvPr id="4" name="Grafik 3">
+            <a:extLst>
+              <a:ext uri="{FF2B5EF4-FFF2-40B4-BE49-F238E27FC236}">
+                <a16:creationId xmlns:a16="http://schemas.microsoft.com/office/drawing/2014/main" id="{0FA82E3C-54B6-8869-5E9F-0304A2BBE6F4}"/>
+              </a:ext>
+            </a:extLst>
+          </p:cNvPr>
+          <p:cNvPicPr>
+            <a:picLocks noChangeAspect="1"/>
+          </p:cNvPicPr>
+          <p:nvPr/>
+        </p:nvPicPr>
+        <p:blipFill>
+          <a:blip r:embed="rId5">
+            <a:extLst>
+              <a:ext uri="{28A0092B-C50C-407E-A947-70E740481C1C}">
+                <a14:useLocalDpi xmlns:a14="http://schemas.microsoft.com/office/drawing/2010/main" val="0"/>
+              </a:ext>
+            </a:extLst>
+          </a:blip>
+          <a:stretch>
+            <a:fillRect/>
+          </a:stretch>
+        </p:blipFill>
+        <p:spPr>
+          <a:xfrm>
+            <a:off x="1396279" y="702441"/>
+            <a:ext cx="927541" cy="486959"/>
+          </a:xfrm>
+          <a:prstGeom prst="rect">
+            <a:avLst/>
+          </a:prstGeom>
+        </p:spPr>
+      </p:pic>
+      <p:pic>
+        <p:nvPicPr>
+          <p:cNvPr id="8" name="Grafik 7">
+            <a:extLst>
+              <a:ext uri="{FF2B5EF4-FFF2-40B4-BE49-F238E27FC236}">
+                <a16:creationId xmlns:a16="http://schemas.microsoft.com/office/drawing/2014/main" id="{20F7D292-E58B-4216-2CCB-FD4DE7A404B6}"/>
+              </a:ext>
+            </a:extLst>
+          </p:cNvPr>
+          <p:cNvPicPr>
+            <a:picLocks noChangeAspect="1"/>
+          </p:cNvPicPr>
+          <p:nvPr/>
+        </p:nvPicPr>
+        <p:blipFill>
+          <a:blip r:embed="rId5">
+            <a:extLst>
+              <a:ext uri="{28A0092B-C50C-407E-A947-70E740481C1C}">
+                <a14:useLocalDpi xmlns:a14="http://schemas.microsoft.com/office/drawing/2010/main" val="0"/>
+              </a:ext>
+            </a:extLst>
+          </a:blip>
+          <a:stretch>
+            <a:fillRect/>
+          </a:stretch>
+        </p:blipFill>
+        <p:spPr>
+          <a:xfrm>
+            <a:off x="626939" y="2469751"/>
+            <a:ext cx="927541" cy="486959"/>
+          </a:xfrm>
+          <a:prstGeom prst="rect">
+            <a:avLst/>
+          </a:prstGeom>
+        </p:spPr>
+      </p:pic>
+      <p:pic>
+        <p:nvPicPr>
+          <p:cNvPr id="9" name="Grafik 8">
+            <a:extLst>
+              <a:ext uri="{FF2B5EF4-FFF2-40B4-BE49-F238E27FC236}">
+                <a16:creationId xmlns:a16="http://schemas.microsoft.com/office/drawing/2014/main" id="{D3BC5D96-6D6B-3039-52B0-43E027AA61EB}"/>
+              </a:ext>
+            </a:extLst>
+          </p:cNvPr>
+          <p:cNvPicPr>
+            <a:picLocks noChangeAspect="1"/>
+          </p:cNvPicPr>
+          <p:nvPr/>
+        </p:nvPicPr>
+        <p:blipFill>
+          <a:blip r:embed="rId5">
+            <a:extLst>
+              <a:ext uri="{28A0092B-C50C-407E-A947-70E740481C1C}">
+                <a14:useLocalDpi xmlns:a14="http://schemas.microsoft.com/office/drawing/2010/main" val="0"/>
+              </a:ext>
+            </a:extLst>
+          </a:blip>
+          <a:stretch>
+            <a:fillRect/>
+          </a:stretch>
+        </p:blipFill>
+        <p:spPr>
+          <a:xfrm>
+            <a:off x="8049665" y="1335640"/>
+            <a:ext cx="844190" cy="443200"/>
+          </a:xfrm>
+          <a:prstGeom prst="rect">
+            <a:avLst/>
+          </a:prstGeom>
+        </p:spPr>
+      </p:pic>
+      <p:pic>
+        <p:nvPicPr>
+          <p:cNvPr id="10" name="Grafik 9">
+            <a:extLst>
+              <a:ext uri="{FF2B5EF4-FFF2-40B4-BE49-F238E27FC236}">
+                <a16:creationId xmlns:a16="http://schemas.microsoft.com/office/drawing/2014/main" id="{BE1891CB-D1AF-D132-AC86-B5498FCABC02}"/>
+              </a:ext>
+            </a:extLst>
+          </p:cNvPr>
+          <p:cNvPicPr>
+            <a:picLocks noChangeAspect="1"/>
+          </p:cNvPicPr>
+          <p:nvPr/>
+        </p:nvPicPr>
+        <p:blipFill>
+          <a:blip r:embed="rId6">
+            <a:extLst>
+              <a:ext uri="{28A0092B-C50C-407E-A947-70E740481C1C}">
+                <a14:useLocalDpi xmlns:a14="http://schemas.microsoft.com/office/drawing/2010/main" val="0"/>
+              </a:ext>
+            </a:extLst>
+          </a:blip>
+          <a:stretch>
+            <a:fillRect/>
+          </a:stretch>
+        </p:blipFill>
+        <p:spPr>
+          <a:xfrm>
+            <a:off x="5177737" y="6177370"/>
+            <a:ext cx="1207823" cy="342531"/>
+          </a:xfrm>
+          <a:prstGeom prst="rect">
+            <a:avLst/>
+          </a:prstGeom>
+        </p:spPr>
+      </p:pic>
+      <p:pic>
+        <p:nvPicPr>
+          <p:cNvPr id="11" name="Grafik 10">
+            <a:extLst>
+              <a:ext uri="{FF2B5EF4-FFF2-40B4-BE49-F238E27FC236}">
+                <a16:creationId xmlns:a16="http://schemas.microsoft.com/office/drawing/2014/main" id="{6734EBD4-7E4C-D81E-EAD6-D48F527DB754}"/>
+              </a:ext>
+            </a:extLst>
+          </p:cNvPr>
+          <p:cNvPicPr>
+            <a:picLocks noChangeAspect="1"/>
+          </p:cNvPicPr>
+          <p:nvPr/>
+        </p:nvPicPr>
+        <p:blipFill>
+          <a:blip r:embed="rId7">
+            <a:extLst>
+              <a:ext uri="{28A0092B-C50C-407E-A947-70E740481C1C}">
+                <a14:useLocalDpi xmlns:a14="http://schemas.microsoft.com/office/drawing/2010/main" val="0"/>
+              </a:ext>
+            </a:extLst>
+          </a:blip>
+          <a:stretch>
+            <a:fillRect/>
+          </a:stretch>
+        </p:blipFill>
+        <p:spPr>
+          <a:xfrm>
+            <a:off x="6684019" y="220041"/>
+            <a:ext cx="1167217" cy="389559"/>
+          </a:xfrm>
+          <a:prstGeom prst="rect">
+            <a:avLst/>
+          </a:prstGeom>
+        </p:spPr>
+      </p:pic>
     </p:spTree>
     <p:extLst>
       <p:ext uri="{BB962C8B-B14F-4D97-AF65-F5344CB8AC3E}">
@@ -8727,6 +9113,141 @@
                                         </p:cTn>
                                         <p:tgtEl>
                                           <p:spTgt spid="7"/>
+                                        </p:tgtEl>
+                                        <p:attrNameLst>
+                                          <p:attrName>style.visibility</p:attrName>
+                                        </p:attrNameLst>
+                                      </p:cBhvr>
+                                      <p:to>
+                                        <p:strVal val="visible"/>
+                                      </p:to>
+                                    </p:set>
+                                  </p:childTnLst>
+                                </p:cTn>
+                              </p:par>
+                              <p:par>
+                                <p:cTn id="7" presetID="1" presetClass="entr" presetSubtype="0" fill="hold" nodeType="withEffect">
+                                  <p:stCondLst>
+                                    <p:cond delay="0"/>
+                                  </p:stCondLst>
+                                  <p:childTnLst>
+                                    <p:set>
+                                      <p:cBhvr>
+                                        <p:cTn id="8" dur="1" fill="hold">
+                                          <p:stCondLst>
+                                            <p:cond delay="0"/>
+                                          </p:stCondLst>
+                                        </p:cTn>
+                                        <p:tgtEl>
+                                          <p:spTgt spid="3"/>
+                                        </p:tgtEl>
+                                        <p:attrNameLst>
+                                          <p:attrName>style.visibility</p:attrName>
+                                        </p:attrNameLst>
+                                      </p:cBhvr>
+                                      <p:to>
+                                        <p:strVal val="visible"/>
+                                      </p:to>
+                                    </p:set>
+                                  </p:childTnLst>
+                                </p:cTn>
+                              </p:par>
+                              <p:par>
+                                <p:cTn id="9" presetID="1" presetClass="entr" presetSubtype="0" fill="hold" nodeType="withEffect">
+                                  <p:stCondLst>
+                                    <p:cond delay="0"/>
+                                  </p:stCondLst>
+                                  <p:childTnLst>
+                                    <p:set>
+                                      <p:cBhvr>
+                                        <p:cTn id="10" dur="1" fill="hold">
+                                          <p:stCondLst>
+                                            <p:cond delay="0"/>
+                                          </p:stCondLst>
+                                        </p:cTn>
+                                        <p:tgtEl>
+                                          <p:spTgt spid="4"/>
+                                        </p:tgtEl>
+                                        <p:attrNameLst>
+                                          <p:attrName>style.visibility</p:attrName>
+                                        </p:attrNameLst>
+                                      </p:cBhvr>
+                                      <p:to>
+                                        <p:strVal val="visible"/>
+                                      </p:to>
+                                    </p:set>
+                                  </p:childTnLst>
+                                </p:cTn>
+                              </p:par>
+                              <p:par>
+                                <p:cTn id="11" presetID="1" presetClass="entr" presetSubtype="0" fill="hold" nodeType="withEffect">
+                                  <p:stCondLst>
+                                    <p:cond delay="0"/>
+                                  </p:stCondLst>
+                                  <p:childTnLst>
+                                    <p:set>
+                                      <p:cBhvr>
+                                        <p:cTn id="12" dur="1" fill="hold">
+                                          <p:stCondLst>
+                                            <p:cond delay="0"/>
+                                          </p:stCondLst>
+                                        </p:cTn>
+                                        <p:tgtEl>
+                                          <p:spTgt spid="8"/>
+                                        </p:tgtEl>
+                                        <p:attrNameLst>
+                                          <p:attrName>style.visibility</p:attrName>
+                                        </p:attrNameLst>
+                                      </p:cBhvr>
+                                      <p:to>
+                                        <p:strVal val="visible"/>
+                                      </p:to>
+                                    </p:set>
+                                  </p:childTnLst>
+                                </p:cTn>
+                              </p:par>
+                              <p:par>
+                                <p:cTn id="13" presetID="1" presetClass="entr" presetSubtype="0" fill="hold" nodeType="withEffect">
+                                  <p:stCondLst>
+                                    <p:cond delay="0"/>
+                                  </p:stCondLst>
+                                  <p:childTnLst>
+                                    <p:set>
+                                      <p:cBhvr>
+                                        <p:cTn id="14" dur="1" fill="hold">
+                                          <p:stCondLst>
+                                            <p:cond delay="0"/>
+                                          </p:stCondLst>
+                                        </p:cTn>
+                                        <p:tgtEl>
+                                          <p:spTgt spid="10"/>
+                                        </p:tgtEl>
+                                        <p:attrNameLst>
+                                          <p:attrName>style.visibility</p:attrName>
+                                        </p:attrNameLst>
+                                      </p:cBhvr>
+                                      <p:to>
+                                        <p:strVal val="visible"/>
+                                      </p:to>
+                                    </p:set>
+                                  </p:childTnLst>
+                                </p:cTn>
+                              </p:par>
+                              <p:par>
+                                <p:cTn id="15" presetID="1" presetClass="entr" presetSubtype="0" fill="hold" nodeType="withEffect">
+                                  <p:stCondLst>
+                                    <p:cond delay="0"/>
+                                  </p:stCondLst>
+                                  <p:childTnLst>
+                                    <p:set>
+                                      <p:cBhvr>
+                                        <p:cTn id="16" dur="1" fill="hold">
+                                          <p:stCondLst>
+                                            <p:cond delay="0"/>
+                                          </p:stCondLst>
+                                        </p:cTn>
+                                        <p:tgtEl>
+                                          <p:spTgt spid="11"/>
                                         </p:tgtEl>
                                         <p:attrNameLst>
                                           <p:attrName>style.visibility</p:attrName>
@@ -8891,11 +9412,11 @@
   <p:clrMapOvr>
     <a:masterClrMapping/>
   </p:clrMapOvr>
-  <mc:AlternateContent xmlns:mc="http://schemas.openxmlformats.org/markup-compatibility/2006">
-    <mc:Choice xmlns:p14="http://schemas.microsoft.com/office/powerpoint/2010/main" Requires="p14">
+  <mc:AlternateContent xmlns:mc="http://schemas.openxmlformats.org/markup-compatibility/2006" xmlns:p14="http://schemas.microsoft.com/office/powerpoint/2010/main">
+    <mc:Choice Requires="p14">
       <p:transition spd="slow" p14:dur="2000" advTm="33732"/>
     </mc:Choice>
-    <mc:Fallback>
+    <mc:Fallback xmlns="">
       <p:transition spd="slow" advTm="33732"/>
     </mc:Fallback>
   </mc:AlternateContent>
@@ -9027,11 +9548,11 @@
   <p:clrMapOvr>
     <a:masterClrMapping/>
   </p:clrMapOvr>
-  <mc:AlternateContent xmlns:mc="http://schemas.openxmlformats.org/markup-compatibility/2006">
-    <mc:Choice xmlns:p14="http://schemas.microsoft.com/office/powerpoint/2010/main" Requires="p14">
+  <mc:AlternateContent xmlns:mc="http://schemas.openxmlformats.org/markup-compatibility/2006" xmlns:p14="http://schemas.microsoft.com/office/powerpoint/2010/main">
+    <mc:Choice Requires="p14">
       <p:transition spd="slow" p14:dur="2000" advTm="33732"/>
     </mc:Choice>
-    <mc:Fallback>
+    <mc:Fallback xmlns="">
       <p:transition spd="slow" advTm="33732"/>
     </mc:Fallback>
   </mc:AlternateContent>
@@ -9448,11 +9969,11 @@
   <p:clrMapOvr>
     <a:masterClrMapping/>
   </p:clrMapOvr>
-  <mc:AlternateContent xmlns:mc="http://schemas.openxmlformats.org/markup-compatibility/2006">
-    <mc:Choice xmlns:p14="http://schemas.microsoft.com/office/powerpoint/2010/main" Requires="p14">
+  <mc:AlternateContent xmlns:mc="http://schemas.openxmlformats.org/markup-compatibility/2006" xmlns:p14="http://schemas.microsoft.com/office/powerpoint/2010/main">
+    <mc:Choice Requires="p14">
       <p:transition spd="slow" p14:dur="2000" advTm="33732"/>
     </mc:Choice>
-    <mc:Fallback>
+    <mc:Fallback xmlns="">
       <p:transition spd="slow" advTm="33732"/>
     </mc:Fallback>
   </mc:AlternateContent>
@@ -9815,6 +10336,13 @@
               <a:rPr lang="de-CH" dirty="0"/>
               <a:t>Metriken</a:t>
             </a:r>
+            <a:br>
+              <a:rPr lang="de-CH" dirty="0"/>
+            </a:br>
+            <a:r>
+              <a:rPr lang="de-CH" sz="2400" dirty="0"/>
+              <a:t>Code</a:t>
+            </a:r>
           </a:p>
         </p:txBody>
       </p:sp>
@@ -9834,7 +10362,12 @@
             <p:ph type="sldNum" sz="quarter" idx="12"/>
           </p:nvPr>
         </p:nvSpPr>
-        <p:spPr/>
+        <p:spPr>
+          <a:xfrm>
+            <a:off x="8384923" y="5935363"/>
+            <a:ext cx="683339" cy="365125"/>
+          </a:xfrm>
+        </p:spPr>
         <p:txBody>
           <a:bodyPr/>
           <a:lstStyle/>
@@ -9865,13 +10398,13 @@
         </p:nvSpPr>
         <p:spPr>
           <a:xfrm>
-            <a:off x="677334" y="2160589"/>
-            <a:ext cx="8596668" cy="4437236"/>
+            <a:off x="677334" y="1684020"/>
+            <a:ext cx="8596668" cy="4769025"/>
           </a:xfrm>
         </p:spPr>
         <p:txBody>
           <a:bodyPr>
-            <a:normAutofit fontScale="77500" lnSpcReduction="20000"/>
+            <a:normAutofit/>
           </a:bodyPr>
           <a:lstStyle/>
           <a:p>
@@ -9882,105 +10415,8 @@
             </a:pPr>
             <a:r>
               <a:rPr lang="de-CH" dirty="0"/>
-              <a:t>Anzahl Pull </a:t>
-            </a:r>
-            <a:r>
-              <a:rPr lang="de-CH" dirty="0" err="1"/>
-              <a:t>Requests</a:t>
-            </a:r>
-            <a:r>
-              <a:rPr lang="de-CH" dirty="0"/>
-              <a:t> 	</a:t>
-            </a:r>
-          </a:p>
-          <a:p>
-            <a:pPr>
-              <a:tabLst>
-                <a:tab pos="3586163" algn="l"/>
-              </a:tabLst>
-            </a:pPr>
-            <a:r>
-              <a:rPr lang="de-CH" dirty="0"/>
-              <a:t>Anzahl </a:t>
-            </a:r>
-            <a:r>
-              <a:rPr lang="de-CH" dirty="0" err="1"/>
-              <a:t>Commits</a:t>
-            </a:r>
-            <a:r>
-              <a:rPr lang="de-CH" dirty="0"/>
-              <a:t>	</a:t>
-            </a:r>
-          </a:p>
-          <a:p>
-            <a:pPr>
-              <a:tabLst>
-                <a:tab pos="3586163" algn="l"/>
-              </a:tabLst>
-            </a:pPr>
-            <a:r>
-              <a:rPr lang="de-CH" dirty="0"/>
-              <a:t>Anzahl </a:t>
-            </a:r>
-            <a:r>
-              <a:rPr lang="de-CH" dirty="0" err="1"/>
-              <a:t>Builds</a:t>
-            </a:r>
-            <a:endParaRPr lang="de-CH" dirty="0"/>
-          </a:p>
-          <a:p>
-            <a:pPr>
-              <a:tabLst>
-                <a:tab pos="3586163" algn="l"/>
-              </a:tabLst>
-            </a:pPr>
-            <a:r>
-              <a:rPr lang="de-CH" dirty="0"/>
-              <a:t>Aufteilung Sprachen</a:t>
-            </a:r>
-          </a:p>
-          <a:p>
-            <a:pPr>
-              <a:tabLst>
-                <a:tab pos="3586163" algn="l"/>
-              </a:tabLst>
-            </a:pPr>
-            <a:r>
-              <a:rPr lang="de-CH" dirty="0"/>
-              <a:t>Anzahl Code-Zeilen</a:t>
-            </a:r>
-          </a:p>
-          <a:p>
-            <a:pPr>
-              <a:tabLst>
-                <a:tab pos="3586163" algn="l"/>
-              </a:tabLst>
-            </a:pPr>
-            <a:r>
-              <a:rPr lang="de-CH" dirty="0"/>
-              <a:t>Test Coverage</a:t>
-            </a:r>
-          </a:p>
-          <a:p>
-            <a:pPr marL="0" indent="0">
-              <a:buNone/>
-              <a:tabLst>
-                <a:tab pos="3586163" algn="l"/>
-              </a:tabLst>
-            </a:pPr>
-            <a:endParaRPr lang="de-CH" dirty="0"/>
-          </a:p>
-          <a:p>
-            <a:pPr>
-              <a:tabLst>
-                <a:tab pos="3586163" algn="l"/>
-              </a:tabLst>
-            </a:pPr>
-            <a:r>
-              <a:rPr lang="de-CH" dirty="0" err="1"/>
-              <a:t>Contribution</a:t>
-            </a:r>
-            <a:endParaRPr lang="de-CH" dirty="0"/>
+              <a:t>Frontend</a:t>
+            </a:r>
           </a:p>
           <a:p>
             <a:pPr>
@@ -9996,73 +10432,1205 @@
                 <a:tab pos="3586163" algn="l"/>
               </a:tabLst>
             </a:pPr>
-            <a:r>
-              <a:rPr lang="de-CH" dirty="0"/>
-              <a:t>Allgemein:</a:t>
-            </a:r>
-          </a:p>
-          <a:p>
-            <a:pPr lvl="1">
+            <a:endParaRPr lang="de-CH" dirty="0"/>
+          </a:p>
+          <a:p>
+            <a:pPr>
               <a:tabLst>
                 <a:tab pos="3586163" algn="l"/>
               </a:tabLst>
             </a:pPr>
-            <a:r>
-              <a:rPr lang="de-CH" dirty="0"/>
-              <a:t>Anzahl Tickets</a:t>
-            </a:r>
-          </a:p>
-          <a:p>
-            <a:pPr lvl="1">
+            <a:endParaRPr lang="de-CH" dirty="0"/>
+          </a:p>
+          <a:p>
+            <a:pPr>
               <a:tabLst>
                 <a:tab pos="3586163" algn="l"/>
               </a:tabLst>
             </a:pPr>
-            <a:r>
-              <a:rPr lang="de-CH" dirty="0"/>
-              <a:t>Anzahl Sprints</a:t>
-            </a:r>
-          </a:p>
-          <a:p>
-            <a:pPr lvl="1">
+            <a:endParaRPr lang="de-CH" dirty="0"/>
+          </a:p>
+          <a:p>
+            <a:pPr>
               <a:tabLst>
                 <a:tab pos="3586163" algn="l"/>
               </a:tabLst>
             </a:pPr>
             <a:r>
               <a:rPr lang="de-CH" dirty="0"/>
-              <a:t>Flussdiagramm (Anzahl Tickets)</a:t>
-            </a:r>
-          </a:p>
-          <a:p>
-            <a:pPr lvl="1">
+              <a:t>Backend</a:t>
+            </a:r>
+          </a:p>
+          <a:p>
+            <a:pPr>
               <a:tabLst>
                 <a:tab pos="3586163" algn="l"/>
               </a:tabLst>
             </a:pPr>
-            <a:r>
-              <a:rPr lang="de-CH" dirty="0">
-                <a:sym typeface="Wingdings" panose="05000000000000000000" pitchFamily="2" charset="2"/>
-              </a:rPr>
-              <a:t> Zeitauswertung</a:t>
-            </a:r>
-          </a:p>
-          <a:p>
-            <a:pPr lvl="1">
+            <a:endParaRPr lang="de-CH" dirty="0"/>
+          </a:p>
+          <a:p>
+            <a:pPr>
               <a:tabLst>
                 <a:tab pos="3586163" algn="l"/>
               </a:tabLst>
             </a:pPr>
-            <a:r>
-              <a:rPr lang="de-CH" dirty="0">
-                <a:sym typeface="Wingdings" panose="05000000000000000000" pitchFamily="2" charset="2"/>
-              </a:rPr>
-              <a:t>Aufteilung Zeit, Verhältnis zu Allgemein / Implementation</a:t>
-            </a:r>
             <a:endParaRPr lang="de-CH" dirty="0"/>
           </a:p>
-        </p:txBody>
-      </p:sp>
+          <a:p>
+            <a:pPr>
+              <a:tabLst>
+                <a:tab pos="3586163" algn="l"/>
+              </a:tabLst>
+            </a:pPr>
+            <a:endParaRPr lang="de-CH" dirty="0"/>
+          </a:p>
+          <a:p>
+            <a:pPr>
+              <a:tabLst>
+                <a:tab pos="3586163" algn="l"/>
+              </a:tabLst>
+            </a:pPr>
+            <a:endParaRPr lang="de-CH" dirty="0"/>
+          </a:p>
+          <a:p>
+            <a:pPr>
+              <a:tabLst>
+                <a:tab pos="3586163" algn="l"/>
+              </a:tabLst>
+            </a:pPr>
+            <a:r>
+              <a:rPr lang="de-CH" dirty="0"/>
+              <a:t>Authentication</a:t>
+            </a:r>
+          </a:p>
+        </p:txBody>
+      </p:sp>
+      <p:pic>
+        <p:nvPicPr>
+          <p:cNvPr id="6" name="Grafik 5">
+            <a:extLst>
+              <a:ext uri="{FF2B5EF4-FFF2-40B4-BE49-F238E27FC236}">
+                <a16:creationId xmlns:a16="http://schemas.microsoft.com/office/drawing/2014/main" id="{371BE42B-ED22-1446-D74F-49939CDD625F}"/>
+              </a:ext>
+            </a:extLst>
+          </p:cNvPr>
+          <p:cNvPicPr>
+            <a:picLocks noChangeAspect="1"/>
+          </p:cNvPicPr>
+          <p:nvPr/>
+        </p:nvPicPr>
+        <p:blipFill>
+          <a:blip r:embed="rId3"/>
+          <a:stretch>
+            <a:fillRect/>
+          </a:stretch>
+        </p:blipFill>
+        <p:spPr>
+          <a:xfrm>
+            <a:off x="3838215" y="1058167"/>
+            <a:ext cx="6198363" cy="1678102"/>
+          </a:xfrm>
+          <a:prstGeom prst="rect">
+            <a:avLst/>
+          </a:prstGeom>
+          <a:effectLst>
+            <a:softEdge rad="63500"/>
+          </a:effectLst>
+        </p:spPr>
+      </p:pic>
+      <p:pic>
+        <p:nvPicPr>
+          <p:cNvPr id="8" name="Grafik 7">
+            <a:extLst>
+              <a:ext uri="{FF2B5EF4-FFF2-40B4-BE49-F238E27FC236}">
+                <a16:creationId xmlns:a16="http://schemas.microsoft.com/office/drawing/2014/main" id="{85D42CB3-65EE-D1D8-84D8-D5428F8C56B5}"/>
+              </a:ext>
+            </a:extLst>
+          </p:cNvPr>
+          <p:cNvPicPr>
+            <a:picLocks noChangeAspect="1"/>
+          </p:cNvPicPr>
+          <p:nvPr/>
+        </p:nvPicPr>
+        <p:blipFill>
+          <a:blip r:embed="rId4"/>
+          <a:stretch>
+            <a:fillRect/>
+          </a:stretch>
+        </p:blipFill>
+        <p:spPr>
+          <a:xfrm>
+            <a:off x="3838215" y="3134382"/>
+            <a:ext cx="6198363" cy="1686539"/>
+          </a:xfrm>
+          <a:prstGeom prst="rect">
+            <a:avLst/>
+          </a:prstGeom>
+          <a:effectLst>
+            <a:softEdge rad="63500"/>
+          </a:effectLst>
+        </p:spPr>
+      </p:pic>
+      <p:pic>
+        <p:nvPicPr>
+          <p:cNvPr id="10" name="Grafik 9">
+            <a:extLst>
+              <a:ext uri="{FF2B5EF4-FFF2-40B4-BE49-F238E27FC236}">
+                <a16:creationId xmlns:a16="http://schemas.microsoft.com/office/drawing/2014/main" id="{DF99AFFB-1B6F-69F1-3D9A-35BDD317A5F1}"/>
+              </a:ext>
+            </a:extLst>
+          </p:cNvPr>
+          <p:cNvPicPr>
+            <a:picLocks noChangeAspect="1"/>
+          </p:cNvPicPr>
+          <p:nvPr/>
+        </p:nvPicPr>
+        <p:blipFill>
+          <a:blip r:embed="rId5"/>
+          <a:stretch>
+            <a:fillRect/>
+          </a:stretch>
+        </p:blipFill>
+        <p:spPr>
+          <a:xfrm>
+            <a:off x="5573649" y="5088465"/>
+            <a:ext cx="4476231" cy="1681417"/>
+          </a:xfrm>
+          <a:prstGeom prst="rect">
+            <a:avLst/>
+          </a:prstGeom>
+          <a:effectLst>
+            <a:softEdge rad="63500"/>
+          </a:effectLst>
+        </p:spPr>
+      </p:pic>
+      <p:graphicFrame>
+        <p:nvGraphicFramePr>
+          <p:cNvPr id="13" name="Tabelle 13">
+            <a:extLst>
+              <a:ext uri="{FF2B5EF4-FFF2-40B4-BE49-F238E27FC236}">
+                <a16:creationId xmlns:a16="http://schemas.microsoft.com/office/drawing/2014/main" id="{E1CA8A20-AADB-FFBF-360A-150F790878FB}"/>
+              </a:ext>
+            </a:extLst>
+          </p:cNvPr>
+          <p:cNvGraphicFramePr>
+            <a:graphicFrameLocks noGrp="1"/>
+          </p:cNvGraphicFramePr>
+          <p:nvPr>
+            <p:extLst>
+              <p:ext uri="{D42A27DB-BD31-4B8C-83A1-F6EECF244321}">
+                <p14:modId xmlns:p14="http://schemas.microsoft.com/office/powerpoint/2010/main" val="3126204081"/>
+              </p:ext>
+            </p:extLst>
+          </p:nvPr>
+        </p:nvGraphicFramePr>
+        <p:xfrm>
+          <a:off x="3288727" y="1166034"/>
+          <a:ext cx="612713" cy="1437315"/>
+        </p:xfrm>
+        <a:graphic>
+          <a:graphicData uri="http://schemas.openxmlformats.org/drawingml/2006/table">
+            <a:tbl>
+              <a:tblPr bandRow="1">
+                <a:tableStyleId>{5C22544A-7EE6-4342-B048-85BDC9FD1C3A}</a:tableStyleId>
+              </a:tblPr>
+              <a:tblGrid>
+                <a:gridCol w="612713">
+                  <a:extLst>
+                    <a:ext uri="{9D8B030D-6E8A-4147-A177-3AD203B41FA5}">
+                      <a16:colId xmlns:a16="http://schemas.microsoft.com/office/drawing/2014/main" val="2554245310"/>
+                    </a:ext>
+                  </a:extLst>
+                </a:gridCol>
+              </a:tblGrid>
+              <a:tr h="479105">
+                <a:tc>
+                  <a:txBody>
+                    <a:bodyPr/>
+                    <a:lstStyle/>
+                    <a:p>
+                      <a:r>
+                        <a:rPr lang="de-CH" dirty="0">
+                          <a:solidFill>
+                            <a:schemeClr val="tx1">
+                              <a:lumMod val="75000"/>
+                              <a:lumOff val="25000"/>
+                            </a:schemeClr>
+                          </a:solidFill>
+                        </a:rPr>
+                        <a:t>20</a:t>
+                      </a:r>
+                    </a:p>
+                  </a:txBody>
+                  <a:tcPr anchor="ctr">
+                    <a:lnL w="12700" cmpd="sng">
+                      <a:noFill/>
+                    </a:lnL>
+                    <a:lnR w="12700" cmpd="sng">
+                      <a:noFill/>
+                    </a:lnR>
+                    <a:lnT w="12700" cmpd="sng">
+                      <a:noFill/>
+                    </a:lnT>
+                    <a:lnB w="12700" cmpd="sng">
+                      <a:noFill/>
+                    </a:lnB>
+                    <a:lnTlToBr w="12700" cmpd="sng">
+                      <a:noFill/>
+                      <a:prstDash val="solid"/>
+                    </a:lnTlToBr>
+                    <a:lnBlToTr w="12700" cmpd="sng">
+                      <a:noFill/>
+                      <a:prstDash val="solid"/>
+                    </a:lnBlToTr>
+                    <a:noFill/>
+                  </a:tcPr>
+                </a:tc>
+                <a:extLst>
+                  <a:ext uri="{0D108BD9-81ED-4DB2-BD59-A6C34878D82A}">
+                    <a16:rowId xmlns:a16="http://schemas.microsoft.com/office/drawing/2014/main" val="612619829"/>
+                  </a:ext>
+                </a:extLst>
+              </a:tr>
+              <a:tr h="479105">
+                <a:tc>
+                  <a:txBody>
+                    <a:bodyPr/>
+                    <a:lstStyle/>
+                    <a:p>
+                      <a:r>
+                        <a:rPr lang="de-CH" sz="1800" kern="1200" dirty="0">
+                          <a:solidFill>
+                            <a:schemeClr val="tx1">
+                              <a:lumMod val="75000"/>
+                              <a:lumOff val="25000"/>
+                            </a:schemeClr>
+                          </a:solidFill>
+                          <a:latin typeface="+mn-lt"/>
+                          <a:ea typeface="+mn-ea"/>
+                          <a:cs typeface="+mn-cs"/>
+                        </a:rPr>
+                        <a:t>343</a:t>
+                      </a:r>
+                    </a:p>
+                  </a:txBody>
+                  <a:tcPr anchor="ctr">
+                    <a:lnL w="12700" cmpd="sng">
+                      <a:noFill/>
+                    </a:lnL>
+                    <a:lnR w="12700" cmpd="sng">
+                      <a:noFill/>
+                    </a:lnR>
+                    <a:lnT w="12700" cmpd="sng">
+                      <a:noFill/>
+                    </a:lnT>
+                    <a:lnB w="12700" cmpd="sng">
+                      <a:noFill/>
+                    </a:lnB>
+                    <a:lnTlToBr w="12700" cmpd="sng">
+                      <a:noFill/>
+                      <a:prstDash val="solid"/>
+                    </a:lnTlToBr>
+                    <a:lnBlToTr w="12700" cmpd="sng">
+                      <a:noFill/>
+                      <a:prstDash val="solid"/>
+                    </a:lnBlToTr>
+                    <a:noFill/>
+                  </a:tcPr>
+                </a:tc>
+                <a:extLst>
+                  <a:ext uri="{0D108BD9-81ED-4DB2-BD59-A6C34878D82A}">
+                    <a16:rowId xmlns:a16="http://schemas.microsoft.com/office/drawing/2014/main" val="343101764"/>
+                  </a:ext>
+                </a:extLst>
+              </a:tr>
+              <a:tr h="479105">
+                <a:tc>
+                  <a:txBody>
+                    <a:bodyPr/>
+                    <a:lstStyle/>
+                    <a:p>
+                      <a:r>
+                        <a:rPr lang="de-CH" sz="1800" kern="1200" dirty="0">
+                          <a:solidFill>
+                            <a:schemeClr val="tx1">
+                              <a:lumMod val="75000"/>
+                              <a:lumOff val="25000"/>
+                            </a:schemeClr>
+                          </a:solidFill>
+                          <a:latin typeface="+mn-lt"/>
+                          <a:ea typeface="+mn-ea"/>
+                          <a:cs typeface="+mn-cs"/>
+                        </a:rPr>
+                        <a:t>210</a:t>
+                      </a:r>
+                    </a:p>
+                  </a:txBody>
+                  <a:tcPr anchor="ctr">
+                    <a:lnL w="12700" cmpd="sng">
+                      <a:noFill/>
+                    </a:lnL>
+                    <a:lnR w="12700" cmpd="sng">
+                      <a:noFill/>
+                    </a:lnR>
+                    <a:lnT w="12700" cmpd="sng">
+                      <a:noFill/>
+                    </a:lnT>
+                    <a:lnB w="12700" cmpd="sng">
+                      <a:noFill/>
+                    </a:lnB>
+                    <a:lnTlToBr w="12700" cmpd="sng">
+                      <a:noFill/>
+                      <a:prstDash val="solid"/>
+                    </a:lnTlToBr>
+                    <a:lnBlToTr w="12700" cmpd="sng">
+                      <a:noFill/>
+                      <a:prstDash val="solid"/>
+                    </a:lnBlToTr>
+                    <a:noFill/>
+                  </a:tcPr>
+                </a:tc>
+                <a:extLst>
+                  <a:ext uri="{0D108BD9-81ED-4DB2-BD59-A6C34878D82A}">
+                    <a16:rowId xmlns:a16="http://schemas.microsoft.com/office/drawing/2014/main" val="2473331925"/>
+                  </a:ext>
+                </a:extLst>
+              </a:tr>
+            </a:tbl>
+          </a:graphicData>
+        </a:graphic>
+      </p:graphicFrame>
+      <p:grpSp>
+        <p:nvGrpSpPr>
+          <p:cNvPr id="19" name="Gruppieren 18">
+            <a:extLst>
+              <a:ext uri="{FF2B5EF4-FFF2-40B4-BE49-F238E27FC236}">
+                <a16:creationId xmlns:a16="http://schemas.microsoft.com/office/drawing/2014/main" id="{420ADE48-D91E-D18C-1E5A-C82BE076E723}"/>
+              </a:ext>
+            </a:extLst>
+          </p:cNvPr>
+          <p:cNvGrpSpPr/>
+          <p:nvPr/>
+        </p:nvGrpSpPr>
+        <p:grpSpPr>
+          <a:xfrm>
+            <a:off x="2936184" y="1235177"/>
+            <a:ext cx="352544" cy="1307733"/>
+            <a:chOff x="3258870" y="2118360"/>
+            <a:chExt cx="352544" cy="1307733"/>
+          </a:xfrm>
+        </p:grpSpPr>
+        <p:pic>
+          <p:nvPicPr>
+            <p:cNvPr id="12" name="Grafik 11">
+              <a:extLst>
+                <a:ext uri="{FF2B5EF4-FFF2-40B4-BE49-F238E27FC236}">
+                  <a16:creationId xmlns:a16="http://schemas.microsoft.com/office/drawing/2014/main" id="{717E4A54-9EC8-4487-8BC8-BD6057F75B5C}"/>
+                </a:ext>
+              </a:extLst>
+            </p:cNvPr>
+            <p:cNvPicPr>
+              <a:picLocks noChangeAspect="1"/>
+            </p:cNvPicPr>
+            <p:nvPr/>
+          </p:nvPicPr>
+          <p:blipFill>
+            <a:blip r:embed="rId6"/>
+            <a:stretch>
+              <a:fillRect/>
+            </a:stretch>
+          </p:blipFill>
+          <p:spPr>
+            <a:xfrm>
+              <a:off x="3272172" y="2118360"/>
+              <a:ext cx="339242" cy="354598"/>
+            </a:xfrm>
+            <a:prstGeom prst="rect">
+              <a:avLst/>
+            </a:prstGeom>
+          </p:spPr>
+        </p:pic>
+        <p:pic>
+          <p:nvPicPr>
+            <p:cNvPr id="15" name="Grafik 14">
+              <a:extLst>
+                <a:ext uri="{FF2B5EF4-FFF2-40B4-BE49-F238E27FC236}">
+                  <a16:creationId xmlns:a16="http://schemas.microsoft.com/office/drawing/2014/main" id="{6DD5B344-5AE9-8FCA-34BB-B2C6C7AC84A8}"/>
+                </a:ext>
+              </a:extLst>
+            </p:cNvPr>
+            <p:cNvPicPr>
+              <a:picLocks noChangeAspect="1"/>
+            </p:cNvPicPr>
+            <p:nvPr/>
+          </p:nvPicPr>
+          <p:blipFill>
+            <a:blip r:embed="rId7"/>
+            <a:stretch>
+              <a:fillRect/>
+            </a:stretch>
+          </p:blipFill>
+          <p:spPr>
+            <a:xfrm>
+              <a:off x="3258871" y="2599488"/>
+              <a:ext cx="352543" cy="336774"/>
+            </a:xfrm>
+            <a:prstGeom prst="rect">
+              <a:avLst/>
+            </a:prstGeom>
+          </p:spPr>
+        </p:pic>
+        <p:pic>
+          <p:nvPicPr>
+            <p:cNvPr id="17" name="Grafik 16">
+              <a:extLst>
+                <a:ext uri="{FF2B5EF4-FFF2-40B4-BE49-F238E27FC236}">
+                  <a16:creationId xmlns:a16="http://schemas.microsoft.com/office/drawing/2014/main" id="{D820A708-DD51-2360-AE43-782D26A0E53F}"/>
+                </a:ext>
+              </a:extLst>
+            </p:cNvPr>
+            <p:cNvPicPr>
+              <a:picLocks noChangeAspect="1"/>
+            </p:cNvPicPr>
+            <p:nvPr/>
+          </p:nvPicPr>
+          <p:blipFill>
+            <a:blip r:embed="rId8"/>
+            <a:stretch>
+              <a:fillRect/>
+            </a:stretch>
+          </p:blipFill>
+          <p:spPr>
+            <a:xfrm>
+              <a:off x="3258870" y="3078481"/>
+              <a:ext cx="352543" cy="347612"/>
+            </a:xfrm>
+            <a:prstGeom prst="rect">
+              <a:avLst/>
+            </a:prstGeom>
+          </p:spPr>
+        </p:pic>
+      </p:grpSp>
+      <p:graphicFrame>
+        <p:nvGraphicFramePr>
+          <p:cNvPr id="20" name="Tabelle 13">
+            <a:extLst>
+              <a:ext uri="{FF2B5EF4-FFF2-40B4-BE49-F238E27FC236}">
+                <a16:creationId xmlns:a16="http://schemas.microsoft.com/office/drawing/2014/main" id="{F9E2E61D-DB4A-BE3D-FF1C-3D711D287799}"/>
+              </a:ext>
+            </a:extLst>
+          </p:cNvPr>
+          <p:cNvGraphicFramePr>
+            <a:graphicFrameLocks noGrp="1"/>
+          </p:cNvGraphicFramePr>
+          <p:nvPr>
+            <p:extLst>
+              <p:ext uri="{D42A27DB-BD31-4B8C-83A1-F6EECF244321}">
+                <p14:modId xmlns:p14="http://schemas.microsoft.com/office/powerpoint/2010/main" val="1884300838"/>
+              </p:ext>
+            </p:extLst>
+          </p:nvPr>
+        </p:nvGraphicFramePr>
+        <p:xfrm>
+          <a:off x="3288727" y="3242249"/>
+          <a:ext cx="612713" cy="1437315"/>
+        </p:xfrm>
+        <a:graphic>
+          <a:graphicData uri="http://schemas.openxmlformats.org/drawingml/2006/table">
+            <a:tbl>
+              <a:tblPr bandRow="1">
+                <a:tableStyleId>{5C22544A-7EE6-4342-B048-85BDC9FD1C3A}</a:tableStyleId>
+              </a:tblPr>
+              <a:tblGrid>
+                <a:gridCol w="612713">
+                  <a:extLst>
+                    <a:ext uri="{9D8B030D-6E8A-4147-A177-3AD203B41FA5}">
+                      <a16:colId xmlns:a16="http://schemas.microsoft.com/office/drawing/2014/main" val="2554245310"/>
+                    </a:ext>
+                  </a:extLst>
+                </a:gridCol>
+              </a:tblGrid>
+              <a:tr h="479105">
+                <a:tc>
+                  <a:txBody>
+                    <a:bodyPr/>
+                    <a:lstStyle/>
+                    <a:p>
+                      <a:r>
+                        <a:rPr lang="de-CH" sz="1800" kern="1200" dirty="0">
+                          <a:solidFill>
+                            <a:schemeClr val="tx1">
+                              <a:lumMod val="75000"/>
+                              <a:lumOff val="25000"/>
+                            </a:schemeClr>
+                          </a:solidFill>
+                          <a:latin typeface="+mn-lt"/>
+                          <a:ea typeface="+mn-ea"/>
+                          <a:cs typeface="+mn-cs"/>
+                        </a:rPr>
+                        <a:t>12</a:t>
+                      </a:r>
+                    </a:p>
+                  </a:txBody>
+                  <a:tcPr anchor="ctr">
+                    <a:lnL w="12700" cmpd="sng">
+                      <a:noFill/>
+                    </a:lnL>
+                    <a:lnR w="12700" cmpd="sng">
+                      <a:noFill/>
+                    </a:lnR>
+                    <a:lnT w="12700" cmpd="sng">
+                      <a:noFill/>
+                    </a:lnT>
+                    <a:lnB w="12700" cmpd="sng">
+                      <a:noFill/>
+                    </a:lnB>
+                    <a:lnTlToBr w="12700" cmpd="sng">
+                      <a:noFill/>
+                      <a:prstDash val="solid"/>
+                    </a:lnTlToBr>
+                    <a:lnBlToTr w="12700" cmpd="sng">
+                      <a:noFill/>
+                      <a:prstDash val="solid"/>
+                    </a:lnBlToTr>
+                    <a:noFill/>
+                  </a:tcPr>
+                </a:tc>
+                <a:extLst>
+                  <a:ext uri="{0D108BD9-81ED-4DB2-BD59-A6C34878D82A}">
+                    <a16:rowId xmlns:a16="http://schemas.microsoft.com/office/drawing/2014/main" val="612619829"/>
+                  </a:ext>
+                </a:extLst>
+              </a:tr>
+              <a:tr h="479105">
+                <a:tc>
+                  <a:txBody>
+                    <a:bodyPr/>
+                    <a:lstStyle/>
+                    <a:p>
+                      <a:r>
+                        <a:rPr lang="de-CH" sz="1800" kern="1200" dirty="0">
+                          <a:solidFill>
+                            <a:schemeClr val="tx1">
+                              <a:lumMod val="75000"/>
+                              <a:lumOff val="25000"/>
+                            </a:schemeClr>
+                          </a:solidFill>
+                          <a:latin typeface="+mn-lt"/>
+                          <a:ea typeface="+mn-ea"/>
+                          <a:cs typeface="+mn-cs"/>
+                        </a:rPr>
+                        <a:t>224</a:t>
+                      </a:r>
+                    </a:p>
+                  </a:txBody>
+                  <a:tcPr anchor="ctr">
+                    <a:lnL w="12700" cmpd="sng">
+                      <a:noFill/>
+                    </a:lnL>
+                    <a:lnR w="12700" cmpd="sng">
+                      <a:noFill/>
+                    </a:lnR>
+                    <a:lnT w="12700" cmpd="sng">
+                      <a:noFill/>
+                    </a:lnT>
+                    <a:lnB w="12700" cmpd="sng">
+                      <a:noFill/>
+                    </a:lnB>
+                    <a:lnTlToBr w="12700" cmpd="sng">
+                      <a:noFill/>
+                      <a:prstDash val="solid"/>
+                    </a:lnTlToBr>
+                    <a:lnBlToTr w="12700" cmpd="sng">
+                      <a:noFill/>
+                      <a:prstDash val="solid"/>
+                    </a:lnBlToTr>
+                    <a:noFill/>
+                  </a:tcPr>
+                </a:tc>
+                <a:extLst>
+                  <a:ext uri="{0D108BD9-81ED-4DB2-BD59-A6C34878D82A}">
+                    <a16:rowId xmlns:a16="http://schemas.microsoft.com/office/drawing/2014/main" val="343101764"/>
+                  </a:ext>
+                </a:extLst>
+              </a:tr>
+              <a:tr h="479105">
+                <a:tc>
+                  <a:txBody>
+                    <a:bodyPr/>
+                    <a:lstStyle/>
+                    <a:p>
+                      <a:r>
+                        <a:rPr lang="de-CH" sz="1800" kern="1200" dirty="0">
+                          <a:solidFill>
+                            <a:schemeClr val="tx1">
+                              <a:lumMod val="75000"/>
+                              <a:lumOff val="25000"/>
+                            </a:schemeClr>
+                          </a:solidFill>
+                          <a:latin typeface="+mn-lt"/>
+                          <a:ea typeface="+mn-ea"/>
+                          <a:cs typeface="+mn-cs"/>
+                        </a:rPr>
+                        <a:t>91</a:t>
+                      </a:r>
+                    </a:p>
+                  </a:txBody>
+                  <a:tcPr anchor="ctr">
+                    <a:lnL w="12700" cmpd="sng">
+                      <a:noFill/>
+                    </a:lnL>
+                    <a:lnR w="12700" cmpd="sng">
+                      <a:noFill/>
+                    </a:lnR>
+                    <a:lnT w="12700" cmpd="sng">
+                      <a:noFill/>
+                    </a:lnT>
+                    <a:lnB w="12700" cmpd="sng">
+                      <a:noFill/>
+                    </a:lnB>
+                    <a:lnTlToBr w="12700" cmpd="sng">
+                      <a:noFill/>
+                      <a:prstDash val="solid"/>
+                    </a:lnTlToBr>
+                    <a:lnBlToTr w="12700" cmpd="sng">
+                      <a:noFill/>
+                      <a:prstDash val="solid"/>
+                    </a:lnBlToTr>
+                    <a:noFill/>
+                  </a:tcPr>
+                </a:tc>
+                <a:extLst>
+                  <a:ext uri="{0D108BD9-81ED-4DB2-BD59-A6C34878D82A}">
+                    <a16:rowId xmlns:a16="http://schemas.microsoft.com/office/drawing/2014/main" val="2473331925"/>
+                  </a:ext>
+                </a:extLst>
+              </a:tr>
+            </a:tbl>
+          </a:graphicData>
+        </a:graphic>
+      </p:graphicFrame>
+      <p:grpSp>
+        <p:nvGrpSpPr>
+          <p:cNvPr id="21" name="Gruppieren 20">
+            <a:extLst>
+              <a:ext uri="{FF2B5EF4-FFF2-40B4-BE49-F238E27FC236}">
+                <a16:creationId xmlns:a16="http://schemas.microsoft.com/office/drawing/2014/main" id="{C29FE290-230B-DA82-34D0-2A3BFAE16A66}"/>
+              </a:ext>
+            </a:extLst>
+          </p:cNvPr>
+          <p:cNvGrpSpPr/>
+          <p:nvPr/>
+        </p:nvGrpSpPr>
+        <p:grpSpPr>
+          <a:xfrm>
+            <a:off x="2936184" y="3311392"/>
+            <a:ext cx="352544" cy="1307733"/>
+            <a:chOff x="3258870" y="2118360"/>
+            <a:chExt cx="352544" cy="1307733"/>
+          </a:xfrm>
+        </p:grpSpPr>
+        <p:pic>
+          <p:nvPicPr>
+            <p:cNvPr id="22" name="Grafik 21">
+              <a:extLst>
+                <a:ext uri="{FF2B5EF4-FFF2-40B4-BE49-F238E27FC236}">
+                  <a16:creationId xmlns:a16="http://schemas.microsoft.com/office/drawing/2014/main" id="{05F41433-1605-9AC6-A5D2-45A35C111B24}"/>
+                </a:ext>
+              </a:extLst>
+            </p:cNvPr>
+            <p:cNvPicPr>
+              <a:picLocks noChangeAspect="1"/>
+            </p:cNvPicPr>
+            <p:nvPr/>
+          </p:nvPicPr>
+          <p:blipFill>
+            <a:blip r:embed="rId6"/>
+            <a:stretch>
+              <a:fillRect/>
+            </a:stretch>
+          </p:blipFill>
+          <p:spPr>
+            <a:xfrm>
+              <a:off x="3272172" y="2118360"/>
+              <a:ext cx="339242" cy="354598"/>
+            </a:xfrm>
+            <a:prstGeom prst="rect">
+              <a:avLst/>
+            </a:prstGeom>
+          </p:spPr>
+        </p:pic>
+        <p:pic>
+          <p:nvPicPr>
+            <p:cNvPr id="23" name="Grafik 22">
+              <a:extLst>
+                <a:ext uri="{FF2B5EF4-FFF2-40B4-BE49-F238E27FC236}">
+                  <a16:creationId xmlns:a16="http://schemas.microsoft.com/office/drawing/2014/main" id="{0AC6523A-8CF3-5F39-FFA5-94C2FEB011E6}"/>
+                </a:ext>
+              </a:extLst>
+            </p:cNvPr>
+            <p:cNvPicPr>
+              <a:picLocks noChangeAspect="1"/>
+            </p:cNvPicPr>
+            <p:nvPr/>
+          </p:nvPicPr>
+          <p:blipFill>
+            <a:blip r:embed="rId7"/>
+            <a:stretch>
+              <a:fillRect/>
+            </a:stretch>
+          </p:blipFill>
+          <p:spPr>
+            <a:xfrm>
+              <a:off x="3258871" y="2599488"/>
+              <a:ext cx="352543" cy="336774"/>
+            </a:xfrm>
+            <a:prstGeom prst="rect">
+              <a:avLst/>
+            </a:prstGeom>
+          </p:spPr>
+        </p:pic>
+        <p:pic>
+          <p:nvPicPr>
+            <p:cNvPr id="24" name="Grafik 23">
+              <a:extLst>
+                <a:ext uri="{FF2B5EF4-FFF2-40B4-BE49-F238E27FC236}">
+                  <a16:creationId xmlns:a16="http://schemas.microsoft.com/office/drawing/2014/main" id="{3E0D52A7-20FC-1F29-2D81-F60AB8B5F2A9}"/>
+                </a:ext>
+              </a:extLst>
+            </p:cNvPr>
+            <p:cNvPicPr>
+              <a:picLocks noChangeAspect="1"/>
+            </p:cNvPicPr>
+            <p:nvPr/>
+          </p:nvPicPr>
+          <p:blipFill>
+            <a:blip r:embed="rId8"/>
+            <a:stretch>
+              <a:fillRect/>
+            </a:stretch>
+          </p:blipFill>
+          <p:spPr>
+            <a:xfrm>
+              <a:off x="3258870" y="3078481"/>
+              <a:ext cx="352543" cy="347612"/>
+            </a:xfrm>
+            <a:prstGeom prst="rect">
+              <a:avLst/>
+            </a:prstGeom>
+          </p:spPr>
+        </p:pic>
+      </p:grpSp>
+      <p:graphicFrame>
+        <p:nvGraphicFramePr>
+          <p:cNvPr id="25" name="Tabelle 13">
+            <a:extLst>
+              <a:ext uri="{FF2B5EF4-FFF2-40B4-BE49-F238E27FC236}">
+                <a16:creationId xmlns:a16="http://schemas.microsoft.com/office/drawing/2014/main" id="{73329195-6203-AD51-52CC-8D91A25EFFC8}"/>
+              </a:ext>
+            </a:extLst>
+          </p:cNvPr>
+          <p:cNvGraphicFramePr>
+            <a:graphicFrameLocks noGrp="1"/>
+          </p:cNvGraphicFramePr>
+          <p:nvPr>
+            <p:extLst>
+              <p:ext uri="{D42A27DB-BD31-4B8C-83A1-F6EECF244321}">
+                <p14:modId xmlns:p14="http://schemas.microsoft.com/office/powerpoint/2010/main" val="2545681001"/>
+              </p:ext>
+            </p:extLst>
+          </p:nvPr>
+        </p:nvGraphicFramePr>
+        <p:xfrm>
+          <a:off x="3302029" y="5174478"/>
+          <a:ext cx="612713" cy="1437315"/>
+        </p:xfrm>
+        <a:graphic>
+          <a:graphicData uri="http://schemas.openxmlformats.org/drawingml/2006/table">
+            <a:tbl>
+              <a:tblPr bandRow="1">
+                <a:tableStyleId>{5C22544A-7EE6-4342-B048-85BDC9FD1C3A}</a:tableStyleId>
+              </a:tblPr>
+              <a:tblGrid>
+                <a:gridCol w="612713">
+                  <a:extLst>
+                    <a:ext uri="{9D8B030D-6E8A-4147-A177-3AD203B41FA5}">
+                      <a16:colId xmlns:a16="http://schemas.microsoft.com/office/drawing/2014/main" val="2554245310"/>
+                    </a:ext>
+                  </a:extLst>
+                </a:gridCol>
+              </a:tblGrid>
+              <a:tr h="479105">
+                <a:tc>
+                  <a:txBody>
+                    <a:bodyPr/>
+                    <a:lstStyle/>
+                    <a:p>
+                      <a:r>
+                        <a:rPr lang="de-CH" sz="1800" kern="1200" dirty="0">
+                          <a:solidFill>
+                            <a:schemeClr val="tx1">
+                              <a:lumMod val="75000"/>
+                              <a:lumOff val="25000"/>
+                            </a:schemeClr>
+                          </a:solidFill>
+                          <a:latin typeface="+mn-lt"/>
+                          <a:ea typeface="+mn-ea"/>
+                          <a:cs typeface="+mn-cs"/>
+                        </a:rPr>
+                        <a:t>1</a:t>
+                      </a:r>
+                    </a:p>
+                  </a:txBody>
+                  <a:tcPr anchor="ctr">
+                    <a:lnL w="12700" cmpd="sng">
+                      <a:noFill/>
+                    </a:lnL>
+                    <a:lnR w="12700" cmpd="sng">
+                      <a:noFill/>
+                    </a:lnR>
+                    <a:lnT w="12700" cmpd="sng">
+                      <a:noFill/>
+                    </a:lnT>
+                    <a:lnB w="12700" cmpd="sng">
+                      <a:noFill/>
+                    </a:lnB>
+                    <a:lnTlToBr w="12700" cmpd="sng">
+                      <a:noFill/>
+                      <a:prstDash val="solid"/>
+                    </a:lnTlToBr>
+                    <a:lnBlToTr w="12700" cmpd="sng">
+                      <a:noFill/>
+                      <a:prstDash val="solid"/>
+                    </a:lnBlToTr>
+                    <a:noFill/>
+                  </a:tcPr>
+                </a:tc>
+                <a:extLst>
+                  <a:ext uri="{0D108BD9-81ED-4DB2-BD59-A6C34878D82A}">
+                    <a16:rowId xmlns:a16="http://schemas.microsoft.com/office/drawing/2014/main" val="612619829"/>
+                  </a:ext>
+                </a:extLst>
+              </a:tr>
+              <a:tr h="479105">
+                <a:tc>
+                  <a:txBody>
+                    <a:bodyPr/>
+                    <a:lstStyle/>
+                    <a:p>
+                      <a:r>
+                        <a:rPr lang="de-CH" sz="1800" kern="1200" dirty="0">
+                          <a:solidFill>
+                            <a:schemeClr val="tx1">
+                              <a:lumMod val="75000"/>
+                              <a:lumOff val="25000"/>
+                            </a:schemeClr>
+                          </a:solidFill>
+                          <a:latin typeface="+mn-lt"/>
+                          <a:ea typeface="+mn-ea"/>
+                          <a:cs typeface="+mn-cs"/>
+                        </a:rPr>
+                        <a:t>55</a:t>
+                      </a:r>
+                    </a:p>
+                  </a:txBody>
+                  <a:tcPr anchor="ctr">
+                    <a:lnL w="12700" cmpd="sng">
+                      <a:noFill/>
+                    </a:lnL>
+                    <a:lnR w="12700" cmpd="sng">
+                      <a:noFill/>
+                    </a:lnR>
+                    <a:lnT w="12700" cmpd="sng">
+                      <a:noFill/>
+                    </a:lnT>
+                    <a:lnB w="12700" cmpd="sng">
+                      <a:noFill/>
+                    </a:lnB>
+                    <a:lnTlToBr w="12700" cmpd="sng">
+                      <a:noFill/>
+                      <a:prstDash val="solid"/>
+                    </a:lnTlToBr>
+                    <a:lnBlToTr w="12700" cmpd="sng">
+                      <a:noFill/>
+                      <a:prstDash val="solid"/>
+                    </a:lnBlToTr>
+                    <a:noFill/>
+                  </a:tcPr>
+                </a:tc>
+                <a:extLst>
+                  <a:ext uri="{0D108BD9-81ED-4DB2-BD59-A6C34878D82A}">
+                    <a16:rowId xmlns:a16="http://schemas.microsoft.com/office/drawing/2014/main" val="343101764"/>
+                  </a:ext>
+                </a:extLst>
+              </a:tr>
+              <a:tr h="479105">
+                <a:tc>
+                  <a:txBody>
+                    <a:bodyPr/>
+                    <a:lstStyle/>
+                    <a:p>
+                      <a:r>
+                        <a:rPr lang="de-CH" sz="1800" kern="1200" dirty="0">
+                          <a:solidFill>
+                            <a:schemeClr val="tx1">
+                              <a:lumMod val="75000"/>
+                              <a:lumOff val="25000"/>
+                            </a:schemeClr>
+                          </a:solidFill>
+                          <a:latin typeface="+mn-lt"/>
+                          <a:ea typeface="+mn-ea"/>
+                          <a:cs typeface="+mn-cs"/>
+                        </a:rPr>
+                        <a:t>11</a:t>
+                      </a:r>
+                    </a:p>
+                  </a:txBody>
+                  <a:tcPr anchor="ctr">
+                    <a:lnL w="12700" cmpd="sng">
+                      <a:noFill/>
+                    </a:lnL>
+                    <a:lnR w="12700" cmpd="sng">
+                      <a:noFill/>
+                    </a:lnR>
+                    <a:lnT w="12700" cmpd="sng">
+                      <a:noFill/>
+                    </a:lnT>
+                    <a:lnB w="12700" cmpd="sng">
+                      <a:noFill/>
+                    </a:lnB>
+                    <a:lnTlToBr w="12700" cmpd="sng">
+                      <a:noFill/>
+                      <a:prstDash val="solid"/>
+                    </a:lnTlToBr>
+                    <a:lnBlToTr w="12700" cmpd="sng">
+                      <a:noFill/>
+                      <a:prstDash val="solid"/>
+                    </a:lnBlToTr>
+                    <a:noFill/>
+                  </a:tcPr>
+                </a:tc>
+                <a:extLst>
+                  <a:ext uri="{0D108BD9-81ED-4DB2-BD59-A6C34878D82A}">
+                    <a16:rowId xmlns:a16="http://schemas.microsoft.com/office/drawing/2014/main" val="2473331925"/>
+                  </a:ext>
+                </a:extLst>
+              </a:tr>
+            </a:tbl>
+          </a:graphicData>
+        </a:graphic>
+      </p:graphicFrame>
+      <p:grpSp>
+        <p:nvGrpSpPr>
+          <p:cNvPr id="26" name="Gruppieren 25">
+            <a:extLst>
+              <a:ext uri="{FF2B5EF4-FFF2-40B4-BE49-F238E27FC236}">
+                <a16:creationId xmlns:a16="http://schemas.microsoft.com/office/drawing/2014/main" id="{23B1D3AB-1973-595B-E021-6FED60DF14A5}"/>
+              </a:ext>
+            </a:extLst>
+          </p:cNvPr>
+          <p:cNvGrpSpPr/>
+          <p:nvPr/>
+        </p:nvGrpSpPr>
+        <p:grpSpPr>
+          <a:xfrm>
+            <a:off x="2949486" y="5243621"/>
+            <a:ext cx="352544" cy="1307733"/>
+            <a:chOff x="3258870" y="2118360"/>
+            <a:chExt cx="352544" cy="1307733"/>
+          </a:xfrm>
+        </p:grpSpPr>
+        <p:pic>
+          <p:nvPicPr>
+            <p:cNvPr id="27" name="Grafik 26">
+              <a:extLst>
+                <a:ext uri="{FF2B5EF4-FFF2-40B4-BE49-F238E27FC236}">
+                  <a16:creationId xmlns:a16="http://schemas.microsoft.com/office/drawing/2014/main" id="{2F2F1EE2-E92D-17AB-F908-04301D773A4B}"/>
+                </a:ext>
+              </a:extLst>
+            </p:cNvPr>
+            <p:cNvPicPr>
+              <a:picLocks noChangeAspect="1"/>
+            </p:cNvPicPr>
+            <p:nvPr/>
+          </p:nvPicPr>
+          <p:blipFill>
+            <a:blip r:embed="rId6"/>
+            <a:stretch>
+              <a:fillRect/>
+            </a:stretch>
+          </p:blipFill>
+          <p:spPr>
+            <a:xfrm>
+              <a:off x="3272172" y="2118360"/>
+              <a:ext cx="339242" cy="354598"/>
+            </a:xfrm>
+            <a:prstGeom prst="rect">
+              <a:avLst/>
+            </a:prstGeom>
+          </p:spPr>
+        </p:pic>
+        <p:pic>
+          <p:nvPicPr>
+            <p:cNvPr id="28" name="Grafik 27">
+              <a:extLst>
+                <a:ext uri="{FF2B5EF4-FFF2-40B4-BE49-F238E27FC236}">
+                  <a16:creationId xmlns:a16="http://schemas.microsoft.com/office/drawing/2014/main" id="{094368D3-22C9-9010-7BC7-0296E530E511}"/>
+                </a:ext>
+              </a:extLst>
+            </p:cNvPr>
+            <p:cNvPicPr>
+              <a:picLocks noChangeAspect="1"/>
+            </p:cNvPicPr>
+            <p:nvPr/>
+          </p:nvPicPr>
+          <p:blipFill>
+            <a:blip r:embed="rId7"/>
+            <a:stretch>
+              <a:fillRect/>
+            </a:stretch>
+          </p:blipFill>
+          <p:spPr>
+            <a:xfrm>
+              <a:off x="3258871" y="2599488"/>
+              <a:ext cx="352543" cy="336774"/>
+            </a:xfrm>
+            <a:prstGeom prst="rect">
+              <a:avLst/>
+            </a:prstGeom>
+          </p:spPr>
+        </p:pic>
+        <p:pic>
+          <p:nvPicPr>
+            <p:cNvPr id="29" name="Grafik 28">
+              <a:extLst>
+                <a:ext uri="{FF2B5EF4-FFF2-40B4-BE49-F238E27FC236}">
+                  <a16:creationId xmlns:a16="http://schemas.microsoft.com/office/drawing/2014/main" id="{51537B40-CDB4-87E5-0747-75F8A004CCE0}"/>
+                </a:ext>
+              </a:extLst>
+            </p:cNvPr>
+            <p:cNvPicPr>
+              <a:picLocks noChangeAspect="1"/>
+            </p:cNvPicPr>
+            <p:nvPr/>
+          </p:nvPicPr>
+          <p:blipFill>
+            <a:blip r:embed="rId8"/>
+            <a:stretch>
+              <a:fillRect/>
+            </a:stretch>
+          </p:blipFill>
+          <p:spPr>
+            <a:xfrm>
+              <a:off x="3258870" y="3078481"/>
+              <a:ext cx="352543" cy="347612"/>
+            </a:xfrm>
+            <a:prstGeom prst="rect">
+              <a:avLst/>
+            </a:prstGeom>
+          </p:spPr>
+        </p:pic>
+      </p:grpSp>
+      <p:pic>
+        <p:nvPicPr>
+          <p:cNvPr id="33" name="Grafik 32">
+            <a:extLst>
+              <a:ext uri="{FF2B5EF4-FFF2-40B4-BE49-F238E27FC236}">
+                <a16:creationId xmlns:a16="http://schemas.microsoft.com/office/drawing/2014/main" id="{06DA0099-2501-2EFD-D78C-93D08C9C464C}"/>
+              </a:ext>
+            </a:extLst>
+          </p:cNvPr>
+          <p:cNvPicPr>
+            <a:picLocks noChangeAspect="1"/>
+          </p:cNvPicPr>
+          <p:nvPr/>
+        </p:nvPicPr>
+        <p:blipFill>
+          <a:blip r:embed="rId9"/>
+          <a:stretch>
+            <a:fillRect/>
+          </a:stretch>
+        </p:blipFill>
+        <p:spPr>
+          <a:xfrm>
+            <a:off x="6071171" y="824706"/>
+            <a:ext cx="3171343" cy="605808"/>
+          </a:xfrm>
+          <a:prstGeom prst="rect">
+            <a:avLst/>
+          </a:prstGeom>
+          <a:effectLst>
+            <a:softEdge rad="63500"/>
+          </a:effectLst>
+        </p:spPr>
+      </p:pic>
+      <p:pic>
+        <p:nvPicPr>
+          <p:cNvPr id="35" name="Grafik 34">
+            <a:extLst>
+              <a:ext uri="{FF2B5EF4-FFF2-40B4-BE49-F238E27FC236}">
+                <a16:creationId xmlns:a16="http://schemas.microsoft.com/office/drawing/2014/main" id="{3CF84602-66EA-9ACC-6B5E-B4DD507C31D5}"/>
+              </a:ext>
+            </a:extLst>
+          </p:cNvPr>
+          <p:cNvPicPr>
+            <a:picLocks noChangeAspect="1"/>
+          </p:cNvPicPr>
+          <p:nvPr/>
+        </p:nvPicPr>
+        <p:blipFill>
+          <a:blip r:embed="rId10"/>
+          <a:stretch>
+            <a:fillRect/>
+          </a:stretch>
+        </p:blipFill>
+        <p:spPr>
+          <a:xfrm>
+            <a:off x="6071171" y="3108105"/>
+            <a:ext cx="3168194" cy="463638"/>
+          </a:xfrm>
+          <a:prstGeom prst="rect">
+            <a:avLst/>
+          </a:prstGeom>
+          <a:effectLst>
+            <a:softEdge rad="63500"/>
+          </a:effectLst>
+        </p:spPr>
+      </p:pic>
+      <p:pic>
+        <p:nvPicPr>
+          <p:cNvPr id="37" name="Grafik 36">
+            <a:extLst>
+              <a:ext uri="{FF2B5EF4-FFF2-40B4-BE49-F238E27FC236}">
+                <a16:creationId xmlns:a16="http://schemas.microsoft.com/office/drawing/2014/main" id="{442CFD27-0FA5-903E-8FB1-9BA0CE047949}"/>
+              </a:ext>
+            </a:extLst>
+          </p:cNvPr>
+          <p:cNvPicPr>
+            <a:picLocks noChangeAspect="1"/>
+          </p:cNvPicPr>
+          <p:nvPr/>
+        </p:nvPicPr>
+        <p:blipFill>
+          <a:blip r:embed="rId11"/>
+          <a:stretch>
+            <a:fillRect/>
+          </a:stretch>
+        </p:blipFill>
+        <p:spPr>
+          <a:xfrm>
+            <a:off x="6084473" y="4956230"/>
+            <a:ext cx="3171343" cy="574781"/>
+          </a:xfrm>
+          <a:prstGeom prst="rect">
+            <a:avLst/>
+          </a:prstGeom>
+          <a:effectLst>
+            <a:softEdge rad="63500"/>
+          </a:effectLst>
+        </p:spPr>
+      </p:pic>
     </p:spTree>
     <p:extLst>
       <p:ext uri="{BB962C8B-B14F-4D97-AF65-F5344CB8AC3E}">
@@ -10073,14 +11641,358 @@
   <p:clrMapOvr>
     <a:masterClrMapping/>
   </p:clrMapOvr>
-  <mc:AlternateContent xmlns:mc="http://schemas.openxmlformats.org/markup-compatibility/2006">
-    <mc:Choice xmlns:p14="http://schemas.microsoft.com/office/powerpoint/2010/main" Requires="p14">
+  <mc:AlternateContent xmlns:mc="http://schemas.openxmlformats.org/markup-compatibility/2006" xmlns:p14="http://schemas.microsoft.com/office/powerpoint/2010/main">
+    <mc:Choice Requires="p14">
       <p:transition spd="slow" p14:dur="2000" advTm="33732"/>
     </mc:Choice>
-    <mc:Fallback>
+    <mc:Fallback xmlns="">
       <p:transition spd="slow" advTm="33732"/>
     </mc:Fallback>
   </mc:AlternateContent>
+  <p:timing>
+    <p:tnLst>
+      <p:par>
+        <p:cTn id="1" dur="indefinite" restart="never" nodeType="tmRoot">
+          <p:childTnLst>
+            <p:seq concurrent="1" nextAc="seek">
+              <p:cTn id="2" dur="indefinite" nodeType="mainSeq">
+                <p:childTnLst>
+                  <p:par>
+                    <p:cTn id="3" fill="hold">
+                      <p:stCondLst>
+                        <p:cond delay="indefinite"/>
+                      </p:stCondLst>
+                      <p:childTnLst>
+                        <p:par>
+                          <p:cTn id="4" fill="hold">
+                            <p:stCondLst>
+                              <p:cond delay="0"/>
+                            </p:stCondLst>
+                            <p:childTnLst>
+                              <p:par>
+                                <p:cTn id="5" presetID="1" presetClass="entr" presetSubtype="0" fill="hold" nodeType="clickEffect">
+                                  <p:stCondLst>
+                                    <p:cond delay="0"/>
+                                  </p:stCondLst>
+                                  <p:childTnLst>
+                                    <p:set>
+                                      <p:cBhvr>
+                                        <p:cTn id="6" dur="1" fill="hold">
+                                          <p:stCondLst>
+                                            <p:cond delay="0"/>
+                                          </p:stCondLst>
+                                        </p:cTn>
+                                        <p:tgtEl>
+                                          <p:spTgt spid="3">
+                                            <p:txEl>
+                                              <p:pRg st="5" end="5"/>
+                                            </p:txEl>
+                                          </p:spTgt>
+                                        </p:tgtEl>
+                                        <p:attrNameLst>
+                                          <p:attrName>style.visibility</p:attrName>
+                                        </p:attrNameLst>
+                                      </p:cBhvr>
+                                      <p:to>
+                                        <p:strVal val="visible"/>
+                                      </p:to>
+                                    </p:set>
+                                  </p:childTnLst>
+                                </p:cTn>
+                              </p:par>
+                              <p:par>
+                                <p:cTn id="7" presetID="1" presetClass="entr" presetSubtype="0" fill="hold" nodeType="withEffect">
+                                  <p:stCondLst>
+                                    <p:cond delay="0"/>
+                                  </p:stCondLst>
+                                  <p:childTnLst>
+                                    <p:set>
+                                      <p:cBhvr>
+                                        <p:cTn id="8" dur="1" fill="hold">
+                                          <p:stCondLst>
+                                            <p:cond delay="0"/>
+                                          </p:stCondLst>
+                                        </p:cTn>
+                                        <p:tgtEl>
+                                          <p:spTgt spid="21"/>
+                                        </p:tgtEl>
+                                        <p:attrNameLst>
+                                          <p:attrName>style.visibility</p:attrName>
+                                        </p:attrNameLst>
+                                      </p:cBhvr>
+                                      <p:to>
+                                        <p:strVal val="visible"/>
+                                      </p:to>
+                                    </p:set>
+                                  </p:childTnLst>
+                                </p:cTn>
+                              </p:par>
+                              <p:par>
+                                <p:cTn id="9" presetID="1" presetClass="entr" presetSubtype="0" fill="hold" nodeType="withEffect">
+                                  <p:stCondLst>
+                                    <p:cond delay="0"/>
+                                  </p:stCondLst>
+                                  <p:childTnLst>
+                                    <p:set>
+                                      <p:cBhvr>
+                                        <p:cTn id="10" dur="1" fill="hold">
+                                          <p:stCondLst>
+                                            <p:cond delay="0"/>
+                                          </p:stCondLst>
+                                        </p:cTn>
+                                        <p:tgtEl>
+                                          <p:spTgt spid="20"/>
+                                        </p:tgtEl>
+                                        <p:attrNameLst>
+                                          <p:attrName>style.visibility</p:attrName>
+                                        </p:attrNameLst>
+                                      </p:cBhvr>
+                                      <p:to>
+                                        <p:strVal val="visible"/>
+                                      </p:to>
+                                    </p:set>
+                                  </p:childTnLst>
+                                </p:cTn>
+                              </p:par>
+                              <p:par>
+                                <p:cTn id="11" presetID="1" presetClass="entr" presetSubtype="0" fill="hold" nodeType="withEffect">
+                                  <p:stCondLst>
+                                    <p:cond delay="0"/>
+                                  </p:stCondLst>
+                                  <p:childTnLst>
+                                    <p:set>
+                                      <p:cBhvr>
+                                        <p:cTn id="12" dur="1" fill="hold">
+                                          <p:stCondLst>
+                                            <p:cond delay="0"/>
+                                          </p:stCondLst>
+                                        </p:cTn>
+                                        <p:tgtEl>
+                                          <p:spTgt spid="8"/>
+                                        </p:tgtEl>
+                                        <p:attrNameLst>
+                                          <p:attrName>style.visibility</p:attrName>
+                                        </p:attrNameLst>
+                                      </p:cBhvr>
+                                      <p:to>
+                                        <p:strVal val="visible"/>
+                                      </p:to>
+                                    </p:set>
+                                  </p:childTnLst>
+                                </p:cTn>
+                              </p:par>
+                              <p:par>
+                                <p:cTn id="13" presetID="1" presetClass="entr" presetSubtype="0" fill="hold" nodeType="withEffect">
+                                  <p:stCondLst>
+                                    <p:cond delay="0"/>
+                                  </p:stCondLst>
+                                  <p:childTnLst>
+                                    <p:set>
+                                      <p:cBhvr>
+                                        <p:cTn id="14" dur="1" fill="hold">
+                                          <p:stCondLst>
+                                            <p:cond delay="0"/>
+                                          </p:stCondLst>
+                                        </p:cTn>
+                                        <p:tgtEl>
+                                          <p:spTgt spid="35"/>
+                                        </p:tgtEl>
+                                        <p:attrNameLst>
+                                          <p:attrName>style.visibility</p:attrName>
+                                        </p:attrNameLst>
+                                      </p:cBhvr>
+                                      <p:to>
+                                        <p:strVal val="visible"/>
+                                      </p:to>
+                                    </p:set>
+                                  </p:childTnLst>
+                                </p:cTn>
+                              </p:par>
+                            </p:childTnLst>
+                          </p:cTn>
+                        </p:par>
+                      </p:childTnLst>
+                    </p:cTn>
+                  </p:par>
+                  <p:par>
+                    <p:cTn id="15" fill="hold">
+                      <p:stCondLst>
+                        <p:cond delay="indefinite"/>
+                      </p:stCondLst>
+                      <p:childTnLst>
+                        <p:par>
+                          <p:cTn id="16" fill="hold">
+                            <p:stCondLst>
+                              <p:cond delay="0"/>
+                            </p:stCondLst>
+                            <p:childTnLst>
+                              <p:par>
+                                <p:cTn id="17" presetID="1" presetClass="entr" presetSubtype="0" fill="hold" nodeType="clickEffect">
+                                  <p:stCondLst>
+                                    <p:cond delay="0"/>
+                                  </p:stCondLst>
+                                  <p:childTnLst>
+                                    <p:set>
+                                      <p:cBhvr>
+                                        <p:cTn id="18" dur="1" fill="hold">
+                                          <p:stCondLst>
+                                            <p:cond delay="0"/>
+                                          </p:stCondLst>
+                                        </p:cTn>
+                                        <p:tgtEl>
+                                          <p:spTgt spid="3">
+                                            <p:txEl>
+                                              <p:pRg st="10" end="10"/>
+                                            </p:txEl>
+                                          </p:spTgt>
+                                        </p:tgtEl>
+                                        <p:attrNameLst>
+                                          <p:attrName>style.visibility</p:attrName>
+                                        </p:attrNameLst>
+                                      </p:cBhvr>
+                                      <p:to>
+                                        <p:strVal val="visible"/>
+                                      </p:to>
+                                    </p:set>
+                                  </p:childTnLst>
+                                </p:cTn>
+                              </p:par>
+                              <p:par>
+                                <p:cTn id="19" presetID="1" presetClass="entr" presetSubtype="0" fill="hold" nodeType="withEffect">
+                                  <p:stCondLst>
+                                    <p:cond delay="0"/>
+                                  </p:stCondLst>
+                                  <p:childTnLst>
+                                    <p:set>
+                                      <p:cBhvr>
+                                        <p:cTn id="20" dur="1" fill="hold">
+                                          <p:stCondLst>
+                                            <p:cond delay="0"/>
+                                          </p:stCondLst>
+                                        </p:cTn>
+                                        <p:tgtEl>
+                                          <p:spTgt spid="26"/>
+                                        </p:tgtEl>
+                                        <p:attrNameLst>
+                                          <p:attrName>style.visibility</p:attrName>
+                                        </p:attrNameLst>
+                                      </p:cBhvr>
+                                      <p:to>
+                                        <p:strVal val="visible"/>
+                                      </p:to>
+                                    </p:set>
+                                  </p:childTnLst>
+                                </p:cTn>
+                              </p:par>
+                              <p:par>
+                                <p:cTn id="21" presetID="1" presetClass="entr" presetSubtype="0" fill="hold" nodeType="withEffect">
+                                  <p:stCondLst>
+                                    <p:cond delay="0"/>
+                                  </p:stCondLst>
+                                  <p:childTnLst>
+                                    <p:set>
+                                      <p:cBhvr>
+                                        <p:cTn id="22" dur="1" fill="hold">
+                                          <p:stCondLst>
+                                            <p:cond delay="0"/>
+                                          </p:stCondLst>
+                                        </p:cTn>
+                                        <p:tgtEl>
+                                          <p:spTgt spid="25"/>
+                                        </p:tgtEl>
+                                        <p:attrNameLst>
+                                          <p:attrName>style.visibility</p:attrName>
+                                        </p:attrNameLst>
+                                      </p:cBhvr>
+                                      <p:to>
+                                        <p:strVal val="visible"/>
+                                      </p:to>
+                                    </p:set>
+                                  </p:childTnLst>
+                                </p:cTn>
+                              </p:par>
+                              <p:par>
+                                <p:cTn id="23" presetID="1" presetClass="entr" presetSubtype="0" fill="hold" nodeType="withEffect">
+                                  <p:stCondLst>
+                                    <p:cond delay="0"/>
+                                  </p:stCondLst>
+                                  <p:childTnLst>
+                                    <p:set>
+                                      <p:cBhvr>
+                                        <p:cTn id="24" dur="1" fill="hold">
+                                          <p:stCondLst>
+                                            <p:cond delay="0"/>
+                                          </p:stCondLst>
+                                        </p:cTn>
+                                        <p:tgtEl>
+                                          <p:spTgt spid="10"/>
+                                        </p:tgtEl>
+                                        <p:attrNameLst>
+                                          <p:attrName>style.visibility</p:attrName>
+                                        </p:attrNameLst>
+                                      </p:cBhvr>
+                                      <p:to>
+                                        <p:strVal val="visible"/>
+                                      </p:to>
+                                    </p:set>
+                                  </p:childTnLst>
+                                </p:cTn>
+                              </p:par>
+                              <p:par>
+                                <p:cTn id="25" presetID="1" presetClass="entr" presetSubtype="0" fill="hold" nodeType="withEffect">
+                                  <p:stCondLst>
+                                    <p:cond delay="0"/>
+                                  </p:stCondLst>
+                                  <p:childTnLst>
+                                    <p:set>
+                                      <p:cBhvr>
+                                        <p:cTn id="26" dur="1" fill="hold">
+                                          <p:stCondLst>
+                                            <p:cond delay="0"/>
+                                          </p:stCondLst>
+                                        </p:cTn>
+                                        <p:tgtEl>
+                                          <p:spTgt spid="37"/>
+                                        </p:tgtEl>
+                                        <p:attrNameLst>
+                                          <p:attrName>style.visibility</p:attrName>
+                                        </p:attrNameLst>
+                                      </p:cBhvr>
+                                      <p:to>
+                                        <p:strVal val="visible"/>
+                                      </p:to>
+                                    </p:set>
+                                  </p:childTnLst>
+                                </p:cTn>
+                              </p:par>
+                            </p:childTnLst>
+                          </p:cTn>
+                        </p:par>
+                      </p:childTnLst>
+                    </p:cTn>
+                  </p:par>
+                </p:childTnLst>
+              </p:cTn>
+              <p:prevCondLst>
+                <p:cond evt="onPrev" delay="0">
+                  <p:tgtEl>
+                    <p:sldTgt/>
+                  </p:tgtEl>
+                </p:cond>
+              </p:prevCondLst>
+              <p:nextCondLst>
+                <p:cond evt="onNext" delay="0">
+                  <p:tgtEl>
+                    <p:sldTgt/>
+                  </p:tgtEl>
+                </p:cond>
+              </p:nextCondLst>
+            </p:seq>
+          </p:childTnLst>
+        </p:cTn>
+      </p:par>
+    </p:tnLst>
+  </p:timing>
 </p:sld>
 </file>
 
@@ -10124,39 +12036,15 @@
           <a:p>
             <a:r>
               <a:rPr lang="de-CH" dirty="0"/>
-              <a:t>Tools</a:t>
-            </a:r>
-          </a:p>
-        </p:txBody>
-      </p:sp>
-      <p:sp>
-        <p:nvSpPr>
-          <p:cNvPr id="3" name="Inhaltsplatzhalter 2">
-            <a:extLst>
-              <a:ext uri="{FF2B5EF4-FFF2-40B4-BE49-F238E27FC236}">
-                <a16:creationId xmlns:a16="http://schemas.microsoft.com/office/drawing/2014/main" id="{09E0D5C9-0C59-5FA1-1DB3-BCB8B158C9EF}"/>
-              </a:ext>
-            </a:extLst>
-          </p:cNvPr>
-          <p:cNvSpPr>
-            <a:spLocks noGrp="1"/>
-          </p:cNvSpPr>
-          <p:nvPr>
-            <p:ph idx="1"/>
-          </p:nvPr>
-        </p:nvSpPr>
-        <p:spPr/>
-        <p:txBody>
-          <a:bodyPr>
-            <a:normAutofit/>
-          </a:bodyPr>
-          <a:lstStyle/>
-          <a:p>
-            <a:r>
-              <a:rPr lang="de-CH" dirty="0" err="1"/>
-              <a:t>Webmin</a:t>
-            </a:r>
-            <a:endParaRPr lang="de-CH" dirty="0"/>
+              <a:t>Metriken</a:t>
+            </a:r>
+            <a:br>
+              <a:rPr lang="de-CH" dirty="0"/>
+            </a:br>
+            <a:r>
+              <a:rPr lang="de-CH" sz="2400" dirty="0"/>
+              <a:t>Test</a:t>
+            </a:r>
           </a:p>
         </p:txBody>
       </p:sp>
@@ -10189,10 +12077,62 @@
           </a:p>
         </p:txBody>
       </p:sp>
+      <p:sp>
+        <p:nvSpPr>
+          <p:cNvPr id="3" name="Inhaltsplatzhalter 2">
+            <a:extLst>
+              <a:ext uri="{FF2B5EF4-FFF2-40B4-BE49-F238E27FC236}">
+                <a16:creationId xmlns:a16="http://schemas.microsoft.com/office/drawing/2014/main" id="{FCBDCF8F-C1B1-365E-56BF-73B72560707E}"/>
+              </a:ext>
+            </a:extLst>
+          </p:cNvPr>
+          <p:cNvSpPr>
+            <a:spLocks noGrp="1"/>
+          </p:cNvSpPr>
+          <p:nvPr>
+            <p:ph idx="1"/>
+          </p:nvPr>
+        </p:nvSpPr>
+        <p:spPr>
+          <a:xfrm>
+            <a:off x="677334" y="2160589"/>
+            <a:ext cx="8596668" cy="4437236"/>
+          </a:xfrm>
+        </p:spPr>
+        <p:txBody>
+          <a:bodyPr>
+            <a:normAutofit/>
+          </a:bodyPr>
+          <a:lstStyle/>
+          <a:p>
+            <a:pPr>
+              <a:tabLst>
+                <a:tab pos="3586163" algn="l"/>
+              </a:tabLst>
+            </a:pPr>
+            <a:r>
+              <a:rPr lang="de-CH"/>
+              <a:t>Anzahl Code-Zeilen?</a:t>
+            </a:r>
+            <a:endParaRPr lang="de-CH" dirty="0"/>
+          </a:p>
+          <a:p>
+            <a:pPr>
+              <a:tabLst>
+                <a:tab pos="3586163" algn="l"/>
+              </a:tabLst>
+            </a:pPr>
+            <a:r>
+              <a:rPr lang="de-CH" dirty="0"/>
+              <a:t>Test Coverage</a:t>
+            </a:r>
+          </a:p>
+        </p:txBody>
+      </p:sp>
     </p:spTree>
     <p:extLst>
       <p:ext uri="{BB962C8B-B14F-4D97-AF65-F5344CB8AC3E}">
-        <p14:creationId xmlns:p14="http://schemas.microsoft.com/office/powerpoint/2010/main" val="2989430939"/>
+        <p14:creationId xmlns:p14="http://schemas.microsoft.com/office/powerpoint/2010/main" val="2186905519"/>
       </p:ext>
     </p:extLst>
   </p:cSld>
@@ -10250,35 +12190,15 @@
           <a:p>
             <a:r>
               <a:rPr lang="de-CH" dirty="0"/>
-              <a:t>Reflexion</a:t>
-            </a:r>
-          </a:p>
-        </p:txBody>
-      </p:sp>
-      <p:sp>
-        <p:nvSpPr>
-          <p:cNvPr id="3" name="Inhaltsplatzhalter 2">
-            <a:extLst>
-              <a:ext uri="{FF2B5EF4-FFF2-40B4-BE49-F238E27FC236}">
-                <a16:creationId xmlns:a16="http://schemas.microsoft.com/office/drawing/2014/main" id="{09E0D5C9-0C59-5FA1-1DB3-BCB8B158C9EF}"/>
-              </a:ext>
-            </a:extLst>
-          </p:cNvPr>
-          <p:cNvSpPr>
-            <a:spLocks noGrp="1"/>
-          </p:cNvSpPr>
-          <p:nvPr>
-            <p:ph idx="1"/>
-          </p:nvPr>
-        </p:nvSpPr>
-        <p:spPr/>
-        <p:txBody>
-          <a:bodyPr>
-            <a:normAutofit/>
-          </a:bodyPr>
-          <a:lstStyle/>
-          <a:p>
-            <a:endParaRPr lang="de-CH" dirty="0"/>
+              <a:t>Metriken</a:t>
+            </a:r>
+            <a:br>
+              <a:rPr lang="de-CH" dirty="0"/>
+            </a:br>
+            <a:r>
+              <a:rPr lang="de-CH" sz="2400" dirty="0"/>
+              <a:t>Projekt</a:t>
+            </a:r>
           </a:p>
         </p:txBody>
       </p:sp>
@@ -10311,21 +12231,121 @@
           </a:p>
         </p:txBody>
       </p:sp>
+      <p:sp>
+        <p:nvSpPr>
+          <p:cNvPr id="3" name="Inhaltsplatzhalter 2">
+            <a:extLst>
+              <a:ext uri="{FF2B5EF4-FFF2-40B4-BE49-F238E27FC236}">
+                <a16:creationId xmlns:a16="http://schemas.microsoft.com/office/drawing/2014/main" id="{FCBDCF8F-C1B1-365E-56BF-73B72560707E}"/>
+              </a:ext>
+            </a:extLst>
+          </p:cNvPr>
+          <p:cNvSpPr>
+            <a:spLocks noGrp="1"/>
+          </p:cNvSpPr>
+          <p:nvPr>
+            <p:ph idx="1"/>
+          </p:nvPr>
+        </p:nvSpPr>
+        <p:spPr>
+          <a:xfrm>
+            <a:off x="677334" y="2160589"/>
+            <a:ext cx="8596668" cy="4437236"/>
+          </a:xfrm>
+        </p:spPr>
+        <p:txBody>
+          <a:bodyPr>
+            <a:normAutofit/>
+          </a:bodyPr>
+          <a:lstStyle/>
+          <a:p>
+            <a:pPr>
+              <a:tabLst>
+                <a:tab pos="3586163" algn="l"/>
+              </a:tabLst>
+            </a:pPr>
+            <a:r>
+              <a:rPr lang="de-CH" dirty="0"/>
+              <a:t>Allgemein:</a:t>
+            </a:r>
+          </a:p>
+          <a:p>
+            <a:pPr lvl="1">
+              <a:tabLst>
+                <a:tab pos="3586163" algn="l"/>
+              </a:tabLst>
+            </a:pPr>
+            <a:r>
+              <a:rPr lang="de-CH" dirty="0"/>
+              <a:t>Anzahl Tickets</a:t>
+            </a:r>
+          </a:p>
+          <a:p>
+            <a:pPr lvl="1">
+              <a:tabLst>
+                <a:tab pos="3586163" algn="l"/>
+              </a:tabLst>
+            </a:pPr>
+            <a:r>
+              <a:rPr lang="de-CH" dirty="0"/>
+              <a:t>Anzahl Sprints</a:t>
+            </a:r>
+          </a:p>
+          <a:p>
+            <a:pPr lvl="1">
+              <a:tabLst>
+                <a:tab pos="3586163" algn="l"/>
+              </a:tabLst>
+            </a:pPr>
+            <a:r>
+              <a:rPr lang="de-CH" dirty="0"/>
+              <a:t>Flussdiagramm (Anzahl Tickets)</a:t>
+            </a:r>
+          </a:p>
+          <a:p>
+            <a:pPr lvl="1">
+              <a:tabLst>
+                <a:tab pos="3586163" algn="l"/>
+              </a:tabLst>
+            </a:pPr>
+            <a:r>
+              <a:rPr lang="de-CH" dirty="0">
+                <a:sym typeface="Wingdings" panose="05000000000000000000" pitchFamily="2" charset="2"/>
+              </a:rPr>
+              <a:t> Zeitauswertung</a:t>
+            </a:r>
+          </a:p>
+          <a:p>
+            <a:pPr lvl="1">
+              <a:tabLst>
+                <a:tab pos="3586163" algn="l"/>
+              </a:tabLst>
+            </a:pPr>
+            <a:r>
+              <a:rPr lang="de-CH" dirty="0">
+                <a:sym typeface="Wingdings" panose="05000000000000000000" pitchFamily="2" charset="2"/>
+              </a:rPr>
+              <a:t>Aufteilung Zeit, Verhältnis zu Allgemein / Implementation</a:t>
+            </a:r>
+            <a:endParaRPr lang="de-CH" dirty="0"/>
+          </a:p>
+        </p:txBody>
+      </p:sp>
     </p:spTree>
     <p:extLst>
       <p:ext uri="{BB962C8B-B14F-4D97-AF65-F5344CB8AC3E}">
-        <p14:creationId xmlns:p14="http://schemas.microsoft.com/office/powerpoint/2010/main" val="1602808593"/>
+        <p14:creationId xmlns:p14="http://schemas.microsoft.com/office/powerpoint/2010/main" val="4035289624"/>
       </p:ext>
     </p:extLst>
   </p:cSld>
   <p:clrMapOvr>
     <a:masterClrMapping/>
   </p:clrMapOvr>
-  <mc:AlternateContent xmlns:mc="http://schemas.openxmlformats.org/markup-compatibility/2006" xmlns:p14="http://schemas.microsoft.com/office/powerpoint/2010/main">
-    <mc:Choice Requires="p14">
+  <mc:AlternateContent xmlns:mc="http://schemas.openxmlformats.org/markup-compatibility/2006">
+    <mc:Choice xmlns:p14="http://schemas.microsoft.com/office/powerpoint/2010/main" Requires="p14">
       <p:transition spd="slow" p14:dur="2000" advTm="33732"/>
     </mc:Choice>
-    <mc:Fallback xmlns="">
+    <mc:Fallback>
       <p:transition spd="slow" advTm="33732"/>
     </mc:Fallback>
   </mc:AlternateContent>
@@ -10555,7 +12575,7 @@
           <a:p>
             <a:r>
               <a:rPr lang="de-CH" dirty="0"/>
-              <a:t>Ausblick</a:t>
+              <a:t>Tools</a:t>
             </a:r>
           </a:p>
         </p:txBody>
@@ -10583,6 +12603,10 @@
           </a:bodyPr>
           <a:lstStyle/>
           <a:p>
+            <a:r>
+              <a:rPr lang="de-CH" dirty="0" err="1"/>
+              <a:t>Webmin</a:t>
+            </a:r>
             <a:endParaRPr lang="de-CH" dirty="0"/>
           </a:p>
         </p:txBody>
@@ -10619,7 +12643,7 @@
     </p:spTree>
     <p:extLst>
       <p:ext uri="{BB962C8B-B14F-4D97-AF65-F5344CB8AC3E}">
-        <p14:creationId xmlns:p14="http://schemas.microsoft.com/office/powerpoint/2010/main" val="3981414043"/>
+        <p14:creationId xmlns:p14="http://schemas.microsoft.com/office/powerpoint/2010/main" val="2989430939"/>
       </p:ext>
     </p:extLst>
   </p:cSld>
@@ -10659,6 +12683,250 @@
           <p:cNvPr id="2" name="Titel 1">
             <a:extLst>
               <a:ext uri="{FF2B5EF4-FFF2-40B4-BE49-F238E27FC236}">
+                <a16:creationId xmlns:a16="http://schemas.microsoft.com/office/drawing/2014/main" id="{4886BDED-F105-DAAB-E82A-B1D3D48B7306}"/>
+              </a:ext>
+            </a:extLst>
+          </p:cNvPr>
+          <p:cNvSpPr>
+            <a:spLocks noGrp="1"/>
+          </p:cNvSpPr>
+          <p:nvPr>
+            <p:ph type="title"/>
+          </p:nvPr>
+        </p:nvSpPr>
+        <p:spPr/>
+        <p:txBody>
+          <a:bodyPr/>
+          <a:lstStyle/>
+          <a:p>
+            <a:r>
+              <a:rPr lang="de-CH" dirty="0"/>
+              <a:t>Reflexion</a:t>
+            </a:r>
+          </a:p>
+        </p:txBody>
+      </p:sp>
+      <p:sp>
+        <p:nvSpPr>
+          <p:cNvPr id="3" name="Inhaltsplatzhalter 2">
+            <a:extLst>
+              <a:ext uri="{FF2B5EF4-FFF2-40B4-BE49-F238E27FC236}">
+                <a16:creationId xmlns:a16="http://schemas.microsoft.com/office/drawing/2014/main" id="{09E0D5C9-0C59-5FA1-1DB3-BCB8B158C9EF}"/>
+              </a:ext>
+            </a:extLst>
+          </p:cNvPr>
+          <p:cNvSpPr>
+            <a:spLocks noGrp="1"/>
+          </p:cNvSpPr>
+          <p:nvPr>
+            <p:ph idx="1"/>
+          </p:nvPr>
+        </p:nvSpPr>
+        <p:spPr/>
+        <p:txBody>
+          <a:bodyPr>
+            <a:normAutofit/>
+          </a:bodyPr>
+          <a:lstStyle/>
+          <a:p>
+            <a:endParaRPr lang="de-CH" dirty="0"/>
+          </a:p>
+        </p:txBody>
+      </p:sp>
+      <p:sp>
+        <p:nvSpPr>
+          <p:cNvPr id="5" name="Foliennummernplatzhalter 4">
+            <a:extLst>
+              <a:ext uri="{FF2B5EF4-FFF2-40B4-BE49-F238E27FC236}">
+                <a16:creationId xmlns:a16="http://schemas.microsoft.com/office/drawing/2014/main" id="{D78B2001-0582-AF5C-73E0-D0C52A58F0B5}"/>
+              </a:ext>
+            </a:extLst>
+          </p:cNvPr>
+          <p:cNvSpPr>
+            <a:spLocks noGrp="1"/>
+          </p:cNvSpPr>
+          <p:nvPr>
+            <p:ph type="sldNum" sz="quarter" idx="12"/>
+          </p:nvPr>
+        </p:nvSpPr>
+        <p:spPr/>
+        <p:txBody>
+          <a:bodyPr/>
+          <a:lstStyle/>
+          <a:p>
+            <a:fld id="{C5C4FCA5-2BB8-425C-AF71-2DCCD7874011}" type="slidenum">
+              <a:rPr lang="de-CH" smtClean="0"/>
+              <a:t>21</a:t>
+            </a:fld>
+            <a:endParaRPr lang="de-CH"/>
+          </a:p>
+        </p:txBody>
+      </p:sp>
+    </p:spTree>
+    <p:extLst>
+      <p:ext uri="{BB962C8B-B14F-4D97-AF65-F5344CB8AC3E}">
+        <p14:creationId xmlns:p14="http://schemas.microsoft.com/office/powerpoint/2010/main" val="1602808593"/>
+      </p:ext>
+    </p:extLst>
+  </p:cSld>
+  <p:clrMapOvr>
+    <a:masterClrMapping/>
+  </p:clrMapOvr>
+  <mc:AlternateContent xmlns:mc="http://schemas.openxmlformats.org/markup-compatibility/2006" xmlns:p14="http://schemas.microsoft.com/office/powerpoint/2010/main">
+    <mc:Choice Requires="p14">
+      <p:transition spd="slow" p14:dur="2000" advTm="33732"/>
+    </mc:Choice>
+    <mc:Fallback xmlns="">
+      <p:transition spd="slow" advTm="33732"/>
+    </mc:Fallback>
+  </mc:AlternateContent>
+</p:sld>
+</file>
+
+<file path=ppt/slides/slide22.xml><?xml version="1.0" encoding="utf-8"?>
+<p:sld xmlns:a="http://schemas.openxmlformats.org/drawingml/2006/main" xmlns:r="http://schemas.openxmlformats.org/officeDocument/2006/relationships" xmlns:p="http://schemas.openxmlformats.org/presentationml/2006/main">
+  <p:cSld>
+    <p:spTree>
+      <p:nvGrpSpPr>
+        <p:cNvPr id="1" name=""/>
+        <p:cNvGrpSpPr/>
+        <p:nvPr/>
+      </p:nvGrpSpPr>
+      <p:grpSpPr>
+        <a:xfrm>
+          <a:off x="0" y="0"/>
+          <a:ext cx="0" cy="0"/>
+          <a:chOff x="0" y="0"/>
+          <a:chExt cx="0" cy="0"/>
+        </a:xfrm>
+      </p:grpSpPr>
+      <p:sp>
+        <p:nvSpPr>
+          <p:cNvPr id="2" name="Titel 1">
+            <a:extLst>
+              <a:ext uri="{FF2B5EF4-FFF2-40B4-BE49-F238E27FC236}">
+                <a16:creationId xmlns:a16="http://schemas.microsoft.com/office/drawing/2014/main" id="{4886BDED-F105-DAAB-E82A-B1D3D48B7306}"/>
+              </a:ext>
+            </a:extLst>
+          </p:cNvPr>
+          <p:cNvSpPr>
+            <a:spLocks noGrp="1"/>
+          </p:cNvSpPr>
+          <p:nvPr>
+            <p:ph type="title"/>
+          </p:nvPr>
+        </p:nvSpPr>
+        <p:spPr/>
+        <p:txBody>
+          <a:bodyPr/>
+          <a:lstStyle/>
+          <a:p>
+            <a:r>
+              <a:rPr lang="de-CH" dirty="0"/>
+              <a:t>Ausblick</a:t>
+            </a:r>
+          </a:p>
+        </p:txBody>
+      </p:sp>
+      <p:sp>
+        <p:nvSpPr>
+          <p:cNvPr id="3" name="Inhaltsplatzhalter 2">
+            <a:extLst>
+              <a:ext uri="{FF2B5EF4-FFF2-40B4-BE49-F238E27FC236}">
+                <a16:creationId xmlns:a16="http://schemas.microsoft.com/office/drawing/2014/main" id="{09E0D5C9-0C59-5FA1-1DB3-BCB8B158C9EF}"/>
+              </a:ext>
+            </a:extLst>
+          </p:cNvPr>
+          <p:cNvSpPr>
+            <a:spLocks noGrp="1"/>
+          </p:cNvSpPr>
+          <p:nvPr>
+            <p:ph idx="1"/>
+          </p:nvPr>
+        </p:nvSpPr>
+        <p:spPr/>
+        <p:txBody>
+          <a:bodyPr>
+            <a:normAutofit/>
+          </a:bodyPr>
+          <a:lstStyle/>
+          <a:p>
+            <a:endParaRPr lang="de-CH" dirty="0"/>
+          </a:p>
+        </p:txBody>
+      </p:sp>
+      <p:sp>
+        <p:nvSpPr>
+          <p:cNvPr id="5" name="Foliennummernplatzhalter 4">
+            <a:extLst>
+              <a:ext uri="{FF2B5EF4-FFF2-40B4-BE49-F238E27FC236}">
+                <a16:creationId xmlns:a16="http://schemas.microsoft.com/office/drawing/2014/main" id="{D78B2001-0582-AF5C-73E0-D0C52A58F0B5}"/>
+              </a:ext>
+            </a:extLst>
+          </p:cNvPr>
+          <p:cNvSpPr>
+            <a:spLocks noGrp="1"/>
+          </p:cNvSpPr>
+          <p:nvPr>
+            <p:ph type="sldNum" sz="quarter" idx="12"/>
+          </p:nvPr>
+        </p:nvSpPr>
+        <p:spPr/>
+        <p:txBody>
+          <a:bodyPr/>
+          <a:lstStyle/>
+          <a:p>
+            <a:fld id="{C5C4FCA5-2BB8-425C-AF71-2DCCD7874011}" type="slidenum">
+              <a:rPr lang="de-CH" smtClean="0"/>
+              <a:t>22</a:t>
+            </a:fld>
+            <a:endParaRPr lang="de-CH"/>
+          </a:p>
+        </p:txBody>
+      </p:sp>
+    </p:spTree>
+    <p:extLst>
+      <p:ext uri="{BB962C8B-B14F-4D97-AF65-F5344CB8AC3E}">
+        <p14:creationId xmlns:p14="http://schemas.microsoft.com/office/powerpoint/2010/main" val="3981414043"/>
+      </p:ext>
+    </p:extLst>
+  </p:cSld>
+  <p:clrMapOvr>
+    <a:masterClrMapping/>
+  </p:clrMapOvr>
+  <mc:AlternateContent xmlns:mc="http://schemas.openxmlformats.org/markup-compatibility/2006" xmlns:p14="http://schemas.microsoft.com/office/powerpoint/2010/main">
+    <mc:Choice Requires="p14">
+      <p:transition spd="slow" p14:dur="2000" advTm="33732"/>
+    </mc:Choice>
+    <mc:Fallback xmlns="">
+      <p:transition spd="slow" advTm="33732"/>
+    </mc:Fallback>
+  </mc:AlternateContent>
+</p:sld>
+</file>
+
+<file path=ppt/slides/slide23.xml><?xml version="1.0" encoding="utf-8"?>
+<p:sld xmlns:a="http://schemas.openxmlformats.org/drawingml/2006/main" xmlns:r="http://schemas.openxmlformats.org/officeDocument/2006/relationships" xmlns:p="http://schemas.openxmlformats.org/presentationml/2006/main">
+  <p:cSld>
+    <p:spTree>
+      <p:nvGrpSpPr>
+        <p:cNvPr id="1" name=""/>
+        <p:cNvGrpSpPr/>
+        <p:nvPr/>
+      </p:nvGrpSpPr>
+      <p:grpSpPr>
+        <a:xfrm>
+          <a:off x="0" y="0"/>
+          <a:ext cx="0" cy="0"/>
+          <a:chOff x="0" y="0"/>
+          <a:chExt cx="0" cy="0"/>
+        </a:xfrm>
+      </p:grpSpPr>
+      <p:sp>
+        <p:nvSpPr>
+          <p:cNvPr id="2" name="Titel 1">
+            <a:extLst>
+              <a:ext uri="{FF2B5EF4-FFF2-40B4-BE49-F238E27FC236}">
                 <a16:creationId xmlns:a16="http://schemas.microsoft.com/office/drawing/2014/main" id="{D484557B-1171-F5AA-820A-7AC30E7CB552}"/>
               </a:ext>
             </a:extLst>
@@ -10703,7 +12971,7 @@
 </p:sld>
 </file>
 
-<file path=ppt/slides/slide22.xml><?xml version="1.0" encoding="utf-8"?>
+<file path=ppt/slides/slide24.xml><?xml version="1.0" encoding="utf-8"?>
 <p:sld xmlns:a="http://schemas.openxmlformats.org/drawingml/2006/main" xmlns:r="http://schemas.openxmlformats.org/officeDocument/2006/relationships" xmlns:p="http://schemas.openxmlformats.org/presentationml/2006/main">
   <p:cSld>
     <p:spTree>
@@ -11616,11 +13884,11 @@
   <p:clrMapOvr>
     <a:masterClrMapping/>
   </p:clrMapOvr>
-  <mc:AlternateContent xmlns:mc="http://schemas.openxmlformats.org/markup-compatibility/2006">
-    <mc:Choice xmlns:p14="http://schemas.microsoft.com/office/powerpoint/2010/main" Requires="p14">
+  <mc:AlternateContent xmlns:mc="http://schemas.openxmlformats.org/markup-compatibility/2006" xmlns:p14="http://schemas.microsoft.com/office/powerpoint/2010/main">
+    <mc:Choice Requires="p14">
       <p:transition spd="slow" p14:dur="2000" advTm="33732"/>
     </mc:Choice>
-    <mc:Fallback>
+    <mc:Fallback xmlns="">
       <p:transition spd="slow" advTm="33732"/>
     </mc:Fallback>
   </mc:AlternateContent>
@@ -12638,11 +14906,11 @@
   <p:clrMapOvr>
     <a:masterClrMapping/>
   </p:clrMapOvr>
-  <mc:AlternateContent xmlns:mc="http://schemas.openxmlformats.org/markup-compatibility/2006">
-    <mc:Choice xmlns:p14="http://schemas.microsoft.com/office/powerpoint/2010/main" Requires="p14">
+  <mc:AlternateContent xmlns:mc="http://schemas.openxmlformats.org/markup-compatibility/2006" xmlns:p14="http://schemas.microsoft.com/office/powerpoint/2010/main">
+    <mc:Choice Requires="p14">
       <p:transition spd="slow" p14:dur="2000" advTm="33732"/>
     </mc:Choice>
-    <mc:Fallback>
+    <mc:Fallback xmlns="">
       <p:transition spd="slow" advTm="33732"/>
     </mc:Fallback>
   </mc:AlternateContent>
@@ -13005,11 +15273,11 @@
   <p:clrMapOvr>
     <a:masterClrMapping/>
   </p:clrMapOvr>
-  <mc:AlternateContent xmlns:mc="http://schemas.openxmlformats.org/markup-compatibility/2006">
-    <mc:Choice xmlns:p14="http://schemas.microsoft.com/office/powerpoint/2010/main" Requires="p14">
+  <mc:AlternateContent xmlns:mc="http://schemas.openxmlformats.org/markup-compatibility/2006" xmlns:p14="http://schemas.microsoft.com/office/powerpoint/2010/main">
+    <mc:Choice Requires="p14">
       <p:transition spd="slow" p14:dur="2000" advTm="33732"/>
     </mc:Choice>
-    <mc:Fallback>
+    <mc:Fallback xmlns="">
       <p:transition spd="slow" advTm="33732"/>
     </mc:Fallback>
   </mc:AlternateContent>
@@ -13578,12 +15846,6 @@
 </file>
 
 <file path=customXml/item2.xml><?xml version="1.0" encoding="utf-8"?>
-<p:properties xmlns:p="http://schemas.microsoft.com/office/2006/metadata/properties" xmlns:xsi="http://www.w3.org/2001/XMLSchema-instance" xmlns:pc="http://schemas.microsoft.com/office/infopath/2007/PartnerControls">
-  <documentManagement/>
-</p:properties>
-</file>
-
-<file path=customXml/item3.xml><?xml version="1.0" encoding="utf-8"?>
 <ct:contentTypeSchema xmlns:ct="http://schemas.microsoft.com/office/2006/metadata/contentType" xmlns:ma="http://schemas.microsoft.com/office/2006/metadata/properties/metaAttributes" ct:_="" ma:_="" ma:contentTypeName="Dokument" ma:contentTypeID="0x0101008D8A91355A09ED49A2CD37913ECCBD8F" ma:contentTypeVersion="10" ma:contentTypeDescription="Ein neues Dokument erstellen." ma:contentTypeScope="" ma:versionID="27876bd0c978c72af55f11f00f197b4d">
   <xsd:schema xmlns:xsd="http://www.w3.org/2001/XMLSchema" xmlns:xs="http://www.w3.org/2001/XMLSchema" xmlns:p="http://schemas.microsoft.com/office/2006/metadata/properties" xmlns:ns2="9c339813-10bc-447b-932a-1b9d7d5cf15f" targetNamespace="http://schemas.microsoft.com/office/2006/metadata/properties" ma:root="true" ma:fieldsID="f004244127d678be64938a86076237cc" ns2:_="">
     <xsd:import namespace="9c339813-10bc-447b-932a-1b9d7d5cf15f"/>
@@ -13767,6 +16029,12 @@
 </ct:contentTypeSchema>
 </file>
 
+<file path=customXml/item3.xml><?xml version="1.0" encoding="utf-8"?>
+<p:properties xmlns:p="http://schemas.microsoft.com/office/2006/metadata/properties" xmlns:xsi="http://www.w3.org/2001/XMLSchema-instance" xmlns:pc="http://schemas.microsoft.com/office/infopath/2007/PartnerControls">
+  <documentManagement/>
+</p:properties>
+</file>
+
 <file path=customXml/itemProps1.xml><?xml version="1.0" encoding="utf-8"?>
 <ds:datastoreItem xmlns:ds="http://schemas.openxmlformats.org/officeDocument/2006/customXml" ds:itemID="{BDCB3EC0-5DCA-48F2-BD01-54E02CFCF6AA}">
   <ds:schemaRefs>
@@ -13776,22 +16044,6 @@
 </file>
 
 <file path=customXml/itemProps2.xml><?xml version="1.0" encoding="utf-8"?>
-<ds:datastoreItem xmlns:ds="http://schemas.openxmlformats.org/officeDocument/2006/customXml" ds:itemID="{07CCB9E7-C57A-4E96-958B-42A4B20CD0B8}">
-  <ds:schemaRefs>
-    <ds:schemaRef ds:uri="http://purl.org/dc/dcmitype/"/>
-    <ds:schemaRef ds:uri="http://schemas.microsoft.com/office/infopath/2007/PartnerControls"/>
-    <ds:schemaRef ds:uri="9c339813-10bc-447b-932a-1b9d7d5cf15f"/>
-    <ds:schemaRef ds:uri="http://purl.org/dc/elements/1.1/"/>
-    <ds:schemaRef ds:uri="http://schemas.microsoft.com/office/2006/documentManagement/types"/>
-    <ds:schemaRef ds:uri="http://purl.org/dc/terms/"/>
-    <ds:schemaRef ds:uri="http://schemas.openxmlformats.org/package/2006/metadata/core-properties"/>
-    <ds:schemaRef ds:uri="http://schemas.microsoft.com/office/2006/metadata/properties"/>
-    <ds:schemaRef ds:uri="http://www.w3.org/XML/1998/namespace"/>
-  </ds:schemaRefs>
-</ds:datastoreItem>
-</file>
-
-<file path=customXml/itemProps3.xml><?xml version="1.0" encoding="utf-8"?>
 <ds:datastoreItem xmlns:ds="http://schemas.openxmlformats.org/officeDocument/2006/customXml" ds:itemID="{45A0E1BB-5BB6-4EAB-9A73-FD942EA25190}">
   <ds:schemaRefs>
     <ds:schemaRef ds:uri="http://schemas.microsoft.com/office/2006/metadata/contentType"/>
@@ -13807,4 +16059,20 @@
     <ds:schemaRef ds:uri="http://schemas.microsoft.com/internal/obd"/>
   </ds:schemaRefs>
 </ds:datastoreItem>
+</file>
+
+<file path=customXml/itemProps3.xml><?xml version="1.0" encoding="utf-8"?>
+<ds:datastoreItem xmlns:ds="http://schemas.openxmlformats.org/officeDocument/2006/customXml" ds:itemID="{07CCB9E7-C57A-4E96-958B-42A4B20CD0B8}">
+  <ds:schemaRefs>
+    <ds:schemaRef ds:uri="http://purl.org/dc/dcmitype/"/>
+    <ds:schemaRef ds:uri="http://schemas.microsoft.com/office/infopath/2007/PartnerControls"/>
+    <ds:schemaRef ds:uri="9c339813-10bc-447b-932a-1b9d7d5cf15f"/>
+    <ds:schemaRef ds:uri="http://purl.org/dc/elements/1.1/"/>
+    <ds:schemaRef ds:uri="http://schemas.microsoft.com/office/2006/documentManagement/types"/>
+    <ds:schemaRef ds:uri="http://purl.org/dc/terms/"/>
+    <ds:schemaRef ds:uri="http://schemas.openxmlformats.org/package/2006/metadata/core-properties"/>
+    <ds:schemaRef ds:uri="http://schemas.microsoft.com/office/2006/metadata/properties"/>
+    <ds:schemaRef ds:uri="http://www.w3.org/XML/1998/namespace"/>
+  </ds:schemaRefs>
+</ds:datastoreItem>
 </file>
--- a/Präsentation/RecipeManager_Präsentation.pptx
+++ b/Präsentation/RecipeManager_Präsentation.pptx
@@ -7033,7 +7033,40 @@
             <a:endParaRPr lang="de-CH" dirty="0"/>
           </a:p>
           <a:p>
+            <a:r>
+              <a:rPr lang="de-CH" dirty="0"/>
+              <a:t>Primäre Stakeholder: Hobby-Koch und Administrator</a:t>
+            </a:r>
+          </a:p>
+          <a:p>
+            <a:r>
+              <a:rPr lang="de-CH" dirty="0"/>
+              <a:t>Daneben haben aber auch Entwickler und Betreiber Einfluss,</a:t>
+            </a:r>
+          </a:p>
+          <a:p>
+            <a:r>
+              <a:rPr lang="de-CH" dirty="0"/>
+              <a:t>sowie die Digitalen Rezeptquellen für den automatischen Import.</a:t>
+            </a:r>
+          </a:p>
+          <a:p>
             <a:endParaRPr lang="de-CH" dirty="0"/>
+          </a:p>
+          <a:p>
+            <a:r>
+              <a:rPr lang="de-CH" dirty="0"/>
+              <a:t>Für den Betrieb hat auch die Infrastruktur bzw. der Host-Server einen Einfluss auf unsere Applikation.</a:t>
+            </a:r>
+          </a:p>
+          <a:p>
+            <a:endParaRPr lang="de-CH" dirty="0"/>
+          </a:p>
+          <a:p>
+            <a:r>
+              <a:rPr lang="de-CH" dirty="0"/>
+              <a:t>Aus diesen Einflüssen konnten wir im Anschluss die Nicht-Funktionalen Anforderungen formulieren.</a:t>
+            </a:r>
           </a:p>
         </p:txBody>
       </p:sp>
@@ -7126,7 +7159,52 @@
             <a:endParaRPr lang="de-CH" dirty="0"/>
           </a:p>
           <a:p>
+            <a:r>
+              <a:rPr lang="de-CH" dirty="0"/>
+              <a:t>Aus den gesetzten Zielen aus dem Projektantrag leiteten wir die funktionalen Anforderungen ab.</a:t>
+            </a:r>
+          </a:p>
+          <a:p>
             <a:endParaRPr lang="de-CH" dirty="0"/>
+          </a:p>
+          <a:p>
+            <a:r>
+              <a:rPr lang="de-CH" dirty="0"/>
+              <a:t>Daraus konnten wir anschliessend das </a:t>
+            </a:r>
+            <a:r>
+              <a:rPr lang="de-CH" dirty="0" err="1"/>
+              <a:t>UseCase</a:t>
+            </a:r>
+            <a:r>
+              <a:rPr lang="de-CH" dirty="0"/>
+              <a:t>-Diagramm erstellen, sowie die </a:t>
+            </a:r>
+            <a:r>
+              <a:rPr lang="de-CH" dirty="0" err="1"/>
+              <a:t>UseCase</a:t>
+            </a:r>
+            <a:r>
+              <a:rPr lang="de-CH" dirty="0"/>
+              <a:t>-Beschreibungen ausformulieren.</a:t>
+            </a:r>
+          </a:p>
+          <a:p>
+            <a:endParaRPr lang="de-CH" dirty="0"/>
+          </a:p>
+          <a:p>
+            <a:r>
+              <a:rPr lang="de-CH" dirty="0"/>
+              <a:t>Nach deren Erstellung war es uns möglich, die wichtigsten </a:t>
+            </a:r>
+            <a:r>
+              <a:rPr lang="de-CH" dirty="0" err="1"/>
+              <a:t>LoFi</a:t>
+            </a:r>
+            <a:r>
+              <a:rPr lang="de-CH" dirty="0"/>
+              <a:t>-Wireframes zu erstellen, um eine erste Grundlage für die Umsetzung zu schaffen.</a:t>
+            </a:r>
           </a:p>
         </p:txBody>
       </p:sp>
@@ -7219,7 +7297,16 @@
             <a:endParaRPr lang="de-CH" dirty="0"/>
           </a:p>
           <a:p>
-            <a:endParaRPr lang="de-CH" dirty="0"/>
+            <a:r>
+              <a:rPr lang="de-CH" dirty="0"/>
+              <a:t>Auf dem Weg zur Evaluierung der Architektur, haben wir uns die Grobstruktur unserer Applikation aufgezeichnet und darin unsere wichtigsten Abläufe eingezeichnet.</a:t>
+            </a:r>
+          </a:p>
+          <a:p>
+            <a:r>
+              <a:rPr lang="de-CH" dirty="0"/>
+              <a:t>Dabei sind die wichtigsten Komponenten wie das GUI, die Rezepte- und Zutatenverwaltung und die Zutatenverwaltung, sowie die jeweilige Verwendung der DB zu erkennen.</a:t>
+            </a:r>
           </a:p>
         </p:txBody>
       </p:sp>
@@ -7314,24 +7401,108 @@
           <a:p>
             <a:r>
               <a:rPr lang="de-CH" dirty="0"/>
-              <a:t>Verknüpfung Domain </a:t>
-            </a:r>
+              <a:t>Ebenso wichtig für die Architektur, war die Erstellung des Domain Model.</a:t>
+            </a:r>
+          </a:p>
+          <a:p>
+            <a:r>
+              <a:rPr lang="de-CH" dirty="0"/>
+              <a:t>Darin sind folgende Komponenten vorhanden:</a:t>
+            </a:r>
+          </a:p>
+          <a:p>
+            <a:pPr marL="171450" indent="-171450">
+              <a:buFontTx/>
+              <a:buChar char="-"/>
+            </a:pPr>
+            <a:r>
+              <a:rPr lang="de-CH" dirty="0"/>
+              <a:t>Recipe</a:t>
+            </a:r>
+          </a:p>
+          <a:p>
+            <a:pPr marL="171450" indent="-171450">
+              <a:buFontTx/>
+              <a:buChar char="-"/>
+            </a:pPr>
             <a:r>
               <a:rPr lang="de-CH" dirty="0" err="1"/>
-              <a:t>AuthenticationServer</a:t>
-            </a:r>
-            <a:r>
-              <a:rPr lang="de-CH" dirty="0"/>
-              <a:t> &lt;-&gt; Domain Backend ausstehend</a:t>
-            </a:r>
-          </a:p>
-          <a:p>
+              <a:t>Step</a:t>
+            </a:r>
             <a:endParaRPr lang="de-CH" dirty="0"/>
           </a:p>
           <a:p>
-            <a:r>
-              <a:rPr lang="de-CH" dirty="0"/>
-              <a:t>Reflexion: Domain als Minimalvariante möglichst früh im </a:t>
+            <a:pPr marL="171450" indent="-171450">
+              <a:buFontTx/>
+              <a:buChar char="-"/>
+            </a:pPr>
+            <a:r>
+              <a:rPr lang="de-CH" dirty="0" err="1"/>
+              <a:t>IngredientComponent</a:t>
+            </a:r>
+            <a:r>
+              <a:rPr lang="de-CH" dirty="0"/>
+              <a:t> / </a:t>
+            </a:r>
+            <a:r>
+              <a:rPr lang="de-CH" dirty="0" err="1"/>
+              <a:t>Ingredient</a:t>
+            </a:r>
+            <a:endParaRPr lang="de-CH" dirty="0"/>
+          </a:p>
+          <a:p>
+            <a:pPr marL="171450" indent="-171450">
+              <a:buFontTx/>
+              <a:buChar char="-"/>
+            </a:pPr>
+            <a:r>
+              <a:rPr lang="de-CH" dirty="0" err="1"/>
+              <a:t>ScheduledRecipe</a:t>
+            </a:r>
+            <a:endParaRPr lang="de-CH" dirty="0"/>
+          </a:p>
+          <a:p>
+            <a:pPr marL="171450" indent="-171450">
+              <a:buFontTx/>
+              <a:buChar char="-"/>
+            </a:pPr>
+            <a:r>
+              <a:rPr lang="de-CH" dirty="0"/>
+              <a:t>User inkl. Claim</a:t>
+            </a:r>
+          </a:p>
+          <a:p>
+            <a:pPr marL="0" indent="0">
+              <a:buFontTx/>
+              <a:buNone/>
+            </a:pPr>
+            <a:endParaRPr lang="de-CH" dirty="0"/>
+          </a:p>
+          <a:p>
+            <a:pPr marL="0" indent="0">
+              <a:buFontTx/>
+              <a:buNone/>
+            </a:pPr>
+            <a:r>
+              <a:rPr lang="de-CH" dirty="0"/>
+              <a:t>Die Verbindung vom Authentication Server zu unserem Backend wurde noch nicht umgesetzt.</a:t>
+            </a:r>
+          </a:p>
+          <a:p>
+            <a:pPr marL="0" indent="0">
+              <a:buFontTx/>
+              <a:buNone/>
+            </a:pPr>
+            <a:endParaRPr lang="de-CH" dirty="0"/>
+          </a:p>
+          <a:p>
+            <a:pPr marL="0" indent="0">
+              <a:buFontTx/>
+              <a:buNone/>
+            </a:pPr>
+            <a:r>
+              <a:rPr lang="de-CH" dirty="0"/>
+              <a:t>Rückblickend würden wir die komplette Domain als Minimalvariante möglichst früh bereits im </a:t>
             </a:r>
             <a:r>
               <a:rPr lang="de-CH" dirty="0" err="1"/>
@@ -7339,7 +7510,7 @@
             </a:r>
             <a:r>
               <a:rPr lang="de-CH" dirty="0"/>
-              <a:t> umsetzen</a:t>
+              <a:t> umsetzen.</a:t>
             </a:r>
           </a:p>
         </p:txBody>
@@ -7433,7 +7604,152 @@
             <a:endParaRPr lang="de-CH" dirty="0"/>
           </a:p>
           <a:p>
+            <a:r>
+              <a:rPr lang="de-CH" dirty="0"/>
+              <a:t>Unser System besteht aus 4 Tiers, wobei diese wie folgt aufgeteilt sind:</a:t>
+            </a:r>
+          </a:p>
+          <a:p>
+            <a:pPr marL="171450" indent="-171450">
+              <a:buFontTx/>
+              <a:buChar char="-"/>
+            </a:pPr>
+            <a:r>
+              <a:rPr lang="de-CH" dirty="0"/>
+              <a:t>Frontend und Backend-</a:t>
+            </a:r>
+            <a:r>
+              <a:rPr lang="de-CH" dirty="0" err="1"/>
+              <a:t>For</a:t>
+            </a:r>
+            <a:r>
+              <a:rPr lang="de-CH" dirty="0"/>
+              <a:t>-Frontend-Tier, Umsetzung mit </a:t>
+            </a:r>
+            <a:r>
+              <a:rPr lang="de-CH" dirty="0" err="1"/>
+              <a:t>React</a:t>
+            </a:r>
+            <a:r>
+              <a:rPr lang="de-CH" dirty="0"/>
+              <a:t> und </a:t>
+            </a:r>
+            <a:r>
+              <a:rPr lang="de-CH" dirty="0" err="1"/>
+              <a:t>ASP.Net</a:t>
+            </a:r>
             <a:endParaRPr lang="de-CH" dirty="0"/>
+          </a:p>
+          <a:p>
+            <a:pPr marL="171450" indent="-171450">
+              <a:buFontTx/>
+              <a:buChar char="-"/>
+            </a:pPr>
+            <a:r>
+              <a:rPr lang="de-CH" dirty="0"/>
+              <a:t>Backend-Tier mit einer .NET </a:t>
+            </a:r>
+            <a:r>
+              <a:rPr lang="de-CH" dirty="0" err="1"/>
+              <a:t>WebAPI</a:t>
+            </a:r>
+            <a:endParaRPr lang="de-CH" dirty="0"/>
+          </a:p>
+          <a:p>
+            <a:pPr marL="171450" indent="-171450">
+              <a:buFontTx/>
+              <a:buChar char="-"/>
+            </a:pPr>
+            <a:r>
+              <a:rPr lang="de-CH" dirty="0"/>
+              <a:t>Database-Tier mit einer Maria DB</a:t>
+            </a:r>
+          </a:p>
+          <a:p>
+            <a:pPr marL="171450" indent="-171450">
+              <a:buFontTx/>
+              <a:buChar char="-"/>
+            </a:pPr>
+            <a:r>
+              <a:rPr lang="de-CH" dirty="0"/>
+              <a:t>Authentication-Tier ebenfalls als .NET </a:t>
+            </a:r>
+            <a:r>
+              <a:rPr lang="de-CH" dirty="0" err="1"/>
+              <a:t>WebAPI</a:t>
+            </a:r>
+            <a:endParaRPr lang="de-CH" dirty="0"/>
+          </a:p>
+          <a:p>
+            <a:pPr marL="0" indent="0">
+              <a:buFontTx/>
+              <a:buNone/>
+            </a:pPr>
+            <a:endParaRPr lang="de-CH" dirty="0"/>
+          </a:p>
+          <a:p>
+            <a:pPr marL="0" indent="0">
+              <a:buFontTx/>
+              <a:buNone/>
+            </a:pPr>
+            <a:r>
+              <a:rPr lang="de-CH" dirty="0"/>
+              <a:t>Jeder Tier wird in einem eigenen Linux-Docker-Container betrieben.</a:t>
+            </a:r>
+          </a:p>
+          <a:p>
+            <a:pPr marL="0" indent="0">
+              <a:buFontTx/>
+              <a:buNone/>
+            </a:pPr>
+            <a:endParaRPr lang="de-CH" dirty="0"/>
+          </a:p>
+          <a:p>
+            <a:pPr marL="0" indent="0">
+              <a:buFontTx/>
+              <a:buNone/>
+            </a:pPr>
+            <a:r>
+              <a:rPr lang="de-CH" dirty="0"/>
+              <a:t>Im Kern vom Backend ist die hexagonale, grundlegende Architektur vorhanden. Die damit verbundenen Komponenten haben jeweils eine Abhängigkeit aufs Backend und sind über Adapter eingebunden.</a:t>
+            </a:r>
+          </a:p>
+          <a:p>
+            <a:pPr marL="0" indent="0">
+              <a:buFontTx/>
+              <a:buNone/>
+            </a:pPr>
+            <a:r>
+              <a:rPr lang="de-CH" dirty="0"/>
+              <a:t>Der Vorteil liegt dabei in der Austauschbarkeit der umgebenden Komponenten, sowie der losen Kopplung.</a:t>
+            </a:r>
+          </a:p>
+          <a:p>
+            <a:pPr marL="0" indent="0">
+              <a:buFontTx/>
+              <a:buNone/>
+            </a:pPr>
+            <a:r>
+              <a:rPr lang="de-CH" dirty="0"/>
+              <a:t>Die Authentifizierung wird als Middleware in die Kommunikation zwischen Front- und Backend eingefügt.</a:t>
+            </a:r>
+          </a:p>
+          <a:p>
+            <a:pPr marL="0" indent="0">
+              <a:buFontTx/>
+              <a:buNone/>
+            </a:pPr>
+            <a:endParaRPr lang="de-CH" dirty="0"/>
+          </a:p>
+          <a:p>
+            <a:pPr marL="0" indent="0">
+              <a:buFontTx/>
+              <a:buNone/>
+            </a:pPr>
+            <a:r>
+              <a:rPr lang="de-CH" dirty="0"/>
+              <a:t>Dieser Aufbau hat sich bei den Erweiterungen und der Testbarkeit sehr bewährt.</a:t>
+            </a:r>
           </a:p>
         </p:txBody>
       </p:sp>
@@ -7526,7 +7842,38 @@
             <a:endParaRPr lang="de-CH" dirty="0"/>
           </a:p>
           <a:p>
-            <a:endParaRPr lang="de-CH" dirty="0"/>
+            <a:r>
+              <a:rPr lang="de-CH" dirty="0"/>
+              <a:t>Das Backend selbst ist intern in folgende Schichten aufgeteilt.</a:t>
+            </a:r>
+          </a:p>
+          <a:p>
+            <a:r>
+              <a:rPr lang="de-CH" dirty="0"/>
+              <a:t>Angefangen bei den Controllern für die </a:t>
+            </a:r>
+            <a:r>
+              <a:rPr lang="de-CH" dirty="0" err="1"/>
+              <a:t>WebAPI</a:t>
+            </a:r>
+            <a:r>
+              <a:rPr lang="de-CH" dirty="0"/>
+              <a:t>, welche jeweils auf die entsprechenden Services zugreifen können.</a:t>
+            </a:r>
+          </a:p>
+          <a:p>
+            <a:r>
+              <a:rPr lang="de-CH" dirty="0"/>
+              <a:t>Diese wiederum greifen auf den Infrastruktur-Layer oder die </a:t>
+            </a:r>
+            <a:r>
+              <a:rPr lang="de-CH" dirty="0" err="1"/>
+              <a:t>Entities</a:t>
+            </a:r>
+            <a:r>
+              <a:rPr lang="de-CH" dirty="0"/>
+              <a:t> der Domain zu.</a:t>
+            </a:r>
           </a:p>
         </p:txBody>
       </p:sp>
@@ -9528,12 +9875,6 @@
             <a:r>
               <a:rPr lang="de-CH" dirty="0"/>
               <a:t>Einleitung Fragestellung (Verteilte Rezepte)</a:t>
-            </a:r>
-          </a:p>
-          <a:p>
-            <a:r>
-              <a:rPr lang="de-CH" dirty="0"/>
-              <a:t>Danach Produkt/Projekt</a:t>
             </a:r>
           </a:p>
           <a:p>
@@ -25568,6 +25909,15 @@
 </file>
 
 <file path=customXml/item1.xml><?xml version="1.0" encoding="utf-8"?>
+<?mso-contentType ?>
+<FormTemplates xmlns="http://schemas.microsoft.com/sharepoint/v3/contenttype/forms">
+  <Display>DocumentLibraryForm</Display>
+  <Edit>DocumentLibraryForm</Edit>
+  <New>DocumentLibraryForm</New>
+</FormTemplates>
+</file>
+
+<file path=customXml/item2.xml><?xml version="1.0" encoding="utf-8"?>
 <ct:contentTypeSchema xmlns:ct="http://schemas.microsoft.com/office/2006/metadata/contentType" xmlns:ma="http://schemas.microsoft.com/office/2006/metadata/properties/metaAttributes" ct:_="" ma:_="" ma:contentTypeName="Dokument" ma:contentTypeID="0x0101008D8A91355A09ED49A2CD37913ECCBD8F" ma:contentTypeVersion="10" ma:contentTypeDescription="Ein neues Dokument erstellen." ma:contentTypeScope="" ma:versionID="27876bd0c978c72af55f11f00f197b4d">
   <xsd:schema xmlns:xsd="http://www.w3.org/2001/XMLSchema" xmlns:xs="http://www.w3.org/2001/XMLSchema" xmlns:p="http://schemas.microsoft.com/office/2006/metadata/properties" xmlns:ns2="9c339813-10bc-447b-932a-1b9d7d5cf15f" targetNamespace="http://schemas.microsoft.com/office/2006/metadata/properties" ma:root="true" ma:fieldsID="f004244127d678be64938a86076237cc" ns2:_="">
     <xsd:import namespace="9c339813-10bc-447b-932a-1b9d7d5cf15f"/>
@@ -25751,15 +26101,6 @@
 </ct:contentTypeSchema>
 </file>
 
-<file path=customXml/item2.xml><?xml version="1.0" encoding="utf-8"?>
-<?mso-contentType ?>
-<FormTemplates xmlns="http://schemas.microsoft.com/sharepoint/v3/contenttype/forms">
-  <Display>DocumentLibraryForm</Display>
-  <Edit>DocumentLibraryForm</Edit>
-  <New>DocumentLibraryForm</New>
-</FormTemplates>
-</file>
-
 <file path=customXml/item3.xml><?xml version="1.0" encoding="utf-8"?>
 <p:properties xmlns:p="http://schemas.microsoft.com/office/2006/metadata/properties" xmlns:xsi="http://www.w3.org/2001/XMLSchema-instance" xmlns:pc="http://schemas.microsoft.com/office/infopath/2007/PartnerControls">
   <documentManagement/>
@@ -25767,6 +26108,14 @@
 </file>
 
 <file path=customXml/itemProps1.xml><?xml version="1.0" encoding="utf-8"?>
+<ds:datastoreItem xmlns:ds="http://schemas.openxmlformats.org/officeDocument/2006/customXml" ds:itemID="{BDCB3EC0-5DCA-48F2-BD01-54E02CFCF6AA}">
+  <ds:schemaRefs>
+    <ds:schemaRef ds:uri="http://schemas.microsoft.com/sharepoint/v3/contenttype/forms"/>
+  </ds:schemaRefs>
+</ds:datastoreItem>
+</file>
+
+<file path=customXml/itemProps2.xml><?xml version="1.0" encoding="utf-8"?>
 <ds:datastoreItem xmlns:ds="http://schemas.openxmlformats.org/officeDocument/2006/customXml" ds:itemID="{45A0E1BB-5BB6-4EAB-9A73-FD942EA25190}">
   <ds:schemaRefs>
     <ds:schemaRef ds:uri="http://schemas.microsoft.com/office/2006/metadata/contentType"/>
@@ -25780,14 +26129,6 @@
     <ds:schemaRef ds:uri="http://purl.org/dc/elements/1.1/"/>
     <ds:schemaRef ds:uri="http://purl.org/dc/terms/"/>
     <ds:schemaRef ds:uri="http://schemas.microsoft.com/internal/obd"/>
-  </ds:schemaRefs>
-</ds:datastoreItem>
-</file>
-
-<file path=customXml/itemProps2.xml><?xml version="1.0" encoding="utf-8"?>
-<ds:datastoreItem xmlns:ds="http://schemas.openxmlformats.org/officeDocument/2006/customXml" ds:itemID="{BDCB3EC0-5DCA-48F2-BD01-54E02CFCF6AA}">
-  <ds:schemaRefs>
-    <ds:schemaRef ds:uri="http://schemas.microsoft.com/sharepoint/v3/contenttype/forms"/>
   </ds:schemaRefs>
 </ds:datastoreItem>
 </file>

--- a/Präsentation/RecipeManager_Präsentation.pptx
+++ b/Präsentation/RecipeManager_Präsentation.pptx
@@ -6604,7 +6604,7 @@
           <a:p>
             <a:fld id="{8D1B6167-BAD2-491F-A10B-7E1687CDD113}" type="datetimeFigureOut">
               <a:rPr lang="de-CH" smtClean="0"/>
-              <a:t>01.10.2022</a:t>
+              <a:t>02.10.2022</a:t>
             </a:fld>
             <a:endParaRPr lang="de-CH"/>
           </a:p>
@@ -7963,51 +7963,151 @@
             </a:r>
           </a:p>
           <a:p>
+            <a:pPr marL="0" marR="0" lvl="0" indent="0" algn="l" defTabSz="914400" rtl="0" eaLnBrk="1" fontAlgn="auto" latinLnBrk="0" hangingPunct="1">
+              <a:lnSpc>
+                <a:spcPct val="100000"/>
+              </a:lnSpc>
+              <a:spcBef>
+                <a:spcPts val="0"/>
+              </a:spcBef>
+              <a:spcAft>
+                <a:spcPts val="0"/>
+              </a:spcAft>
+              <a:buClrTx/>
+              <a:buSzTx/>
+              <a:buFontTx/>
+              <a:buNone/>
+              <a:tabLst/>
+              <a:defRPr/>
+            </a:pPr>
             <a:endParaRPr lang="de-CH" dirty="0"/>
           </a:p>
           <a:p>
-            <a:r>
-              <a:rPr lang="de-CH" dirty="0"/>
-              <a:t>VM erwähnen: Ubuntu Server</a:t>
-            </a:r>
-          </a:p>
-          <a:p>
-            <a:r>
-              <a:rPr lang="de-CH" dirty="0"/>
-              <a:t>Inkl. </a:t>
-            </a:r>
-            <a:r>
-              <a:rPr lang="de-CH" dirty="0" err="1"/>
-              <a:t>Webmin</a:t>
-            </a:r>
-            <a:r>
-              <a:rPr lang="de-CH" dirty="0"/>
-              <a:t> zur Administration</a:t>
-            </a:r>
-          </a:p>
-          <a:p>
-            <a:endParaRPr lang="de-CH" dirty="0"/>
-          </a:p>
-          <a:p>
-            <a:r>
-              <a:rPr lang="de-CH" dirty="0"/>
-              <a:t>Apache Webserver als Reverse </a:t>
+            <a:pPr marL="0" marR="0" lvl="0" indent="0" algn="l" defTabSz="914400" rtl="0" eaLnBrk="1" fontAlgn="auto" latinLnBrk="0" hangingPunct="1">
+              <a:lnSpc>
+                <a:spcPct val="100000"/>
+              </a:lnSpc>
+              <a:spcBef>
+                <a:spcPts val="0"/>
+              </a:spcBef>
+              <a:spcAft>
+                <a:spcPts val="0"/>
+              </a:spcAft>
+              <a:buClrTx/>
+              <a:buSzTx/>
+              <a:buFontTx/>
+              <a:buNone/>
+              <a:tabLst/>
+              <a:defRPr/>
+            </a:pPr>
+            <a:r>
+              <a:rPr lang="de-CH" dirty="0"/>
+              <a:t>Zeigt Produktionsumgebung</a:t>
+            </a:r>
+          </a:p>
+          <a:p>
+            <a:pPr marL="0" marR="0" lvl="0" indent="0" algn="l" defTabSz="914400" rtl="0" eaLnBrk="1" fontAlgn="auto" latinLnBrk="0" hangingPunct="1">
+              <a:lnSpc>
+                <a:spcPct val="100000"/>
+              </a:lnSpc>
+              <a:spcBef>
+                <a:spcPts val="0"/>
+              </a:spcBef>
+              <a:spcAft>
+                <a:spcPts val="0"/>
+              </a:spcAft>
+              <a:buClrTx/>
+              <a:buSzTx/>
+              <a:buFontTx/>
+              <a:buNone/>
+              <a:tabLst/>
+              <a:defRPr/>
+            </a:pPr>
+            <a:r>
+              <a:rPr lang="de-CH" dirty="0"/>
+              <a:t>Client Browser</a:t>
+            </a:r>
+          </a:p>
+          <a:p>
+            <a:pPr marL="0" marR="0" lvl="0" indent="0" algn="l" defTabSz="914400" rtl="0" eaLnBrk="1" fontAlgn="auto" latinLnBrk="0" hangingPunct="1">
+              <a:lnSpc>
+                <a:spcPct val="100000"/>
+              </a:lnSpc>
+              <a:spcBef>
+                <a:spcPts val="0"/>
+              </a:spcBef>
+              <a:spcAft>
+                <a:spcPts val="0"/>
+              </a:spcAft>
+              <a:buClrTx/>
+              <a:buSzTx/>
+              <a:buFontTx/>
+              <a:buNone/>
+              <a:tabLst/>
+              <a:defRPr/>
+            </a:pPr>
+            <a:r>
+              <a:rPr lang="de-CH" dirty="0"/>
+              <a:t>Firewalls</a:t>
+            </a:r>
+          </a:p>
+          <a:p>
+            <a:pPr marL="0" marR="0" lvl="0" indent="0" algn="l" defTabSz="914400" rtl="0" eaLnBrk="1" fontAlgn="auto" latinLnBrk="0" hangingPunct="1">
+              <a:lnSpc>
+                <a:spcPct val="100000"/>
+              </a:lnSpc>
+              <a:spcBef>
+                <a:spcPts val="0"/>
+              </a:spcBef>
+              <a:spcAft>
+                <a:spcPts val="0"/>
+              </a:spcAft>
+              <a:buClrTx/>
+              <a:buSzTx/>
+              <a:buFontTx/>
+              <a:buNone/>
+              <a:tabLst/>
+              <a:defRPr/>
+            </a:pPr>
+            <a:r>
+              <a:rPr lang="de-CH" dirty="0"/>
+              <a:t>Applikation zwischen Systemen portierbar</a:t>
+            </a:r>
+          </a:p>
+          <a:p>
+            <a:r>
+              <a:rPr lang="de-CH" dirty="0"/>
+              <a:t>VM mit Ubuntu Server mit Apache Webserver als Reverse </a:t>
             </a:r>
             <a:r>
               <a:rPr lang="de-CH" dirty="0" err="1"/>
               <a:t>proxy</a:t>
             </a:r>
-            <a:r>
-              <a:rPr lang="de-CH" dirty="0"/>
-              <a:t> (bis hier https)</a:t>
-            </a:r>
+            <a:endParaRPr lang="de-CH" dirty="0"/>
+          </a:p>
+          <a:p>
+            <a:r>
+              <a:rPr lang="de-CH" dirty="0"/>
+              <a:t>Top down eigene erklären</a:t>
+            </a:r>
+          </a:p>
+          <a:p>
+            <a:r>
+              <a:rPr lang="de-CH" dirty="0"/>
+              <a:t>DB nicht erreichbar</a:t>
+            </a:r>
+          </a:p>
+          <a:p>
+            <a:endParaRPr lang="de-CH" dirty="0">
+              <a:sym typeface="Wingdings" panose="05000000000000000000" pitchFamily="2" charset="2"/>
+            </a:endParaRPr>
           </a:p>
           <a:p>
             <a:r>
               <a:rPr lang="de-CH" dirty="0">
                 <a:sym typeface="Wingdings" panose="05000000000000000000" pitchFamily="2" charset="2"/>
               </a:rPr>
-              <a:t> Reflexion: Künftig auch in einem Container verwenden</a:t>
+              <a:t> Rückblickend: Reverse Proxy in Container</a:t>
             </a:r>
           </a:p>
           <a:p>
@@ -8015,9 +8115,29 @@
               <a:rPr lang="de-CH" dirty="0">
                 <a:sym typeface="Wingdings" panose="05000000000000000000" pitchFamily="2" charset="2"/>
               </a:rPr>
-              <a:t>Grund: alles beieinander und auch in Entwicklungsumgebung möglich</a:t>
+              <a:t>Grund: alles beieinander, eigenes Netzwerk und auch in Entwicklungsumgebung möglich</a:t>
             </a:r>
             <a:endParaRPr lang="de-CH" dirty="0"/>
+          </a:p>
+          <a:p>
+            <a:r>
+              <a:rPr lang="de-CH" dirty="0">
+                <a:sym typeface="Wingdings" panose="05000000000000000000" pitchFamily="2" charset="2"/>
+              </a:rPr>
+              <a:t></a:t>
+            </a:r>
+            <a:r>
+              <a:rPr lang="de-CH" dirty="0"/>
+              <a:t> </a:t>
+            </a:r>
+            <a:r>
+              <a:rPr lang="de-CH" dirty="0" err="1"/>
+              <a:t>Webmin</a:t>
+            </a:r>
+            <a:r>
+              <a:rPr lang="de-CH" dirty="0"/>
+              <a:t> zur Administration war gut</a:t>
+            </a:r>
           </a:p>
         </p:txBody>
       </p:sp>
@@ -8207,7 +8327,177 @@
             <a:endParaRPr lang="de-CH" dirty="0"/>
           </a:p>
           <a:p>
+            <a:r>
+              <a:rPr lang="de-CH" dirty="0"/>
+              <a:t>Szenario: Benutzer</a:t>
+            </a:r>
+          </a:p>
+          <a:p>
+            <a:r>
+              <a:rPr lang="de-CH" dirty="0"/>
+              <a:t>Login (</a:t>
+            </a:r>
+            <a:r>
+              <a:rPr lang="de-CH" dirty="0" err="1"/>
+              <a:t>OpenID</a:t>
+            </a:r>
+            <a:r>
+              <a:rPr lang="de-CH" dirty="0"/>
+              <a:t> Connect) beim </a:t>
+            </a:r>
+            <a:r>
+              <a:rPr lang="de-CH" dirty="0" err="1"/>
+              <a:t>IdentityServer</a:t>
+            </a:r>
             <a:endParaRPr lang="de-CH" dirty="0"/>
+          </a:p>
+          <a:p>
+            <a:r>
+              <a:rPr lang="de-CH" dirty="0"/>
+              <a:t>BFF ergänzt Client </a:t>
+            </a:r>
+            <a:r>
+              <a:rPr lang="de-CH" dirty="0" err="1"/>
+              <a:t>Credentials</a:t>
+            </a:r>
+            <a:r>
+              <a:rPr lang="de-CH" dirty="0"/>
+              <a:t> und Scopes</a:t>
+            </a:r>
+          </a:p>
+          <a:p>
+            <a:r>
+              <a:rPr lang="de-CH" dirty="0"/>
+              <a:t>Ergo: Authentifizierter User über autorisierten Client</a:t>
+            </a:r>
+          </a:p>
+          <a:p>
+            <a:r>
+              <a:rPr lang="de-CH" dirty="0"/>
+              <a:t>Erhält Access Token und Authentication Cookie</a:t>
+            </a:r>
+          </a:p>
+          <a:p>
+            <a:r>
+              <a:rPr lang="de-CH" dirty="0"/>
+              <a:t>Access Token für Zugriff, Cookie für Session</a:t>
+            </a:r>
+          </a:p>
+          <a:p>
+            <a:r>
+              <a:rPr lang="de-CH" dirty="0"/>
+              <a:t>Danach Anfrage auf Ressource via BFF (https)</a:t>
+            </a:r>
+          </a:p>
+          <a:p>
+            <a:r>
+              <a:rPr lang="de-CH" dirty="0"/>
+              <a:t>BFF wird Authentication verifizieren</a:t>
+            </a:r>
+          </a:p>
+          <a:p>
+            <a:r>
+              <a:rPr lang="de-CH" dirty="0"/>
+              <a:t>Token wird ergänzt und an Anfrage an API geschickt (OAuth2.0)</a:t>
+            </a:r>
+          </a:p>
+          <a:p>
+            <a:r>
+              <a:rPr lang="de-CH" dirty="0"/>
+              <a:t>API prüft beim Security Token </a:t>
+            </a:r>
+            <a:r>
+              <a:rPr lang="de-CH" dirty="0" err="1"/>
+              <a:t>Endpoint</a:t>
+            </a:r>
+            <a:endParaRPr lang="de-CH" dirty="0"/>
+          </a:p>
+          <a:p>
+            <a:r>
+              <a:rPr lang="de-CH" dirty="0"/>
+              <a:t>Gibt dann Ressource frei</a:t>
+            </a:r>
+          </a:p>
+          <a:p>
+            <a:endParaRPr lang="de-CH" dirty="0"/>
+          </a:p>
+          <a:p>
+            <a:r>
+              <a:rPr lang="de-CH" dirty="0"/>
+              <a:t>Szenario: </a:t>
+            </a:r>
+            <a:r>
+              <a:rPr lang="de-CH" dirty="0" err="1"/>
+              <a:t>Swagger</a:t>
+            </a:r>
+            <a:r>
+              <a:rPr lang="de-CH" dirty="0"/>
+              <a:t> (</a:t>
+            </a:r>
+            <a:r>
+              <a:rPr lang="de-CH" dirty="0" err="1"/>
+              <a:t>Machine</a:t>
+            </a:r>
+            <a:r>
+              <a:rPr lang="de-CH" dirty="0"/>
+              <a:t> </a:t>
+            </a:r>
+            <a:r>
+              <a:rPr lang="de-CH" dirty="0" err="1"/>
+              <a:t>to</a:t>
+            </a:r>
+            <a:r>
+              <a:rPr lang="de-CH" dirty="0"/>
+              <a:t> </a:t>
+            </a:r>
+            <a:r>
+              <a:rPr lang="de-CH" dirty="0" err="1"/>
+              <a:t>Machine</a:t>
+            </a:r>
+            <a:r>
+              <a:rPr lang="de-CH" dirty="0"/>
+              <a:t>)</a:t>
+            </a:r>
+          </a:p>
+          <a:p>
+            <a:r>
+              <a:rPr lang="de-CH" dirty="0"/>
+              <a:t>Client </a:t>
+            </a:r>
+            <a:r>
+              <a:rPr lang="de-CH" dirty="0" err="1"/>
+              <a:t>Credentials</a:t>
+            </a:r>
+            <a:r>
+              <a:rPr lang="de-CH" dirty="0"/>
+              <a:t> um Token vom </a:t>
+            </a:r>
+            <a:r>
+              <a:rPr lang="de-CH" dirty="0" err="1"/>
+              <a:t>Endpoint</a:t>
+            </a:r>
+            <a:r>
+              <a:rPr lang="de-CH" dirty="0"/>
+              <a:t> zu holen (Postman)</a:t>
+            </a:r>
+          </a:p>
+          <a:p>
+            <a:r>
+              <a:rPr lang="de-CH" dirty="0"/>
+              <a:t>Mit Token Zugriff auf Ressource</a:t>
+            </a:r>
+          </a:p>
+          <a:p>
+            <a:r>
+              <a:rPr lang="de-CH" dirty="0"/>
+              <a:t>Zeigt dass das Access Token schützenswert ist, da kopiert!</a:t>
+            </a:r>
+          </a:p>
+          <a:p>
+            <a:r>
+              <a:rPr lang="de-CH" dirty="0"/>
+              <a:t>OAuth2.0 ist nur sicher, wenn alle Teilnehmer geschützt sind.</a:t>
+            </a:r>
           </a:p>
         </p:txBody>
       </p:sp>
@@ -8300,7 +8590,124 @@
             <a:endParaRPr lang="de-CH" dirty="0"/>
           </a:p>
           <a:p>
+            <a:r>
+              <a:rPr lang="de-CH" dirty="0"/>
+              <a:t>Wichtigste Bibliotheken:</a:t>
+            </a:r>
+          </a:p>
+          <a:p>
+            <a:r>
+              <a:rPr lang="de-CH" dirty="0"/>
+              <a:t>MUI, </a:t>
+            </a:r>
+            <a:r>
+              <a:rPr lang="de-CH" dirty="0" err="1"/>
+              <a:t>Accessibility</a:t>
+            </a:r>
+            <a:r>
+              <a:rPr lang="de-CH" dirty="0"/>
+              <a:t>, Funktionalität, einfaches Styling</a:t>
+            </a:r>
+          </a:p>
+          <a:p>
+            <a:r>
+              <a:rPr lang="de-CH" dirty="0" err="1"/>
+              <a:t>Jest</a:t>
+            </a:r>
+            <a:r>
+              <a:rPr lang="de-CH" dirty="0"/>
+              <a:t>, die mitgebrachte Library bei </a:t>
+            </a:r>
+            <a:r>
+              <a:rPr lang="de-CH" dirty="0" err="1"/>
+              <a:t>React</a:t>
+            </a:r>
+            <a:r>
+              <a:rPr lang="de-CH" dirty="0"/>
+              <a:t> (v.a. Rendering)</a:t>
+            </a:r>
+          </a:p>
+          <a:p>
+            <a:r>
+              <a:rPr lang="de-CH" dirty="0" err="1"/>
+              <a:t>Msw</a:t>
+            </a:r>
+            <a:r>
+              <a:rPr lang="de-CH" dirty="0"/>
+              <a:t> für Mocks, z.B. Server-Mock für API </a:t>
+            </a:r>
+            <a:r>
+              <a:rPr lang="de-CH" dirty="0" err="1"/>
+              <a:t>calls</a:t>
+            </a:r>
             <a:endParaRPr lang="de-CH" dirty="0"/>
+          </a:p>
+          <a:p>
+            <a:endParaRPr lang="de-CH" dirty="0"/>
+          </a:p>
+          <a:p>
+            <a:r>
+              <a:rPr lang="de-CH" dirty="0" err="1"/>
+              <a:t>Swashbuckle</a:t>
+            </a:r>
+            <a:r>
+              <a:rPr lang="de-CH" dirty="0"/>
+              <a:t> für die Dokumentation und das manuelle Testen / Benutzen der API</a:t>
+            </a:r>
+          </a:p>
+          <a:p>
+            <a:r>
+              <a:rPr lang="de-CH" dirty="0" err="1"/>
+              <a:t>xUnit</a:t>
+            </a:r>
+            <a:r>
+              <a:rPr lang="de-CH" dirty="0"/>
+              <a:t> und </a:t>
+            </a:r>
+            <a:r>
+              <a:rPr lang="de-CH" dirty="0" err="1"/>
+              <a:t>NSubstitute</a:t>
+            </a:r>
+            <a:r>
+              <a:rPr lang="de-CH" dirty="0"/>
+              <a:t> für das </a:t>
+            </a:r>
+            <a:r>
+              <a:rPr lang="de-CH" dirty="0" err="1"/>
+              <a:t>Testing</a:t>
+            </a:r>
+            <a:endParaRPr lang="de-CH" dirty="0"/>
+          </a:p>
+          <a:p>
+            <a:r>
+              <a:rPr lang="de-CH" dirty="0" err="1"/>
+              <a:t>Snapshooter</a:t>
+            </a:r>
+            <a:r>
+              <a:rPr lang="de-CH" dirty="0"/>
+              <a:t> für komplexe Objekte, Datenbankschema und API Spezifikation</a:t>
+            </a:r>
+          </a:p>
+          <a:p>
+            <a:endParaRPr lang="de-CH" dirty="0"/>
+          </a:p>
+          <a:p>
+            <a:r>
+              <a:rPr lang="de-CH" dirty="0" err="1"/>
+              <a:t>Duende</a:t>
+            </a:r>
+            <a:r>
+              <a:rPr lang="de-CH" dirty="0"/>
+              <a:t> </a:t>
+            </a:r>
+            <a:r>
+              <a:rPr lang="de-CH" dirty="0" err="1"/>
+              <a:t>IdentityServer</a:t>
+            </a:r>
+            <a:r>
+              <a:rPr lang="de-CH" dirty="0"/>
+              <a:t> als Authentication Server integriert mit ASP.NET Identity für User</a:t>
+            </a:r>
           </a:p>
         </p:txBody>
       </p:sp>
@@ -8606,12 +9013,52 @@
             <a:endParaRPr lang="de-CH" dirty="0"/>
           </a:p>
           <a:p>
+            <a:r>
+              <a:rPr lang="de-CH" dirty="0" err="1"/>
+              <a:t>Kontinuerliche</a:t>
+            </a:r>
+            <a:r>
+              <a:rPr lang="de-CH" dirty="0"/>
+              <a:t> Arbeit, kein Stress, frühe Ab</a:t>
+            </a:r>
+          </a:p>
+          <a:p>
+            <a:r>
+              <a:rPr lang="de-CH" dirty="0"/>
+              <a:t>Discovery Sprint, 12 weitere</a:t>
+            </a:r>
+          </a:p>
+          <a:p>
+            <a:r>
+              <a:rPr lang="de-CH" dirty="0"/>
+              <a:t>Tickets klein halten</a:t>
+            </a:r>
+          </a:p>
+          <a:p>
+            <a:r>
+              <a:rPr lang="de-CH" dirty="0"/>
+              <a:t>WIP niedrig halten</a:t>
+            </a:r>
+          </a:p>
+          <a:p>
+            <a:r>
+              <a:rPr lang="de-CH" dirty="0"/>
+              <a:t>Backlog-Pflege ist wichtig für die folgende Sprintplanung und fürs Vorwärtskommen (Peaks)</a:t>
+            </a:r>
+          </a:p>
+          <a:p>
             <a:endParaRPr lang="de-CH" dirty="0"/>
           </a:p>
           <a:p>
             <a:r>
               <a:rPr lang="de-CH" dirty="0"/>
-              <a:t>Reflexion: Backlog-Pflege ist wichtig für die folgende Sprintplanung und fürs Vorwärtskommen</a:t>
+              <a:t>Administrativ = v.a. Besprechungen</a:t>
+            </a:r>
+          </a:p>
+          <a:p>
+            <a:r>
+              <a:rPr lang="de-CH" dirty="0"/>
+              <a:t>Je ca. 60h</a:t>
             </a:r>
           </a:p>
         </p:txBody>
@@ -8719,15 +9166,103 @@
             </a:r>
           </a:p>
           <a:p>
+            <a:r>
+              <a:rPr lang="de-CH" dirty="0"/>
+              <a:t>Frontend: </a:t>
+            </a:r>
+            <a:r>
+              <a:rPr lang="de-CH" dirty="0" err="1"/>
+              <a:t>Typescript</a:t>
+            </a:r>
+            <a:r>
+              <a:rPr lang="de-CH" dirty="0"/>
+              <a:t>, PRs, </a:t>
+            </a:r>
+            <a:r>
+              <a:rPr lang="de-CH" dirty="0" err="1"/>
+              <a:t>Commits</a:t>
+            </a:r>
+            <a:r>
+              <a:rPr lang="de-CH" dirty="0"/>
+              <a:t>, </a:t>
+            </a:r>
+            <a:r>
+              <a:rPr lang="de-CH" dirty="0" err="1"/>
+              <a:t>Builds</a:t>
+            </a:r>
+            <a:r>
+              <a:rPr lang="de-CH" dirty="0"/>
+              <a:t> (2 Pläne)</a:t>
+            </a:r>
+          </a:p>
+          <a:p>
+            <a:r>
+              <a:rPr lang="de-CH" dirty="0"/>
+              <a:t>Backend: C#, PRs, </a:t>
+            </a:r>
+            <a:r>
+              <a:rPr lang="de-CH" dirty="0" err="1"/>
+              <a:t>Commits</a:t>
+            </a:r>
+            <a:r>
+              <a:rPr lang="de-CH" dirty="0"/>
+              <a:t>, </a:t>
+            </a:r>
+            <a:r>
+              <a:rPr lang="de-CH" dirty="0" err="1"/>
+              <a:t>Builds</a:t>
+            </a:r>
             <a:endParaRPr lang="de-CH" dirty="0"/>
           </a:p>
           <a:p>
+            <a:pPr marL="0" marR="0" lvl="0" indent="0" algn="l" defTabSz="914400" rtl="0" eaLnBrk="1" fontAlgn="auto" latinLnBrk="0" hangingPunct="1">
+              <a:lnSpc>
+                <a:spcPct val="100000"/>
+              </a:lnSpc>
+              <a:spcBef>
+                <a:spcPts val="0"/>
+              </a:spcBef>
+              <a:spcAft>
+                <a:spcPts val="0"/>
+              </a:spcAft>
+              <a:buClrTx/>
+              <a:buSzTx/>
+              <a:buFontTx/>
+              <a:buNone/>
+              <a:tabLst/>
+              <a:defRPr/>
+            </a:pPr>
+            <a:r>
+              <a:rPr lang="de-CH" dirty="0"/>
+              <a:t>Authentication: Sprachenvielfalt wegen generiertem Code, PR nur für API da Review-Session, </a:t>
+            </a:r>
+            <a:r>
+              <a:rPr lang="de-CH" dirty="0" err="1"/>
+              <a:t>Commits</a:t>
+            </a:r>
+            <a:r>
+              <a:rPr lang="de-CH" dirty="0"/>
+              <a:t>, </a:t>
+            </a:r>
+            <a:r>
+              <a:rPr lang="de-CH" dirty="0" err="1"/>
+              <a:t>Builds</a:t>
+            </a:r>
             <a:endParaRPr lang="de-CH" dirty="0"/>
           </a:p>
           <a:p>
+            <a:endParaRPr lang="de-CH" dirty="0"/>
+          </a:p>
+          <a:p>
             <a:r>
               <a:rPr lang="de-CH" dirty="0"/>
               <a:t>Fokus zuerst auf Backend und gegen Schluss auf Frontend verlagert.</a:t>
+            </a:r>
+          </a:p>
+          <a:p>
+            <a:r>
+              <a:rPr lang="de-CH" dirty="0"/>
+              <a:t>Interessant, zuerst Gerüst gibt wenig Code, dann Funktions-Implementierung</a:t>
             </a:r>
           </a:p>
           <a:p>
@@ -8757,16 +9292,6 @@
             <a:r>
               <a:rPr lang="de-CH" dirty="0"/>
               <a:t>2. Teil Benutzerverwaltung</a:t>
-            </a:r>
-          </a:p>
-          <a:p>
-            <a:pPr marL="171450" indent="-171450">
-              <a:buFontTx/>
-              <a:buChar char="-"/>
-            </a:pPr>
-            <a:r>
-              <a:rPr lang="de-CH" dirty="0"/>
-              <a:t>Sehr viel generierter Code, daher Sprachenvielfalt</a:t>
             </a:r>
           </a:p>
         </p:txBody>
@@ -8877,12 +9402,21 @@
             <a:endParaRPr lang="de-CH" dirty="0"/>
           </a:p>
           <a:p>
-            <a:endParaRPr lang="de-CH" dirty="0"/>
-          </a:p>
-          <a:p>
-            <a:r>
-              <a:rPr lang="de-CH" dirty="0"/>
-              <a:t>Erwähnen, dass Abdeckung inkl. generiertem Code und Konfigurationen ist.</a:t>
+            <a:r>
+              <a:rPr lang="de-CH" dirty="0"/>
+              <a:t>Frontend: Fokus auf Basis-Rendering, Helper-Funktionen/Model vollständig</a:t>
+            </a:r>
+          </a:p>
+          <a:p>
+            <a:r>
+              <a:rPr lang="de-CH" dirty="0"/>
+              <a:t>Backend: Robustheit, Funktionalitäten, keine Konfigurationen</a:t>
+            </a:r>
+          </a:p>
+          <a:p>
+            <a:r>
+              <a:rPr lang="de-CH" dirty="0"/>
+              <a:t>Authentication: Vor allem Konfiguration und generierter Code, daher nur eigene API getestet</a:t>
             </a:r>
           </a:p>
         </p:txBody>
@@ -11063,7 +11597,7 @@
           <a:p>
             <a:fld id="{ED73F198-DB81-4963-9906-E057AC330EDF}" type="datetime1">
               <a:rPr lang="de-CH" smtClean="0"/>
-              <a:t>01.10.2022</a:t>
+              <a:t>02.10.2022</a:t>
             </a:fld>
             <a:endParaRPr lang="de-CH"/>
           </a:p>
@@ -11314,7 +11848,7 @@
           <a:p>
             <a:fld id="{4BE61391-CE41-4878-98B1-713390803216}" type="datetime1">
               <a:rPr lang="de-CH" smtClean="0"/>
-              <a:t>01.10.2022</a:t>
+              <a:t>02.10.2022</a:t>
             </a:fld>
             <a:endParaRPr lang="de-CH"/>
           </a:p>
@@ -11629,7 +12163,7 @@
           <a:p>
             <a:fld id="{4BE61391-CE41-4878-98B1-713390803216}" type="datetime1">
               <a:rPr lang="de-CH" smtClean="0"/>
-              <a:t>01.10.2022</a:t>
+              <a:t>02.10.2022</a:t>
             </a:fld>
             <a:endParaRPr lang="de-CH"/>
           </a:p>
@@ -11971,7 +12505,7 @@
           <a:p>
             <a:fld id="{4BE61391-CE41-4878-98B1-713390803216}" type="datetime1">
               <a:rPr lang="de-CH" smtClean="0"/>
-              <a:t>01.10.2022</a:t>
+              <a:t>02.10.2022</a:t>
             </a:fld>
             <a:endParaRPr lang="de-CH"/>
           </a:p>
@@ -12286,7 +12820,7 @@
           <a:p>
             <a:fld id="{4BE61391-CE41-4878-98B1-713390803216}" type="datetime1">
               <a:rPr lang="de-CH" smtClean="0"/>
-              <a:t>01.10.2022</a:t>
+              <a:t>02.10.2022</a:t>
             </a:fld>
             <a:endParaRPr lang="de-CH"/>
           </a:p>
@@ -12680,7 +13214,7 @@
           <a:p>
             <a:fld id="{4BE61391-CE41-4878-98B1-713390803216}" type="datetime1">
               <a:rPr lang="de-CH" smtClean="0"/>
-              <a:t>01.10.2022</a:t>
+              <a:t>02.10.2022</a:t>
             </a:fld>
             <a:endParaRPr lang="de-CH"/>
           </a:p>
@@ -12851,7 +13385,7 @@
           <a:p>
             <a:fld id="{C8D28C62-1A2D-4B8E-AE68-FD2F29B8A175}" type="datetime1">
               <a:rPr lang="de-CH" smtClean="0"/>
-              <a:t>01.10.2022</a:t>
+              <a:t>02.10.2022</a:t>
             </a:fld>
             <a:endParaRPr lang="de-CH"/>
           </a:p>
@@ -13031,7 +13565,7 @@
           <a:p>
             <a:fld id="{C9BE3DC0-100A-40B0-BF4D-618CBEC70B25}" type="datetime1">
               <a:rPr lang="de-CH" smtClean="0"/>
-              <a:t>01.10.2022</a:t>
+              <a:t>02.10.2022</a:t>
             </a:fld>
             <a:endParaRPr lang="de-CH"/>
           </a:p>
@@ -13207,7 +13741,7 @@
           <a:p>
             <a:fld id="{32C34E9C-E89A-4D80-9230-A1E738492357}" type="datetime1">
               <a:rPr lang="de-CH" smtClean="0"/>
-              <a:t>01.10.2022</a:t>
+              <a:t>02.10.2022</a:t>
             </a:fld>
             <a:endParaRPr lang="de-CH"/>
           </a:p>
@@ -13454,7 +13988,7 @@
           <a:p>
             <a:fld id="{FF282D36-C364-410F-ABA9-4C799A69FAA9}" type="datetime1">
               <a:rPr lang="de-CH" smtClean="0"/>
-              <a:t>01.10.2022</a:t>
+              <a:t>02.10.2022</a:t>
             </a:fld>
             <a:endParaRPr lang="de-CH"/>
           </a:p>
@@ -13686,7 +14220,7 @@
           <a:p>
             <a:fld id="{02007695-A285-41F0-8782-AF15AED445BB}" type="datetime1">
               <a:rPr lang="de-CH" smtClean="0"/>
-              <a:t>01.10.2022</a:t>
+              <a:t>02.10.2022</a:t>
             </a:fld>
             <a:endParaRPr lang="de-CH"/>
           </a:p>
@@ -14060,7 +14594,7 @@
           <a:p>
             <a:fld id="{16ACFCB4-3396-4C91-8DCC-3A511583F294}" type="datetime1">
               <a:rPr lang="de-CH" smtClean="0"/>
-              <a:t>01.10.2022</a:t>
+              <a:t>02.10.2022</a:t>
             </a:fld>
             <a:endParaRPr lang="de-CH"/>
           </a:p>
@@ -14183,7 +14717,7 @@
           <a:p>
             <a:fld id="{8E6106F8-D436-4388-B115-AF5279B8AAE6}" type="datetime1">
               <a:rPr lang="de-CH" smtClean="0"/>
-              <a:t>01.10.2022</a:t>
+              <a:t>02.10.2022</a:t>
             </a:fld>
             <a:endParaRPr lang="de-CH"/>
           </a:p>
@@ -14278,7 +14812,7 @@
           <a:p>
             <a:fld id="{25C7CD7D-3820-47C7-9DA5-4E8160531771}" type="datetime1">
               <a:rPr lang="de-CH" smtClean="0"/>
-              <a:t>01.10.2022</a:t>
+              <a:t>02.10.2022</a:t>
             </a:fld>
             <a:endParaRPr lang="de-CH"/>
           </a:p>
@@ -14533,7 +15067,7 @@
           <a:p>
             <a:fld id="{F1E62ABB-A41A-4935-809A-B010E7714C9D}" type="datetime1">
               <a:rPr lang="de-CH" smtClean="0"/>
-              <a:t>01.10.2022</a:t>
+              <a:t>02.10.2022</a:t>
             </a:fld>
             <a:endParaRPr lang="de-CH"/>
           </a:p>
@@ -14796,7 +15330,7 @@
           <a:p>
             <a:fld id="{4BE61391-CE41-4878-98B1-713390803216}" type="datetime1">
               <a:rPr lang="de-CH" smtClean="0"/>
-              <a:t>01.10.2022</a:t>
+              <a:t>02.10.2022</a:t>
             </a:fld>
             <a:endParaRPr lang="de-CH"/>
           </a:p>
@@ -15540,7 +16074,7 @@
           <a:p>
             <a:fld id="{4BE61391-CE41-4878-98B1-713390803216}" type="datetime1">
               <a:rPr lang="de-CH" smtClean="0"/>
-              <a:t>01.10.2022</a:t>
+              <a:t>02.10.2022</a:t>
             </a:fld>
             <a:endParaRPr lang="de-CH"/>
           </a:p>
@@ -25909,15 +26443,6 @@
 </file>
 
 <file path=customXml/item1.xml><?xml version="1.0" encoding="utf-8"?>
-<?mso-contentType ?>
-<FormTemplates xmlns="http://schemas.microsoft.com/sharepoint/v3/contenttype/forms">
-  <Display>DocumentLibraryForm</Display>
-  <Edit>DocumentLibraryForm</Edit>
-  <New>DocumentLibraryForm</New>
-</FormTemplates>
-</file>
-
-<file path=customXml/item2.xml><?xml version="1.0" encoding="utf-8"?>
 <ct:contentTypeSchema xmlns:ct="http://schemas.microsoft.com/office/2006/metadata/contentType" xmlns:ma="http://schemas.microsoft.com/office/2006/metadata/properties/metaAttributes" ct:_="" ma:_="" ma:contentTypeName="Dokument" ma:contentTypeID="0x0101008D8A91355A09ED49A2CD37913ECCBD8F" ma:contentTypeVersion="10" ma:contentTypeDescription="Ein neues Dokument erstellen." ma:contentTypeScope="" ma:versionID="27876bd0c978c72af55f11f00f197b4d">
   <xsd:schema xmlns:xsd="http://www.w3.org/2001/XMLSchema" xmlns:xs="http://www.w3.org/2001/XMLSchema" xmlns:p="http://schemas.microsoft.com/office/2006/metadata/properties" xmlns:ns2="9c339813-10bc-447b-932a-1b9d7d5cf15f" targetNamespace="http://schemas.microsoft.com/office/2006/metadata/properties" ma:root="true" ma:fieldsID="f004244127d678be64938a86076237cc" ns2:_="">
     <xsd:import namespace="9c339813-10bc-447b-932a-1b9d7d5cf15f"/>
@@ -26101,6 +26626,15 @@
 </ct:contentTypeSchema>
 </file>
 
+<file path=customXml/item2.xml><?xml version="1.0" encoding="utf-8"?>
+<?mso-contentType ?>
+<FormTemplates xmlns="http://schemas.microsoft.com/sharepoint/v3/contenttype/forms">
+  <Display>DocumentLibraryForm</Display>
+  <Edit>DocumentLibraryForm</Edit>
+  <New>DocumentLibraryForm</New>
+</FormTemplates>
+</file>
+
 <file path=customXml/item3.xml><?xml version="1.0" encoding="utf-8"?>
 <p:properties xmlns:p="http://schemas.microsoft.com/office/2006/metadata/properties" xmlns:xsi="http://www.w3.org/2001/XMLSchema-instance" xmlns:pc="http://schemas.microsoft.com/office/infopath/2007/PartnerControls">
   <documentManagement/>
@@ -26108,14 +26642,6 @@
 </file>
 
 <file path=customXml/itemProps1.xml><?xml version="1.0" encoding="utf-8"?>
-<ds:datastoreItem xmlns:ds="http://schemas.openxmlformats.org/officeDocument/2006/customXml" ds:itemID="{BDCB3EC0-5DCA-48F2-BD01-54E02CFCF6AA}">
-  <ds:schemaRefs>
-    <ds:schemaRef ds:uri="http://schemas.microsoft.com/sharepoint/v3/contenttype/forms"/>
-  </ds:schemaRefs>
-</ds:datastoreItem>
-</file>
-
-<file path=customXml/itemProps2.xml><?xml version="1.0" encoding="utf-8"?>
 <ds:datastoreItem xmlns:ds="http://schemas.openxmlformats.org/officeDocument/2006/customXml" ds:itemID="{45A0E1BB-5BB6-4EAB-9A73-FD942EA25190}">
   <ds:schemaRefs>
     <ds:schemaRef ds:uri="http://schemas.microsoft.com/office/2006/metadata/contentType"/>
@@ -26129,6 +26655,14 @@
     <ds:schemaRef ds:uri="http://purl.org/dc/elements/1.1/"/>
     <ds:schemaRef ds:uri="http://purl.org/dc/terms/"/>
     <ds:schemaRef ds:uri="http://schemas.microsoft.com/internal/obd"/>
+  </ds:schemaRefs>
+</ds:datastoreItem>
+</file>
+
+<file path=customXml/itemProps2.xml><?xml version="1.0" encoding="utf-8"?>
+<ds:datastoreItem xmlns:ds="http://schemas.openxmlformats.org/officeDocument/2006/customXml" ds:itemID="{BDCB3EC0-5DCA-48F2-BD01-54E02CFCF6AA}">
+  <ds:schemaRefs>
+    <ds:schemaRef ds:uri="http://schemas.microsoft.com/sharepoint/v3/contenttype/forms"/>
   </ds:schemaRefs>
 </ds:datastoreItem>
 </file>

--- a/Präsentation/RecipeManager_Präsentation.pptx
+++ b/Präsentation/RecipeManager_Präsentation.pptx
@@ -7299,13 +7299,22 @@
           <a:p>
             <a:r>
               <a:rPr lang="de-CH" dirty="0"/>
-              <a:t>Auf dem Weg zur Evaluierung der Architektur, haben wir uns die Grobstruktur unserer Applikation aufgezeichnet und darin unsere wichtigsten Abläufe eingezeichnet.</a:t>
+              <a:t>Auf dem Weg zur Evaluierung der Architektur, haben wir uns die SW-Grobstruktur unserer Applikation aufgezeichnet und darin unsere wichtigsten Abläufe eingezeichnet.</a:t>
             </a:r>
           </a:p>
           <a:p>
             <a:r>
               <a:rPr lang="de-CH" dirty="0"/>
               <a:t>Dabei sind die wichtigsten Komponenten wie das GUI, die Rezepte- und Zutatenverwaltung und die Zutatenverwaltung, sowie die jeweilige Verwendung der DB zu erkennen.</a:t>
+            </a:r>
+          </a:p>
+          <a:p>
+            <a:endParaRPr lang="de-CH" dirty="0"/>
+          </a:p>
+          <a:p>
+            <a:r>
+              <a:rPr lang="de-CH" dirty="0"/>
+              <a:t>Unterschied Berechtigung GUI erwähnen</a:t>
             </a:r>
           </a:p>
         </p:txBody>
@@ -7647,13 +7656,16 @@
             </a:pPr>
             <a:r>
               <a:rPr lang="de-CH" dirty="0"/>
-              <a:t>Backend-Tier mit einer .NET </a:t>
+              <a:t>.NET </a:t>
             </a:r>
             <a:r>
               <a:rPr lang="de-CH" dirty="0" err="1"/>
               <a:t>WebAPI</a:t>
             </a:r>
-            <a:endParaRPr lang="de-CH" dirty="0"/>
+            <a:r>
+              <a:rPr lang="de-CH" dirty="0"/>
+              <a:t> im Backend-Tier</a:t>
+            </a:r>
           </a:p>
           <a:p>
             <a:pPr marL="171450" indent="-171450">
@@ -7672,13 +7684,16 @@
             </a:pPr>
             <a:r>
               <a:rPr lang="de-CH" dirty="0"/>
-              <a:t>Authentication-Tier ebenfalls als .NET </a:t>
+              <a:t>.NET </a:t>
             </a:r>
             <a:r>
               <a:rPr lang="de-CH" dirty="0" err="1"/>
               <a:t>WebAPI</a:t>
             </a:r>
-            <a:endParaRPr lang="de-CH" dirty="0"/>
+            <a:r>
+              <a:rPr lang="de-CH" dirty="0"/>
+              <a:t> im Authentication-Tier</a:t>
+            </a:r>
           </a:p>
           <a:p>
             <a:pPr marL="0" indent="0">
@@ -7711,44 +7726,7 @@
             </a:pPr>
             <a:r>
               <a:rPr lang="de-CH" dirty="0"/>
-              <a:t>Im Kern vom Backend ist die hexagonale, grundlegende Architektur vorhanden. Die damit verbundenen Komponenten haben jeweils eine Abhängigkeit aufs Backend und sind über Adapter eingebunden.</a:t>
-            </a:r>
-          </a:p>
-          <a:p>
-            <a:pPr marL="0" indent="0">
-              <a:buFontTx/>
-              <a:buNone/>
-            </a:pPr>
-            <a:r>
-              <a:rPr lang="de-CH" dirty="0"/>
-              <a:t>Der Vorteil liegt dabei in der Austauschbarkeit der umgebenden Komponenten, sowie der losen Kopplung.</a:t>
-            </a:r>
-          </a:p>
-          <a:p>
-            <a:pPr marL="0" indent="0">
-              <a:buFontTx/>
-              <a:buNone/>
-            </a:pPr>
-            <a:r>
-              <a:rPr lang="de-CH" dirty="0"/>
               <a:t>Die Authentifizierung wird als Middleware in die Kommunikation zwischen Front- und Backend eingefügt.</a:t>
-            </a:r>
-          </a:p>
-          <a:p>
-            <a:pPr marL="0" indent="0">
-              <a:buFontTx/>
-              <a:buNone/>
-            </a:pPr>
-            <a:endParaRPr lang="de-CH" dirty="0"/>
-          </a:p>
-          <a:p>
-            <a:pPr marL="0" indent="0">
-              <a:buFontTx/>
-              <a:buNone/>
-            </a:pPr>
-            <a:r>
-              <a:rPr lang="de-CH" dirty="0"/>
-              <a:t>Dieser Aufbau hat sich bei den Erweiterungen und der Testbarkeit sehr bewährt.</a:t>
             </a:r>
           </a:p>
         </p:txBody>
@@ -7842,6 +7820,67 @@
             <a:endParaRPr lang="de-CH" dirty="0"/>
           </a:p>
           <a:p>
+            <a:pPr marL="0" indent="0">
+              <a:buFontTx/>
+              <a:buNone/>
+            </a:pPr>
+            <a:r>
+              <a:rPr lang="de-CH" dirty="0"/>
+              <a:t>Im Kern vom Backend ist die hexagonale, grundlegende Architektur vorhanden. Die damit verbundenen Komponenten haben jeweils eine Abhängigkeit aufs Backend und sind über Adapter eingebunden.</a:t>
+            </a:r>
+          </a:p>
+          <a:p>
+            <a:pPr marL="0" indent="0">
+              <a:buFontTx/>
+              <a:buNone/>
+            </a:pPr>
+            <a:r>
+              <a:rPr lang="de-CH" dirty="0"/>
+              <a:t>Der Vorteil liegt dabei in der </a:t>
+            </a:r>
+            <a:r>
+              <a:rPr lang="de-CH" dirty="0" err="1"/>
+              <a:t>Erweiter</a:t>
+            </a:r>
+            <a:r>
+              <a:rPr lang="de-CH" dirty="0"/>
+              <a:t>- und Austauschbarkeit der umgebenden Komponenten.</a:t>
+            </a:r>
+          </a:p>
+          <a:p>
+            <a:pPr marL="0" indent="0">
+              <a:buFontTx/>
+              <a:buNone/>
+            </a:pPr>
+            <a:endParaRPr lang="de-CH" dirty="0"/>
+          </a:p>
+          <a:p>
+            <a:pPr marL="0" marR="0" lvl="0" indent="0" algn="l" defTabSz="914400" rtl="0" eaLnBrk="1" fontAlgn="auto" latinLnBrk="0" hangingPunct="1">
+              <a:lnSpc>
+                <a:spcPct val="100000"/>
+              </a:lnSpc>
+              <a:spcBef>
+                <a:spcPts val="0"/>
+              </a:spcBef>
+              <a:spcAft>
+                <a:spcPts val="0"/>
+              </a:spcAft>
+              <a:buClrTx/>
+              <a:buSzTx/>
+              <a:buFontTx/>
+              <a:buNone/>
+              <a:tabLst/>
+              <a:defRPr/>
+            </a:pPr>
+            <a:r>
+              <a:rPr lang="de-CH" dirty="0"/>
+              <a:t>Dieser Aufbau hat sich bei den Erweiterungen und der Testbarkeit sehr bewährt.</a:t>
+            </a:r>
+          </a:p>
+          <a:p>
+            <a:endParaRPr lang="de-CH" dirty="0"/>
+          </a:p>
+          <a:p>
             <a:r>
               <a:rPr lang="de-CH" dirty="0"/>
               <a:t>Das Backend selbst ist intern in folgende Schichten aufgeteilt.</a:t>
@@ -8071,7 +8110,7 @@
             </a:pPr>
             <a:r>
               <a:rPr lang="de-CH" dirty="0"/>
-              <a:t>Applikation zwischen Systemen portierbar</a:t>
+              <a:t>Applikation zwischen Systemen portierbar, deshalb Container</a:t>
             </a:r>
           </a:p>
           <a:p>
@@ -8083,7 +8122,10 @@
               <a:rPr lang="de-CH" dirty="0" err="1"/>
               <a:t>proxy</a:t>
             </a:r>
-            <a:endParaRPr lang="de-CH" dirty="0"/>
+            <a:r>
+              <a:rPr lang="de-CH" dirty="0"/>
+              <a:t> (https)</a:t>
+            </a:r>
           </a:p>
           <a:p>
             <a:r>
@@ -9019,7 +9061,7 @@
             </a:r>
             <a:r>
               <a:rPr lang="de-CH" dirty="0"/>
-              <a:t> Arbeit, kein Stress, frühe Ab</a:t>
+              <a:t> Arbeit, kein Stress, frühe Abgabe</a:t>
             </a:r>
           </a:p>
           <a:p>
@@ -9031,13 +9073,16 @@
           <a:p>
             <a:r>
               <a:rPr lang="de-CH" dirty="0"/>
+              <a:t>WIP niedrig gehalten, guter Fokus</a:t>
+            </a:r>
+          </a:p>
+          <a:p>
+            <a:endParaRPr lang="de-CH" dirty="0"/>
+          </a:p>
+          <a:p>
+            <a:r>
+              <a:rPr lang="de-CH" dirty="0"/>
               <a:t>Tickets klein halten</a:t>
-            </a:r>
-          </a:p>
-          <a:p>
-            <a:r>
-              <a:rPr lang="de-CH" dirty="0"/>
-              <a:t>WIP niedrig halten</a:t>
             </a:r>
           </a:p>
           <a:p>
@@ -24784,7 +24829,7 @@
         </p:spPr>
         <p:txBody>
           <a:bodyPr>
-            <a:normAutofit/>
+            <a:normAutofit lnSpcReduction="10000"/>
           </a:bodyPr>
           <a:lstStyle/>
           <a:p>
@@ -24804,21 +24849,28 @@
             <a:pPr lvl="1"/>
             <a:r>
               <a:rPr lang="de-CH" dirty="0"/>
-              <a:t>Bequeme und effiziente Kochansicht</a:t>
+              <a:t>Einfache Kochansicht</a:t>
             </a:r>
           </a:p>
           <a:p>
             <a:pPr lvl="1"/>
             <a:r>
               <a:rPr lang="de-CH" dirty="0"/>
-              <a:t>Zusammenstellung Wochenplan</a:t>
-            </a:r>
-          </a:p>
-          <a:p>
-            <a:pPr lvl="1"/>
-            <a:r>
-              <a:rPr lang="de-CH" dirty="0"/>
-              <a:t>Automatisierter Rezeptimport</a:t>
+              <a:t>Wochenplan</a:t>
+            </a:r>
+          </a:p>
+          <a:p>
+            <a:pPr lvl="2"/>
+            <a:r>
+              <a:rPr lang="de-CH" dirty="0"/>
+              <a:t>Einkaufsliste</a:t>
+            </a:r>
+          </a:p>
+          <a:p>
+            <a:pPr lvl="2"/>
+            <a:r>
+              <a:rPr lang="de-CH" dirty="0"/>
+              <a:t>Rezeptvorschläge</a:t>
             </a:r>
           </a:p>
           <a:p>
@@ -25323,7 +25375,7 @@
           <a:p>
             <a:r>
               <a:rPr lang="de-CH" dirty="0"/>
-              <a:t>Kochansicht</a:t>
+              <a:t>Bequeme und effiziente Kochansicht</a:t>
             </a:r>
           </a:p>
           <a:p>
@@ -26443,6 +26495,21 @@
 </file>
 
 <file path=customXml/item1.xml><?xml version="1.0" encoding="utf-8"?>
+<p:properties xmlns:p="http://schemas.microsoft.com/office/2006/metadata/properties" xmlns:xsi="http://www.w3.org/2001/XMLSchema-instance" xmlns:pc="http://schemas.microsoft.com/office/infopath/2007/PartnerControls">
+  <documentManagement/>
+</p:properties>
+</file>
+
+<file path=customXml/item2.xml><?xml version="1.0" encoding="utf-8"?>
+<?mso-contentType ?>
+<FormTemplates xmlns="http://schemas.microsoft.com/sharepoint/v3/contenttype/forms">
+  <Display>DocumentLibraryForm</Display>
+  <Edit>DocumentLibraryForm</Edit>
+  <New>DocumentLibraryForm</New>
+</FormTemplates>
+</file>
+
+<file path=customXml/item3.xml><?xml version="1.0" encoding="utf-8"?>
 <ct:contentTypeSchema xmlns:ct="http://schemas.microsoft.com/office/2006/metadata/contentType" xmlns:ma="http://schemas.microsoft.com/office/2006/metadata/properties/metaAttributes" ct:_="" ma:_="" ma:contentTypeName="Dokument" ma:contentTypeID="0x0101008D8A91355A09ED49A2CD37913ECCBD8F" ma:contentTypeVersion="10" ma:contentTypeDescription="Ein neues Dokument erstellen." ma:contentTypeScope="" ma:versionID="27876bd0c978c72af55f11f00f197b4d">
   <xsd:schema xmlns:xsd="http://www.w3.org/2001/XMLSchema" xmlns:xs="http://www.w3.org/2001/XMLSchema" xmlns:p="http://schemas.microsoft.com/office/2006/metadata/properties" xmlns:ns2="9c339813-10bc-447b-932a-1b9d7d5cf15f" targetNamespace="http://schemas.microsoft.com/office/2006/metadata/properties" ma:root="true" ma:fieldsID="f004244127d678be64938a86076237cc" ns2:_="">
     <xsd:import namespace="9c339813-10bc-447b-932a-1b9d7d5cf15f"/>
@@ -26626,22 +26693,31 @@
 </ct:contentTypeSchema>
 </file>
 
-<file path=customXml/item2.xml><?xml version="1.0" encoding="utf-8"?>
-<?mso-contentType ?>
-<FormTemplates xmlns="http://schemas.microsoft.com/sharepoint/v3/contenttype/forms">
-  <Display>DocumentLibraryForm</Display>
-  <Edit>DocumentLibraryForm</Edit>
-  <New>DocumentLibraryForm</New>
-</FormTemplates>
+<file path=customXml/itemProps1.xml><?xml version="1.0" encoding="utf-8"?>
+<ds:datastoreItem xmlns:ds="http://schemas.openxmlformats.org/officeDocument/2006/customXml" ds:itemID="{07CCB9E7-C57A-4E96-958B-42A4B20CD0B8}">
+  <ds:schemaRefs>
+    <ds:schemaRef ds:uri="http://purl.org/dc/dcmitype/"/>
+    <ds:schemaRef ds:uri="http://schemas.microsoft.com/office/infopath/2007/PartnerControls"/>
+    <ds:schemaRef ds:uri="9c339813-10bc-447b-932a-1b9d7d5cf15f"/>
+    <ds:schemaRef ds:uri="http://purl.org/dc/elements/1.1/"/>
+    <ds:schemaRef ds:uri="http://schemas.microsoft.com/office/2006/documentManagement/types"/>
+    <ds:schemaRef ds:uri="http://purl.org/dc/terms/"/>
+    <ds:schemaRef ds:uri="http://schemas.openxmlformats.org/package/2006/metadata/core-properties"/>
+    <ds:schemaRef ds:uri="http://schemas.microsoft.com/office/2006/metadata/properties"/>
+    <ds:schemaRef ds:uri="http://www.w3.org/XML/1998/namespace"/>
+  </ds:schemaRefs>
+</ds:datastoreItem>
 </file>
 
-<file path=customXml/item3.xml><?xml version="1.0" encoding="utf-8"?>
-<p:properties xmlns:p="http://schemas.microsoft.com/office/2006/metadata/properties" xmlns:xsi="http://www.w3.org/2001/XMLSchema-instance" xmlns:pc="http://schemas.microsoft.com/office/infopath/2007/PartnerControls">
-  <documentManagement/>
-</p:properties>
+<file path=customXml/itemProps2.xml><?xml version="1.0" encoding="utf-8"?>
+<ds:datastoreItem xmlns:ds="http://schemas.openxmlformats.org/officeDocument/2006/customXml" ds:itemID="{BDCB3EC0-5DCA-48F2-BD01-54E02CFCF6AA}">
+  <ds:schemaRefs>
+    <ds:schemaRef ds:uri="http://schemas.microsoft.com/sharepoint/v3/contenttype/forms"/>
+  </ds:schemaRefs>
+</ds:datastoreItem>
 </file>
 
-<file path=customXml/itemProps1.xml><?xml version="1.0" encoding="utf-8"?>
+<file path=customXml/itemProps3.xml><?xml version="1.0" encoding="utf-8"?>
 <ds:datastoreItem xmlns:ds="http://schemas.openxmlformats.org/officeDocument/2006/customXml" ds:itemID="{45A0E1BB-5BB6-4EAB-9A73-FD942EA25190}">
   <ds:schemaRefs>
     <ds:schemaRef ds:uri="http://schemas.microsoft.com/office/2006/metadata/contentType"/>
@@ -26657,28 +26733,4 @@
     <ds:schemaRef ds:uri="http://schemas.microsoft.com/internal/obd"/>
   </ds:schemaRefs>
 </ds:datastoreItem>
-</file>
-
-<file path=customXml/itemProps2.xml><?xml version="1.0" encoding="utf-8"?>
-<ds:datastoreItem xmlns:ds="http://schemas.openxmlformats.org/officeDocument/2006/customXml" ds:itemID="{BDCB3EC0-5DCA-48F2-BD01-54E02CFCF6AA}">
-  <ds:schemaRefs>
-    <ds:schemaRef ds:uri="http://schemas.microsoft.com/sharepoint/v3/contenttype/forms"/>
-  </ds:schemaRefs>
-</ds:datastoreItem>
-</file>
-
-<file path=customXml/itemProps3.xml><?xml version="1.0" encoding="utf-8"?>
-<ds:datastoreItem xmlns:ds="http://schemas.openxmlformats.org/officeDocument/2006/customXml" ds:itemID="{07CCB9E7-C57A-4E96-958B-42A4B20CD0B8}">
-  <ds:schemaRefs>
-    <ds:schemaRef ds:uri="http://purl.org/dc/dcmitype/"/>
-    <ds:schemaRef ds:uri="http://schemas.microsoft.com/office/infopath/2007/PartnerControls"/>
-    <ds:schemaRef ds:uri="9c339813-10bc-447b-932a-1b9d7d5cf15f"/>
-    <ds:schemaRef ds:uri="http://purl.org/dc/elements/1.1/"/>
-    <ds:schemaRef ds:uri="http://schemas.microsoft.com/office/2006/documentManagement/types"/>
-    <ds:schemaRef ds:uri="http://purl.org/dc/terms/"/>
-    <ds:schemaRef ds:uri="http://schemas.openxmlformats.org/package/2006/metadata/core-properties"/>
-    <ds:schemaRef ds:uri="http://schemas.microsoft.com/office/2006/metadata/properties"/>
-    <ds:schemaRef ds:uri="http://www.w3.org/XML/1998/namespace"/>
-  </ds:schemaRefs>
-</ds:datastoreItem>
 </file>